--- a/Presentation/AgenticAI_Presentation.pptx
+++ b/Presentation/AgenticAI_Presentation.pptx
@@ -5,20 +5,21 @@
     <p:sldMasterId id="2147483648" r:id="rId1"/>
   </p:sldMasterIdLst>
   <p:notesMasterIdLst>
-    <p:notesMasterId r:id="rId13"/>
+    <p:notesMasterId r:id="rId14"/>
   </p:notesMasterIdLst>
   <p:sldIdLst>
     <p:sldId id="261" r:id="rId2"/>
     <p:sldId id="258" r:id="rId3"/>
     <p:sldId id="259" r:id="rId4"/>
-    <p:sldId id="257" r:id="rId5"/>
-    <p:sldId id="260" r:id="rId6"/>
-    <p:sldId id="262" r:id="rId7"/>
-    <p:sldId id="264" r:id="rId8"/>
-    <p:sldId id="265" r:id="rId9"/>
-    <p:sldId id="266" r:id="rId10"/>
-    <p:sldId id="267" r:id="rId11"/>
-    <p:sldId id="256" r:id="rId12"/>
+    <p:sldId id="260" r:id="rId5"/>
+    <p:sldId id="262" r:id="rId6"/>
+    <p:sldId id="269" r:id="rId7"/>
+    <p:sldId id="268" r:id="rId8"/>
+    <p:sldId id="264" r:id="rId9"/>
+    <p:sldId id="265" r:id="rId10"/>
+    <p:sldId id="266" r:id="rId11"/>
+    <p:sldId id="267" r:id="rId12"/>
+    <p:sldId id="256" r:id="rId13"/>
   </p:sldIdLst>
   <p:sldSz cx="12192000" cy="6858000"/>
   <p:notesSz cx="6858000" cy="9144000"/>
@@ -117,6 +118,11 @@
       </a:defRPr>
     </a:lvl9pPr>
   </p:defaultTextStyle>
+  <p:extLst>
+    <p:ext uri="{EFAFB233-063F-42B5-8137-9DF3F51BA10A}">
+      <p15:sldGuideLst xmlns:p15="http://schemas.microsoft.com/office/powerpoint/2012/main"/>
+    </p:ext>
+  </p:extLst>
 </p:presentation>
 </file>
 
@@ -202,7 +208,7 @@
           <a:p>
             <a:fld id="{8605957E-B54F-A44B-9CF2-73BDFFB35701}" type="datetimeFigureOut">
               <a:rPr lang="en-US" smtClean="0"/>
-              <a:t>3/26/25</a:t>
+              <a:t>4/2/25</a:t>
             </a:fld>
             <a:endParaRPr lang="en-US"/>
           </a:p>
@@ -702,7 +708,7 @@
           <a:p>
             <a:fld id="{306982A3-319E-0745-8875-C96EBFE5598C}" type="slidenum">
               <a:rPr lang="en-US" smtClean="0"/>
-              <a:t>11</a:t>
+              <a:t>12</a:t>
             </a:fld>
             <a:endParaRPr lang="en-US"/>
           </a:p>
@@ -868,7 +874,7 @@
           <a:p>
             <a:fld id="{DC32F712-418A-6448-A39A-7D8D507B5866}" type="datetimeFigureOut">
               <a:rPr lang="en-US" smtClean="0"/>
-              <a:t>3/23/25</a:t>
+              <a:t>4/2/25</a:t>
             </a:fld>
             <a:endParaRPr lang="en-US"/>
           </a:p>
@@ -1066,7 +1072,7 @@
           <a:p>
             <a:fld id="{DC32F712-418A-6448-A39A-7D8D507B5866}" type="datetimeFigureOut">
               <a:rPr lang="en-US" smtClean="0"/>
-              <a:t>3/23/25</a:t>
+              <a:t>4/2/25</a:t>
             </a:fld>
             <a:endParaRPr lang="en-US"/>
           </a:p>
@@ -1274,7 +1280,7 @@
           <a:p>
             <a:fld id="{DC32F712-418A-6448-A39A-7D8D507B5866}" type="datetimeFigureOut">
               <a:rPr lang="en-US" smtClean="0"/>
-              <a:t>3/23/25</a:t>
+              <a:t>4/2/25</a:t>
             </a:fld>
             <a:endParaRPr lang="en-US"/>
           </a:p>
@@ -1472,7 +1478,7 @@
           <a:p>
             <a:fld id="{DC32F712-418A-6448-A39A-7D8D507B5866}" type="datetimeFigureOut">
               <a:rPr lang="en-US" smtClean="0"/>
-              <a:t>3/23/25</a:t>
+              <a:t>4/2/25</a:t>
             </a:fld>
             <a:endParaRPr lang="en-US"/>
           </a:p>
@@ -1747,7 +1753,7 @@
           <a:p>
             <a:fld id="{DC32F712-418A-6448-A39A-7D8D507B5866}" type="datetimeFigureOut">
               <a:rPr lang="en-US" smtClean="0"/>
-              <a:t>3/23/25</a:t>
+              <a:t>4/2/25</a:t>
             </a:fld>
             <a:endParaRPr lang="en-US"/>
           </a:p>
@@ -2012,7 +2018,7 @@
           <a:p>
             <a:fld id="{DC32F712-418A-6448-A39A-7D8D507B5866}" type="datetimeFigureOut">
               <a:rPr lang="en-US" smtClean="0"/>
-              <a:t>3/23/25</a:t>
+              <a:t>4/2/25</a:t>
             </a:fld>
             <a:endParaRPr lang="en-US"/>
           </a:p>
@@ -2424,7 +2430,7 @@
           <a:p>
             <a:fld id="{DC32F712-418A-6448-A39A-7D8D507B5866}" type="datetimeFigureOut">
               <a:rPr lang="en-US" smtClean="0"/>
-              <a:t>3/23/25</a:t>
+              <a:t>4/2/25</a:t>
             </a:fld>
             <a:endParaRPr lang="en-US"/>
           </a:p>
@@ -2565,7 +2571,7 @@
           <a:p>
             <a:fld id="{DC32F712-418A-6448-A39A-7D8D507B5866}" type="datetimeFigureOut">
               <a:rPr lang="en-US" smtClean="0"/>
-              <a:t>3/23/25</a:t>
+              <a:t>4/2/25</a:t>
             </a:fld>
             <a:endParaRPr lang="en-US"/>
           </a:p>
@@ -2678,7 +2684,7 @@
           <a:p>
             <a:fld id="{DC32F712-418A-6448-A39A-7D8D507B5866}" type="datetimeFigureOut">
               <a:rPr lang="en-US" smtClean="0"/>
-              <a:t>3/23/25</a:t>
+              <a:t>4/2/25</a:t>
             </a:fld>
             <a:endParaRPr lang="en-US"/>
           </a:p>
@@ -2989,7 +2995,7 @@
           <a:p>
             <a:fld id="{DC32F712-418A-6448-A39A-7D8D507B5866}" type="datetimeFigureOut">
               <a:rPr lang="en-US" smtClean="0"/>
-              <a:t>3/23/25</a:t>
+              <a:t>4/2/25</a:t>
             </a:fld>
             <a:endParaRPr lang="en-US"/>
           </a:p>
@@ -3277,7 +3283,7 @@
           <a:p>
             <a:fld id="{DC32F712-418A-6448-A39A-7D8D507B5866}" type="datetimeFigureOut">
               <a:rPr lang="en-US" smtClean="0"/>
-              <a:t>3/23/25</a:t>
+              <a:t>4/2/25</a:t>
             </a:fld>
             <a:endParaRPr lang="en-US"/>
           </a:p>
@@ -3518,7 +3524,7 @@
           <a:p>
             <a:fld id="{DC32F712-418A-6448-A39A-7D8D507B5866}" type="datetimeFigureOut">
               <a:rPr lang="en-US" smtClean="0"/>
-              <a:t>3/23/25</a:t>
+              <a:t>4/2/25</a:t>
             </a:fld>
             <a:endParaRPr lang="en-US"/>
           </a:p>
@@ -4144,6 +4150,183 @@
         </p:nvSpPr>
         <p:spPr>
           <a:xfrm>
+            <a:off x="299655" y="74303"/>
+            <a:ext cx="2702856" cy="461665"/>
+          </a:xfrm>
+          <a:prstGeom prst="rect">
+            <a:avLst/>
+          </a:prstGeom>
+          <a:noFill/>
+        </p:spPr>
+        <p:txBody>
+          <a:bodyPr wrap="none" rtlCol="0">
+            <a:spAutoFit/>
+          </a:bodyPr>
+          <a:lstStyle/>
+          <a:p>
+            <a:r>
+              <a:rPr lang="en-US" sz="2400" dirty="0"/>
+              <a:t>Agent Orchestration</a:t>
+            </a:r>
+          </a:p>
+        </p:txBody>
+      </p:sp>
+      <p:cxnSp>
+        <p:nvCxnSpPr>
+          <p:cNvPr id="2" name="Straight Connector 1">
+            <a:extLst>
+              <a:ext uri="{FF2B5EF4-FFF2-40B4-BE49-F238E27FC236}">
+                <a16:creationId xmlns:a16="http://schemas.microsoft.com/office/drawing/2014/main" id="{22E1BF60-C091-F918-A508-C0CD2544E876}"/>
+              </a:ext>
+            </a:extLst>
+          </p:cNvPr>
+          <p:cNvCxnSpPr/>
+          <p:nvPr/>
+        </p:nvCxnSpPr>
+        <p:spPr>
+          <a:xfrm>
+            <a:off x="432619" y="545800"/>
+            <a:ext cx="11759381" cy="0"/>
+          </a:xfrm>
+          <a:prstGeom prst="line">
+            <a:avLst/>
+          </a:prstGeom>
+        </p:spPr>
+        <p:style>
+          <a:lnRef idx="3">
+            <a:schemeClr val="accent5"/>
+          </a:lnRef>
+          <a:fillRef idx="0">
+            <a:schemeClr val="accent5"/>
+          </a:fillRef>
+          <a:effectRef idx="2">
+            <a:schemeClr val="accent5"/>
+          </a:effectRef>
+          <a:fontRef idx="minor">
+            <a:schemeClr val="tx1"/>
+          </a:fontRef>
+        </p:style>
+      </p:cxnSp>
+      <p:pic>
+        <p:nvPicPr>
+          <p:cNvPr id="3" name="Picture 2">
+            <a:extLst>
+              <a:ext uri="{FF2B5EF4-FFF2-40B4-BE49-F238E27FC236}">
+                <a16:creationId xmlns:a16="http://schemas.microsoft.com/office/drawing/2014/main" id="{06D2A7A1-41B6-3809-CE19-54125905CBE9}"/>
+              </a:ext>
+            </a:extLst>
+          </p:cNvPr>
+          <p:cNvPicPr>
+            <a:picLocks noChangeAspect="1"/>
+          </p:cNvPicPr>
+          <p:nvPr/>
+        </p:nvPicPr>
+        <p:blipFill>
+          <a:blip r:embed="rId2"/>
+          <a:stretch>
+            <a:fillRect/>
+          </a:stretch>
+        </p:blipFill>
+        <p:spPr>
+          <a:xfrm>
+            <a:off x="1895168" y="683452"/>
+            <a:ext cx="8331200" cy="1544320"/>
+          </a:xfrm>
+          <a:prstGeom prst="rect">
+            <a:avLst/>
+          </a:prstGeom>
+          <a:effectLst>
+            <a:glow rad="63500">
+              <a:schemeClr val="accent5">
+                <a:satMod val="175000"/>
+                <a:alpha val="40000"/>
+              </a:schemeClr>
+            </a:glow>
+          </a:effectLst>
+        </p:spPr>
+      </p:pic>
+      <p:pic>
+        <p:nvPicPr>
+          <p:cNvPr id="5" name="Picture 4">
+            <a:extLst>
+              <a:ext uri="{FF2B5EF4-FFF2-40B4-BE49-F238E27FC236}">
+                <a16:creationId xmlns:a16="http://schemas.microsoft.com/office/drawing/2014/main" id="{032B032F-B08F-D8D1-3E1F-E0A14A3D7972}"/>
+              </a:ext>
+            </a:extLst>
+          </p:cNvPr>
+          <p:cNvPicPr>
+            <a:picLocks noChangeAspect="1"/>
+          </p:cNvPicPr>
+          <p:nvPr/>
+        </p:nvPicPr>
+        <p:blipFill>
+          <a:blip r:embed="rId3"/>
+          <a:stretch>
+            <a:fillRect/>
+          </a:stretch>
+        </p:blipFill>
+        <p:spPr>
+          <a:xfrm>
+            <a:off x="1910187" y="2365423"/>
+            <a:ext cx="8320278" cy="4245356"/>
+          </a:xfrm>
+          <a:prstGeom prst="rect">
+            <a:avLst/>
+          </a:prstGeom>
+          <a:effectLst>
+            <a:glow rad="101600">
+              <a:schemeClr val="accent5">
+                <a:satMod val="175000"/>
+                <a:alpha val="40000"/>
+              </a:schemeClr>
+            </a:glow>
+          </a:effectLst>
+        </p:spPr>
+      </p:pic>
+    </p:spTree>
+    <p:extLst>
+      <p:ext uri="{BB962C8B-B14F-4D97-AF65-F5344CB8AC3E}">
+        <p14:creationId xmlns:p14="http://schemas.microsoft.com/office/powerpoint/2010/main" val="2777634583"/>
+      </p:ext>
+    </p:extLst>
+  </p:cSld>
+  <p:clrMapOvr>
+    <a:masterClrMapping/>
+  </p:clrMapOvr>
+</p:sld>
+</file>
+
+<file path=ppt/slides/slide11.xml><?xml version="1.0" encoding="utf-8"?>
+<p:sld xmlns:a="http://schemas.openxmlformats.org/drawingml/2006/main" xmlns:r="http://schemas.openxmlformats.org/officeDocument/2006/relationships" xmlns:p="http://schemas.openxmlformats.org/presentationml/2006/main">
+  <p:cSld>
+    <p:spTree>
+      <p:nvGrpSpPr>
+        <p:cNvPr id="1" name=""/>
+        <p:cNvGrpSpPr/>
+        <p:nvPr/>
+      </p:nvGrpSpPr>
+      <p:grpSpPr>
+        <a:xfrm>
+          <a:off x="0" y="0"/>
+          <a:ext cx="0" cy="0"/>
+          <a:chOff x="0" y="0"/>
+          <a:chExt cx="0" cy="0"/>
+        </a:xfrm>
+      </p:grpSpPr>
+      <p:sp>
+        <p:nvSpPr>
+          <p:cNvPr id="4" name="TextBox 3">
+            <a:extLst>
+              <a:ext uri="{FF2B5EF4-FFF2-40B4-BE49-F238E27FC236}">
+                <a16:creationId xmlns:a16="http://schemas.microsoft.com/office/drawing/2014/main" id="{0B205ED7-CA2A-2FFE-8AF6-7C1545C8E1FC}"/>
+              </a:ext>
+            </a:extLst>
+          </p:cNvPr>
+          <p:cNvSpPr txBox="1"/>
+          <p:nvPr/>
+        </p:nvSpPr>
+        <p:spPr>
+          <a:xfrm>
             <a:off x="378314" y="2719180"/>
             <a:ext cx="1367682" cy="461665"/>
           </a:xfrm>
@@ -4214,7 +4397,7 @@
 </p:sld>
 </file>
 
-<file path=ppt/slides/slide11.xml><?xml version="1.0" encoding="utf-8"?>
+<file path=ppt/slides/slide12.xml><?xml version="1.0" encoding="utf-8"?>
 <p:sld xmlns:a="http://schemas.openxmlformats.org/drawingml/2006/main" xmlns:r="http://schemas.openxmlformats.org/officeDocument/2006/relationships" xmlns:p="http://schemas.openxmlformats.org/presentationml/2006/main">
   <p:cSld>
     <p:spTree>
@@ -4783,23 +4966,29 @@
         </p:nvSpPr>
         <p:spPr>
           <a:xfrm>
-            <a:off x="1982454" y="1248203"/>
+            <a:off x="1982454" y="1480812"/>
             <a:ext cx="1463040" cy="1463040"/>
           </a:xfrm>
           <a:prstGeom prst="ellipse">
             <a:avLst/>
           </a:prstGeom>
+          <a:ln>
+            <a:solidFill>
+              <a:schemeClr val="tx2">
+                <a:lumMod val="60000"/>
+                <a:lumOff val="40000"/>
+              </a:schemeClr>
+            </a:solidFill>
+          </a:ln>
         </p:spPr>
         <p:style>
-          <a:lnRef idx="2">
-            <a:schemeClr val="accent1">
-              <a:shade val="15000"/>
-            </a:schemeClr>
+          <a:lnRef idx="3">
+            <a:schemeClr val="lt1"/>
           </a:lnRef>
           <a:fillRef idx="1">
             <a:schemeClr val="accent1"/>
           </a:fillRef>
-          <a:effectRef idx="0">
+          <a:effectRef idx="1">
             <a:schemeClr val="accent1"/>
           </a:effectRef>
           <a:fontRef idx="minor">
@@ -4832,23 +5021,29 @@
         </p:nvSpPr>
         <p:spPr>
           <a:xfrm>
-            <a:off x="4041827" y="1248203"/>
+            <a:off x="4041827" y="1480812"/>
             <a:ext cx="1463040" cy="1463040"/>
           </a:xfrm>
           <a:prstGeom prst="ellipse">
             <a:avLst/>
           </a:prstGeom>
+          <a:ln>
+            <a:solidFill>
+              <a:schemeClr val="tx2">
+                <a:lumMod val="60000"/>
+                <a:lumOff val="40000"/>
+              </a:schemeClr>
+            </a:solidFill>
+          </a:ln>
         </p:spPr>
         <p:style>
-          <a:lnRef idx="2">
-            <a:schemeClr val="accent1">
-              <a:shade val="15000"/>
-            </a:schemeClr>
+          <a:lnRef idx="3">
+            <a:schemeClr val="lt1"/>
           </a:lnRef>
           <a:fillRef idx="1">
             <a:schemeClr val="accent1"/>
           </a:fillRef>
-          <a:effectRef idx="0">
+          <a:effectRef idx="1">
             <a:schemeClr val="accent1"/>
           </a:effectRef>
           <a:fontRef idx="minor">
@@ -4882,23 +5077,29 @@
         </p:nvSpPr>
         <p:spPr>
           <a:xfrm>
-            <a:off x="6237397" y="1248201"/>
+            <a:off x="6237397" y="1480810"/>
             <a:ext cx="1463040" cy="1463040"/>
           </a:xfrm>
           <a:prstGeom prst="ellipse">
             <a:avLst/>
           </a:prstGeom>
+          <a:ln>
+            <a:solidFill>
+              <a:schemeClr val="tx2">
+                <a:lumMod val="60000"/>
+                <a:lumOff val="40000"/>
+              </a:schemeClr>
+            </a:solidFill>
+          </a:ln>
         </p:spPr>
         <p:style>
-          <a:lnRef idx="2">
-            <a:schemeClr val="accent1">
-              <a:shade val="15000"/>
-            </a:schemeClr>
+          <a:lnRef idx="3">
+            <a:schemeClr val="lt1"/>
           </a:lnRef>
           <a:fillRef idx="1">
             <a:schemeClr val="accent1"/>
           </a:fillRef>
-          <a:effectRef idx="0">
+          <a:effectRef idx="1">
             <a:schemeClr val="accent1"/>
           </a:effectRef>
           <a:fontRef idx="minor">
@@ -4931,23 +5132,29 @@
         </p:nvSpPr>
         <p:spPr>
           <a:xfrm>
-            <a:off x="8196145" y="1248203"/>
+            <a:off x="8196145" y="1480812"/>
             <a:ext cx="1463040" cy="1463040"/>
           </a:xfrm>
           <a:prstGeom prst="ellipse">
             <a:avLst/>
           </a:prstGeom>
+          <a:ln>
+            <a:solidFill>
+              <a:schemeClr val="tx2">
+                <a:lumMod val="60000"/>
+                <a:lumOff val="40000"/>
+              </a:schemeClr>
+            </a:solidFill>
+          </a:ln>
         </p:spPr>
         <p:style>
-          <a:lnRef idx="2">
-            <a:schemeClr val="accent1">
-              <a:shade val="15000"/>
-            </a:schemeClr>
+          <a:lnRef idx="3">
+            <a:schemeClr val="lt1"/>
           </a:lnRef>
           <a:fillRef idx="1">
             <a:schemeClr val="accent1"/>
           </a:fillRef>
-          <a:effectRef idx="0">
+          <a:effectRef idx="1">
             <a:schemeClr val="accent1"/>
           </a:effectRef>
           <a:fontRef idx="minor">
@@ -4980,23 +5187,29 @@
         </p:nvSpPr>
         <p:spPr>
           <a:xfrm>
-            <a:off x="10255518" y="1248201"/>
+            <a:off x="10255518" y="1480810"/>
             <a:ext cx="1463040" cy="1463040"/>
           </a:xfrm>
           <a:prstGeom prst="ellipse">
             <a:avLst/>
           </a:prstGeom>
+          <a:ln>
+            <a:solidFill>
+              <a:schemeClr val="tx2">
+                <a:lumMod val="60000"/>
+                <a:lumOff val="40000"/>
+              </a:schemeClr>
+            </a:solidFill>
+          </a:ln>
         </p:spPr>
         <p:style>
-          <a:lnRef idx="2">
-            <a:schemeClr val="accent1">
-              <a:shade val="15000"/>
-            </a:schemeClr>
+          <a:lnRef idx="3">
+            <a:schemeClr val="lt1"/>
           </a:lnRef>
           <a:fillRef idx="1">
             <a:schemeClr val="accent1"/>
           </a:fillRef>
-          <a:effectRef idx="0">
+          <a:effectRef idx="1">
             <a:schemeClr val="accent1"/>
           </a:effectRef>
           <a:fontRef idx="minor">
@@ -5029,23 +5242,29 @@
         </p:nvSpPr>
         <p:spPr>
           <a:xfrm>
-            <a:off x="120687" y="1248203"/>
+            <a:off x="120687" y="1480812"/>
             <a:ext cx="1463040" cy="1463040"/>
           </a:xfrm>
           <a:prstGeom prst="ellipse">
             <a:avLst/>
           </a:prstGeom>
+          <a:ln>
+            <a:solidFill>
+              <a:schemeClr val="tx2">
+                <a:lumMod val="60000"/>
+                <a:lumOff val="40000"/>
+              </a:schemeClr>
+            </a:solidFill>
+          </a:ln>
         </p:spPr>
         <p:style>
-          <a:lnRef idx="2">
-            <a:schemeClr val="accent1">
-              <a:shade val="15000"/>
-            </a:schemeClr>
+          <a:lnRef idx="3">
+            <a:schemeClr val="lt1"/>
           </a:lnRef>
           <a:fillRef idx="1">
             <a:schemeClr val="accent1"/>
           </a:fillRef>
-          <a:effectRef idx="0">
+          <a:effectRef idx="1">
             <a:schemeClr val="accent1"/>
           </a:effectRef>
           <a:fontRef idx="minor">
@@ -5380,7 +5599,7 @@
         </p:nvSpPr>
         <p:spPr>
           <a:xfrm>
-            <a:off x="339549" y="2711240"/>
+            <a:off x="240626" y="3521310"/>
             <a:ext cx="906595" cy="276999"/>
           </a:xfrm>
           <a:prstGeom prst="rect">
@@ -5415,7 +5634,7 @@
         </p:nvSpPr>
         <p:spPr>
           <a:xfrm>
-            <a:off x="1965725" y="2711240"/>
+            <a:off x="1987117" y="3521310"/>
             <a:ext cx="1298753" cy="276999"/>
           </a:xfrm>
           <a:prstGeom prst="rect">
@@ -5450,7 +5669,7 @@
         </p:nvSpPr>
         <p:spPr>
           <a:xfrm>
-            <a:off x="4220834" y="2711240"/>
+            <a:off x="4210142" y="3521310"/>
             <a:ext cx="1033040" cy="276999"/>
           </a:xfrm>
           <a:prstGeom prst="rect">
@@ -5485,8 +5704,8 @@
         </p:nvSpPr>
         <p:spPr>
           <a:xfrm>
-            <a:off x="6082481" y="2721336"/>
-            <a:ext cx="1875826" cy="461665"/>
+            <a:off x="6253280" y="3519875"/>
+            <a:ext cx="1431515" cy="461665"/>
           </a:xfrm>
           <a:prstGeom prst="rect">
             <a:avLst/>
@@ -5528,7 +5747,7 @@
         </p:nvSpPr>
         <p:spPr>
           <a:xfrm>
-            <a:off x="8133254" y="2711756"/>
+            <a:off x="8034331" y="3521826"/>
             <a:ext cx="1589281" cy="276999"/>
           </a:xfrm>
           <a:prstGeom prst="rect">
@@ -5563,7 +5782,7 @@
         </p:nvSpPr>
         <p:spPr>
           <a:xfrm>
-            <a:off x="10092002" y="2686321"/>
+            <a:off x="9993079" y="3496391"/>
             <a:ext cx="1818575" cy="276999"/>
           </a:xfrm>
           <a:prstGeom prst="rect">
@@ -5598,7 +5817,7 @@
         </p:nvSpPr>
         <p:spPr>
           <a:xfrm>
-            <a:off x="165829" y="3968499"/>
+            <a:off x="139202" y="3362600"/>
             <a:ext cx="11808542" cy="178259"/>
           </a:xfrm>
           <a:prstGeom prst="rightArrow">
@@ -5670,8 +5889,8 @@
         </p:nvSpPr>
         <p:spPr>
           <a:xfrm>
-            <a:off x="217629" y="3780022"/>
-            <a:ext cx="1082348" cy="276999"/>
+            <a:off x="479460" y="3055595"/>
+            <a:ext cx="559769" cy="276999"/>
           </a:xfrm>
           <a:prstGeom prst="rect">
             <a:avLst/>
@@ -5693,7 +5912,7 @@
                   </a:schemeClr>
                 </a:solidFill>
               </a:rPr>
-              <a:t>1950s – 1980s</a:t>
+              <a:t>1950s</a:t>
             </a:r>
           </a:p>
         </p:txBody>
@@ -5712,8 +5931,8 @@
         </p:nvSpPr>
         <p:spPr>
           <a:xfrm>
-            <a:off x="2185326" y="3780022"/>
-            <a:ext cx="1082348" cy="276999"/>
+            <a:off x="2438261" y="3055000"/>
+            <a:ext cx="559769" cy="276999"/>
           </a:xfrm>
           <a:prstGeom prst="rect">
             <a:avLst/>
@@ -5735,7 +5954,7 @@
                   </a:schemeClr>
                 </a:solidFill>
               </a:rPr>
-              <a:t>1990s – 2015s</a:t>
+              <a:t>1990s</a:t>
             </a:r>
           </a:p>
         </p:txBody>
@@ -5754,8 +5973,8 @@
         </p:nvSpPr>
         <p:spPr>
           <a:xfrm>
-            <a:off x="4269700" y="3777766"/>
-            <a:ext cx="1082348" cy="276999"/>
+            <a:off x="4493173" y="3054999"/>
+            <a:ext cx="559769" cy="276999"/>
           </a:xfrm>
           <a:prstGeom prst="rect">
             <a:avLst/>
@@ -5777,7 +5996,7 @@
                   </a:schemeClr>
                 </a:solidFill>
               </a:rPr>
-              <a:t>2015s – 2020s</a:t>
+              <a:t>2015s</a:t>
             </a:r>
           </a:p>
         </p:txBody>
@@ -5796,8 +6015,8 @@
         </p:nvSpPr>
         <p:spPr>
           <a:xfrm>
-            <a:off x="6432389" y="3777766"/>
-            <a:ext cx="1082348" cy="276999"/>
+            <a:off x="6687982" y="3054999"/>
+            <a:ext cx="559769" cy="276999"/>
           </a:xfrm>
           <a:prstGeom prst="rect">
             <a:avLst/>
@@ -5819,7 +6038,7 @@
                   </a:schemeClr>
                 </a:solidFill>
               </a:rPr>
-              <a:t>2020s – 2030s</a:t>
+              <a:t>2020s</a:t>
             </a:r>
           </a:p>
         </p:txBody>
@@ -5838,8 +6057,8 @@
         </p:nvSpPr>
         <p:spPr>
           <a:xfrm>
-            <a:off x="8455837" y="3777766"/>
-            <a:ext cx="1082348" cy="276999"/>
+            <a:off x="8623688" y="3054920"/>
+            <a:ext cx="559769" cy="276999"/>
           </a:xfrm>
           <a:prstGeom prst="rect">
             <a:avLst/>
@@ -5861,7 +6080,7 @@
                   </a:schemeClr>
                 </a:solidFill>
               </a:rPr>
-              <a:t>2030s – 2040s</a:t>
+              <a:t>2030s</a:t>
             </a:r>
           </a:p>
         </p:txBody>
@@ -5880,8 +6099,8 @@
         </p:nvSpPr>
         <p:spPr>
           <a:xfrm>
-            <a:off x="10479285" y="3777766"/>
-            <a:ext cx="1218732" cy="276999"/>
+            <a:off x="10718634" y="3048861"/>
+            <a:ext cx="559769" cy="276999"/>
           </a:xfrm>
           <a:prstGeom prst="rect">
             <a:avLst/>
@@ -5903,7 +6122,7 @@
                   </a:schemeClr>
                 </a:solidFill>
               </a:rPr>
-              <a:t>2040s &amp; beyond</a:t>
+              <a:t>2040s</a:t>
             </a:r>
           </a:p>
         </p:txBody>
@@ -6023,8 +6242,8 @@
         </p:nvSpPr>
         <p:spPr>
           <a:xfrm>
-            <a:off x="299655" y="1231685"/>
-            <a:ext cx="5865171" cy="3323987"/>
+            <a:off x="299655" y="859545"/>
+            <a:ext cx="5511210" cy="3323987"/>
           </a:xfrm>
           <a:prstGeom prst="rect">
             <a:avLst/>
@@ -6180,7 +6399,7 @@
         </p:nvCxnSpPr>
         <p:spPr>
           <a:xfrm>
-            <a:off x="6381135" y="1155400"/>
+            <a:off x="6076335" y="1519138"/>
             <a:ext cx="0" cy="3819723"/>
           </a:xfrm>
           <a:prstGeom prst="line">
@@ -6216,7 +6435,7 @@
         </p:nvSpPr>
         <p:spPr>
           <a:xfrm>
-            <a:off x="6995423" y="1662572"/>
+            <a:off x="10956107" y="-1086697"/>
             <a:ext cx="4085532" cy="2862322"/>
           </a:xfrm>
           <a:prstGeom prst="rect">
@@ -6364,6 +6583,225 @@
           </a:fontRef>
         </p:style>
       </p:cxnSp>
+      <p:sp>
+        <p:nvSpPr>
+          <p:cNvPr id="2" name="TextBox 1">
+            <a:extLst>
+              <a:ext uri="{FF2B5EF4-FFF2-40B4-BE49-F238E27FC236}">
+                <a16:creationId xmlns:a16="http://schemas.microsoft.com/office/drawing/2014/main" id="{6DD11061-0380-6F48-5D2C-39EF3F759ED1}"/>
+              </a:ext>
+            </a:extLst>
+          </p:cNvPr>
+          <p:cNvSpPr txBox="1"/>
+          <p:nvPr/>
+        </p:nvSpPr>
+        <p:spPr>
+          <a:xfrm>
+            <a:off x="6453052" y="858599"/>
+            <a:ext cx="5405708" cy="5478423"/>
+          </a:xfrm>
+          <a:prstGeom prst="rect">
+            <a:avLst/>
+          </a:prstGeom>
+          <a:noFill/>
+        </p:spPr>
+        <p:txBody>
+          <a:bodyPr wrap="square">
+            <a:spAutoFit/>
+          </a:bodyPr>
+          <a:lstStyle/>
+          <a:p>
+            <a:r>
+              <a:rPr lang="en-US" sz="1400" dirty="0"/>
+              <a:t>In March 2025, </a:t>
+            </a:r>
+            <a:r>
+              <a:rPr lang="en-US" sz="1400" b="1" dirty="0" err="1"/>
+              <a:t>OpenAI</a:t>
+            </a:r>
+            <a:r>
+              <a:rPr lang="en-US" sz="1400" dirty="0"/>
+              <a:t> introduced the Agents SDK, an open-source python framework designed to enhance AI agents with tools and capabilities for autonomous task execution.</a:t>
+            </a:r>
+          </a:p>
+          <a:p>
+            <a:endParaRPr lang="en-US" sz="1400" b="1" dirty="0"/>
+          </a:p>
+          <a:p>
+            <a:r>
+              <a:rPr lang="en-US" sz="1400" b="1" dirty="0"/>
+              <a:t>What are tools?</a:t>
+            </a:r>
+            <a:r>
+              <a:rPr lang="en-US" sz="1400" dirty="0"/>
+              <a:t> </a:t>
+            </a:r>
+          </a:p>
+          <a:p>
+            <a:r>
+              <a:rPr lang="en-US" sz="1400" dirty="0"/>
+              <a:t>In </a:t>
+            </a:r>
+            <a:r>
+              <a:rPr lang="en-US" sz="1400" b="1" dirty="0"/>
+              <a:t>Agentic AI</a:t>
+            </a:r>
+            <a:r>
+              <a:rPr lang="en-US" sz="1400" dirty="0"/>
+              <a:t>, a </a:t>
+            </a:r>
+            <a:r>
+              <a:rPr lang="en-US" sz="1400" b="1" dirty="0"/>
+              <a:t>tool</a:t>
+            </a:r>
+            <a:r>
+              <a:rPr lang="en-US" sz="1400" dirty="0"/>
+              <a:t> refers to an external capability or function that an AI agents can invoke to complete tasks beyond its built-in abilities.</a:t>
+            </a:r>
+          </a:p>
+          <a:p>
+            <a:endParaRPr lang="en-US" sz="1400" dirty="0"/>
+          </a:p>
+          <a:p>
+            <a:r>
+              <a:rPr lang="en-US" sz="1400" b="1" dirty="0"/>
+              <a:t>What are the new capabilities?</a:t>
+            </a:r>
+          </a:p>
+          <a:p>
+            <a:endParaRPr lang="en-US" sz="1400" dirty="0"/>
+          </a:p>
+          <a:p>
+            <a:pPr marL="800100" lvl="1" indent="-342900">
+              <a:buFont typeface="+mj-lt"/>
+              <a:buAutoNum type="arabicPeriod"/>
+            </a:pPr>
+            <a:r>
+              <a:rPr lang="en-US" sz="1400" b="1" dirty="0"/>
+              <a:t>Function Tools</a:t>
+            </a:r>
+            <a:r>
+              <a:rPr lang="en-US" sz="1400" dirty="0"/>
+              <a:t> – Allows the agent to execute predefined functions (e.g., fetching stock prices, running calculations).</a:t>
+            </a:r>
+          </a:p>
+          <a:p>
+            <a:pPr marL="800100" lvl="1" indent="-342900">
+              <a:buFont typeface="+mj-lt"/>
+              <a:buAutoNum type="arabicPeriod"/>
+            </a:pPr>
+            <a:r>
+              <a:rPr lang="en-US" sz="1400" b="1" dirty="0"/>
+              <a:t>Web Search</a:t>
+            </a:r>
+            <a:r>
+              <a:rPr lang="en-US" sz="1400" dirty="0"/>
+              <a:t> – Enables agents to query the internet for real-time information.</a:t>
+            </a:r>
+          </a:p>
+          <a:p>
+            <a:pPr marL="800100" lvl="1" indent="-342900">
+              <a:buFont typeface="+mj-lt"/>
+              <a:buAutoNum type="arabicPeriod"/>
+            </a:pPr>
+            <a:r>
+              <a:rPr lang="en-US" sz="1400" b="1" dirty="0"/>
+              <a:t>File Processing</a:t>
+            </a:r>
+            <a:r>
+              <a:rPr lang="en-US" sz="1400" dirty="0"/>
+              <a:t> – Reads, writes, and extracts structured data from files (CSV, JSON, PDFs, etc.).</a:t>
+            </a:r>
+          </a:p>
+          <a:p>
+            <a:pPr marL="800100" lvl="1" indent="-342900">
+              <a:buFont typeface="+mj-lt"/>
+              <a:buAutoNum type="arabicPeriod"/>
+            </a:pPr>
+            <a:r>
+              <a:rPr lang="en-US" sz="1400" b="1" dirty="0"/>
+              <a:t>Memory &amp; State Management</a:t>
+            </a:r>
+            <a:r>
+              <a:rPr lang="en-US" sz="1400" dirty="0"/>
+              <a:t> – Maintains context across multiple interactions for continuity.</a:t>
+            </a:r>
+          </a:p>
+          <a:p>
+            <a:pPr marL="800100" lvl="1" indent="-342900">
+              <a:buFont typeface="+mj-lt"/>
+              <a:buAutoNum type="arabicPeriod"/>
+            </a:pPr>
+            <a:r>
+              <a:rPr lang="en-US" sz="1400" b="1" dirty="0"/>
+              <a:t>Data Retrieval</a:t>
+            </a:r>
+            <a:r>
+              <a:rPr lang="en-US" sz="1400" dirty="0"/>
+              <a:t> – Queries structured and unstructured data sources (vector databases, SQL, etc.).</a:t>
+            </a:r>
+          </a:p>
+          <a:p>
+            <a:pPr marL="800100" lvl="1" indent="-342900">
+              <a:buFont typeface="+mj-lt"/>
+              <a:buAutoNum type="arabicPeriod"/>
+            </a:pPr>
+            <a:r>
+              <a:rPr lang="en-US" sz="1400" b="1" dirty="0">
+                <a:solidFill>
+                  <a:schemeClr val="tx1">
+                    <a:lumMod val="50000"/>
+                    <a:lumOff val="50000"/>
+                  </a:schemeClr>
+                </a:solidFill>
+              </a:rPr>
+              <a:t>API Integration</a:t>
+            </a:r>
+            <a:r>
+              <a:rPr lang="en-US" sz="1400" dirty="0">
+                <a:solidFill>
+                  <a:schemeClr val="tx1">
+                    <a:lumMod val="50000"/>
+                    <a:lumOff val="50000"/>
+                  </a:schemeClr>
+                </a:solidFill>
+              </a:rPr>
+              <a:t> – Connects to external services (e.g., databases, CRM systems, financial services).</a:t>
+            </a:r>
+          </a:p>
+          <a:p>
+            <a:pPr marL="800100" lvl="1" indent="-342900">
+              <a:buFont typeface="+mj-lt"/>
+              <a:buAutoNum type="arabicPeriod"/>
+            </a:pPr>
+            <a:r>
+              <a:rPr lang="en-US" sz="1400" b="1" dirty="0">
+                <a:solidFill>
+                  <a:schemeClr val="tx1">
+                    <a:lumMod val="50000"/>
+                    <a:lumOff val="50000"/>
+                  </a:schemeClr>
+                </a:solidFill>
+              </a:rPr>
+              <a:t>Code Execution</a:t>
+            </a:r>
+            <a:r>
+              <a:rPr lang="en-US" sz="1400" dirty="0">
+                <a:solidFill>
+                  <a:schemeClr val="tx1">
+                    <a:lumMod val="50000"/>
+                    <a:lumOff val="50000"/>
+                  </a:schemeClr>
+                </a:solidFill>
+              </a:rPr>
+              <a:t> – Runs code snippets in Python, JavaScript, etc., to compute or transform data dynamically.</a:t>
+            </a:r>
+          </a:p>
+          <a:p>
+            <a:endParaRPr lang="en-US" sz="1400" dirty="0"/>
+          </a:p>
+        </p:txBody>
+      </p:sp>
     </p:spTree>
     <p:extLst>
       <p:ext uri="{BB962C8B-B14F-4D97-AF65-F5344CB8AC3E}">
@@ -6408,8 +6846,8 @@
         </p:nvSpPr>
         <p:spPr>
           <a:xfrm>
-            <a:off x="299655" y="84135"/>
-            <a:ext cx="2731645" cy="461665"/>
+            <a:off x="299655" y="74303"/>
+            <a:ext cx="5504905" cy="461665"/>
           </a:xfrm>
           <a:prstGeom prst="rect">
             <a:avLst/>
@@ -6424,7 +6862,7 @@
           <a:p>
             <a:r>
               <a:rPr lang="en-US" sz="2400" dirty="0"/>
-              <a:t>Open AI’s Agent SDK</a:t>
+              <a:t>Agentic AI Setup – A Hypothetical Scenario</a:t>
             </a:r>
           </a:p>
         </p:txBody>
@@ -6443,8 +6881,8 @@
         </p:nvSpPr>
         <p:spPr>
           <a:xfrm>
-            <a:off x="346275" y="997565"/>
-            <a:ext cx="11499449" cy="4585871"/>
+            <a:off x="8766813" y="4472308"/>
+            <a:ext cx="2545830" cy="2031325"/>
           </a:xfrm>
           <a:prstGeom prst="rect">
             <a:avLst/>
@@ -6457,203 +6895,54 @@
           </a:bodyPr>
           <a:lstStyle/>
           <a:p>
-            <a:r>
-              <a:rPr lang="en-US" dirty="0"/>
-              <a:t>In March 2025, </a:t>
-            </a:r>
-            <a:r>
-              <a:rPr lang="en-US" dirty="0" err="1"/>
-              <a:t>OpenAI</a:t>
-            </a:r>
-            <a:r>
-              <a:rPr lang="en-US" dirty="0"/>
-              <a:t> introduced the Agents SDK, an open-source python framework designed to enhance AI agents with tools and capabilities for autonomous task execution.</a:t>
-            </a:r>
-          </a:p>
-          <a:p>
-            <a:endParaRPr lang="en-US" b="1" dirty="0"/>
-          </a:p>
-          <a:p>
-            <a:r>
-              <a:rPr lang="en-US" b="1" dirty="0"/>
-              <a:t>What are tools?</a:t>
-            </a:r>
-            <a:r>
-              <a:rPr lang="en-US" dirty="0"/>
-              <a:t> </a:t>
-            </a:r>
-          </a:p>
-          <a:p>
-            <a:r>
-              <a:rPr lang="en-US" dirty="0"/>
-              <a:t>In </a:t>
-            </a:r>
-            <a:r>
-              <a:rPr lang="en-US" b="1" dirty="0"/>
-              <a:t>Agentic AI</a:t>
-            </a:r>
-            <a:r>
-              <a:rPr lang="en-US" dirty="0"/>
-              <a:t>, a </a:t>
-            </a:r>
-            <a:r>
-              <a:rPr lang="en-US" b="1" dirty="0"/>
-              <a:t>tool</a:t>
-            </a:r>
-            <a:r>
-              <a:rPr lang="en-US" dirty="0"/>
-              <a:t> refers to an external capability or function that an AI agents can invoke to complete tasks beyond its built-in abilities.</a:t>
-            </a:r>
-          </a:p>
-          <a:p>
-            <a:endParaRPr lang="en-US" dirty="0"/>
-          </a:p>
-          <a:p>
-            <a:r>
-              <a:rPr lang="en-US" b="1" dirty="0"/>
-              <a:t>What are the new capabilities?</a:t>
-            </a:r>
-          </a:p>
-          <a:p>
-            <a:endParaRPr lang="en-US" dirty="0"/>
-          </a:p>
-          <a:p>
-            <a:pPr marL="800100" lvl="1" indent="-342900">
-              <a:buFont typeface="+mj-lt"/>
-              <a:buAutoNum type="arabicPeriod"/>
+            <a:pPr marL="285750" indent="-285750">
+              <a:buFont typeface="Arial" panose="020B0604020202020204" pitchFamily="34" charset="0"/>
+              <a:buChar char="•"/>
             </a:pPr>
             <a:r>
-              <a:rPr lang="en-US" sz="1600" b="1" dirty="0"/>
-              <a:t>Function Tools</a:t>
-            </a:r>
-            <a:r>
-              <a:rPr lang="en-US" sz="1600" dirty="0"/>
-              <a:t> – Allows the agent to execute predefined functions (e.g., fetching stock prices, running calculations).</a:t>
-            </a:r>
-          </a:p>
-          <a:p>
-            <a:pPr marL="800100" lvl="1" indent="-342900">
-              <a:buFont typeface="+mj-lt"/>
-              <a:buAutoNum type="arabicPeriod"/>
+              <a:rPr lang="en-US" sz="1400" dirty="0"/>
+              <a:t>A </a:t>
+            </a:r>
+            <a:r>
+              <a:rPr lang="en-US" sz="1400" b="1" dirty="0"/>
+              <a:t>software engineer</a:t>
+            </a:r>
+            <a:r>
+              <a:rPr lang="en-US" sz="1400" dirty="0"/>
+              <a:t> to analyze source code, document logic, and execute technical tasks.</a:t>
+            </a:r>
+          </a:p>
+          <a:p>
+            <a:pPr marL="742950" lvl="1" indent="-285750">
+              <a:buFont typeface="Arial" panose="020B0604020202020204" pitchFamily="34" charset="0"/>
+              <a:buChar char="•"/>
             </a:pPr>
             <a:r>
-              <a:rPr lang="en-US" sz="1600" b="1" dirty="0"/>
-              <a:t>Web Search</a:t>
-            </a:r>
-            <a:r>
-              <a:rPr lang="en-US" sz="1600" dirty="0"/>
-              <a:t> – Enables agents to query the internet for real-time information.</a:t>
-            </a:r>
-          </a:p>
-          <a:p>
-            <a:pPr marL="800100" lvl="1" indent="-342900">
-              <a:buFont typeface="+mj-lt"/>
-              <a:buAutoNum type="arabicPeriod"/>
+              <a:rPr lang="en-US" sz="1400" dirty="0"/>
+              <a:t>ADF/JSON File analysis</a:t>
+            </a:r>
+          </a:p>
+          <a:p>
+            <a:pPr marL="742950" lvl="1" indent="-285750">
+              <a:buFont typeface="Arial" panose="020B0604020202020204" pitchFamily="34" charset="0"/>
+              <a:buChar char="•"/>
             </a:pPr>
             <a:r>
-              <a:rPr lang="en-US" sz="1600" b="1" dirty="0"/>
-              <a:t>File Processing</a:t>
-            </a:r>
-            <a:r>
-              <a:rPr lang="en-US" sz="1600" dirty="0"/>
-              <a:t> – Reads, writes, and extracts structured data from files (CSV, JSON, PDFs, etc.).</a:t>
-            </a:r>
-          </a:p>
-          <a:p>
-            <a:pPr marL="800100" lvl="1" indent="-342900">
-              <a:buFont typeface="+mj-lt"/>
-              <a:buAutoNum type="arabicPeriod"/>
-            </a:pPr>
-            <a:r>
-              <a:rPr lang="en-US" sz="1600" b="1" dirty="0"/>
-              <a:t>Memory &amp; State Management</a:t>
-            </a:r>
-            <a:r>
-              <a:rPr lang="en-US" sz="1600" dirty="0"/>
-              <a:t> – Maintains context across multiple interactions for continuity.</a:t>
-            </a:r>
-          </a:p>
-          <a:p>
-            <a:pPr marL="800100" lvl="1" indent="-342900">
-              <a:buFont typeface="+mj-lt"/>
-              <a:buAutoNum type="arabicPeriod"/>
-            </a:pPr>
-            <a:r>
-              <a:rPr lang="en-US" sz="1600" b="1" dirty="0"/>
-              <a:t>Data Retrieval</a:t>
-            </a:r>
-            <a:r>
-              <a:rPr lang="en-US" sz="1600" dirty="0"/>
-              <a:t> – Queries structured and unstructured data sources (vector databases, SQL, etc.).</a:t>
-            </a:r>
-          </a:p>
-          <a:p>
-            <a:pPr marL="800100" lvl="1" indent="-342900">
-              <a:buFont typeface="+mj-lt"/>
-              <a:buAutoNum type="arabicPeriod"/>
-            </a:pPr>
-            <a:r>
-              <a:rPr lang="en-US" sz="1600" b="1" dirty="0">
-                <a:solidFill>
-                  <a:schemeClr val="tx1">
-                    <a:lumMod val="50000"/>
-                    <a:lumOff val="50000"/>
-                  </a:schemeClr>
-                </a:solidFill>
-              </a:rPr>
-              <a:t>API Integration</a:t>
-            </a:r>
-            <a:r>
-              <a:rPr lang="en-US" sz="1600" dirty="0">
-                <a:solidFill>
-                  <a:schemeClr val="tx1">
-                    <a:lumMod val="50000"/>
-                    <a:lumOff val="50000"/>
-                  </a:schemeClr>
-                </a:solidFill>
-              </a:rPr>
-              <a:t> – Connects to external services (e.g., databases, CRM systems, financial services).</a:t>
-            </a:r>
-          </a:p>
-          <a:p>
-            <a:pPr marL="800100" lvl="1" indent="-342900">
-              <a:buFont typeface="+mj-lt"/>
-              <a:buAutoNum type="arabicPeriod"/>
-            </a:pPr>
-            <a:r>
-              <a:rPr lang="en-US" sz="1600" b="1" dirty="0">
-                <a:solidFill>
-                  <a:schemeClr val="tx1">
-                    <a:lumMod val="50000"/>
-                    <a:lumOff val="50000"/>
-                  </a:schemeClr>
-                </a:solidFill>
-              </a:rPr>
-              <a:t>Code Execution</a:t>
-            </a:r>
-            <a:r>
-              <a:rPr lang="en-US" sz="1600" dirty="0">
-                <a:solidFill>
-                  <a:schemeClr val="tx1">
-                    <a:lumMod val="50000"/>
-                    <a:lumOff val="50000"/>
-                  </a:schemeClr>
-                </a:solidFill>
-              </a:rPr>
-              <a:t> – Runs code snippets in Python, JavaScript, etc., to compute or transform data dynamically.</a:t>
-            </a:r>
-          </a:p>
-          <a:p>
-            <a:endParaRPr lang="en-US" dirty="0"/>
+              <a:rPr lang="en-US" sz="1400" dirty="0"/>
+              <a:t>Snowflake/Stored-procedure analysis</a:t>
+            </a:r>
+          </a:p>
+          <a:p>
+            <a:endParaRPr lang="en-US" sz="1400" b="1" dirty="0"/>
           </a:p>
         </p:txBody>
       </p:sp>
       <p:cxnSp>
         <p:nvCxnSpPr>
-          <p:cNvPr id="7" name="Straight Connector 6">
-            <a:extLst>
-              <a:ext uri="{FF2B5EF4-FFF2-40B4-BE49-F238E27FC236}">
-                <a16:creationId xmlns:a16="http://schemas.microsoft.com/office/drawing/2014/main" id="{EB543984-F154-B014-F882-2E08A841C67A}"/>
+          <p:cNvPr id="2" name="Straight Connector 1">
+            <a:extLst>
+              <a:ext uri="{FF2B5EF4-FFF2-40B4-BE49-F238E27FC236}">
+                <a16:creationId xmlns:a16="http://schemas.microsoft.com/office/drawing/2014/main" id="{22E1BF60-C091-F918-A508-C0CD2544E876}"/>
               </a:ext>
             </a:extLst>
           </p:cNvPr>
@@ -6662,7 +6951,7 @@
         </p:nvCxnSpPr>
         <p:spPr>
           <a:xfrm>
-            <a:off x="432619" y="555632"/>
+            <a:off x="432619" y="545800"/>
             <a:ext cx="11759381" cy="0"/>
           </a:xfrm>
           <a:prstGeom prst="line">
@@ -6684,10 +6973,617 @@
           </a:fontRef>
         </p:style>
       </p:cxnSp>
+      <p:sp>
+        <p:nvSpPr>
+          <p:cNvPr id="3" name="Rounded Rectangle 2">
+            <a:extLst>
+              <a:ext uri="{FF2B5EF4-FFF2-40B4-BE49-F238E27FC236}">
+                <a16:creationId xmlns:a16="http://schemas.microsoft.com/office/drawing/2014/main" id="{29183193-D05D-D1D0-1C3E-C757F541B166}"/>
+              </a:ext>
+            </a:extLst>
+          </p:cNvPr>
+          <p:cNvSpPr/>
+          <p:nvPr/>
+        </p:nvSpPr>
+        <p:spPr>
+          <a:xfrm>
+            <a:off x="5517605" y="861934"/>
+            <a:ext cx="1616846" cy="584617"/>
+          </a:xfrm>
+          <a:prstGeom prst="roundRect">
+            <a:avLst/>
+          </a:prstGeom>
+        </p:spPr>
+        <p:style>
+          <a:lnRef idx="2">
+            <a:schemeClr val="accent1">
+              <a:shade val="15000"/>
+            </a:schemeClr>
+          </a:lnRef>
+          <a:fillRef idx="1">
+            <a:schemeClr val="accent1"/>
+          </a:fillRef>
+          <a:effectRef idx="0">
+            <a:schemeClr val="accent1"/>
+          </a:effectRef>
+          <a:fontRef idx="minor">
+            <a:schemeClr val="lt1"/>
+          </a:fontRef>
+        </p:style>
+        <p:txBody>
+          <a:bodyPr rtlCol="0" anchor="ctr"/>
+          <a:lstStyle/>
+          <a:p>
+            <a:pPr algn="ctr"/>
+            <a:r>
+              <a:rPr lang="en-US" sz="1600" dirty="0"/>
+              <a:t>Auto Trader</a:t>
+            </a:r>
+          </a:p>
+        </p:txBody>
+      </p:sp>
+      <p:sp>
+        <p:nvSpPr>
+          <p:cNvPr id="5" name="Rounded Rectangle 4">
+            <a:extLst>
+              <a:ext uri="{FF2B5EF4-FFF2-40B4-BE49-F238E27FC236}">
+                <a16:creationId xmlns:a16="http://schemas.microsoft.com/office/drawing/2014/main" id="{AE830F09-2BA5-D787-AC4F-739E387459BC}"/>
+              </a:ext>
+            </a:extLst>
+          </p:cNvPr>
+          <p:cNvSpPr/>
+          <p:nvPr/>
+        </p:nvSpPr>
+        <p:spPr>
+          <a:xfrm>
+            <a:off x="1751060" y="2927274"/>
+            <a:ext cx="1722536" cy="532150"/>
+          </a:xfrm>
+          <a:prstGeom prst="roundRect">
+            <a:avLst/>
+          </a:prstGeom>
+        </p:spPr>
+        <p:style>
+          <a:lnRef idx="2">
+            <a:schemeClr val="accent2">
+              <a:shade val="15000"/>
+            </a:schemeClr>
+          </a:lnRef>
+          <a:fillRef idx="1">
+            <a:schemeClr val="accent2"/>
+          </a:fillRef>
+          <a:effectRef idx="0">
+            <a:schemeClr val="accent2"/>
+          </a:effectRef>
+          <a:fontRef idx="minor">
+            <a:schemeClr val="lt1"/>
+          </a:fontRef>
+        </p:style>
+        <p:txBody>
+          <a:bodyPr rtlCol="0" anchor="ctr"/>
+          <a:lstStyle/>
+          <a:p>
+            <a:pPr algn="ctr"/>
+            <a:r>
+              <a:rPr lang="en-US" sz="1400" b="1" dirty="0"/>
+              <a:t>Sales Agent</a:t>
+            </a:r>
+          </a:p>
+        </p:txBody>
+      </p:sp>
+      <p:sp>
+        <p:nvSpPr>
+          <p:cNvPr id="7" name="Rounded Rectangle 6">
+            <a:extLst>
+              <a:ext uri="{FF2B5EF4-FFF2-40B4-BE49-F238E27FC236}">
+                <a16:creationId xmlns:a16="http://schemas.microsoft.com/office/drawing/2014/main" id="{B636C9CE-9EFC-E222-A5CA-D1507AA8F2BA}"/>
+              </a:ext>
+            </a:extLst>
+          </p:cNvPr>
+          <p:cNvSpPr/>
+          <p:nvPr/>
+        </p:nvSpPr>
+        <p:spPr>
+          <a:xfrm>
+            <a:off x="5466358" y="2927274"/>
+            <a:ext cx="1722536" cy="532150"/>
+          </a:xfrm>
+          <a:prstGeom prst="roundRect">
+            <a:avLst/>
+          </a:prstGeom>
+        </p:spPr>
+        <p:style>
+          <a:lnRef idx="2">
+            <a:schemeClr val="accent4">
+              <a:shade val="15000"/>
+            </a:schemeClr>
+          </a:lnRef>
+          <a:fillRef idx="1">
+            <a:schemeClr val="accent4"/>
+          </a:fillRef>
+          <a:effectRef idx="0">
+            <a:schemeClr val="accent4"/>
+          </a:effectRef>
+          <a:fontRef idx="minor">
+            <a:schemeClr val="lt1"/>
+          </a:fontRef>
+        </p:style>
+        <p:txBody>
+          <a:bodyPr rtlCol="0" anchor="ctr"/>
+          <a:lstStyle/>
+          <a:p>
+            <a:pPr algn="ctr"/>
+            <a:r>
+              <a:rPr lang="en-US" sz="1400" b="1" dirty="0"/>
+              <a:t>Financial Analyst</a:t>
+            </a:r>
+          </a:p>
+        </p:txBody>
+      </p:sp>
+      <p:sp>
+        <p:nvSpPr>
+          <p:cNvPr id="8" name="Rounded Rectangle 7">
+            <a:extLst>
+              <a:ext uri="{FF2B5EF4-FFF2-40B4-BE49-F238E27FC236}">
+                <a16:creationId xmlns:a16="http://schemas.microsoft.com/office/drawing/2014/main" id="{920EF24E-B36B-4F64-CC1D-2020959922C3}"/>
+              </a:ext>
+            </a:extLst>
+          </p:cNvPr>
+          <p:cNvSpPr/>
+          <p:nvPr/>
+        </p:nvSpPr>
+        <p:spPr>
+          <a:xfrm>
+            <a:off x="9178460" y="2927274"/>
+            <a:ext cx="1722536" cy="532150"/>
+          </a:xfrm>
+          <a:prstGeom prst="roundRect">
+            <a:avLst/>
+          </a:prstGeom>
+        </p:spPr>
+        <p:style>
+          <a:lnRef idx="2">
+            <a:schemeClr val="accent6">
+              <a:shade val="15000"/>
+            </a:schemeClr>
+          </a:lnRef>
+          <a:fillRef idx="1">
+            <a:schemeClr val="accent6"/>
+          </a:fillRef>
+          <a:effectRef idx="0">
+            <a:schemeClr val="accent6"/>
+          </a:effectRef>
+          <a:fontRef idx="minor">
+            <a:schemeClr val="lt1"/>
+          </a:fontRef>
+        </p:style>
+        <p:txBody>
+          <a:bodyPr rtlCol="0" anchor="ctr"/>
+          <a:lstStyle/>
+          <a:p>
+            <a:pPr algn="ctr"/>
+            <a:r>
+              <a:rPr lang="en-US" sz="1400" b="1" dirty="0"/>
+              <a:t>Engineer</a:t>
+            </a:r>
+          </a:p>
+        </p:txBody>
+      </p:sp>
+      <p:cxnSp>
+        <p:nvCxnSpPr>
+          <p:cNvPr id="10" name="Elbow Connector 9">
+            <a:extLst>
+              <a:ext uri="{FF2B5EF4-FFF2-40B4-BE49-F238E27FC236}">
+                <a16:creationId xmlns:a16="http://schemas.microsoft.com/office/drawing/2014/main" id="{6B3DA53C-6856-B923-0FC0-3F819C4BCCDB}"/>
+              </a:ext>
+            </a:extLst>
+          </p:cNvPr>
+          <p:cNvCxnSpPr>
+            <a:cxnSpLocks/>
+            <a:stCxn id="3" idx="2"/>
+            <a:endCxn id="5" idx="0"/>
+          </p:cNvCxnSpPr>
+          <p:nvPr/>
+        </p:nvCxnSpPr>
+        <p:spPr>
+          <a:xfrm rot="5400000">
+            <a:off x="3728817" y="330062"/>
+            <a:ext cx="1480723" cy="3713700"/>
+          </a:xfrm>
+          <a:prstGeom prst="bentConnector3">
+            <a:avLst/>
+          </a:prstGeom>
+          <a:ln>
+            <a:tailEnd type="triangle"/>
+          </a:ln>
+        </p:spPr>
+        <p:style>
+          <a:lnRef idx="1">
+            <a:schemeClr val="accent1"/>
+          </a:lnRef>
+          <a:fillRef idx="0">
+            <a:schemeClr val="accent1"/>
+          </a:fillRef>
+          <a:effectRef idx="0">
+            <a:schemeClr val="accent1"/>
+          </a:effectRef>
+          <a:fontRef idx="minor">
+            <a:schemeClr val="tx1"/>
+          </a:fontRef>
+        </p:style>
+      </p:cxnSp>
+      <p:cxnSp>
+        <p:nvCxnSpPr>
+          <p:cNvPr id="11" name="Elbow Connector 10">
+            <a:extLst>
+              <a:ext uri="{FF2B5EF4-FFF2-40B4-BE49-F238E27FC236}">
+                <a16:creationId xmlns:a16="http://schemas.microsoft.com/office/drawing/2014/main" id="{44BD70ED-2DC8-D8CC-20ED-FDDE8CE83543}"/>
+              </a:ext>
+            </a:extLst>
+          </p:cNvPr>
+          <p:cNvCxnSpPr>
+            <a:cxnSpLocks/>
+            <a:stCxn id="3" idx="2"/>
+            <a:endCxn id="7" idx="0"/>
+          </p:cNvCxnSpPr>
+          <p:nvPr/>
+        </p:nvCxnSpPr>
+        <p:spPr>
+          <a:xfrm rot="16200000" flipH="1">
+            <a:off x="5586466" y="2186113"/>
+            <a:ext cx="1480723" cy="1598"/>
+          </a:xfrm>
+          <a:prstGeom prst="bentConnector3">
+            <a:avLst>
+              <a:gd name="adj1" fmla="val 50000"/>
+            </a:avLst>
+          </a:prstGeom>
+          <a:ln>
+            <a:tailEnd type="triangle"/>
+          </a:ln>
+        </p:spPr>
+        <p:style>
+          <a:lnRef idx="1">
+            <a:schemeClr val="accent1"/>
+          </a:lnRef>
+          <a:fillRef idx="0">
+            <a:schemeClr val="accent1"/>
+          </a:fillRef>
+          <a:effectRef idx="0">
+            <a:schemeClr val="accent1"/>
+          </a:effectRef>
+          <a:fontRef idx="minor">
+            <a:schemeClr val="tx1"/>
+          </a:fontRef>
+        </p:style>
+      </p:cxnSp>
+      <p:cxnSp>
+        <p:nvCxnSpPr>
+          <p:cNvPr id="14" name="Elbow Connector 13">
+            <a:extLst>
+              <a:ext uri="{FF2B5EF4-FFF2-40B4-BE49-F238E27FC236}">
+                <a16:creationId xmlns:a16="http://schemas.microsoft.com/office/drawing/2014/main" id="{7537D570-9B42-577D-3ECF-5036DC488D94}"/>
+              </a:ext>
+            </a:extLst>
+          </p:cNvPr>
+          <p:cNvCxnSpPr>
+            <a:cxnSpLocks/>
+            <a:stCxn id="3" idx="2"/>
+            <a:endCxn id="8" idx="0"/>
+          </p:cNvCxnSpPr>
+          <p:nvPr/>
+        </p:nvCxnSpPr>
+        <p:spPr>
+          <a:xfrm rot="16200000" flipH="1">
+            <a:off x="7442517" y="330062"/>
+            <a:ext cx="1480723" cy="3713700"/>
+          </a:xfrm>
+          <a:prstGeom prst="bentConnector3">
+            <a:avLst>
+              <a:gd name="adj1" fmla="val 50000"/>
+            </a:avLst>
+          </a:prstGeom>
+          <a:ln>
+            <a:tailEnd type="triangle"/>
+          </a:ln>
+        </p:spPr>
+        <p:style>
+          <a:lnRef idx="1">
+            <a:schemeClr val="accent1"/>
+          </a:lnRef>
+          <a:fillRef idx="0">
+            <a:schemeClr val="accent1"/>
+          </a:fillRef>
+          <a:effectRef idx="0">
+            <a:schemeClr val="accent1"/>
+          </a:effectRef>
+          <a:fontRef idx="minor">
+            <a:schemeClr val="tx1"/>
+          </a:fontRef>
+        </p:style>
+      </p:cxnSp>
+      <p:sp>
+        <p:nvSpPr>
+          <p:cNvPr id="18" name="TextBox 17">
+            <a:extLst>
+              <a:ext uri="{FF2B5EF4-FFF2-40B4-BE49-F238E27FC236}">
+                <a16:creationId xmlns:a16="http://schemas.microsoft.com/office/drawing/2014/main" id="{E244444A-9D00-1A66-2EFE-3292C1E5A4F3}"/>
+              </a:ext>
+            </a:extLst>
+          </p:cNvPr>
+          <p:cNvSpPr txBox="1"/>
+          <p:nvPr/>
+        </p:nvSpPr>
+        <p:spPr>
+          <a:xfrm>
+            <a:off x="1220942" y="4472309"/>
+            <a:ext cx="2782771" cy="2031325"/>
+          </a:xfrm>
+          <a:prstGeom prst="rect">
+            <a:avLst/>
+          </a:prstGeom>
+          <a:noFill/>
+        </p:spPr>
+        <p:txBody>
+          <a:bodyPr wrap="square">
+            <a:spAutoFit/>
+          </a:bodyPr>
+          <a:lstStyle/>
+          <a:p>
+            <a:pPr marL="285750" indent="-285750">
+              <a:buFont typeface="Arial" panose="020B0604020202020204" pitchFamily="34" charset="0"/>
+              <a:buChar char="•"/>
+            </a:pPr>
+            <a:r>
+              <a:rPr lang="en-US" sz="1400" dirty="0"/>
+              <a:t>A </a:t>
+            </a:r>
+            <a:r>
+              <a:rPr lang="en-US" sz="1400" b="1" dirty="0"/>
+              <a:t>sales representative</a:t>
+            </a:r>
+            <a:r>
+              <a:rPr lang="en-US" sz="1400" dirty="0"/>
+              <a:t> to engage with customers and provide details about available inventory.</a:t>
+            </a:r>
+          </a:p>
+          <a:p>
+            <a:pPr marL="285750" indent="-285750">
+              <a:buFont typeface="Arial" panose="020B0604020202020204" pitchFamily="34" charset="0"/>
+              <a:buChar char="•"/>
+            </a:pPr>
+            <a:endParaRPr lang="en-US" sz="1400" dirty="0"/>
+          </a:p>
+          <a:p>
+            <a:pPr marL="285750" indent="-285750">
+              <a:buFont typeface="Arial" panose="020B0604020202020204" pitchFamily="34" charset="0"/>
+              <a:buChar char="•"/>
+            </a:pPr>
+            <a:r>
+              <a:rPr lang="en-US" sz="1400" dirty="0"/>
+              <a:t>An </a:t>
+            </a:r>
+            <a:r>
+              <a:rPr lang="en-US" sz="1400" b="1" dirty="0"/>
+              <a:t>agent</a:t>
+            </a:r>
+            <a:r>
+              <a:rPr lang="en-US" sz="1400" dirty="0"/>
+              <a:t> that can retrieve additional insights beyond inventory through </a:t>
+            </a:r>
+            <a:r>
+              <a:rPr lang="en-US" sz="1400" b="1" dirty="0"/>
+              <a:t>web searches</a:t>
+            </a:r>
+            <a:r>
+              <a:rPr lang="en-US" sz="1400" dirty="0"/>
+              <a:t>.</a:t>
+            </a:r>
+          </a:p>
+        </p:txBody>
+      </p:sp>
+      <p:sp>
+        <p:nvSpPr>
+          <p:cNvPr id="20" name="TextBox 19">
+            <a:extLst>
+              <a:ext uri="{FF2B5EF4-FFF2-40B4-BE49-F238E27FC236}">
+                <a16:creationId xmlns:a16="http://schemas.microsoft.com/office/drawing/2014/main" id="{388C5C6E-8D7D-BA76-8CEC-F0A42EFBD4A1}"/>
+              </a:ext>
+            </a:extLst>
+          </p:cNvPr>
+          <p:cNvSpPr txBox="1"/>
+          <p:nvPr/>
+        </p:nvSpPr>
+        <p:spPr>
+          <a:xfrm>
+            <a:off x="4862613" y="4472309"/>
+            <a:ext cx="2926830" cy="1815882"/>
+          </a:xfrm>
+          <a:prstGeom prst="rect">
+            <a:avLst/>
+          </a:prstGeom>
+          <a:noFill/>
+        </p:spPr>
+        <p:txBody>
+          <a:bodyPr wrap="square">
+            <a:spAutoFit/>
+          </a:bodyPr>
+          <a:lstStyle/>
+          <a:p>
+            <a:pPr marL="285750" indent="-285750">
+              <a:buFont typeface="Arial" panose="020B0604020202020204" pitchFamily="34" charset="0"/>
+              <a:buChar char="•"/>
+            </a:pPr>
+            <a:r>
+              <a:rPr lang="en-US" sz="1400" dirty="0"/>
+              <a:t>A </a:t>
+            </a:r>
+            <a:r>
+              <a:rPr lang="en-US" sz="1400" b="1" dirty="0"/>
+              <a:t>financial analyst</a:t>
+            </a:r>
+            <a:r>
+              <a:rPr lang="en-US" sz="1400" dirty="0"/>
+              <a:t> to evaluate multi-year sales data and generate sales forecasts.</a:t>
+            </a:r>
+          </a:p>
+          <a:p>
+            <a:pPr marL="285750" indent="-285750">
+              <a:buFont typeface="Arial" panose="020B0604020202020204" pitchFamily="34" charset="0"/>
+              <a:buChar char="•"/>
+            </a:pPr>
+            <a:endParaRPr lang="en-US" sz="1400" dirty="0"/>
+          </a:p>
+          <a:p>
+            <a:pPr marL="285750" indent="-285750">
+              <a:buFont typeface="Arial" panose="020B0604020202020204" pitchFamily="34" charset="0"/>
+              <a:buChar char="•"/>
+            </a:pPr>
+            <a:r>
+              <a:rPr lang="en-US" sz="1400" dirty="0"/>
+              <a:t>An </a:t>
+            </a:r>
+            <a:r>
+              <a:rPr lang="en-US" sz="1400" b="1" dirty="0"/>
+              <a:t>executive assistant</a:t>
+            </a:r>
+            <a:r>
+              <a:rPr lang="en-US" sz="1400" dirty="0"/>
+              <a:t> responsible for managing communications, including sending emails.</a:t>
+            </a:r>
+          </a:p>
+        </p:txBody>
+      </p:sp>
+      <p:sp>
+        <p:nvSpPr>
+          <p:cNvPr id="21" name="TextBox 20">
+            <a:extLst>
+              <a:ext uri="{FF2B5EF4-FFF2-40B4-BE49-F238E27FC236}">
+                <a16:creationId xmlns:a16="http://schemas.microsoft.com/office/drawing/2014/main" id="{8E055AB3-BEFA-122C-EFE6-CEB2BCE860AB}"/>
+              </a:ext>
+            </a:extLst>
+          </p:cNvPr>
+          <p:cNvSpPr txBox="1"/>
+          <p:nvPr/>
+        </p:nvSpPr>
+        <p:spPr>
+          <a:xfrm rot="16200000">
+            <a:off x="-111167" y="1212361"/>
+            <a:ext cx="1180219" cy="276999"/>
+          </a:xfrm>
+          <a:prstGeom prst="rect">
+            <a:avLst/>
+          </a:prstGeom>
+          <a:solidFill>
+            <a:schemeClr val="tx2"/>
+          </a:solidFill>
+        </p:spPr>
+        <p:txBody>
+          <a:bodyPr wrap="square" rtlCol="0">
+            <a:spAutoFit/>
+          </a:bodyPr>
+          <a:lstStyle/>
+          <a:p>
+            <a:pPr algn="ctr"/>
+            <a:r>
+              <a:rPr lang="en-US" sz="1200" dirty="0">
+                <a:solidFill>
+                  <a:schemeClr val="bg1"/>
+                </a:solidFill>
+              </a:rPr>
+              <a:t>Organization</a:t>
+            </a:r>
+          </a:p>
+        </p:txBody>
+      </p:sp>
+      <p:sp>
+        <p:nvSpPr>
+          <p:cNvPr id="22" name="TextBox 21">
+            <a:extLst>
+              <a:ext uri="{FF2B5EF4-FFF2-40B4-BE49-F238E27FC236}">
+                <a16:creationId xmlns:a16="http://schemas.microsoft.com/office/drawing/2014/main" id="{D474AA23-12C6-1B14-6121-97E1116540E3}"/>
+              </a:ext>
+            </a:extLst>
+          </p:cNvPr>
+          <p:cNvSpPr txBox="1"/>
+          <p:nvPr/>
+        </p:nvSpPr>
+        <p:spPr>
+          <a:xfrm rot="16200000">
+            <a:off x="-105787" y="3055608"/>
+            <a:ext cx="1180219" cy="276999"/>
+          </a:xfrm>
+          <a:prstGeom prst="rect">
+            <a:avLst/>
+          </a:prstGeom>
+          <a:solidFill>
+            <a:schemeClr val="tx2"/>
+          </a:solidFill>
+        </p:spPr>
+        <p:txBody>
+          <a:bodyPr wrap="square" rtlCol="0">
+            <a:spAutoFit/>
+          </a:bodyPr>
+          <a:lstStyle/>
+          <a:p>
+            <a:pPr algn="ctr"/>
+            <a:r>
+              <a:rPr lang="en-US" sz="1200" dirty="0">
+                <a:solidFill>
+                  <a:schemeClr val="bg1"/>
+                </a:solidFill>
+              </a:rPr>
+              <a:t>Persona</a:t>
+            </a:r>
+          </a:p>
+        </p:txBody>
+      </p:sp>
+      <p:sp>
+        <p:nvSpPr>
+          <p:cNvPr id="23" name="TextBox 22">
+            <a:extLst>
+              <a:ext uri="{FF2B5EF4-FFF2-40B4-BE49-F238E27FC236}">
+                <a16:creationId xmlns:a16="http://schemas.microsoft.com/office/drawing/2014/main" id="{7315556D-1F9B-9DBE-A18E-4E70CCD9C91A}"/>
+              </a:ext>
+            </a:extLst>
+          </p:cNvPr>
+          <p:cNvSpPr txBox="1"/>
+          <p:nvPr/>
+        </p:nvSpPr>
+        <p:spPr>
+          <a:xfrm rot="16200000">
+            <a:off x="-111166" y="5368641"/>
+            <a:ext cx="1180218" cy="276999"/>
+          </a:xfrm>
+          <a:prstGeom prst="rect">
+            <a:avLst/>
+          </a:prstGeom>
+          <a:solidFill>
+            <a:schemeClr val="tx2"/>
+          </a:solidFill>
+        </p:spPr>
+        <p:txBody>
+          <a:bodyPr wrap="square" rtlCol="0">
+            <a:spAutoFit/>
+          </a:bodyPr>
+          <a:lstStyle/>
+          <a:p>
+            <a:pPr algn="ctr"/>
+            <a:r>
+              <a:rPr lang="en-US" sz="1200" dirty="0">
+                <a:solidFill>
+                  <a:schemeClr val="bg1"/>
+                </a:solidFill>
+              </a:rPr>
+              <a:t>Responsibilities</a:t>
+            </a:r>
+          </a:p>
+        </p:txBody>
+      </p:sp>
     </p:spTree>
     <p:extLst>
       <p:ext uri="{BB962C8B-B14F-4D97-AF65-F5344CB8AC3E}">
-        <p14:creationId xmlns:p14="http://schemas.microsoft.com/office/powerpoint/2010/main" val="2931826500"/>
+        <p14:creationId xmlns:p14="http://schemas.microsoft.com/office/powerpoint/2010/main" val="3676540794"/>
       </p:ext>
     </p:extLst>
   </p:cSld>
@@ -6728,8 +7624,8 @@
         </p:nvSpPr>
         <p:spPr>
           <a:xfrm>
-            <a:off x="299655" y="74303"/>
-            <a:ext cx="1969450" cy="461665"/>
+            <a:off x="378314" y="2719180"/>
+            <a:ext cx="2860783" cy="461665"/>
           </a:xfrm>
           <a:prstGeom prst="rect">
             <a:avLst/>
@@ -6744,658 +7640,7 @@
           <a:p>
             <a:r>
               <a:rPr lang="en-US" sz="2400" dirty="0"/>
-              <a:t>DEMO - Scope</a:t>
-            </a:r>
-          </a:p>
-        </p:txBody>
-      </p:sp>
-      <p:sp>
-        <p:nvSpPr>
-          <p:cNvPr id="6" name="TextBox 5">
-            <a:extLst>
-              <a:ext uri="{FF2B5EF4-FFF2-40B4-BE49-F238E27FC236}">
-                <a16:creationId xmlns:a16="http://schemas.microsoft.com/office/drawing/2014/main" id="{C7EEF8DF-D3BE-76CD-DA64-DA819E5DA002}"/>
-              </a:ext>
-            </a:extLst>
-          </p:cNvPr>
-          <p:cNvSpPr txBox="1"/>
-          <p:nvPr/>
-        </p:nvSpPr>
-        <p:spPr>
-          <a:xfrm>
-            <a:off x="9518754" y="3050659"/>
-            <a:ext cx="2545830" cy="3139321"/>
-          </a:xfrm>
-          <a:prstGeom prst="rect">
-            <a:avLst/>
-          </a:prstGeom>
-          <a:noFill/>
-        </p:spPr>
-        <p:txBody>
-          <a:bodyPr wrap="square">
-            <a:spAutoFit/>
-          </a:bodyPr>
-          <a:lstStyle/>
-          <a:p>
-            <a:pPr marL="285750" indent="-285750">
-              <a:buFont typeface="Arial" panose="020B0604020202020204" pitchFamily="34" charset="0"/>
-              <a:buChar char="•"/>
-            </a:pPr>
-            <a:r>
-              <a:rPr lang="en-US" dirty="0"/>
-              <a:t>A </a:t>
-            </a:r>
-            <a:r>
-              <a:rPr lang="en-US" b="1" dirty="0"/>
-              <a:t>software engineer</a:t>
-            </a:r>
-            <a:r>
-              <a:rPr lang="en-US" dirty="0"/>
-              <a:t> to analyze source code, document logic, and execute technical tasks.</a:t>
-            </a:r>
-          </a:p>
-          <a:p>
-            <a:pPr marL="742950" lvl="1" indent="-285750">
-              <a:buFont typeface="Arial" panose="020B0604020202020204" pitchFamily="34" charset="0"/>
-              <a:buChar char="•"/>
-            </a:pPr>
-            <a:r>
-              <a:rPr lang="en-US" dirty="0"/>
-              <a:t>ADF/JSON File analysis</a:t>
-            </a:r>
-          </a:p>
-          <a:p>
-            <a:pPr marL="742950" lvl="1" indent="-285750">
-              <a:buFont typeface="Arial" panose="020B0604020202020204" pitchFamily="34" charset="0"/>
-              <a:buChar char="•"/>
-            </a:pPr>
-            <a:r>
-              <a:rPr lang="en-US" dirty="0"/>
-              <a:t>Snowflake/Stored-procedure analysis</a:t>
-            </a:r>
-          </a:p>
-          <a:p>
-            <a:endParaRPr lang="en-US" b="1" dirty="0"/>
-          </a:p>
-        </p:txBody>
-      </p:sp>
-      <p:cxnSp>
-        <p:nvCxnSpPr>
-          <p:cNvPr id="2" name="Straight Connector 1">
-            <a:extLst>
-              <a:ext uri="{FF2B5EF4-FFF2-40B4-BE49-F238E27FC236}">
-                <a16:creationId xmlns:a16="http://schemas.microsoft.com/office/drawing/2014/main" id="{22E1BF60-C091-F918-A508-C0CD2544E876}"/>
-              </a:ext>
-            </a:extLst>
-          </p:cNvPr>
-          <p:cNvCxnSpPr/>
-          <p:nvPr/>
-        </p:nvCxnSpPr>
-        <p:spPr>
-          <a:xfrm>
-            <a:off x="432619" y="545800"/>
-            <a:ext cx="11759381" cy="0"/>
-          </a:xfrm>
-          <a:prstGeom prst="line">
-            <a:avLst/>
-          </a:prstGeom>
-        </p:spPr>
-        <p:style>
-          <a:lnRef idx="3">
-            <a:schemeClr val="accent5"/>
-          </a:lnRef>
-          <a:fillRef idx="0">
-            <a:schemeClr val="accent5"/>
-          </a:fillRef>
-          <a:effectRef idx="2">
-            <a:schemeClr val="accent5"/>
-          </a:effectRef>
-          <a:fontRef idx="minor">
-            <a:schemeClr val="tx1"/>
-          </a:fontRef>
-        </p:style>
-      </p:cxnSp>
-      <p:sp>
-        <p:nvSpPr>
-          <p:cNvPr id="3" name="Rounded Rectangle 2">
-            <a:extLst>
-              <a:ext uri="{FF2B5EF4-FFF2-40B4-BE49-F238E27FC236}">
-                <a16:creationId xmlns:a16="http://schemas.microsoft.com/office/drawing/2014/main" id="{29183193-D05D-D1D0-1C3E-C757F541B166}"/>
-              </a:ext>
-            </a:extLst>
-          </p:cNvPr>
-          <p:cNvSpPr/>
-          <p:nvPr/>
-        </p:nvSpPr>
-        <p:spPr>
-          <a:xfrm>
-            <a:off x="5081666" y="861934"/>
-            <a:ext cx="2061147" cy="584617"/>
-          </a:xfrm>
-          <a:prstGeom prst="roundRect">
-            <a:avLst/>
-          </a:prstGeom>
-        </p:spPr>
-        <p:style>
-          <a:lnRef idx="2">
-            <a:schemeClr val="accent1">
-              <a:shade val="15000"/>
-            </a:schemeClr>
-          </a:lnRef>
-          <a:fillRef idx="1">
-            <a:schemeClr val="accent1"/>
-          </a:fillRef>
-          <a:effectRef idx="0">
-            <a:schemeClr val="accent1"/>
-          </a:effectRef>
-          <a:fontRef idx="minor">
-            <a:schemeClr val="lt1"/>
-          </a:fontRef>
-        </p:style>
-        <p:txBody>
-          <a:bodyPr rtlCol="0" anchor="ctr"/>
-          <a:lstStyle/>
-          <a:p>
-            <a:pPr algn="ctr"/>
-            <a:r>
-              <a:rPr lang="en-US" dirty="0"/>
-              <a:t>Auto Trader</a:t>
-            </a:r>
-          </a:p>
-        </p:txBody>
-      </p:sp>
-      <p:sp>
-        <p:nvSpPr>
-          <p:cNvPr id="5" name="Rounded Rectangle 4">
-            <a:extLst>
-              <a:ext uri="{FF2B5EF4-FFF2-40B4-BE49-F238E27FC236}">
-                <a16:creationId xmlns:a16="http://schemas.microsoft.com/office/drawing/2014/main" id="{AE830F09-2BA5-D787-AC4F-739E387459BC}"/>
-              </a:ext>
-            </a:extLst>
-          </p:cNvPr>
-          <p:cNvSpPr/>
-          <p:nvPr/>
-        </p:nvSpPr>
-        <p:spPr>
-          <a:xfrm>
-            <a:off x="432619" y="2151089"/>
-            <a:ext cx="2123204" cy="532150"/>
-          </a:xfrm>
-          <a:prstGeom prst="roundRect">
-            <a:avLst/>
-          </a:prstGeom>
-        </p:spPr>
-        <p:style>
-          <a:lnRef idx="2">
-            <a:schemeClr val="accent2">
-              <a:shade val="15000"/>
-            </a:schemeClr>
-          </a:lnRef>
-          <a:fillRef idx="1">
-            <a:schemeClr val="accent2"/>
-          </a:fillRef>
-          <a:effectRef idx="0">
-            <a:schemeClr val="accent2"/>
-          </a:effectRef>
-          <a:fontRef idx="minor">
-            <a:schemeClr val="lt1"/>
-          </a:fontRef>
-        </p:style>
-        <p:txBody>
-          <a:bodyPr rtlCol="0" anchor="ctr"/>
-          <a:lstStyle/>
-          <a:p>
-            <a:pPr algn="ctr"/>
-            <a:r>
-              <a:rPr lang="en-US" dirty="0"/>
-              <a:t>Sales Agent</a:t>
-            </a:r>
-          </a:p>
-        </p:txBody>
-      </p:sp>
-      <p:sp>
-        <p:nvSpPr>
-          <p:cNvPr id="7" name="Rounded Rectangle 6">
-            <a:extLst>
-              <a:ext uri="{FF2B5EF4-FFF2-40B4-BE49-F238E27FC236}">
-                <a16:creationId xmlns:a16="http://schemas.microsoft.com/office/drawing/2014/main" id="{B636C9CE-9EFC-E222-A5CA-D1507AA8F2BA}"/>
-              </a:ext>
-            </a:extLst>
-          </p:cNvPr>
-          <p:cNvSpPr/>
-          <p:nvPr/>
-        </p:nvSpPr>
-        <p:spPr>
-          <a:xfrm>
-            <a:off x="5051686" y="2151089"/>
-            <a:ext cx="2123204" cy="532150"/>
-          </a:xfrm>
-          <a:prstGeom prst="roundRect">
-            <a:avLst/>
-          </a:prstGeom>
-        </p:spPr>
-        <p:style>
-          <a:lnRef idx="2">
-            <a:schemeClr val="accent4">
-              <a:shade val="15000"/>
-            </a:schemeClr>
-          </a:lnRef>
-          <a:fillRef idx="1">
-            <a:schemeClr val="accent4"/>
-          </a:fillRef>
-          <a:effectRef idx="0">
-            <a:schemeClr val="accent4"/>
-          </a:effectRef>
-          <a:fontRef idx="minor">
-            <a:schemeClr val="lt1"/>
-          </a:fontRef>
-        </p:style>
-        <p:txBody>
-          <a:bodyPr rtlCol="0" anchor="ctr"/>
-          <a:lstStyle/>
-          <a:p>
-            <a:pPr algn="ctr"/>
-            <a:r>
-              <a:rPr lang="en-US" dirty="0"/>
-              <a:t>Financial Analyst</a:t>
-            </a:r>
-          </a:p>
-        </p:txBody>
-      </p:sp>
-      <p:sp>
-        <p:nvSpPr>
-          <p:cNvPr id="8" name="Rounded Rectangle 7">
-            <a:extLst>
-              <a:ext uri="{FF2B5EF4-FFF2-40B4-BE49-F238E27FC236}">
-                <a16:creationId xmlns:a16="http://schemas.microsoft.com/office/drawing/2014/main" id="{920EF24E-B36B-4F64-CC1D-2020959922C3}"/>
-              </a:ext>
-            </a:extLst>
-          </p:cNvPr>
-          <p:cNvSpPr/>
-          <p:nvPr/>
-        </p:nvSpPr>
-        <p:spPr>
-          <a:xfrm>
-            <a:off x="9941380" y="2151089"/>
-            <a:ext cx="2123204" cy="532150"/>
-          </a:xfrm>
-          <a:prstGeom prst="roundRect">
-            <a:avLst/>
-          </a:prstGeom>
-        </p:spPr>
-        <p:style>
-          <a:lnRef idx="2">
-            <a:schemeClr val="accent6">
-              <a:shade val="15000"/>
-            </a:schemeClr>
-          </a:lnRef>
-          <a:fillRef idx="1">
-            <a:schemeClr val="accent6"/>
-          </a:fillRef>
-          <a:effectRef idx="0">
-            <a:schemeClr val="accent6"/>
-          </a:effectRef>
-          <a:fontRef idx="minor">
-            <a:schemeClr val="lt1"/>
-          </a:fontRef>
-        </p:style>
-        <p:txBody>
-          <a:bodyPr rtlCol="0" anchor="ctr"/>
-          <a:lstStyle/>
-          <a:p>
-            <a:pPr algn="ctr"/>
-            <a:r>
-              <a:rPr lang="en-US" dirty="0"/>
-              <a:t>Engineer</a:t>
-            </a:r>
-          </a:p>
-        </p:txBody>
-      </p:sp>
-      <p:cxnSp>
-        <p:nvCxnSpPr>
-          <p:cNvPr id="10" name="Elbow Connector 9">
-            <a:extLst>
-              <a:ext uri="{FF2B5EF4-FFF2-40B4-BE49-F238E27FC236}">
-                <a16:creationId xmlns:a16="http://schemas.microsoft.com/office/drawing/2014/main" id="{6B3DA53C-6856-B923-0FC0-3F819C4BCCDB}"/>
-              </a:ext>
-            </a:extLst>
-          </p:cNvPr>
-          <p:cNvCxnSpPr>
-            <a:stCxn id="3" idx="2"/>
-            <a:endCxn id="5" idx="0"/>
-          </p:cNvCxnSpPr>
-          <p:nvPr/>
-        </p:nvCxnSpPr>
-        <p:spPr>
-          <a:xfrm rot="5400000">
-            <a:off x="3450962" y="-510189"/>
-            <a:ext cx="704538" cy="4618019"/>
-          </a:xfrm>
-          <a:prstGeom prst="bentConnector3">
-            <a:avLst/>
-          </a:prstGeom>
-          <a:ln>
-            <a:tailEnd type="triangle"/>
-          </a:ln>
-        </p:spPr>
-        <p:style>
-          <a:lnRef idx="1">
-            <a:schemeClr val="accent1"/>
-          </a:lnRef>
-          <a:fillRef idx="0">
-            <a:schemeClr val="accent1"/>
-          </a:fillRef>
-          <a:effectRef idx="0">
-            <a:schemeClr val="accent1"/>
-          </a:effectRef>
-          <a:fontRef idx="minor">
-            <a:schemeClr val="tx1"/>
-          </a:fontRef>
-        </p:style>
-      </p:cxnSp>
-      <p:cxnSp>
-        <p:nvCxnSpPr>
-          <p:cNvPr id="11" name="Elbow Connector 10">
-            <a:extLst>
-              <a:ext uri="{FF2B5EF4-FFF2-40B4-BE49-F238E27FC236}">
-                <a16:creationId xmlns:a16="http://schemas.microsoft.com/office/drawing/2014/main" id="{44BD70ED-2DC8-D8CC-20ED-FDDE8CE83543}"/>
-              </a:ext>
-            </a:extLst>
-          </p:cNvPr>
-          <p:cNvCxnSpPr>
-            <a:cxnSpLocks/>
-            <a:stCxn id="3" idx="2"/>
-            <a:endCxn id="7" idx="0"/>
-          </p:cNvCxnSpPr>
-          <p:nvPr/>
-        </p:nvCxnSpPr>
-        <p:spPr>
-          <a:xfrm rot="16200000" flipH="1">
-            <a:off x="5760495" y="1798296"/>
-            <a:ext cx="704538" cy="1048"/>
-          </a:xfrm>
-          <a:prstGeom prst="bentConnector3">
-            <a:avLst>
-              <a:gd name="adj1" fmla="val 50000"/>
-            </a:avLst>
-          </a:prstGeom>
-          <a:ln>
-            <a:tailEnd type="triangle"/>
-          </a:ln>
-        </p:spPr>
-        <p:style>
-          <a:lnRef idx="1">
-            <a:schemeClr val="accent1"/>
-          </a:lnRef>
-          <a:fillRef idx="0">
-            <a:schemeClr val="accent1"/>
-          </a:fillRef>
-          <a:effectRef idx="0">
-            <a:schemeClr val="accent1"/>
-          </a:effectRef>
-          <a:fontRef idx="minor">
-            <a:schemeClr val="tx1"/>
-          </a:fontRef>
-        </p:style>
-      </p:cxnSp>
-      <p:cxnSp>
-        <p:nvCxnSpPr>
-          <p:cNvPr id="14" name="Elbow Connector 13">
-            <a:extLst>
-              <a:ext uri="{FF2B5EF4-FFF2-40B4-BE49-F238E27FC236}">
-                <a16:creationId xmlns:a16="http://schemas.microsoft.com/office/drawing/2014/main" id="{7537D570-9B42-577D-3ECF-5036DC488D94}"/>
-              </a:ext>
-            </a:extLst>
-          </p:cNvPr>
-          <p:cNvCxnSpPr>
-            <a:cxnSpLocks/>
-            <a:stCxn id="3" idx="2"/>
-            <a:endCxn id="8" idx="0"/>
-          </p:cNvCxnSpPr>
-          <p:nvPr/>
-        </p:nvCxnSpPr>
-        <p:spPr>
-          <a:xfrm rot="16200000" flipH="1">
-            <a:off x="8205342" y="-646551"/>
-            <a:ext cx="704538" cy="4890742"/>
-          </a:xfrm>
-          <a:prstGeom prst="bentConnector3">
-            <a:avLst>
-              <a:gd name="adj1" fmla="val 50000"/>
-            </a:avLst>
-          </a:prstGeom>
-          <a:ln>
-            <a:tailEnd type="triangle"/>
-          </a:ln>
-        </p:spPr>
-        <p:style>
-          <a:lnRef idx="1">
-            <a:schemeClr val="accent1"/>
-          </a:lnRef>
-          <a:fillRef idx="0">
-            <a:schemeClr val="accent1"/>
-          </a:fillRef>
-          <a:effectRef idx="0">
-            <a:schemeClr val="accent1"/>
-          </a:effectRef>
-          <a:fontRef idx="minor">
-            <a:schemeClr val="tx1"/>
-          </a:fontRef>
-        </p:style>
-      </p:cxnSp>
-      <p:sp>
-        <p:nvSpPr>
-          <p:cNvPr id="18" name="TextBox 17">
-            <a:extLst>
-              <a:ext uri="{FF2B5EF4-FFF2-40B4-BE49-F238E27FC236}">
-                <a16:creationId xmlns:a16="http://schemas.microsoft.com/office/drawing/2014/main" id="{E244444A-9D00-1A66-2EFE-3292C1E5A4F3}"/>
-              </a:ext>
-            </a:extLst>
-          </p:cNvPr>
-          <p:cNvSpPr txBox="1"/>
-          <p:nvPr/>
-        </p:nvSpPr>
-        <p:spPr>
-          <a:xfrm>
-            <a:off x="299655" y="3050659"/>
-            <a:ext cx="2782771" cy="3139321"/>
-          </a:xfrm>
-          <a:prstGeom prst="rect">
-            <a:avLst/>
-          </a:prstGeom>
-          <a:noFill/>
-        </p:spPr>
-        <p:txBody>
-          <a:bodyPr wrap="square">
-            <a:spAutoFit/>
-          </a:bodyPr>
-          <a:lstStyle/>
-          <a:p>
-            <a:pPr marL="285750" indent="-285750">
-              <a:buFont typeface="Arial" panose="020B0604020202020204" pitchFamily="34" charset="0"/>
-              <a:buChar char="•"/>
-            </a:pPr>
-            <a:r>
-              <a:rPr lang="en-US" dirty="0"/>
-              <a:t>A </a:t>
-            </a:r>
-            <a:r>
-              <a:rPr lang="en-US" b="1" dirty="0"/>
-              <a:t>sales representative</a:t>
-            </a:r>
-            <a:r>
-              <a:rPr lang="en-US" dirty="0"/>
-              <a:t> to engage with customers and provide details about available inventory.</a:t>
-            </a:r>
-          </a:p>
-          <a:p>
-            <a:pPr marL="285750" indent="-285750">
-              <a:buFont typeface="Arial" panose="020B0604020202020204" pitchFamily="34" charset="0"/>
-              <a:buChar char="•"/>
-            </a:pPr>
-            <a:endParaRPr lang="en-US" dirty="0"/>
-          </a:p>
-          <a:p>
-            <a:pPr marL="285750" indent="-285750">
-              <a:buFont typeface="Arial" panose="020B0604020202020204" pitchFamily="34" charset="0"/>
-              <a:buChar char="•"/>
-            </a:pPr>
-            <a:r>
-              <a:rPr lang="en-US" dirty="0"/>
-              <a:t>An </a:t>
-            </a:r>
-            <a:r>
-              <a:rPr lang="en-US" b="1" dirty="0"/>
-              <a:t>agent</a:t>
-            </a:r>
-            <a:r>
-              <a:rPr lang="en-US" dirty="0"/>
-              <a:t> that can retrieve additional insights beyond inventory through </a:t>
-            </a:r>
-            <a:r>
-              <a:rPr lang="en-US" b="1" dirty="0"/>
-              <a:t>web searches</a:t>
-            </a:r>
-            <a:r>
-              <a:rPr lang="en-US" dirty="0"/>
-              <a:t>.</a:t>
-            </a:r>
-          </a:p>
-        </p:txBody>
-      </p:sp>
-      <p:sp>
-        <p:nvSpPr>
-          <p:cNvPr id="20" name="TextBox 19">
-            <a:extLst>
-              <a:ext uri="{FF2B5EF4-FFF2-40B4-BE49-F238E27FC236}">
-                <a16:creationId xmlns:a16="http://schemas.microsoft.com/office/drawing/2014/main" id="{388C5C6E-8D7D-BA76-8CEC-F0A42EFBD4A1}"/>
-              </a:ext>
-            </a:extLst>
-          </p:cNvPr>
-          <p:cNvSpPr txBox="1"/>
-          <p:nvPr/>
-        </p:nvSpPr>
-        <p:spPr>
-          <a:xfrm>
-            <a:off x="4853065" y="3073305"/>
-            <a:ext cx="2926830" cy="2585323"/>
-          </a:xfrm>
-          <a:prstGeom prst="rect">
-            <a:avLst/>
-          </a:prstGeom>
-          <a:noFill/>
-        </p:spPr>
-        <p:txBody>
-          <a:bodyPr wrap="square">
-            <a:spAutoFit/>
-          </a:bodyPr>
-          <a:lstStyle/>
-          <a:p>
-            <a:pPr marL="285750" indent="-285750">
-              <a:buFont typeface="Arial" panose="020B0604020202020204" pitchFamily="34" charset="0"/>
-              <a:buChar char="•"/>
-            </a:pPr>
-            <a:r>
-              <a:rPr lang="en-US" dirty="0"/>
-              <a:t>A </a:t>
-            </a:r>
-            <a:r>
-              <a:rPr lang="en-US" b="1" dirty="0"/>
-              <a:t>financial analyst</a:t>
-            </a:r>
-            <a:r>
-              <a:rPr lang="en-US" dirty="0"/>
-              <a:t> to evaluate multi-year sales data and generate sales forecasts.</a:t>
-            </a:r>
-          </a:p>
-          <a:p>
-            <a:pPr marL="285750" indent="-285750">
-              <a:buFont typeface="Arial" panose="020B0604020202020204" pitchFamily="34" charset="0"/>
-              <a:buChar char="•"/>
-            </a:pPr>
-            <a:endParaRPr lang="en-US" dirty="0"/>
-          </a:p>
-          <a:p>
-            <a:pPr marL="285750" indent="-285750">
-              <a:buFont typeface="Arial" panose="020B0604020202020204" pitchFamily="34" charset="0"/>
-              <a:buChar char="•"/>
-            </a:pPr>
-            <a:r>
-              <a:rPr lang="en-US" dirty="0"/>
-              <a:t>An </a:t>
-            </a:r>
-            <a:r>
-              <a:rPr lang="en-US" b="1" dirty="0"/>
-              <a:t>executive assistant</a:t>
-            </a:r>
-            <a:r>
-              <a:rPr lang="en-US" dirty="0"/>
-              <a:t> responsible for managing communications, including sending emails.</a:t>
-            </a:r>
-          </a:p>
-        </p:txBody>
-      </p:sp>
-    </p:spTree>
-    <p:extLst>
-      <p:ext uri="{BB962C8B-B14F-4D97-AF65-F5344CB8AC3E}">
-        <p14:creationId xmlns:p14="http://schemas.microsoft.com/office/powerpoint/2010/main" val="3676540794"/>
-      </p:ext>
-    </p:extLst>
-  </p:cSld>
-  <p:clrMapOvr>
-    <a:masterClrMapping/>
-  </p:clrMapOvr>
-</p:sld>
-</file>
-
-<file path=ppt/slides/slide6.xml><?xml version="1.0" encoding="utf-8"?>
-<p:sld xmlns:a="http://schemas.openxmlformats.org/drawingml/2006/main" xmlns:r="http://schemas.openxmlformats.org/officeDocument/2006/relationships" xmlns:p="http://schemas.openxmlformats.org/presentationml/2006/main">
-  <p:cSld>
-    <p:spTree>
-      <p:nvGrpSpPr>
-        <p:cNvPr id="1" name=""/>
-        <p:cNvGrpSpPr/>
-        <p:nvPr/>
-      </p:nvGrpSpPr>
-      <p:grpSpPr>
-        <a:xfrm>
-          <a:off x="0" y="0"/>
-          <a:ext cx="0" cy="0"/>
-          <a:chOff x="0" y="0"/>
-          <a:chExt cx="0" cy="0"/>
-        </a:xfrm>
-      </p:grpSpPr>
-      <p:sp>
-        <p:nvSpPr>
-          <p:cNvPr id="4" name="TextBox 3">
-            <a:extLst>
-              <a:ext uri="{FF2B5EF4-FFF2-40B4-BE49-F238E27FC236}">
-                <a16:creationId xmlns:a16="http://schemas.microsoft.com/office/drawing/2014/main" id="{0B205ED7-CA2A-2FFE-8AF6-7C1545C8E1FC}"/>
-              </a:ext>
-            </a:extLst>
-          </p:cNvPr>
-          <p:cNvSpPr txBox="1"/>
-          <p:nvPr/>
-        </p:nvSpPr>
-        <p:spPr>
-          <a:xfrm>
-            <a:off x="378314" y="2719180"/>
-            <a:ext cx="838691" cy="461665"/>
-          </a:xfrm>
-          <a:prstGeom prst="rect">
-            <a:avLst/>
-          </a:prstGeom>
-          <a:noFill/>
-        </p:spPr>
-        <p:txBody>
-          <a:bodyPr wrap="none" rtlCol="0">
-            <a:spAutoFit/>
-          </a:bodyPr>
-          <a:lstStyle/>
-          <a:p>
-            <a:r>
-              <a:rPr lang="en-US" sz="2400" dirty="0"/>
-              <a:t>COST</a:t>
+              <a:t>How does it all work?</a:t>
             </a:r>
           </a:p>
         </p:txBody>
@@ -7449,6 +7694,107 @@
 </p:sld>
 </file>
 
+<file path=ppt/slides/slide6.xml><?xml version="1.0" encoding="utf-8"?>
+<p:sld xmlns:a="http://schemas.openxmlformats.org/drawingml/2006/main" xmlns:r="http://schemas.openxmlformats.org/officeDocument/2006/relationships" xmlns:p="http://schemas.openxmlformats.org/presentationml/2006/main">
+  <p:cSld>
+    <p:spTree>
+      <p:nvGrpSpPr>
+        <p:cNvPr id="1" name=""/>
+        <p:cNvGrpSpPr/>
+        <p:nvPr/>
+      </p:nvGrpSpPr>
+      <p:grpSpPr>
+        <a:xfrm>
+          <a:off x="0" y="0"/>
+          <a:ext cx="0" cy="0"/>
+          <a:chOff x="0" y="0"/>
+          <a:chExt cx="0" cy="0"/>
+        </a:xfrm>
+      </p:grpSpPr>
+      <p:sp>
+        <p:nvSpPr>
+          <p:cNvPr id="4" name="TextBox 3">
+            <a:extLst>
+              <a:ext uri="{FF2B5EF4-FFF2-40B4-BE49-F238E27FC236}">
+                <a16:creationId xmlns:a16="http://schemas.microsoft.com/office/drawing/2014/main" id="{0B205ED7-CA2A-2FFE-8AF6-7C1545C8E1FC}"/>
+              </a:ext>
+            </a:extLst>
+          </p:cNvPr>
+          <p:cNvSpPr txBox="1"/>
+          <p:nvPr/>
+        </p:nvSpPr>
+        <p:spPr>
+          <a:xfrm>
+            <a:off x="378314" y="2719180"/>
+            <a:ext cx="2860783" cy="461665"/>
+          </a:xfrm>
+          <a:prstGeom prst="rect">
+            <a:avLst/>
+          </a:prstGeom>
+          <a:noFill/>
+        </p:spPr>
+        <p:txBody>
+          <a:bodyPr wrap="none" rtlCol="0">
+            <a:spAutoFit/>
+          </a:bodyPr>
+          <a:lstStyle/>
+          <a:p>
+            <a:r>
+              <a:rPr lang="en-US" sz="2400" dirty="0"/>
+              <a:t>How does it all work?</a:t>
+            </a:r>
+          </a:p>
+        </p:txBody>
+      </p:sp>
+      <p:cxnSp>
+        <p:nvCxnSpPr>
+          <p:cNvPr id="2" name="Straight Connector 1">
+            <a:extLst>
+              <a:ext uri="{FF2B5EF4-FFF2-40B4-BE49-F238E27FC236}">
+                <a16:creationId xmlns:a16="http://schemas.microsoft.com/office/drawing/2014/main" id="{89154393-A6FF-CF4B-8A1D-57D7E90FAC33}"/>
+              </a:ext>
+            </a:extLst>
+          </p:cNvPr>
+          <p:cNvCxnSpPr/>
+          <p:nvPr/>
+        </p:nvCxnSpPr>
+        <p:spPr>
+          <a:xfrm>
+            <a:off x="432619" y="3156155"/>
+            <a:ext cx="11759381" cy="0"/>
+          </a:xfrm>
+          <a:prstGeom prst="line">
+            <a:avLst/>
+          </a:prstGeom>
+        </p:spPr>
+        <p:style>
+          <a:lnRef idx="3">
+            <a:schemeClr val="accent5"/>
+          </a:lnRef>
+          <a:fillRef idx="0">
+            <a:schemeClr val="accent5"/>
+          </a:fillRef>
+          <a:effectRef idx="2">
+            <a:schemeClr val="accent5"/>
+          </a:effectRef>
+          <a:fontRef idx="minor">
+            <a:schemeClr val="tx1"/>
+          </a:fontRef>
+        </p:style>
+      </p:cxnSp>
+    </p:spTree>
+    <p:extLst>
+      <p:ext uri="{BB962C8B-B14F-4D97-AF65-F5344CB8AC3E}">
+        <p14:creationId xmlns:p14="http://schemas.microsoft.com/office/powerpoint/2010/main" val="1633760108"/>
+      </p:ext>
+    </p:extLst>
+  </p:cSld>
+  <p:clrMapOvr>
+    <a:masterClrMapping/>
+  </p:clrMapOvr>
+</p:sld>
+</file>
+
 <file path=ppt/slides/slide7.xml><?xml version="1.0" encoding="utf-8"?>
 <p:sld xmlns:a="http://schemas.openxmlformats.org/drawingml/2006/main" xmlns:r="http://schemas.openxmlformats.org/officeDocument/2006/relationships" xmlns:p="http://schemas.openxmlformats.org/presentationml/2006/main">
   <p:cSld>
@@ -7471,7 +7817,7 @@
           <p:cNvPr id="3" name="TextBox 2">
             <a:extLst>
               <a:ext uri="{FF2B5EF4-FFF2-40B4-BE49-F238E27FC236}">
-                <a16:creationId xmlns:a16="http://schemas.microsoft.com/office/drawing/2014/main" id="{61F52439-6AF5-5D38-D5D2-5AB934AE383A}"/>
+                <a16:creationId xmlns:a16="http://schemas.microsoft.com/office/drawing/2014/main" id="{1C043895-FF95-D826-59CE-DBB5ADF31B12}"/>
               </a:ext>
             </a:extLst>
           </p:cNvPr>
@@ -7481,7 +7827,7 @@
         <p:spPr>
           <a:xfrm>
             <a:off x="299655" y="74303"/>
-            <a:ext cx="729430" cy="461665"/>
+            <a:ext cx="5504905" cy="461665"/>
           </a:xfrm>
           <a:prstGeom prst="rect">
             <a:avLst/>
@@ -7496,7 +7842,7 @@
           <a:p>
             <a:r>
               <a:rPr lang="en-US" sz="2400" dirty="0"/>
-              <a:t>Cost</a:t>
+              <a:t>Agentic AI Setup – A Hypothetical Scenario</a:t>
             </a:r>
           </a:p>
         </p:txBody>
@@ -7506,7 +7852,7 @@
           <p:cNvPr id="5" name="Straight Connector 4">
             <a:extLst>
               <a:ext uri="{FF2B5EF4-FFF2-40B4-BE49-F238E27FC236}">
-                <a16:creationId xmlns:a16="http://schemas.microsoft.com/office/drawing/2014/main" id="{E9EF8585-FC8F-D680-0FDC-8831BAB64670}"/>
+                <a16:creationId xmlns:a16="http://schemas.microsoft.com/office/drawing/2014/main" id="{FAEB4772-560A-9710-8926-CF7774888F9F}"/>
               </a:ext>
             </a:extLst>
           </p:cNvPr>
@@ -7539,10 +7885,10 @@
       </p:cxnSp>
       <p:sp>
         <p:nvSpPr>
-          <p:cNvPr id="8" name="Rectangle 7">
-            <a:extLst>
-              <a:ext uri="{FF2B5EF4-FFF2-40B4-BE49-F238E27FC236}">
-                <a16:creationId xmlns:a16="http://schemas.microsoft.com/office/drawing/2014/main" id="{B050F634-6B01-D651-D1B1-F2FADA24BA4C}"/>
+          <p:cNvPr id="6" name="Rounded Rectangle 5">
+            <a:extLst>
+              <a:ext uri="{FF2B5EF4-FFF2-40B4-BE49-F238E27FC236}">
+                <a16:creationId xmlns:a16="http://schemas.microsoft.com/office/drawing/2014/main" id="{3D6456C6-D6CA-1A3F-3A71-4B52DA95AF7B}"/>
               </a:ext>
             </a:extLst>
           </p:cNvPr>
@@ -7551,23 +7897,18 @@
         </p:nvSpPr>
         <p:spPr>
           <a:xfrm>
-            <a:off x="178943" y="1885010"/>
-            <a:ext cx="1753444" cy="806246"/>
-          </a:xfrm>
-          <a:prstGeom prst="rect">
-            <a:avLst/>
-          </a:prstGeom>
-          <a:solidFill>
-            <a:srgbClr val="002060"/>
-          </a:solidFill>
-          <a:effectLst>
-            <a:glow rad="101600">
-              <a:schemeClr val="accent2">
-                <a:satMod val="175000"/>
-                <a:alpha val="40000"/>
-              </a:schemeClr>
-            </a:glow>
-          </a:effectLst>
+            <a:off x="627320" y="1722474"/>
+            <a:ext cx="4518837" cy="4465671"/>
+          </a:xfrm>
+          <a:prstGeom prst="roundRect">
+            <a:avLst>
+              <a:gd name="adj" fmla="val 4151"/>
+            </a:avLst>
+          </a:prstGeom>
+          <a:noFill/>
+          <a:ln>
+            <a:prstDash val="dash"/>
+          </a:ln>
         </p:spPr>
         <p:style>
           <a:lnRef idx="2">
@@ -7590,26 +7931,63 @@
           <a:lstStyle/>
           <a:p>
             <a:pPr algn="ctr"/>
-            <a:r>
-              <a:rPr lang="en-US" sz="2000" dirty="0"/>
-              <a:t>Total Tokens </a:t>
-            </a:r>
-          </a:p>
-          <a:p>
-            <a:pPr algn="ctr"/>
-            <a:r>
-              <a:rPr lang="en-US" sz="2000" dirty="0"/>
-              <a:t>2,562,236</a:t>
-            </a:r>
-          </a:p>
-        </p:txBody>
-      </p:sp>
+            <a:endParaRPr lang="en-US"/>
+          </a:p>
+        </p:txBody>
+      </p:sp>
+      <p:pic>
+        <p:nvPicPr>
+          <p:cNvPr id="1026" name="Picture 2" descr="Python icon - Free download on Iconfinder">
+            <a:extLst>
+              <a:ext uri="{FF2B5EF4-FFF2-40B4-BE49-F238E27FC236}">
+                <a16:creationId xmlns:a16="http://schemas.microsoft.com/office/drawing/2014/main" id="{BAFF3243-5659-47AE-36B5-6C17332F6A1F}"/>
+              </a:ext>
+            </a:extLst>
+          </p:cNvPr>
+          <p:cNvPicPr>
+            <a:picLocks noChangeAspect="1" noChangeArrowheads="1"/>
+          </p:cNvPicPr>
+          <p:nvPr/>
+        </p:nvPicPr>
+        <p:blipFill>
+          <a:blip r:embed="rId2">
+            <a:extLst>
+              <a:ext uri="{28A0092B-C50C-407E-A947-70E740481C1C}">
+                <a14:useLocalDpi xmlns:a14="http://schemas.microsoft.com/office/drawing/2010/main" val="0"/>
+              </a:ext>
+            </a:extLst>
+          </a:blip>
+          <a:srcRect/>
+          <a:stretch>
+            <a:fillRect/>
+          </a:stretch>
+        </p:blipFill>
+        <p:spPr bwMode="auto">
+          <a:xfrm>
+            <a:off x="4806157" y="1549052"/>
+            <a:ext cx="493400" cy="493400"/>
+          </a:xfrm>
+          <a:prstGeom prst="rect">
+            <a:avLst/>
+          </a:prstGeom>
+          <a:noFill/>
+          <a:extLst>
+            <a:ext uri="{909E8E84-426E-40DD-AFC4-6F175D3DCCD1}">
+              <a14:hiddenFill xmlns:a14="http://schemas.microsoft.com/office/drawing/2010/main">
+                <a:solidFill>
+                  <a:srgbClr val="FFFFFF"/>
+                </a:solidFill>
+              </a14:hiddenFill>
+            </a:ext>
+          </a:extLst>
+        </p:spPr>
+      </p:pic>
       <p:sp>
         <p:nvSpPr>
           <p:cNvPr id="9" name="Rectangle 8">
             <a:extLst>
               <a:ext uri="{FF2B5EF4-FFF2-40B4-BE49-F238E27FC236}">
-                <a16:creationId xmlns:a16="http://schemas.microsoft.com/office/drawing/2014/main" id="{B20A5704-18BF-DBC0-3A0B-B8EA205E7D2F}"/>
+                <a16:creationId xmlns:a16="http://schemas.microsoft.com/office/drawing/2014/main" id="{181CA5E8-E59B-0752-D8DB-E70E50EB4B11}"/>
               </a:ext>
             </a:extLst>
           </p:cNvPr>
@@ -7618,23 +7996,17 @@
         </p:nvSpPr>
         <p:spPr>
           <a:xfrm>
-            <a:off x="178943" y="3181170"/>
-            <a:ext cx="1753444" cy="806246"/>
+            <a:off x="817111" y="2015232"/>
+            <a:ext cx="2202536" cy="296387"/>
           </a:xfrm>
           <a:prstGeom prst="rect">
             <a:avLst/>
           </a:prstGeom>
           <a:solidFill>
-            <a:srgbClr val="002060"/>
+            <a:schemeClr val="bg2">
+              <a:lumMod val="90000"/>
+            </a:schemeClr>
           </a:solidFill>
-          <a:effectLst>
-            <a:glow rad="101600">
-              <a:schemeClr val="accent2">
-                <a:satMod val="175000"/>
-                <a:alpha val="40000"/>
-              </a:schemeClr>
-            </a:glow>
-          </a:effectLst>
         </p:spPr>
         <p:style>
           <a:lnRef idx="2">
@@ -7658,25 +8030,122 @@
           <a:p>
             <a:pPr algn="ctr"/>
             <a:r>
-              <a:rPr lang="en-US" sz="2000" dirty="0"/>
-              <a:t>Total Requests </a:t>
-            </a:r>
-          </a:p>
-          <a:p>
-            <a:pPr algn="ctr"/>
-            <a:r>
-              <a:rPr lang="en-US" sz="2000" dirty="0"/>
-              <a:t>777</a:t>
-            </a:r>
-          </a:p>
-        </p:txBody>
-      </p:sp>
-      <p:sp>
-        <p:nvSpPr>
-          <p:cNvPr id="10" name="Rectangle 9">
-            <a:extLst>
-              <a:ext uri="{FF2B5EF4-FFF2-40B4-BE49-F238E27FC236}">
-                <a16:creationId xmlns:a16="http://schemas.microsoft.com/office/drawing/2014/main" id="{DC5CB9B1-154A-7E14-1F77-4FEAD148634D}"/>
+              <a:rPr lang="en-US" sz="1000" dirty="0" err="1">
+                <a:solidFill>
+                  <a:schemeClr val="tx1"/>
+                </a:solidFill>
+              </a:rPr>
+              <a:t>OpenAI</a:t>
+            </a:r>
+            <a:r>
+              <a:rPr lang="en-US" sz="1000" dirty="0">
+                <a:solidFill>
+                  <a:schemeClr val="tx1"/>
+                </a:solidFill>
+              </a:rPr>
+              <a:t> Agent SDK</a:t>
+            </a:r>
+          </a:p>
+        </p:txBody>
+      </p:sp>
+      <p:sp>
+        <p:nvSpPr>
+          <p:cNvPr id="12" name="TextBox 11">
+            <a:extLst>
+              <a:ext uri="{FF2B5EF4-FFF2-40B4-BE49-F238E27FC236}">
+                <a16:creationId xmlns:a16="http://schemas.microsoft.com/office/drawing/2014/main" id="{ED8B41B5-06B6-DB7A-3468-8C909EC922D1}"/>
+              </a:ext>
+            </a:extLst>
+          </p:cNvPr>
+          <p:cNvSpPr txBox="1"/>
+          <p:nvPr/>
+        </p:nvSpPr>
+        <p:spPr>
+          <a:xfrm>
+            <a:off x="868266" y="1588556"/>
+            <a:ext cx="1676293" cy="215444"/>
+          </a:xfrm>
+          <a:prstGeom prst="rect">
+            <a:avLst/>
+          </a:prstGeom>
+          <a:solidFill>
+            <a:schemeClr val="bg1"/>
+          </a:solidFill>
+        </p:spPr>
+        <p:txBody>
+          <a:bodyPr wrap="none" lIns="0" tIns="0" rIns="0" bIns="0" rtlCol="0">
+            <a:spAutoFit/>
+          </a:bodyPr>
+          <a:lstStyle/>
+          <a:p>
+            <a:r>
+              <a:rPr lang="en-US" sz="1400" dirty="0"/>
+              <a:t> </a:t>
+            </a:r>
+            <a:r>
+              <a:rPr lang="en-US" sz="1400" dirty="0" err="1"/>
+              <a:t>AgenticAi</a:t>
+            </a:r>
+            <a:r>
+              <a:rPr lang="en-US" sz="1400" dirty="0"/>
+              <a:t> Auto Trader </a:t>
+            </a:r>
+          </a:p>
+        </p:txBody>
+      </p:sp>
+      <p:pic>
+        <p:nvPicPr>
+          <p:cNvPr id="13" name="Picture 4" descr="openai&quot; Icon - Download for free – Iconduck">
+            <a:extLst>
+              <a:ext uri="{FF2B5EF4-FFF2-40B4-BE49-F238E27FC236}">
+                <a16:creationId xmlns:a16="http://schemas.microsoft.com/office/drawing/2014/main" id="{5F8B2439-82B8-B981-D858-6656A51915F0}"/>
+              </a:ext>
+            </a:extLst>
+          </p:cNvPr>
+          <p:cNvPicPr>
+            <a:picLocks noChangeAspect="1" noChangeArrowheads="1"/>
+          </p:cNvPicPr>
+          <p:nvPr/>
+        </p:nvPicPr>
+        <p:blipFill>
+          <a:blip r:embed="rId3">
+            <a:extLst>
+              <a:ext uri="{28A0092B-C50C-407E-A947-70E740481C1C}">
+                <a14:useLocalDpi xmlns:a14="http://schemas.microsoft.com/office/drawing/2010/main" val="0"/>
+              </a:ext>
+            </a:extLst>
+          </a:blip>
+          <a:srcRect/>
+          <a:stretch>
+            <a:fillRect/>
+          </a:stretch>
+        </p:blipFill>
+        <p:spPr bwMode="auto">
+          <a:xfrm>
+            <a:off x="1140390" y="2079039"/>
+            <a:ext cx="198821" cy="201495"/>
+          </a:xfrm>
+          <a:prstGeom prst="rect">
+            <a:avLst/>
+          </a:prstGeom>
+          <a:noFill/>
+          <a:extLst>
+            <a:ext uri="{909E8E84-426E-40DD-AFC4-6F175D3DCCD1}">
+              <a14:hiddenFill xmlns:a14="http://schemas.microsoft.com/office/drawing/2010/main">
+                <a:solidFill>
+                  <a:srgbClr val="FFFFFF"/>
+                </a:solidFill>
+              </a14:hiddenFill>
+            </a:ext>
+          </a:extLst>
+        </p:spPr>
+      </p:pic>
+      <p:sp>
+        <p:nvSpPr>
+          <p:cNvPr id="14" name="Rectangle 13">
+            <a:extLst>
+              <a:ext uri="{FF2B5EF4-FFF2-40B4-BE49-F238E27FC236}">
+                <a16:creationId xmlns:a16="http://schemas.microsoft.com/office/drawing/2014/main" id="{B45E53AA-8D35-E00C-78E1-0A9074E13217}"/>
               </a:ext>
             </a:extLst>
           </p:cNvPr>
@@ -7685,23 +8154,12 @@
         </p:nvSpPr>
         <p:spPr>
           <a:xfrm>
-            <a:off x="178943" y="4382729"/>
-            <a:ext cx="1753444" cy="806246"/>
+            <a:off x="868266" y="2418951"/>
+            <a:ext cx="216255" cy="3503383"/>
           </a:xfrm>
           <a:prstGeom prst="rect">
             <a:avLst/>
           </a:prstGeom>
-          <a:solidFill>
-            <a:srgbClr val="002060"/>
-          </a:solidFill>
-          <a:effectLst>
-            <a:glow rad="101600">
-              <a:schemeClr val="accent2">
-                <a:satMod val="175000"/>
-                <a:alpha val="40000"/>
-              </a:schemeClr>
-            </a:glow>
-          </a:effectLst>
         </p:spPr>
         <p:style>
           <a:lnRef idx="2">
@@ -7720,66 +8178,855 @@
           </a:fontRef>
         </p:style>
         <p:txBody>
-          <a:bodyPr rtlCol="0" anchor="ctr"/>
+          <a:bodyPr vert="vert270" rtlCol="0" anchor="ctr"/>
           <a:lstStyle/>
           <a:p>
             <a:pPr algn="ctr"/>
             <a:r>
-              <a:rPr lang="en-US" sz="2000" dirty="0"/>
-              <a:t>Total Spent </a:t>
-            </a:r>
-          </a:p>
+              <a:rPr lang="en-US" sz="1100" dirty="0"/>
+              <a:t>Agent Orchestrator</a:t>
+            </a:r>
+          </a:p>
+        </p:txBody>
+      </p:sp>
+      <p:sp>
+        <p:nvSpPr>
+          <p:cNvPr id="15" name="Rectangle 14">
+            <a:extLst>
+              <a:ext uri="{FF2B5EF4-FFF2-40B4-BE49-F238E27FC236}">
+                <a16:creationId xmlns:a16="http://schemas.microsoft.com/office/drawing/2014/main" id="{E26BDEE5-17D2-D4FA-7F21-D4FE1C75427E}"/>
+              </a:ext>
+            </a:extLst>
+          </p:cNvPr>
+          <p:cNvSpPr/>
+          <p:nvPr/>
+        </p:nvSpPr>
+        <p:spPr>
+          <a:xfrm>
+            <a:off x="1364739" y="2675366"/>
+            <a:ext cx="1508424" cy="238339"/>
+          </a:xfrm>
+          <a:prstGeom prst="rect">
+            <a:avLst/>
+          </a:prstGeom>
+        </p:spPr>
+        <p:style>
+          <a:lnRef idx="2">
+            <a:schemeClr val="accent1">
+              <a:shade val="15000"/>
+            </a:schemeClr>
+          </a:lnRef>
+          <a:fillRef idx="1">
+            <a:schemeClr val="accent1"/>
+          </a:fillRef>
+          <a:effectRef idx="0">
+            <a:schemeClr val="accent1"/>
+          </a:effectRef>
+          <a:fontRef idx="minor">
+            <a:schemeClr val="lt1"/>
+          </a:fontRef>
+        </p:style>
+        <p:txBody>
+          <a:bodyPr vert="horz" rtlCol="0" anchor="ctr"/>
+          <a:lstStyle/>
           <a:p>
             <a:pPr algn="ctr"/>
             <a:r>
-              <a:rPr lang="en-US" sz="2800" dirty="0"/>
-              <a:t>$5.28</a:t>
+              <a:rPr lang="en-US" sz="1100" dirty="0"/>
+              <a:t>Sales Agent</a:t>
+            </a:r>
+          </a:p>
+        </p:txBody>
+      </p:sp>
+      <p:sp>
+        <p:nvSpPr>
+          <p:cNvPr id="16" name="Rectangle 15">
+            <a:extLst>
+              <a:ext uri="{FF2B5EF4-FFF2-40B4-BE49-F238E27FC236}">
+                <a16:creationId xmlns:a16="http://schemas.microsoft.com/office/drawing/2014/main" id="{128C9241-BAA6-DB91-EC1E-58592A012132}"/>
+              </a:ext>
+            </a:extLst>
+          </p:cNvPr>
+          <p:cNvSpPr/>
+          <p:nvPr/>
+        </p:nvSpPr>
+        <p:spPr>
+          <a:xfrm>
+            <a:off x="1397089" y="3551289"/>
+            <a:ext cx="1508424" cy="238339"/>
+          </a:xfrm>
+          <a:prstGeom prst="rect">
+            <a:avLst/>
+          </a:prstGeom>
+        </p:spPr>
+        <p:style>
+          <a:lnRef idx="2">
+            <a:schemeClr val="accent1">
+              <a:shade val="15000"/>
+            </a:schemeClr>
+          </a:lnRef>
+          <a:fillRef idx="1">
+            <a:schemeClr val="accent1"/>
+          </a:fillRef>
+          <a:effectRef idx="0">
+            <a:schemeClr val="accent1"/>
+          </a:effectRef>
+          <a:fontRef idx="minor">
+            <a:schemeClr val="lt1"/>
+          </a:fontRef>
+        </p:style>
+        <p:txBody>
+          <a:bodyPr vert="horz" rtlCol="0" anchor="ctr"/>
+          <a:lstStyle/>
+          <a:p>
+            <a:pPr algn="ctr"/>
+            <a:r>
+              <a:rPr lang="en-US" sz="1100" dirty="0"/>
+              <a:t>External Agent</a:t>
+            </a:r>
+          </a:p>
+        </p:txBody>
+      </p:sp>
+      <p:sp>
+        <p:nvSpPr>
+          <p:cNvPr id="17" name="Rectangle 16">
+            <a:extLst>
+              <a:ext uri="{FF2B5EF4-FFF2-40B4-BE49-F238E27FC236}">
+                <a16:creationId xmlns:a16="http://schemas.microsoft.com/office/drawing/2014/main" id="{94952E1C-ACD8-CB5F-A79E-3FEEA7489AAC}"/>
+              </a:ext>
+            </a:extLst>
+          </p:cNvPr>
+          <p:cNvSpPr/>
+          <p:nvPr/>
+        </p:nvSpPr>
+        <p:spPr>
+          <a:xfrm>
+            <a:off x="1378314" y="4450808"/>
+            <a:ext cx="1508424" cy="238339"/>
+          </a:xfrm>
+          <a:prstGeom prst="rect">
+            <a:avLst/>
+          </a:prstGeom>
+        </p:spPr>
+        <p:style>
+          <a:lnRef idx="2">
+            <a:schemeClr val="accent1">
+              <a:shade val="15000"/>
+            </a:schemeClr>
+          </a:lnRef>
+          <a:fillRef idx="1">
+            <a:schemeClr val="accent1"/>
+          </a:fillRef>
+          <a:effectRef idx="0">
+            <a:schemeClr val="accent1"/>
+          </a:effectRef>
+          <a:fontRef idx="minor">
+            <a:schemeClr val="lt1"/>
+          </a:fontRef>
+        </p:style>
+        <p:txBody>
+          <a:bodyPr vert="horz" rtlCol="0" anchor="ctr"/>
+          <a:lstStyle/>
+          <a:p>
+            <a:pPr algn="ctr"/>
+            <a:r>
+              <a:rPr lang="en-US" sz="1100" dirty="0"/>
+              <a:t>Financial Analyst Agent</a:t>
+            </a:r>
+          </a:p>
+        </p:txBody>
+      </p:sp>
+      <p:sp>
+        <p:nvSpPr>
+          <p:cNvPr id="18" name="Rectangle 17">
+            <a:extLst>
+              <a:ext uri="{FF2B5EF4-FFF2-40B4-BE49-F238E27FC236}">
+                <a16:creationId xmlns:a16="http://schemas.microsoft.com/office/drawing/2014/main" id="{D2197C10-5034-9381-1417-5A438589ADE1}"/>
+              </a:ext>
+            </a:extLst>
+          </p:cNvPr>
+          <p:cNvSpPr/>
+          <p:nvPr/>
+        </p:nvSpPr>
+        <p:spPr>
+          <a:xfrm>
+            <a:off x="1378314" y="5216529"/>
+            <a:ext cx="1508424" cy="238339"/>
+          </a:xfrm>
+          <a:prstGeom prst="rect">
+            <a:avLst/>
+          </a:prstGeom>
+        </p:spPr>
+        <p:style>
+          <a:lnRef idx="2">
+            <a:schemeClr val="accent1">
+              <a:shade val="15000"/>
+            </a:schemeClr>
+          </a:lnRef>
+          <a:fillRef idx="1">
+            <a:schemeClr val="accent1"/>
+          </a:fillRef>
+          <a:effectRef idx="0">
+            <a:schemeClr val="accent1"/>
+          </a:effectRef>
+          <a:fontRef idx="minor">
+            <a:schemeClr val="lt1"/>
+          </a:fontRef>
+        </p:style>
+        <p:txBody>
+          <a:bodyPr vert="horz" rtlCol="0" anchor="ctr"/>
+          <a:lstStyle/>
+          <a:p>
+            <a:pPr algn="ctr"/>
+            <a:r>
+              <a:rPr lang="en-US" sz="1100" dirty="0"/>
+              <a:t>Communications Agent</a:t>
+            </a:r>
+          </a:p>
+        </p:txBody>
+      </p:sp>
+      <p:sp>
+        <p:nvSpPr>
+          <p:cNvPr id="20" name="Internal Storage 19">
+            <a:extLst>
+              <a:ext uri="{FF2B5EF4-FFF2-40B4-BE49-F238E27FC236}">
+                <a16:creationId xmlns:a16="http://schemas.microsoft.com/office/drawing/2014/main" id="{0B2CCCFB-96A1-C308-0165-B9032FB18335}"/>
+              </a:ext>
+            </a:extLst>
+          </p:cNvPr>
+          <p:cNvSpPr/>
+          <p:nvPr/>
+        </p:nvSpPr>
+        <p:spPr>
+          <a:xfrm>
+            <a:off x="9434726" y="2489236"/>
+            <a:ext cx="703624" cy="424469"/>
+          </a:xfrm>
+          <a:prstGeom prst="flowChartInternalStorage">
+            <a:avLst/>
+          </a:prstGeom>
+          <a:solidFill>
+            <a:schemeClr val="tx2">
+              <a:lumMod val="20000"/>
+              <a:lumOff val="80000"/>
+            </a:schemeClr>
+          </a:solidFill>
+        </p:spPr>
+        <p:style>
+          <a:lnRef idx="2">
+            <a:schemeClr val="accent1">
+              <a:shade val="15000"/>
+            </a:schemeClr>
+          </a:lnRef>
+          <a:fillRef idx="1">
+            <a:schemeClr val="accent1"/>
+          </a:fillRef>
+          <a:effectRef idx="0">
+            <a:schemeClr val="accent1"/>
+          </a:effectRef>
+          <a:fontRef idx="minor">
+            <a:schemeClr val="lt1"/>
+          </a:fontRef>
+        </p:style>
+        <p:txBody>
+          <a:bodyPr lIns="0" tIns="0" rIns="0" bIns="0" rtlCol="0" anchor="ctr"/>
+          <a:lstStyle/>
+          <a:p>
+            <a:pPr algn="ctr"/>
+            <a:r>
+              <a:rPr lang="en-US" sz="1000" b="1" dirty="0">
+                <a:solidFill>
+                  <a:schemeClr val="tx1">
+                    <a:lumMod val="65000"/>
+                    <a:lumOff val="35000"/>
+                  </a:schemeClr>
+                </a:solidFill>
+              </a:rPr>
+              <a:t>Inventory</a:t>
             </a:r>
           </a:p>
         </p:txBody>
       </p:sp>
       <p:pic>
         <p:nvPicPr>
-          <p:cNvPr id="11" name="Picture 10">
-            <a:extLst>
-              <a:ext uri="{FF2B5EF4-FFF2-40B4-BE49-F238E27FC236}">
-                <a16:creationId xmlns:a16="http://schemas.microsoft.com/office/drawing/2014/main" id="{34E7A47E-D23F-34EC-9E1A-B226F8ABB57F}"/>
+          <p:cNvPr id="1030" name="Picture 6" descr="Internet (global network icon) premium ...">
+            <a:extLst>
+              <a:ext uri="{FF2B5EF4-FFF2-40B4-BE49-F238E27FC236}">
+                <a16:creationId xmlns:a16="http://schemas.microsoft.com/office/drawing/2014/main" id="{B3A097C0-4036-FC5A-E485-C04EC7F7513A}"/>
               </a:ext>
             </a:extLst>
           </p:cNvPr>
           <p:cNvPicPr>
-            <a:picLocks noChangeAspect="1"/>
+            <a:picLocks noChangeAspect="1" noChangeArrowheads="1"/>
           </p:cNvPicPr>
           <p:nvPr/>
         </p:nvPicPr>
         <p:blipFill>
-          <a:blip r:embed="rId2"/>
+          <a:blip r:embed="rId4">
+            <a:extLst>
+              <a:ext uri="{28A0092B-C50C-407E-A947-70E740481C1C}">
+                <a14:useLocalDpi xmlns:a14="http://schemas.microsoft.com/office/drawing/2010/main" val="0"/>
+              </a:ext>
+            </a:extLst>
+          </a:blip>
+          <a:srcRect/>
           <a:stretch>
             <a:fillRect/>
           </a:stretch>
         </p:blipFill>
-        <p:spPr>
-          <a:xfrm>
-            <a:off x="2187448" y="1340703"/>
-            <a:ext cx="9825609" cy="4877562"/>
+        <p:spPr bwMode="auto">
+          <a:xfrm>
+            <a:off x="9520503" y="3242526"/>
+            <a:ext cx="548640" cy="556021"/>
           </a:xfrm>
           <a:prstGeom prst="rect">
             <a:avLst/>
           </a:prstGeom>
-          <a:effectLst>
-            <a:glow rad="101600">
-              <a:schemeClr val="accent5">
-                <a:satMod val="175000"/>
-                <a:alpha val="40000"/>
-              </a:schemeClr>
-            </a:glow>
-          </a:effectLst>
+          <a:noFill/>
+          <a:extLst>
+            <a:ext uri="{909E8E84-426E-40DD-AFC4-6F175D3DCCD1}">
+              <a14:hiddenFill xmlns:a14="http://schemas.microsoft.com/office/drawing/2010/main">
+                <a:solidFill>
+                  <a:srgbClr val="FFFFFF"/>
+                </a:solidFill>
+              </a14:hiddenFill>
+            </a:ext>
+          </a:extLst>
         </p:spPr>
       </p:pic>
+      <p:pic>
+        <p:nvPicPr>
+          <p:cNvPr id="1032" name="Picture 8" descr="File - Free icons">
+            <a:extLst>
+              <a:ext uri="{FF2B5EF4-FFF2-40B4-BE49-F238E27FC236}">
+                <a16:creationId xmlns:a16="http://schemas.microsoft.com/office/drawing/2014/main" id="{12D6F077-89C4-D508-43A2-5AED9A36D3DC}"/>
+              </a:ext>
+            </a:extLst>
+          </p:cNvPr>
+          <p:cNvPicPr>
+            <a:picLocks noChangeAspect="1" noChangeArrowheads="1"/>
+          </p:cNvPicPr>
+          <p:nvPr/>
+        </p:nvPicPr>
+        <p:blipFill>
+          <a:blip r:embed="rId5">
+            <a:extLst>
+              <a:ext uri="{28A0092B-C50C-407E-A947-70E740481C1C}">
+                <a14:useLocalDpi xmlns:a14="http://schemas.microsoft.com/office/drawing/2010/main" val="0"/>
+              </a:ext>
+            </a:extLst>
+          </a:blip>
+          <a:srcRect/>
+          <a:stretch>
+            <a:fillRect/>
+          </a:stretch>
+        </p:blipFill>
+        <p:spPr bwMode="auto">
+          <a:xfrm>
+            <a:off x="9520503" y="4162157"/>
+            <a:ext cx="594094" cy="594094"/>
+          </a:xfrm>
+          <a:prstGeom prst="rect">
+            <a:avLst/>
+          </a:prstGeom>
+          <a:noFill/>
+          <a:extLst>
+            <a:ext uri="{909E8E84-426E-40DD-AFC4-6F175D3DCCD1}">
+              <a14:hiddenFill xmlns:a14="http://schemas.microsoft.com/office/drawing/2010/main">
+                <a:solidFill>
+                  <a:srgbClr val="FFFFFF"/>
+                </a:solidFill>
+              </a14:hiddenFill>
+            </a:ext>
+          </a:extLst>
+        </p:spPr>
+      </p:pic>
+      <p:pic>
+        <p:nvPicPr>
+          <p:cNvPr id="1034" name="Picture 10" descr="Send Mail - Free communications icons">
+            <a:extLst>
+              <a:ext uri="{FF2B5EF4-FFF2-40B4-BE49-F238E27FC236}">
+                <a16:creationId xmlns:a16="http://schemas.microsoft.com/office/drawing/2014/main" id="{0285715F-6542-BC36-F11F-181448732ADD}"/>
+              </a:ext>
+            </a:extLst>
+          </p:cNvPr>
+          <p:cNvPicPr>
+            <a:picLocks noChangeAspect="1" noChangeArrowheads="1"/>
+          </p:cNvPicPr>
+          <p:nvPr/>
+        </p:nvPicPr>
+        <p:blipFill>
+          <a:blip r:embed="rId6">
+            <a:extLst>
+              <a:ext uri="{28A0092B-C50C-407E-A947-70E740481C1C}">
+                <a14:useLocalDpi xmlns:a14="http://schemas.microsoft.com/office/drawing/2010/main" val="0"/>
+              </a:ext>
+            </a:extLst>
+          </a:blip>
+          <a:srcRect/>
+          <a:stretch>
+            <a:fillRect/>
+          </a:stretch>
+        </p:blipFill>
+        <p:spPr bwMode="auto">
+          <a:xfrm>
+            <a:off x="9489491" y="5347498"/>
+            <a:ext cx="594093" cy="594093"/>
+          </a:xfrm>
+          <a:prstGeom prst="rect">
+            <a:avLst/>
+          </a:prstGeom>
+          <a:noFill/>
+          <a:extLst>
+            <a:ext uri="{909E8E84-426E-40DD-AFC4-6F175D3DCCD1}">
+              <a14:hiddenFill xmlns:a14="http://schemas.microsoft.com/office/drawing/2010/main">
+                <a:solidFill>
+                  <a:srgbClr val="FFFFFF"/>
+                </a:solidFill>
+              </a14:hiddenFill>
+            </a:ext>
+          </a:extLst>
+        </p:spPr>
+      </p:pic>
+      <p:sp>
+        <p:nvSpPr>
+          <p:cNvPr id="21" name="TextBox 20">
+            <a:extLst>
+              <a:ext uri="{FF2B5EF4-FFF2-40B4-BE49-F238E27FC236}">
+                <a16:creationId xmlns:a16="http://schemas.microsoft.com/office/drawing/2014/main" id="{3A8BD865-0897-D384-61D7-46EBD65DF901}"/>
+              </a:ext>
+            </a:extLst>
+          </p:cNvPr>
+          <p:cNvSpPr txBox="1"/>
+          <p:nvPr/>
+        </p:nvSpPr>
+        <p:spPr>
+          <a:xfrm>
+            <a:off x="9073842" y="4724380"/>
+            <a:ext cx="1425390" cy="261610"/>
+          </a:xfrm>
+          <a:prstGeom prst="rect">
+            <a:avLst/>
+          </a:prstGeom>
+          <a:noFill/>
+        </p:spPr>
+        <p:txBody>
+          <a:bodyPr wrap="none" rtlCol="0">
+            <a:spAutoFit/>
+          </a:bodyPr>
+          <a:lstStyle/>
+          <a:p>
+            <a:r>
+              <a:rPr lang="en-US" sz="1100" dirty="0"/>
+              <a:t>Multi years sales data</a:t>
+            </a:r>
+          </a:p>
+        </p:txBody>
+      </p:sp>
+      <p:sp>
+        <p:nvSpPr>
+          <p:cNvPr id="22" name="Rounded Rectangle 21">
+            <a:extLst>
+              <a:ext uri="{FF2B5EF4-FFF2-40B4-BE49-F238E27FC236}">
+                <a16:creationId xmlns:a16="http://schemas.microsoft.com/office/drawing/2014/main" id="{10B242C4-ACDD-807D-728F-DD3B5FE6FC17}"/>
+              </a:ext>
+            </a:extLst>
+          </p:cNvPr>
+          <p:cNvSpPr/>
+          <p:nvPr/>
+        </p:nvSpPr>
+        <p:spPr>
+          <a:xfrm>
+            <a:off x="6013178" y="1715631"/>
+            <a:ext cx="1758534" cy="4465671"/>
+          </a:xfrm>
+          <a:prstGeom prst="roundRect">
+            <a:avLst>
+              <a:gd name="adj" fmla="val 4151"/>
+            </a:avLst>
+          </a:prstGeom>
+          <a:noFill/>
+          <a:ln>
+            <a:prstDash val="dash"/>
+          </a:ln>
+        </p:spPr>
+        <p:style>
+          <a:lnRef idx="2">
+            <a:schemeClr val="accent1">
+              <a:shade val="15000"/>
+            </a:schemeClr>
+          </a:lnRef>
+          <a:fillRef idx="1">
+            <a:schemeClr val="accent1"/>
+          </a:fillRef>
+          <a:effectRef idx="0">
+            <a:schemeClr val="accent1"/>
+          </a:effectRef>
+          <a:fontRef idx="minor">
+            <a:schemeClr val="lt1"/>
+          </a:fontRef>
+        </p:style>
+        <p:txBody>
+          <a:bodyPr rtlCol="0" anchor="ctr"/>
+          <a:lstStyle/>
+          <a:p>
+            <a:pPr algn="ctr"/>
+            <a:endParaRPr lang="en-US"/>
+          </a:p>
+        </p:txBody>
+      </p:sp>
+      <p:sp>
+        <p:nvSpPr>
+          <p:cNvPr id="23" name="Rounded Rectangle 22">
+            <a:extLst>
+              <a:ext uri="{FF2B5EF4-FFF2-40B4-BE49-F238E27FC236}">
+                <a16:creationId xmlns:a16="http://schemas.microsoft.com/office/drawing/2014/main" id="{E69DF7BA-0094-8B33-5801-B1ED4EF5CDBF}"/>
+              </a:ext>
+            </a:extLst>
+          </p:cNvPr>
+          <p:cNvSpPr/>
+          <p:nvPr/>
+        </p:nvSpPr>
+        <p:spPr>
+          <a:xfrm>
+            <a:off x="8836681" y="1715631"/>
+            <a:ext cx="1758534" cy="4465671"/>
+          </a:xfrm>
+          <a:prstGeom prst="roundRect">
+            <a:avLst>
+              <a:gd name="adj" fmla="val 4151"/>
+            </a:avLst>
+          </a:prstGeom>
+          <a:noFill/>
+          <a:ln>
+            <a:prstDash val="dash"/>
+          </a:ln>
+        </p:spPr>
+        <p:style>
+          <a:lnRef idx="2">
+            <a:schemeClr val="accent1">
+              <a:shade val="15000"/>
+            </a:schemeClr>
+          </a:lnRef>
+          <a:fillRef idx="1">
+            <a:schemeClr val="accent1"/>
+          </a:fillRef>
+          <a:effectRef idx="0">
+            <a:schemeClr val="accent1"/>
+          </a:effectRef>
+          <a:fontRef idx="minor">
+            <a:schemeClr val="lt1"/>
+          </a:fontRef>
+        </p:style>
+        <p:txBody>
+          <a:bodyPr rtlCol="0" anchor="ctr"/>
+          <a:lstStyle/>
+          <a:p>
+            <a:pPr algn="ctr"/>
+            <a:endParaRPr lang="en-US"/>
+          </a:p>
+        </p:txBody>
+      </p:sp>
+      <p:pic>
+        <p:nvPicPr>
+          <p:cNvPr id="24" name="Picture 4" descr="openai&quot; Icon - Download for free – Iconduck">
+            <a:extLst>
+              <a:ext uri="{FF2B5EF4-FFF2-40B4-BE49-F238E27FC236}">
+                <a16:creationId xmlns:a16="http://schemas.microsoft.com/office/drawing/2014/main" id="{8D2254CC-8037-E5DC-DF67-78543E5B6BF8}"/>
+              </a:ext>
+            </a:extLst>
+          </p:cNvPr>
+          <p:cNvPicPr>
+            <a:picLocks noChangeAspect="1" noChangeArrowheads="1"/>
+          </p:cNvPicPr>
+          <p:nvPr/>
+        </p:nvPicPr>
+        <p:blipFill>
+          <a:blip r:embed="rId3">
+            <a:extLst>
+              <a:ext uri="{28A0092B-C50C-407E-A947-70E740481C1C}">
+                <a14:useLocalDpi xmlns:a14="http://schemas.microsoft.com/office/drawing/2010/main" val="0"/>
+              </a:ext>
+            </a:extLst>
+          </a:blip>
+          <a:srcRect/>
+          <a:stretch>
+            <a:fillRect/>
+          </a:stretch>
+        </p:blipFill>
+        <p:spPr bwMode="auto">
+          <a:xfrm>
+            <a:off x="7652551" y="1601710"/>
+            <a:ext cx="238322" cy="241527"/>
+          </a:xfrm>
+          <a:prstGeom prst="rect">
+            <a:avLst/>
+          </a:prstGeom>
+          <a:noFill/>
+          <a:extLst>
+            <a:ext uri="{909E8E84-426E-40DD-AFC4-6F175D3DCCD1}">
+              <a14:hiddenFill xmlns:a14="http://schemas.microsoft.com/office/drawing/2010/main">
+                <a:solidFill>
+                  <a:srgbClr val="FFFFFF"/>
+                </a:solidFill>
+              </a14:hiddenFill>
+            </a:ext>
+          </a:extLst>
+        </p:spPr>
+      </p:pic>
+      <p:sp>
+        <p:nvSpPr>
+          <p:cNvPr id="26" name="TextBox 25">
+            <a:extLst>
+              <a:ext uri="{FF2B5EF4-FFF2-40B4-BE49-F238E27FC236}">
+                <a16:creationId xmlns:a16="http://schemas.microsoft.com/office/drawing/2014/main" id="{98E89F51-5035-54B4-F507-BED780443E9F}"/>
+              </a:ext>
+            </a:extLst>
+          </p:cNvPr>
+          <p:cNvSpPr txBox="1"/>
+          <p:nvPr/>
+        </p:nvSpPr>
+        <p:spPr>
+          <a:xfrm>
+            <a:off x="6189832" y="2675366"/>
+            <a:ext cx="1424763" cy="307777"/>
+          </a:xfrm>
+          <a:prstGeom prst="rect">
+            <a:avLst/>
+          </a:prstGeom>
+          <a:noFill/>
+        </p:spPr>
+        <p:txBody>
+          <a:bodyPr wrap="square">
+            <a:spAutoFit/>
+          </a:bodyPr>
+          <a:lstStyle/>
+          <a:p>
+            <a:pPr algn="ctr"/>
+            <a:r>
+              <a:rPr lang="en-US" sz="1400" b="0" i="0" dirty="0">
+                <a:effectLst/>
+                <a:latin typeface="OpenAI Sans"/>
+              </a:rPr>
+              <a:t>gpt-4o-mini</a:t>
+            </a:r>
+            <a:endParaRPr lang="en-US" sz="1400" dirty="0"/>
+          </a:p>
+        </p:txBody>
+      </p:sp>
+      <p:sp>
+        <p:nvSpPr>
+          <p:cNvPr id="27" name="TextBox 26">
+            <a:extLst>
+              <a:ext uri="{FF2B5EF4-FFF2-40B4-BE49-F238E27FC236}">
+                <a16:creationId xmlns:a16="http://schemas.microsoft.com/office/drawing/2014/main" id="{231C6C39-0895-6717-DAB8-2A6080F80C53}"/>
+              </a:ext>
+            </a:extLst>
+          </p:cNvPr>
+          <p:cNvSpPr txBox="1"/>
+          <p:nvPr/>
+        </p:nvSpPr>
+        <p:spPr>
+          <a:xfrm>
+            <a:off x="6180063" y="3845196"/>
+            <a:ext cx="1424763" cy="307777"/>
+          </a:xfrm>
+          <a:prstGeom prst="rect">
+            <a:avLst/>
+          </a:prstGeom>
+          <a:noFill/>
+        </p:spPr>
+        <p:txBody>
+          <a:bodyPr wrap="square">
+            <a:spAutoFit/>
+          </a:bodyPr>
+          <a:lstStyle/>
+          <a:p>
+            <a:pPr algn="ctr"/>
+            <a:r>
+              <a:rPr lang="en-US" sz="1400" b="0" i="0" dirty="0">
+                <a:effectLst/>
+                <a:latin typeface="OpenAI Sans"/>
+              </a:rPr>
+              <a:t>gpt-4o</a:t>
+            </a:r>
+            <a:endParaRPr lang="en-US" sz="1400" dirty="0"/>
+          </a:p>
+        </p:txBody>
+      </p:sp>
+      <p:sp>
+        <p:nvSpPr>
+          <p:cNvPr id="28" name="TextBox 27">
+            <a:extLst>
+              <a:ext uri="{FF2B5EF4-FFF2-40B4-BE49-F238E27FC236}">
+                <a16:creationId xmlns:a16="http://schemas.microsoft.com/office/drawing/2014/main" id="{DE1E2EC2-6CF2-1E81-8283-7620E13F9EB0}"/>
+              </a:ext>
+            </a:extLst>
+          </p:cNvPr>
+          <p:cNvSpPr txBox="1"/>
+          <p:nvPr/>
+        </p:nvSpPr>
+        <p:spPr>
+          <a:xfrm>
+            <a:off x="6189831" y="5027922"/>
+            <a:ext cx="1424763" cy="307777"/>
+          </a:xfrm>
+          <a:prstGeom prst="rect">
+            <a:avLst/>
+          </a:prstGeom>
+          <a:noFill/>
+        </p:spPr>
+        <p:txBody>
+          <a:bodyPr wrap="square">
+            <a:spAutoFit/>
+          </a:bodyPr>
+          <a:lstStyle/>
+          <a:p>
+            <a:pPr algn="ctr"/>
+            <a:r>
+              <a:rPr lang="en-US" sz="1400" b="0" i="0" dirty="0">
+                <a:effectLst/>
+                <a:latin typeface="OpenAI Sans"/>
+              </a:rPr>
+              <a:t>gpt-4-turbo</a:t>
+            </a:r>
+            <a:endParaRPr lang="en-US" sz="1400" dirty="0"/>
+          </a:p>
+        </p:txBody>
+      </p:sp>
+      <p:cxnSp>
+        <p:nvCxnSpPr>
+          <p:cNvPr id="30" name="Curved Connector 29">
+            <a:extLst>
+              <a:ext uri="{FF2B5EF4-FFF2-40B4-BE49-F238E27FC236}">
+                <a16:creationId xmlns:a16="http://schemas.microsoft.com/office/drawing/2014/main" id="{3779E385-A685-A3EF-E46F-EDBF038FB3AC}"/>
+              </a:ext>
+            </a:extLst>
+          </p:cNvPr>
+          <p:cNvCxnSpPr>
+            <a:cxnSpLocks/>
+            <a:stCxn id="15" idx="3"/>
+            <a:endCxn id="22" idx="1"/>
+          </p:cNvCxnSpPr>
+          <p:nvPr/>
+        </p:nvCxnSpPr>
+        <p:spPr>
+          <a:xfrm>
+            <a:off x="2873163" y="2794536"/>
+            <a:ext cx="3140015" cy="1153931"/>
+          </a:xfrm>
+          <a:prstGeom prst="curvedConnector3">
+            <a:avLst/>
+          </a:prstGeom>
+          <a:ln>
+            <a:tailEnd type="triangle"/>
+          </a:ln>
+        </p:spPr>
+        <p:style>
+          <a:lnRef idx="1">
+            <a:schemeClr val="accent1"/>
+          </a:lnRef>
+          <a:fillRef idx="0">
+            <a:schemeClr val="accent1"/>
+          </a:fillRef>
+          <a:effectRef idx="0">
+            <a:schemeClr val="accent1"/>
+          </a:effectRef>
+          <a:fontRef idx="minor">
+            <a:schemeClr val="tx1"/>
+          </a:fontRef>
+        </p:style>
+      </p:cxnSp>
+      <p:cxnSp>
+        <p:nvCxnSpPr>
+          <p:cNvPr id="31" name="Curved Connector 30">
+            <a:extLst>
+              <a:ext uri="{FF2B5EF4-FFF2-40B4-BE49-F238E27FC236}">
+                <a16:creationId xmlns:a16="http://schemas.microsoft.com/office/drawing/2014/main" id="{C89FAD76-77B2-557B-45E8-D98328D37D98}"/>
+              </a:ext>
+            </a:extLst>
+          </p:cNvPr>
+          <p:cNvCxnSpPr>
+            <a:cxnSpLocks/>
+            <a:stCxn id="26" idx="3"/>
+            <a:endCxn id="20" idx="1"/>
+          </p:cNvCxnSpPr>
+          <p:nvPr/>
+        </p:nvCxnSpPr>
+        <p:spPr>
+          <a:xfrm flipV="1">
+            <a:off x="7614595" y="2701471"/>
+            <a:ext cx="1820131" cy="127784"/>
+          </a:xfrm>
+          <a:prstGeom prst="curvedConnector3">
+            <a:avLst/>
+          </a:prstGeom>
+          <a:ln>
+            <a:tailEnd type="triangle"/>
+          </a:ln>
+        </p:spPr>
+        <p:style>
+          <a:lnRef idx="1">
+            <a:schemeClr val="accent1"/>
+          </a:lnRef>
+          <a:fillRef idx="0">
+            <a:schemeClr val="accent1"/>
+          </a:fillRef>
+          <a:effectRef idx="0">
+            <a:schemeClr val="accent1"/>
+          </a:effectRef>
+          <a:fontRef idx="minor">
+            <a:schemeClr val="tx1"/>
+          </a:fontRef>
+        </p:style>
+      </p:cxnSp>
+      <p:cxnSp>
+        <p:nvCxnSpPr>
+          <p:cNvPr id="35" name="Curved Connector 34">
+            <a:extLst>
+              <a:ext uri="{FF2B5EF4-FFF2-40B4-BE49-F238E27FC236}">
+                <a16:creationId xmlns:a16="http://schemas.microsoft.com/office/drawing/2014/main" id="{63C27F22-2A34-1141-6F1A-9B8F52795ADA}"/>
+              </a:ext>
+            </a:extLst>
+          </p:cNvPr>
+          <p:cNvCxnSpPr>
+            <a:cxnSpLocks/>
+            <a:stCxn id="16" idx="3"/>
+            <a:endCxn id="22" idx="1"/>
+          </p:cNvCxnSpPr>
+          <p:nvPr/>
+        </p:nvCxnSpPr>
+        <p:spPr>
+          <a:xfrm>
+            <a:off x="2905513" y="3670459"/>
+            <a:ext cx="3107665" cy="278008"/>
+          </a:xfrm>
+          <a:prstGeom prst="curvedConnector3">
+            <a:avLst/>
+          </a:prstGeom>
+          <a:ln>
+            <a:tailEnd type="triangle"/>
+          </a:ln>
+        </p:spPr>
+        <p:style>
+          <a:lnRef idx="1">
+            <a:schemeClr val="accent1"/>
+          </a:lnRef>
+          <a:fillRef idx="0">
+            <a:schemeClr val="accent1"/>
+          </a:fillRef>
+          <a:effectRef idx="0">
+            <a:schemeClr val="accent1"/>
+          </a:effectRef>
+          <a:fontRef idx="minor">
+            <a:schemeClr val="tx1"/>
+          </a:fontRef>
+        </p:style>
+      </p:cxnSp>
     </p:spTree>
     <p:extLst>
       <p:ext uri="{BB962C8B-B14F-4D97-AF65-F5344CB8AC3E}">
-        <p14:creationId xmlns:p14="http://schemas.microsoft.com/office/powerpoint/2010/main" val="1347280084"/>
+        <p14:creationId xmlns:p14="http://schemas.microsoft.com/office/powerpoint/2010/main" val="2444446996"/>
       </p:ext>
     </p:extLst>
   </p:cSld>
@@ -7808,10 +9055,10 @@
       </p:grpSpPr>
       <p:sp>
         <p:nvSpPr>
-          <p:cNvPr id="4" name="TextBox 3">
-            <a:extLst>
-              <a:ext uri="{FF2B5EF4-FFF2-40B4-BE49-F238E27FC236}">
-                <a16:creationId xmlns:a16="http://schemas.microsoft.com/office/drawing/2014/main" id="{0B205ED7-CA2A-2FFE-8AF6-7C1545C8E1FC}"/>
+          <p:cNvPr id="3" name="TextBox 2">
+            <a:extLst>
+              <a:ext uri="{FF2B5EF4-FFF2-40B4-BE49-F238E27FC236}">
+                <a16:creationId xmlns:a16="http://schemas.microsoft.com/office/drawing/2014/main" id="{61F52439-6AF5-5D38-D5D2-5AB934AE383A}"/>
               </a:ext>
             </a:extLst>
           </p:cNvPr>
@@ -7820,8 +9067,8 @@
         </p:nvSpPr>
         <p:spPr>
           <a:xfrm>
-            <a:off x="378314" y="2719180"/>
-            <a:ext cx="2204065" cy="461665"/>
+            <a:off x="299655" y="74303"/>
+            <a:ext cx="729430" cy="461665"/>
           </a:xfrm>
           <a:prstGeom prst="rect">
             <a:avLst/>
@@ -7836,17 +9083,17 @@
           <a:p>
             <a:r>
               <a:rPr lang="en-US" sz="2400" dirty="0"/>
-              <a:t>Agent Workflow</a:t>
+              <a:t>Cost</a:t>
             </a:r>
           </a:p>
         </p:txBody>
       </p:sp>
       <p:cxnSp>
         <p:nvCxnSpPr>
-          <p:cNvPr id="2" name="Straight Connector 1">
-            <a:extLst>
-              <a:ext uri="{FF2B5EF4-FFF2-40B4-BE49-F238E27FC236}">
-                <a16:creationId xmlns:a16="http://schemas.microsoft.com/office/drawing/2014/main" id="{89154393-A6FF-CF4B-8A1D-57D7E90FAC33}"/>
+          <p:cNvPr id="5" name="Straight Connector 4">
+            <a:extLst>
+              <a:ext uri="{FF2B5EF4-FFF2-40B4-BE49-F238E27FC236}">
+                <a16:creationId xmlns:a16="http://schemas.microsoft.com/office/drawing/2014/main" id="{E9EF8585-FC8F-D680-0FDC-8831BAB64670}"/>
               </a:ext>
             </a:extLst>
           </p:cNvPr>
@@ -7855,7 +9102,7 @@
         </p:nvCxnSpPr>
         <p:spPr>
           <a:xfrm>
-            <a:off x="432619" y="3156155"/>
+            <a:off x="432619" y="545800"/>
             <a:ext cx="11759381" cy="0"/>
           </a:xfrm>
           <a:prstGeom prst="line">
@@ -7877,10 +9124,249 @@
           </a:fontRef>
         </p:style>
       </p:cxnSp>
+      <p:sp>
+        <p:nvSpPr>
+          <p:cNvPr id="8" name="Rectangle 7">
+            <a:extLst>
+              <a:ext uri="{FF2B5EF4-FFF2-40B4-BE49-F238E27FC236}">
+                <a16:creationId xmlns:a16="http://schemas.microsoft.com/office/drawing/2014/main" id="{B050F634-6B01-D651-D1B1-F2FADA24BA4C}"/>
+              </a:ext>
+            </a:extLst>
+          </p:cNvPr>
+          <p:cNvSpPr/>
+          <p:nvPr/>
+        </p:nvSpPr>
+        <p:spPr>
+          <a:xfrm>
+            <a:off x="178943" y="1885010"/>
+            <a:ext cx="1753444" cy="806246"/>
+          </a:xfrm>
+          <a:prstGeom prst="rect">
+            <a:avLst/>
+          </a:prstGeom>
+          <a:solidFill>
+            <a:srgbClr val="002060"/>
+          </a:solidFill>
+          <a:effectLst>
+            <a:glow rad="101600">
+              <a:schemeClr val="accent2">
+                <a:satMod val="175000"/>
+                <a:alpha val="40000"/>
+              </a:schemeClr>
+            </a:glow>
+          </a:effectLst>
+        </p:spPr>
+        <p:style>
+          <a:lnRef idx="2">
+            <a:schemeClr val="accent1">
+              <a:shade val="15000"/>
+            </a:schemeClr>
+          </a:lnRef>
+          <a:fillRef idx="1">
+            <a:schemeClr val="accent1"/>
+          </a:fillRef>
+          <a:effectRef idx="0">
+            <a:schemeClr val="accent1"/>
+          </a:effectRef>
+          <a:fontRef idx="minor">
+            <a:schemeClr val="lt1"/>
+          </a:fontRef>
+        </p:style>
+        <p:txBody>
+          <a:bodyPr rtlCol="0" anchor="ctr"/>
+          <a:lstStyle/>
+          <a:p>
+            <a:pPr algn="ctr"/>
+            <a:r>
+              <a:rPr lang="en-US" sz="2000" dirty="0"/>
+              <a:t>Total Tokens </a:t>
+            </a:r>
+          </a:p>
+          <a:p>
+            <a:pPr algn="ctr"/>
+            <a:r>
+              <a:rPr lang="en-US" sz="2000" dirty="0"/>
+              <a:t>2,562,236</a:t>
+            </a:r>
+          </a:p>
+        </p:txBody>
+      </p:sp>
+      <p:sp>
+        <p:nvSpPr>
+          <p:cNvPr id="9" name="Rectangle 8">
+            <a:extLst>
+              <a:ext uri="{FF2B5EF4-FFF2-40B4-BE49-F238E27FC236}">
+                <a16:creationId xmlns:a16="http://schemas.microsoft.com/office/drawing/2014/main" id="{B20A5704-18BF-DBC0-3A0B-B8EA205E7D2F}"/>
+              </a:ext>
+            </a:extLst>
+          </p:cNvPr>
+          <p:cNvSpPr/>
+          <p:nvPr/>
+        </p:nvSpPr>
+        <p:spPr>
+          <a:xfrm>
+            <a:off x="178943" y="3181170"/>
+            <a:ext cx="1753444" cy="806246"/>
+          </a:xfrm>
+          <a:prstGeom prst="rect">
+            <a:avLst/>
+          </a:prstGeom>
+          <a:solidFill>
+            <a:srgbClr val="002060"/>
+          </a:solidFill>
+          <a:effectLst>
+            <a:glow rad="101600">
+              <a:schemeClr val="accent2">
+                <a:satMod val="175000"/>
+                <a:alpha val="40000"/>
+              </a:schemeClr>
+            </a:glow>
+          </a:effectLst>
+        </p:spPr>
+        <p:style>
+          <a:lnRef idx="2">
+            <a:schemeClr val="accent1">
+              <a:shade val="15000"/>
+            </a:schemeClr>
+          </a:lnRef>
+          <a:fillRef idx="1">
+            <a:schemeClr val="accent1"/>
+          </a:fillRef>
+          <a:effectRef idx="0">
+            <a:schemeClr val="accent1"/>
+          </a:effectRef>
+          <a:fontRef idx="minor">
+            <a:schemeClr val="lt1"/>
+          </a:fontRef>
+        </p:style>
+        <p:txBody>
+          <a:bodyPr rtlCol="0" anchor="ctr"/>
+          <a:lstStyle/>
+          <a:p>
+            <a:pPr algn="ctr"/>
+            <a:r>
+              <a:rPr lang="en-US" sz="2000" dirty="0"/>
+              <a:t>Total Requests </a:t>
+            </a:r>
+          </a:p>
+          <a:p>
+            <a:pPr algn="ctr"/>
+            <a:r>
+              <a:rPr lang="en-US" sz="2000" dirty="0"/>
+              <a:t>777</a:t>
+            </a:r>
+          </a:p>
+        </p:txBody>
+      </p:sp>
+      <p:sp>
+        <p:nvSpPr>
+          <p:cNvPr id="10" name="Rectangle 9">
+            <a:extLst>
+              <a:ext uri="{FF2B5EF4-FFF2-40B4-BE49-F238E27FC236}">
+                <a16:creationId xmlns:a16="http://schemas.microsoft.com/office/drawing/2014/main" id="{DC5CB9B1-154A-7E14-1F77-4FEAD148634D}"/>
+              </a:ext>
+            </a:extLst>
+          </p:cNvPr>
+          <p:cNvSpPr/>
+          <p:nvPr/>
+        </p:nvSpPr>
+        <p:spPr>
+          <a:xfrm>
+            <a:off x="178943" y="4382729"/>
+            <a:ext cx="1753444" cy="806246"/>
+          </a:xfrm>
+          <a:prstGeom prst="rect">
+            <a:avLst/>
+          </a:prstGeom>
+          <a:solidFill>
+            <a:srgbClr val="002060"/>
+          </a:solidFill>
+          <a:effectLst>
+            <a:glow rad="101600">
+              <a:schemeClr val="accent2">
+                <a:satMod val="175000"/>
+                <a:alpha val="40000"/>
+              </a:schemeClr>
+            </a:glow>
+          </a:effectLst>
+        </p:spPr>
+        <p:style>
+          <a:lnRef idx="2">
+            <a:schemeClr val="accent1">
+              <a:shade val="15000"/>
+            </a:schemeClr>
+          </a:lnRef>
+          <a:fillRef idx="1">
+            <a:schemeClr val="accent1"/>
+          </a:fillRef>
+          <a:effectRef idx="0">
+            <a:schemeClr val="accent1"/>
+          </a:effectRef>
+          <a:fontRef idx="minor">
+            <a:schemeClr val="lt1"/>
+          </a:fontRef>
+        </p:style>
+        <p:txBody>
+          <a:bodyPr rtlCol="0" anchor="ctr"/>
+          <a:lstStyle/>
+          <a:p>
+            <a:pPr algn="ctr"/>
+            <a:r>
+              <a:rPr lang="en-US" sz="2000" dirty="0"/>
+              <a:t>Total Spent </a:t>
+            </a:r>
+          </a:p>
+          <a:p>
+            <a:pPr algn="ctr"/>
+            <a:r>
+              <a:rPr lang="en-US" sz="2800" dirty="0"/>
+              <a:t>$5.28</a:t>
+            </a:r>
+          </a:p>
+        </p:txBody>
+      </p:sp>
+      <p:pic>
+        <p:nvPicPr>
+          <p:cNvPr id="11" name="Picture 10">
+            <a:extLst>
+              <a:ext uri="{FF2B5EF4-FFF2-40B4-BE49-F238E27FC236}">
+                <a16:creationId xmlns:a16="http://schemas.microsoft.com/office/drawing/2014/main" id="{34E7A47E-D23F-34EC-9E1A-B226F8ABB57F}"/>
+              </a:ext>
+            </a:extLst>
+          </p:cNvPr>
+          <p:cNvPicPr>
+            <a:picLocks noChangeAspect="1"/>
+          </p:cNvPicPr>
+          <p:nvPr/>
+        </p:nvPicPr>
+        <p:blipFill>
+          <a:blip r:embed="rId2"/>
+          <a:stretch>
+            <a:fillRect/>
+          </a:stretch>
+        </p:blipFill>
+        <p:spPr>
+          <a:xfrm>
+            <a:off x="2187448" y="1340703"/>
+            <a:ext cx="9825609" cy="4877562"/>
+          </a:xfrm>
+          <a:prstGeom prst="rect">
+            <a:avLst/>
+          </a:prstGeom>
+          <a:effectLst>
+            <a:glow rad="101600">
+              <a:schemeClr val="accent5">
+                <a:satMod val="175000"/>
+                <a:alpha val="40000"/>
+              </a:schemeClr>
+            </a:glow>
+          </a:effectLst>
+        </p:spPr>
+      </p:pic>
     </p:spTree>
     <p:extLst>
       <p:ext uri="{BB962C8B-B14F-4D97-AF65-F5344CB8AC3E}">
-        <p14:creationId xmlns:p14="http://schemas.microsoft.com/office/powerpoint/2010/main" val="1086617000"/>
+        <p14:creationId xmlns:p14="http://schemas.microsoft.com/office/powerpoint/2010/main" val="1347280084"/>
       </p:ext>
     </p:extLst>
   </p:cSld>
@@ -7921,8 +9407,8 @@
         </p:nvSpPr>
         <p:spPr>
           <a:xfrm>
-            <a:off x="299655" y="74303"/>
-            <a:ext cx="2702856" cy="461665"/>
+            <a:off x="378314" y="2719180"/>
+            <a:ext cx="2204065" cy="461665"/>
           </a:xfrm>
           <a:prstGeom prst="rect">
             <a:avLst/>
@@ -7937,7 +9423,7 @@
           <a:p>
             <a:r>
               <a:rPr lang="en-US" sz="2400" dirty="0"/>
-              <a:t>Agent Orchestration</a:t>
+              <a:t>Agent Workflow</a:t>
             </a:r>
           </a:p>
         </p:txBody>
@@ -7947,7 +9433,7 @@
           <p:cNvPr id="2" name="Straight Connector 1">
             <a:extLst>
               <a:ext uri="{FF2B5EF4-FFF2-40B4-BE49-F238E27FC236}">
-                <a16:creationId xmlns:a16="http://schemas.microsoft.com/office/drawing/2014/main" id="{22E1BF60-C091-F918-A508-C0CD2544E876}"/>
+                <a16:creationId xmlns:a16="http://schemas.microsoft.com/office/drawing/2014/main" id="{89154393-A6FF-CF4B-8A1D-57D7E90FAC33}"/>
               </a:ext>
             </a:extLst>
           </p:cNvPr>
@@ -7956,7 +9442,7 @@
         </p:nvCxnSpPr>
         <p:spPr>
           <a:xfrm>
-            <a:off x="432619" y="545800"/>
+            <a:off x="432619" y="3156155"/>
             <a:ext cx="11759381" cy="0"/>
           </a:xfrm>
           <a:prstGeom prst="line">
@@ -7978,86 +9464,10 @@
           </a:fontRef>
         </p:style>
       </p:cxnSp>
-      <p:pic>
-        <p:nvPicPr>
-          <p:cNvPr id="3" name="Picture 2">
-            <a:extLst>
-              <a:ext uri="{FF2B5EF4-FFF2-40B4-BE49-F238E27FC236}">
-                <a16:creationId xmlns:a16="http://schemas.microsoft.com/office/drawing/2014/main" id="{06D2A7A1-41B6-3809-CE19-54125905CBE9}"/>
-              </a:ext>
-            </a:extLst>
-          </p:cNvPr>
-          <p:cNvPicPr>
-            <a:picLocks noChangeAspect="1"/>
-          </p:cNvPicPr>
-          <p:nvPr/>
-        </p:nvPicPr>
-        <p:blipFill>
-          <a:blip r:embed="rId2"/>
-          <a:stretch>
-            <a:fillRect/>
-          </a:stretch>
-        </p:blipFill>
-        <p:spPr>
-          <a:xfrm>
-            <a:off x="1895168" y="683452"/>
-            <a:ext cx="8331200" cy="1544320"/>
-          </a:xfrm>
-          <a:prstGeom prst="rect">
-            <a:avLst/>
-          </a:prstGeom>
-          <a:effectLst>
-            <a:glow rad="63500">
-              <a:schemeClr val="accent5">
-                <a:satMod val="175000"/>
-                <a:alpha val="40000"/>
-              </a:schemeClr>
-            </a:glow>
-          </a:effectLst>
-        </p:spPr>
-      </p:pic>
-      <p:pic>
-        <p:nvPicPr>
-          <p:cNvPr id="5" name="Picture 4">
-            <a:extLst>
-              <a:ext uri="{FF2B5EF4-FFF2-40B4-BE49-F238E27FC236}">
-                <a16:creationId xmlns:a16="http://schemas.microsoft.com/office/drawing/2014/main" id="{032B032F-B08F-D8D1-3E1F-E0A14A3D7972}"/>
-              </a:ext>
-            </a:extLst>
-          </p:cNvPr>
-          <p:cNvPicPr>
-            <a:picLocks noChangeAspect="1"/>
-          </p:cNvPicPr>
-          <p:nvPr/>
-        </p:nvPicPr>
-        <p:blipFill>
-          <a:blip r:embed="rId3"/>
-          <a:stretch>
-            <a:fillRect/>
-          </a:stretch>
-        </p:blipFill>
-        <p:spPr>
-          <a:xfrm>
-            <a:off x="1910187" y="2365423"/>
-            <a:ext cx="8320278" cy="4245356"/>
-          </a:xfrm>
-          <a:prstGeom prst="rect">
-            <a:avLst/>
-          </a:prstGeom>
-          <a:effectLst>
-            <a:glow rad="101600">
-              <a:schemeClr val="accent5">
-                <a:satMod val="175000"/>
-                <a:alpha val="40000"/>
-              </a:schemeClr>
-            </a:glow>
-          </a:effectLst>
-        </p:spPr>
-      </p:pic>
     </p:spTree>
     <p:extLst>
       <p:ext uri="{BB962C8B-B14F-4D97-AF65-F5344CB8AC3E}">
-        <p14:creationId xmlns:p14="http://schemas.microsoft.com/office/powerpoint/2010/main" val="2777634583"/>
+        <p14:creationId xmlns:p14="http://schemas.microsoft.com/office/powerpoint/2010/main" val="1086617000"/>
       </p:ext>
     </p:extLst>
   </p:cSld>

--- a/Presentation/AgenticAI_Presentation.pptx
+++ b/Presentation/AgenticAI_Presentation.pptx
@@ -12,14 +12,14 @@
     <p:sldId id="258" r:id="rId3"/>
     <p:sldId id="259" r:id="rId4"/>
     <p:sldId id="260" r:id="rId5"/>
-    <p:sldId id="262" r:id="rId6"/>
-    <p:sldId id="269" r:id="rId7"/>
-    <p:sldId id="268" r:id="rId8"/>
-    <p:sldId id="264" r:id="rId9"/>
-    <p:sldId id="265" r:id="rId10"/>
-    <p:sldId id="266" r:id="rId11"/>
-    <p:sldId id="267" r:id="rId12"/>
-    <p:sldId id="256" r:id="rId13"/>
+    <p:sldId id="269" r:id="rId6"/>
+    <p:sldId id="268" r:id="rId7"/>
+    <p:sldId id="264" r:id="rId8"/>
+    <p:sldId id="265" r:id="rId9"/>
+    <p:sldId id="266" r:id="rId10"/>
+    <p:sldId id="267" r:id="rId11"/>
+    <p:sldId id="256" r:id="rId12"/>
+    <p:sldId id="270" r:id="rId13"/>
   </p:sldIdLst>
   <p:sldSz cx="12192000" cy="6858000"/>
   <p:notesSz cx="6858000" cy="9144000"/>
@@ -708,7 +708,7 @@
           <a:p>
             <a:fld id="{306982A3-319E-0745-8875-C96EBFE5598C}" type="slidenum">
               <a:rPr lang="en-US" smtClean="0"/>
-              <a:t>12</a:t>
+              <a:t>11</a:t>
             </a:fld>
             <a:endParaRPr lang="en-US"/>
           </a:p>
@@ -4150,183 +4150,6 @@
         </p:nvSpPr>
         <p:spPr>
           <a:xfrm>
-            <a:off x="299655" y="74303"/>
-            <a:ext cx="2702856" cy="461665"/>
-          </a:xfrm>
-          <a:prstGeom prst="rect">
-            <a:avLst/>
-          </a:prstGeom>
-          <a:noFill/>
-        </p:spPr>
-        <p:txBody>
-          <a:bodyPr wrap="none" rtlCol="0">
-            <a:spAutoFit/>
-          </a:bodyPr>
-          <a:lstStyle/>
-          <a:p>
-            <a:r>
-              <a:rPr lang="en-US" sz="2400" dirty="0"/>
-              <a:t>Agent Orchestration</a:t>
-            </a:r>
-          </a:p>
-        </p:txBody>
-      </p:sp>
-      <p:cxnSp>
-        <p:nvCxnSpPr>
-          <p:cNvPr id="2" name="Straight Connector 1">
-            <a:extLst>
-              <a:ext uri="{FF2B5EF4-FFF2-40B4-BE49-F238E27FC236}">
-                <a16:creationId xmlns:a16="http://schemas.microsoft.com/office/drawing/2014/main" id="{22E1BF60-C091-F918-A508-C0CD2544E876}"/>
-              </a:ext>
-            </a:extLst>
-          </p:cNvPr>
-          <p:cNvCxnSpPr/>
-          <p:nvPr/>
-        </p:nvCxnSpPr>
-        <p:spPr>
-          <a:xfrm>
-            <a:off x="432619" y="545800"/>
-            <a:ext cx="11759381" cy="0"/>
-          </a:xfrm>
-          <a:prstGeom prst="line">
-            <a:avLst/>
-          </a:prstGeom>
-        </p:spPr>
-        <p:style>
-          <a:lnRef idx="3">
-            <a:schemeClr val="accent5"/>
-          </a:lnRef>
-          <a:fillRef idx="0">
-            <a:schemeClr val="accent5"/>
-          </a:fillRef>
-          <a:effectRef idx="2">
-            <a:schemeClr val="accent5"/>
-          </a:effectRef>
-          <a:fontRef idx="minor">
-            <a:schemeClr val="tx1"/>
-          </a:fontRef>
-        </p:style>
-      </p:cxnSp>
-      <p:pic>
-        <p:nvPicPr>
-          <p:cNvPr id="3" name="Picture 2">
-            <a:extLst>
-              <a:ext uri="{FF2B5EF4-FFF2-40B4-BE49-F238E27FC236}">
-                <a16:creationId xmlns:a16="http://schemas.microsoft.com/office/drawing/2014/main" id="{06D2A7A1-41B6-3809-CE19-54125905CBE9}"/>
-              </a:ext>
-            </a:extLst>
-          </p:cNvPr>
-          <p:cNvPicPr>
-            <a:picLocks noChangeAspect="1"/>
-          </p:cNvPicPr>
-          <p:nvPr/>
-        </p:nvPicPr>
-        <p:blipFill>
-          <a:blip r:embed="rId2"/>
-          <a:stretch>
-            <a:fillRect/>
-          </a:stretch>
-        </p:blipFill>
-        <p:spPr>
-          <a:xfrm>
-            <a:off x="1895168" y="683452"/>
-            <a:ext cx="8331200" cy="1544320"/>
-          </a:xfrm>
-          <a:prstGeom prst="rect">
-            <a:avLst/>
-          </a:prstGeom>
-          <a:effectLst>
-            <a:glow rad="63500">
-              <a:schemeClr val="accent5">
-                <a:satMod val="175000"/>
-                <a:alpha val="40000"/>
-              </a:schemeClr>
-            </a:glow>
-          </a:effectLst>
-        </p:spPr>
-      </p:pic>
-      <p:pic>
-        <p:nvPicPr>
-          <p:cNvPr id="5" name="Picture 4">
-            <a:extLst>
-              <a:ext uri="{FF2B5EF4-FFF2-40B4-BE49-F238E27FC236}">
-                <a16:creationId xmlns:a16="http://schemas.microsoft.com/office/drawing/2014/main" id="{032B032F-B08F-D8D1-3E1F-E0A14A3D7972}"/>
-              </a:ext>
-            </a:extLst>
-          </p:cNvPr>
-          <p:cNvPicPr>
-            <a:picLocks noChangeAspect="1"/>
-          </p:cNvPicPr>
-          <p:nvPr/>
-        </p:nvPicPr>
-        <p:blipFill>
-          <a:blip r:embed="rId3"/>
-          <a:stretch>
-            <a:fillRect/>
-          </a:stretch>
-        </p:blipFill>
-        <p:spPr>
-          <a:xfrm>
-            <a:off x="1910187" y="2365423"/>
-            <a:ext cx="8320278" cy="4245356"/>
-          </a:xfrm>
-          <a:prstGeom prst="rect">
-            <a:avLst/>
-          </a:prstGeom>
-          <a:effectLst>
-            <a:glow rad="101600">
-              <a:schemeClr val="accent5">
-                <a:satMod val="175000"/>
-                <a:alpha val="40000"/>
-              </a:schemeClr>
-            </a:glow>
-          </a:effectLst>
-        </p:spPr>
-      </p:pic>
-    </p:spTree>
-    <p:extLst>
-      <p:ext uri="{BB962C8B-B14F-4D97-AF65-F5344CB8AC3E}">
-        <p14:creationId xmlns:p14="http://schemas.microsoft.com/office/powerpoint/2010/main" val="2777634583"/>
-      </p:ext>
-    </p:extLst>
-  </p:cSld>
-  <p:clrMapOvr>
-    <a:masterClrMapping/>
-  </p:clrMapOvr>
-</p:sld>
-</file>
-
-<file path=ppt/slides/slide11.xml><?xml version="1.0" encoding="utf-8"?>
-<p:sld xmlns:a="http://schemas.openxmlformats.org/drawingml/2006/main" xmlns:r="http://schemas.openxmlformats.org/officeDocument/2006/relationships" xmlns:p="http://schemas.openxmlformats.org/presentationml/2006/main">
-  <p:cSld>
-    <p:spTree>
-      <p:nvGrpSpPr>
-        <p:cNvPr id="1" name=""/>
-        <p:cNvGrpSpPr/>
-        <p:nvPr/>
-      </p:nvGrpSpPr>
-      <p:grpSpPr>
-        <a:xfrm>
-          <a:off x="0" y="0"/>
-          <a:ext cx="0" cy="0"/>
-          <a:chOff x="0" y="0"/>
-          <a:chExt cx="0" cy="0"/>
-        </a:xfrm>
-      </p:grpSpPr>
-      <p:sp>
-        <p:nvSpPr>
-          <p:cNvPr id="4" name="TextBox 3">
-            <a:extLst>
-              <a:ext uri="{FF2B5EF4-FFF2-40B4-BE49-F238E27FC236}">
-                <a16:creationId xmlns:a16="http://schemas.microsoft.com/office/drawing/2014/main" id="{0B205ED7-CA2A-2FFE-8AF6-7C1545C8E1FC}"/>
-              </a:ext>
-            </a:extLst>
-          </p:cNvPr>
-          <p:cNvSpPr txBox="1"/>
-          <p:nvPr/>
-        </p:nvSpPr>
-        <p:spPr>
-          <a:xfrm>
             <a:off x="378314" y="2719180"/>
             <a:ext cx="1367682" cy="461665"/>
           </a:xfrm>
@@ -4397,7 +4220,7 @@
 </p:sld>
 </file>
 
-<file path=ppt/slides/slide12.xml><?xml version="1.0" encoding="utf-8"?>
+<file path=ppt/slides/slide11.xml><?xml version="1.0" encoding="utf-8"?>
 <p:sld xmlns:a="http://schemas.openxmlformats.org/drawingml/2006/main" xmlns:r="http://schemas.openxmlformats.org/officeDocument/2006/relationships" xmlns:p="http://schemas.openxmlformats.org/presentationml/2006/main">
   <p:cSld>
     <p:spTree>
@@ -4900,6 +4723,760 @@
 </p:sld>
 </file>
 
+<file path=ppt/slides/slide12.xml><?xml version="1.0" encoding="utf-8"?>
+<p:sld xmlns:a="http://schemas.openxmlformats.org/drawingml/2006/main" xmlns:r="http://schemas.openxmlformats.org/officeDocument/2006/relationships" xmlns:p="http://schemas.openxmlformats.org/presentationml/2006/main">
+  <p:cSld>
+    <p:spTree>
+      <p:nvGrpSpPr>
+        <p:cNvPr id="1" name=""/>
+        <p:cNvGrpSpPr/>
+        <p:nvPr/>
+      </p:nvGrpSpPr>
+      <p:grpSpPr>
+        <a:xfrm>
+          <a:off x="0" y="0"/>
+          <a:ext cx="0" cy="0"/>
+          <a:chOff x="0" y="0"/>
+          <a:chExt cx="0" cy="0"/>
+        </a:xfrm>
+      </p:grpSpPr>
+      <p:pic>
+        <p:nvPicPr>
+          <p:cNvPr id="4" name="Picture 3">
+            <a:extLst>
+              <a:ext uri="{FF2B5EF4-FFF2-40B4-BE49-F238E27FC236}">
+                <a16:creationId xmlns:a16="http://schemas.microsoft.com/office/drawing/2014/main" id="{DEDE29E5-75A5-C7E7-3F6E-A07E1E2C832D}"/>
+              </a:ext>
+            </a:extLst>
+          </p:cNvPr>
+          <p:cNvPicPr>
+            <a:picLocks noChangeAspect="1"/>
+          </p:cNvPicPr>
+          <p:nvPr/>
+        </p:nvPicPr>
+        <p:blipFill>
+          <a:blip r:embed="rId2"/>
+          <a:stretch>
+            <a:fillRect/>
+          </a:stretch>
+        </p:blipFill>
+        <p:spPr>
+          <a:xfrm>
+            <a:off x="6967919" y="789174"/>
+            <a:ext cx="5052238" cy="3710936"/>
+          </a:xfrm>
+          <a:prstGeom prst="rect">
+            <a:avLst/>
+          </a:prstGeom>
+          <a:effectLst>
+            <a:outerShdw blurRad="50800" dist="38100" dir="2700000" algn="tl" rotWithShape="0">
+              <a:prstClr val="black">
+                <a:alpha val="40000"/>
+              </a:prstClr>
+            </a:outerShdw>
+          </a:effectLst>
+        </p:spPr>
+      </p:pic>
+      <p:sp>
+        <p:nvSpPr>
+          <p:cNvPr id="7" name="Rounded Rectangle 6">
+            <a:extLst>
+              <a:ext uri="{FF2B5EF4-FFF2-40B4-BE49-F238E27FC236}">
+                <a16:creationId xmlns:a16="http://schemas.microsoft.com/office/drawing/2014/main" id="{3895F1A6-693E-6D37-CFF8-59CAB30E3805}"/>
+              </a:ext>
+            </a:extLst>
+          </p:cNvPr>
+          <p:cNvSpPr/>
+          <p:nvPr/>
+        </p:nvSpPr>
+        <p:spPr>
+          <a:xfrm>
+            <a:off x="287080" y="789174"/>
+            <a:ext cx="2860111" cy="741913"/>
+          </a:xfrm>
+          <a:prstGeom prst="roundRect">
+            <a:avLst>
+              <a:gd name="adj" fmla="val 4533"/>
+            </a:avLst>
+          </a:prstGeom>
+          <a:solidFill>
+            <a:schemeClr val="bg1">
+              <a:lumMod val="85000"/>
+            </a:schemeClr>
+          </a:solidFill>
+          <a:effectLst>
+            <a:outerShdw blurRad="50800" dist="38100" dir="2700000" algn="tl" rotWithShape="0">
+              <a:prstClr val="black">
+                <a:alpha val="40000"/>
+              </a:prstClr>
+            </a:outerShdw>
+          </a:effectLst>
+        </p:spPr>
+        <p:style>
+          <a:lnRef idx="2">
+            <a:schemeClr val="accent3">
+              <a:shade val="15000"/>
+            </a:schemeClr>
+          </a:lnRef>
+          <a:fillRef idx="1">
+            <a:schemeClr val="accent3"/>
+          </a:fillRef>
+          <a:effectRef idx="0">
+            <a:schemeClr val="accent3"/>
+          </a:effectRef>
+          <a:fontRef idx="minor">
+            <a:schemeClr val="lt1"/>
+          </a:fontRef>
+        </p:style>
+        <p:txBody>
+          <a:bodyPr lIns="0" tIns="0" rIns="0" bIns="0" rtlCol="0" anchor="t"/>
+          <a:lstStyle/>
+          <a:p>
+            <a:r>
+              <a:rPr lang="en-US" sz="1400" dirty="0">
+                <a:solidFill>
+                  <a:schemeClr val="tx2"/>
+                </a:solidFill>
+              </a:rPr>
+              <a:t> </a:t>
+            </a:r>
+            <a:endParaRPr lang="en-US" sz="1400" b="1" dirty="0">
+              <a:solidFill>
+                <a:schemeClr val="tx2"/>
+              </a:solidFill>
+            </a:endParaRPr>
+          </a:p>
+          <a:p>
+            <a:r>
+              <a:rPr lang="en-US" sz="1400" b="1" dirty="0">
+                <a:solidFill>
+                  <a:schemeClr val="tx2"/>
+                </a:solidFill>
+              </a:rPr>
+              <a:t> Agent:&gt; </a:t>
+            </a:r>
+            <a:r>
+              <a:rPr lang="en-US" sz="1400" dirty="0">
+                <a:solidFill>
+                  <a:schemeClr val="tx2"/>
+                </a:solidFill>
+              </a:rPr>
+              <a:t>What do you like me to work on?</a:t>
+            </a:r>
+          </a:p>
+        </p:txBody>
+      </p:sp>
+      <p:sp>
+        <p:nvSpPr>
+          <p:cNvPr id="8" name="Rounded Rectangle 7">
+            <a:extLst>
+              <a:ext uri="{FF2B5EF4-FFF2-40B4-BE49-F238E27FC236}">
+                <a16:creationId xmlns:a16="http://schemas.microsoft.com/office/drawing/2014/main" id="{26BE541F-BCA7-42E5-CB44-AE75014591C0}"/>
+              </a:ext>
+            </a:extLst>
+          </p:cNvPr>
+          <p:cNvSpPr/>
+          <p:nvPr/>
+        </p:nvSpPr>
+        <p:spPr>
+          <a:xfrm>
+            <a:off x="453680" y="1927579"/>
+            <a:ext cx="2860111" cy="435220"/>
+          </a:xfrm>
+          <a:prstGeom prst="roundRect">
+            <a:avLst>
+              <a:gd name="adj" fmla="val 9164"/>
+            </a:avLst>
+          </a:prstGeom>
+          <a:solidFill>
+            <a:schemeClr val="tx2"/>
+          </a:solidFill>
+          <a:ln>
+            <a:solidFill>
+              <a:schemeClr val="tx1">
+                <a:lumMod val="50000"/>
+                <a:lumOff val="50000"/>
+              </a:schemeClr>
+            </a:solidFill>
+          </a:ln>
+          <a:effectLst>
+            <a:outerShdw blurRad="50800" dist="38100" dir="2700000" algn="tl" rotWithShape="0">
+              <a:prstClr val="black">
+                <a:alpha val="40000"/>
+              </a:prstClr>
+            </a:outerShdw>
+          </a:effectLst>
+        </p:spPr>
+        <p:style>
+          <a:lnRef idx="2">
+            <a:schemeClr val="accent3">
+              <a:shade val="15000"/>
+            </a:schemeClr>
+          </a:lnRef>
+          <a:fillRef idx="1">
+            <a:schemeClr val="accent3"/>
+          </a:fillRef>
+          <a:effectRef idx="0">
+            <a:schemeClr val="accent3"/>
+          </a:effectRef>
+          <a:fontRef idx="minor">
+            <a:schemeClr val="lt1"/>
+          </a:fontRef>
+        </p:style>
+        <p:txBody>
+          <a:bodyPr lIns="0" tIns="0" rIns="0" bIns="0" rtlCol="0" anchor="ctr"/>
+          <a:lstStyle/>
+          <a:p>
+            <a:pPr algn="r"/>
+            <a:r>
+              <a:rPr lang="en-US" sz="1400" dirty="0">
+                <a:solidFill>
+                  <a:schemeClr val="bg1">
+                    <a:lumMod val="95000"/>
+                  </a:schemeClr>
+                </a:solidFill>
+              </a:rPr>
+              <a:t> </a:t>
+            </a:r>
+            <a:r>
+              <a:rPr lang="en-US" sz="1400" b="1" dirty="0">
+                <a:solidFill>
+                  <a:schemeClr val="bg1">
+                    <a:lumMod val="95000"/>
+                  </a:schemeClr>
+                </a:solidFill>
+              </a:rPr>
+              <a:t>User:&gt; </a:t>
+            </a:r>
+            <a:r>
+              <a:rPr lang="en-US" sz="1400" dirty="0"/>
+              <a:t>What's the cost of BYD car and potential tariff </a:t>
+            </a:r>
+            <a:r>
+              <a:rPr lang="en-US" sz="1400" dirty="0">
+                <a:solidFill>
+                  <a:schemeClr val="bg1">
+                    <a:lumMod val="95000"/>
+                  </a:schemeClr>
+                </a:solidFill>
+              </a:rPr>
+              <a:t>?   </a:t>
+            </a:r>
+            <a:r>
+              <a:rPr lang="en-US" sz="1400" dirty="0">
+                <a:solidFill>
+                  <a:schemeClr val="tx2"/>
+                </a:solidFill>
+              </a:rPr>
+              <a:t>.</a:t>
+            </a:r>
+            <a:r>
+              <a:rPr lang="en-US" sz="1400" dirty="0">
+                <a:solidFill>
+                  <a:schemeClr val="bg1">
+                    <a:lumMod val="95000"/>
+                  </a:schemeClr>
+                </a:solidFill>
+              </a:rPr>
+              <a:t>  </a:t>
+            </a:r>
+          </a:p>
+        </p:txBody>
+      </p:sp>
+      <p:sp>
+        <p:nvSpPr>
+          <p:cNvPr id="9" name="Rounded Rectangle 8">
+            <a:extLst>
+              <a:ext uri="{FF2B5EF4-FFF2-40B4-BE49-F238E27FC236}">
+                <a16:creationId xmlns:a16="http://schemas.microsoft.com/office/drawing/2014/main" id="{34E0A786-771C-D512-BF8D-85A7C70A52D5}"/>
+              </a:ext>
+            </a:extLst>
+          </p:cNvPr>
+          <p:cNvSpPr/>
+          <p:nvPr/>
+        </p:nvSpPr>
+        <p:spPr>
+          <a:xfrm>
+            <a:off x="287079" y="2461580"/>
+            <a:ext cx="2860111" cy="2033622"/>
+          </a:xfrm>
+          <a:prstGeom prst="roundRect">
+            <a:avLst>
+              <a:gd name="adj" fmla="val 4533"/>
+            </a:avLst>
+          </a:prstGeom>
+          <a:solidFill>
+            <a:schemeClr val="bg1">
+              <a:lumMod val="85000"/>
+            </a:schemeClr>
+          </a:solidFill>
+          <a:effectLst>
+            <a:outerShdw blurRad="50800" dist="38100" dir="2700000" algn="tl" rotWithShape="0">
+              <a:prstClr val="black">
+                <a:alpha val="40000"/>
+              </a:prstClr>
+            </a:outerShdw>
+          </a:effectLst>
+        </p:spPr>
+        <p:style>
+          <a:lnRef idx="2">
+            <a:schemeClr val="accent3">
+              <a:shade val="15000"/>
+            </a:schemeClr>
+          </a:lnRef>
+          <a:fillRef idx="1">
+            <a:schemeClr val="accent3"/>
+          </a:fillRef>
+          <a:effectRef idx="0">
+            <a:schemeClr val="accent3"/>
+          </a:effectRef>
+          <a:fontRef idx="minor">
+            <a:schemeClr val="lt1"/>
+          </a:fontRef>
+        </p:style>
+        <p:txBody>
+          <a:bodyPr lIns="0" tIns="0" rIns="0" bIns="0" rtlCol="0" anchor="t"/>
+          <a:lstStyle/>
+          <a:p>
+            <a:r>
+              <a:rPr lang="en-US" sz="1400" dirty="0">
+                <a:solidFill>
+                  <a:schemeClr val="tx2"/>
+                </a:solidFill>
+              </a:rPr>
+              <a:t> </a:t>
+            </a:r>
+            <a:endParaRPr lang="en-US" sz="1400" b="1" dirty="0">
+              <a:solidFill>
+                <a:schemeClr val="tx2"/>
+              </a:solidFill>
+            </a:endParaRPr>
+          </a:p>
+          <a:p>
+            <a:r>
+              <a:rPr lang="en-US" sz="1400" b="1" dirty="0">
+                <a:solidFill>
+                  <a:schemeClr val="tx2"/>
+                </a:solidFill>
+              </a:rPr>
+              <a:t> Agent:&gt; Tariff rate:  104</a:t>
+            </a:r>
+          </a:p>
+          <a:p>
+            <a:endParaRPr lang="en-US" sz="1400" dirty="0">
+              <a:solidFill>
+                <a:schemeClr val="tx2"/>
+              </a:solidFill>
+            </a:endParaRPr>
+          </a:p>
+          <a:p>
+            <a:r>
+              <a:rPr lang="en-US" sz="1400" dirty="0">
+                <a:solidFill>
+                  <a:schemeClr val="tx2"/>
+                </a:solidFill>
+              </a:rPr>
+              <a:t>The cost of a BYD car is approximately </a:t>
+            </a:r>
+            <a:r>
+              <a:rPr lang="en-US" sz="1400" b="1" dirty="0">
+                <a:solidFill>
+                  <a:schemeClr val="tx2"/>
+                </a:solidFill>
+              </a:rPr>
+              <a:t>$30,000</a:t>
+            </a:r>
+            <a:r>
+              <a:rPr lang="en-US" sz="1400" dirty="0">
+                <a:solidFill>
+                  <a:schemeClr val="tx2"/>
+                </a:solidFill>
+              </a:rPr>
+              <a:t>. If there's a tariff applied—assuming the car originates from China—the tariff would be </a:t>
+            </a:r>
+            <a:r>
+              <a:rPr lang="en-US" sz="1400" b="1" dirty="0">
+                <a:solidFill>
+                  <a:schemeClr val="tx2"/>
+                </a:solidFill>
+              </a:rPr>
+              <a:t>$31,200</a:t>
+            </a:r>
+            <a:r>
+              <a:rPr lang="en-US" sz="1400" dirty="0">
+                <a:solidFill>
+                  <a:schemeClr val="tx2"/>
+                </a:solidFill>
+              </a:rPr>
+              <a:t>, making the total cost </a:t>
+            </a:r>
+            <a:r>
+              <a:rPr lang="en-US" sz="1400" b="1" dirty="0">
+                <a:solidFill>
+                  <a:schemeClr val="tx2"/>
+                </a:solidFill>
+              </a:rPr>
+              <a:t>$61,200.</a:t>
+            </a:r>
+          </a:p>
+        </p:txBody>
+      </p:sp>
+      <p:cxnSp>
+        <p:nvCxnSpPr>
+          <p:cNvPr id="13" name="Straight Connector 12">
+            <a:extLst>
+              <a:ext uri="{FF2B5EF4-FFF2-40B4-BE49-F238E27FC236}">
+                <a16:creationId xmlns:a16="http://schemas.microsoft.com/office/drawing/2014/main" id="{68B790C7-EA6E-97D1-B919-14896E4B603C}"/>
+              </a:ext>
+            </a:extLst>
+          </p:cNvPr>
+          <p:cNvCxnSpPr/>
+          <p:nvPr/>
+        </p:nvCxnSpPr>
+        <p:spPr>
+          <a:xfrm>
+            <a:off x="432619" y="585129"/>
+            <a:ext cx="11759381" cy="0"/>
+          </a:xfrm>
+          <a:prstGeom prst="line">
+            <a:avLst/>
+          </a:prstGeom>
+        </p:spPr>
+        <p:style>
+          <a:lnRef idx="3">
+            <a:schemeClr val="accent5"/>
+          </a:lnRef>
+          <a:fillRef idx="0">
+            <a:schemeClr val="accent5"/>
+          </a:fillRef>
+          <a:effectRef idx="2">
+            <a:schemeClr val="accent5"/>
+          </a:effectRef>
+          <a:fontRef idx="minor">
+            <a:schemeClr val="tx1"/>
+          </a:fontRef>
+        </p:style>
+      </p:cxnSp>
+      <p:sp>
+        <p:nvSpPr>
+          <p:cNvPr id="14" name="TextBox 13">
+            <a:extLst>
+              <a:ext uri="{FF2B5EF4-FFF2-40B4-BE49-F238E27FC236}">
+                <a16:creationId xmlns:a16="http://schemas.microsoft.com/office/drawing/2014/main" id="{AA4727A0-66F4-D347-C076-66D6DCF475F9}"/>
+              </a:ext>
+            </a:extLst>
+          </p:cNvPr>
+          <p:cNvSpPr txBox="1"/>
+          <p:nvPr/>
+        </p:nvSpPr>
+        <p:spPr>
+          <a:xfrm>
+            <a:off x="299655" y="74303"/>
+            <a:ext cx="6546600" cy="461665"/>
+          </a:xfrm>
+          <a:prstGeom prst="rect">
+            <a:avLst/>
+          </a:prstGeom>
+          <a:noFill/>
+        </p:spPr>
+        <p:txBody>
+          <a:bodyPr wrap="none" rtlCol="0">
+            <a:spAutoFit/>
+          </a:bodyPr>
+          <a:lstStyle/>
+          <a:p>
+            <a:r>
+              <a:rPr lang="en-US" sz="2400" dirty="0"/>
+              <a:t>Multi-Agent chaining and invoking custom function</a:t>
+            </a:r>
+          </a:p>
+        </p:txBody>
+      </p:sp>
+      <p:sp>
+        <p:nvSpPr>
+          <p:cNvPr id="15" name="Rounded Rectangle 14">
+            <a:extLst>
+              <a:ext uri="{FF2B5EF4-FFF2-40B4-BE49-F238E27FC236}">
+                <a16:creationId xmlns:a16="http://schemas.microsoft.com/office/drawing/2014/main" id="{4975C772-0B82-DA12-55A8-41431154923A}"/>
+              </a:ext>
+            </a:extLst>
+          </p:cNvPr>
+          <p:cNvSpPr/>
+          <p:nvPr/>
+        </p:nvSpPr>
+        <p:spPr>
+          <a:xfrm>
+            <a:off x="3480392" y="789174"/>
+            <a:ext cx="3154326" cy="1018360"/>
+          </a:xfrm>
+          <a:prstGeom prst="roundRect">
+            <a:avLst>
+              <a:gd name="adj" fmla="val 4533"/>
+            </a:avLst>
+          </a:prstGeom>
+          <a:solidFill>
+            <a:schemeClr val="accent4">
+              <a:lumMod val="40000"/>
+              <a:lumOff val="60000"/>
+            </a:schemeClr>
+          </a:solidFill>
+          <a:effectLst>
+            <a:outerShdw blurRad="50800" dist="38100" dir="2700000" algn="tl" rotWithShape="0">
+              <a:prstClr val="black">
+                <a:alpha val="40000"/>
+              </a:prstClr>
+            </a:outerShdw>
+          </a:effectLst>
+        </p:spPr>
+        <p:style>
+          <a:lnRef idx="2">
+            <a:schemeClr val="accent3">
+              <a:shade val="15000"/>
+            </a:schemeClr>
+          </a:lnRef>
+          <a:fillRef idx="1">
+            <a:schemeClr val="accent3"/>
+          </a:fillRef>
+          <a:effectRef idx="0">
+            <a:schemeClr val="accent3"/>
+          </a:effectRef>
+          <a:fontRef idx="minor">
+            <a:schemeClr val="lt1"/>
+          </a:fontRef>
+        </p:style>
+        <p:txBody>
+          <a:bodyPr lIns="0" tIns="0" rIns="0" bIns="0" rtlCol="0" anchor="t"/>
+          <a:lstStyle/>
+          <a:p>
+            <a:r>
+              <a:rPr lang="en-US" sz="1400" dirty="0">
+                <a:solidFill>
+                  <a:schemeClr val="tx2"/>
+                </a:solidFill>
+              </a:rPr>
+              <a:t> </a:t>
+            </a:r>
+            <a:endParaRPr lang="en-US" sz="1400" b="1" dirty="0">
+              <a:solidFill>
+                <a:schemeClr val="tx2"/>
+              </a:solidFill>
+            </a:endParaRPr>
+          </a:p>
+          <a:p>
+            <a:r>
+              <a:rPr lang="en-US" sz="1400" b="1" dirty="0">
+                <a:solidFill>
+                  <a:schemeClr val="tx2"/>
+                </a:solidFill>
+              </a:rPr>
+              <a:t> Note: </a:t>
+            </a:r>
+            <a:r>
+              <a:rPr lang="en-US" sz="1400" dirty="0">
+                <a:solidFill>
+                  <a:schemeClr val="tx2"/>
+                </a:solidFill>
+              </a:rPr>
+              <a:t>BYD is NOT part of internal inventory, so I was NOT sure if internal sales assistant will be invoked or not.</a:t>
+            </a:r>
+          </a:p>
+        </p:txBody>
+      </p:sp>
+      <p:sp>
+        <p:nvSpPr>
+          <p:cNvPr id="16" name="Rounded Rectangle 15">
+            <a:extLst>
+              <a:ext uri="{FF2B5EF4-FFF2-40B4-BE49-F238E27FC236}">
+                <a16:creationId xmlns:a16="http://schemas.microsoft.com/office/drawing/2014/main" id="{97AA58F1-2F2D-C97D-C365-D4FB0A76F5ED}"/>
+              </a:ext>
+            </a:extLst>
+          </p:cNvPr>
+          <p:cNvSpPr/>
+          <p:nvPr/>
+        </p:nvSpPr>
+        <p:spPr>
+          <a:xfrm>
+            <a:off x="3480392" y="2461580"/>
+            <a:ext cx="3154326" cy="1537622"/>
+          </a:xfrm>
+          <a:prstGeom prst="roundRect">
+            <a:avLst>
+              <a:gd name="adj" fmla="val 4533"/>
+            </a:avLst>
+          </a:prstGeom>
+          <a:solidFill>
+            <a:schemeClr val="accent4">
+              <a:lumMod val="40000"/>
+              <a:lumOff val="60000"/>
+            </a:schemeClr>
+          </a:solidFill>
+          <a:effectLst>
+            <a:outerShdw blurRad="50800" dist="38100" dir="2700000" algn="tl" rotWithShape="0">
+              <a:prstClr val="black">
+                <a:alpha val="40000"/>
+              </a:prstClr>
+            </a:outerShdw>
+          </a:effectLst>
+        </p:spPr>
+        <p:style>
+          <a:lnRef idx="2">
+            <a:schemeClr val="accent3">
+              <a:shade val="15000"/>
+            </a:schemeClr>
+          </a:lnRef>
+          <a:fillRef idx="1">
+            <a:schemeClr val="accent3"/>
+          </a:fillRef>
+          <a:effectRef idx="0">
+            <a:schemeClr val="accent3"/>
+          </a:effectRef>
+          <a:fontRef idx="minor">
+            <a:schemeClr val="lt1"/>
+          </a:fontRef>
+        </p:style>
+        <p:txBody>
+          <a:bodyPr lIns="0" tIns="0" rIns="0" bIns="0" rtlCol="0" anchor="t"/>
+          <a:lstStyle/>
+          <a:p>
+            <a:r>
+              <a:rPr lang="en-US" sz="1400" dirty="0">
+                <a:solidFill>
+                  <a:schemeClr val="tx2"/>
+                </a:solidFill>
+              </a:rPr>
+              <a:t> </a:t>
+            </a:r>
+            <a:endParaRPr lang="en-US" sz="1400" b="1" dirty="0">
+              <a:solidFill>
+                <a:schemeClr val="tx2"/>
+              </a:solidFill>
+            </a:endParaRPr>
+          </a:p>
+          <a:p>
+            <a:r>
+              <a:rPr lang="en-US" sz="1400" b="1" dirty="0">
+                <a:solidFill>
+                  <a:schemeClr val="tx2"/>
+                </a:solidFill>
+              </a:rPr>
+              <a:t> Fact: </a:t>
+            </a:r>
+            <a:r>
+              <a:rPr lang="en-US" sz="1400" dirty="0">
+                <a:solidFill>
+                  <a:schemeClr val="tx2"/>
+                </a:solidFill>
+              </a:rPr>
+              <a:t>While the Internal agent found that BYD is NOT in the inventory, it got the price details searching through the web, but </a:t>
+            </a:r>
+            <a:r>
+              <a:rPr lang="en-US" sz="1400" b="1" dirty="0">
+                <a:solidFill>
+                  <a:schemeClr val="tx2"/>
+                </a:solidFill>
+              </a:rPr>
+              <a:t>interestingly enough </a:t>
+            </a:r>
+            <a:r>
+              <a:rPr lang="en-US" sz="1400" dirty="0">
+                <a:solidFill>
+                  <a:schemeClr val="tx2"/>
+                </a:solidFill>
+              </a:rPr>
+              <a:t>the LLM invoked the custom </a:t>
+            </a:r>
+            <a:r>
+              <a:rPr lang="en-US" sz="1400" b="1" dirty="0" err="1">
+                <a:solidFill>
+                  <a:schemeClr val="tx2"/>
+                </a:solidFill>
+              </a:rPr>
+              <a:t>calculate_tariff</a:t>
+            </a:r>
+            <a:r>
+              <a:rPr lang="en-US" sz="1400" b="1" dirty="0">
+                <a:solidFill>
+                  <a:schemeClr val="tx2"/>
+                </a:solidFill>
+              </a:rPr>
+              <a:t> </a:t>
+            </a:r>
+            <a:r>
+              <a:rPr lang="en-US" sz="1400" dirty="0">
+                <a:solidFill>
+                  <a:schemeClr val="tx2"/>
+                </a:solidFill>
+              </a:rPr>
+              <a:t>function passing the appropriate country code</a:t>
+            </a:r>
+          </a:p>
+        </p:txBody>
+      </p:sp>
+      <p:sp>
+        <p:nvSpPr>
+          <p:cNvPr id="17" name="Rounded Rectangle 16">
+            <a:extLst>
+              <a:ext uri="{FF2B5EF4-FFF2-40B4-BE49-F238E27FC236}">
+                <a16:creationId xmlns:a16="http://schemas.microsoft.com/office/drawing/2014/main" id="{33CF4FE2-13AA-063A-BE8F-F032FE1F66B6}"/>
+              </a:ext>
+            </a:extLst>
+          </p:cNvPr>
+          <p:cNvSpPr/>
+          <p:nvPr/>
+        </p:nvSpPr>
+        <p:spPr>
+          <a:xfrm>
+            <a:off x="7460333" y="3489844"/>
+            <a:ext cx="4518837" cy="340241"/>
+          </a:xfrm>
+          <a:prstGeom prst="roundRect">
+            <a:avLst/>
+          </a:prstGeom>
+          <a:noFill/>
+          <a:ln w="22225">
+            <a:solidFill>
+              <a:srgbClr val="C00000"/>
+            </a:solidFill>
+          </a:ln>
+        </p:spPr>
+        <p:style>
+          <a:lnRef idx="2">
+            <a:schemeClr val="accent1">
+              <a:shade val="15000"/>
+            </a:schemeClr>
+          </a:lnRef>
+          <a:fillRef idx="1">
+            <a:schemeClr val="accent1"/>
+          </a:fillRef>
+          <a:effectRef idx="0">
+            <a:schemeClr val="accent1"/>
+          </a:effectRef>
+          <a:fontRef idx="minor">
+            <a:schemeClr val="lt1"/>
+          </a:fontRef>
+        </p:style>
+        <p:txBody>
+          <a:bodyPr rtlCol="0" anchor="ctr"/>
+          <a:lstStyle/>
+          <a:p>
+            <a:pPr algn="ctr"/>
+            <a:endParaRPr lang="en-US" dirty="0"/>
+          </a:p>
+        </p:txBody>
+      </p:sp>
+    </p:spTree>
+    <p:extLst>
+      <p:ext uri="{BB962C8B-B14F-4D97-AF65-F5344CB8AC3E}">
+        <p14:creationId xmlns:p14="http://schemas.microsoft.com/office/powerpoint/2010/main" val="3768088343"/>
+      </p:ext>
+    </p:extLst>
+  </p:cSld>
+  <p:clrMapOvr>
+    <a:masterClrMapping/>
+  </p:clrMapOvr>
+</p:sld>
+</file>
+
 <file path=ppt/slides/slide2.xml><?xml version="1.0" encoding="utf-8"?>
 <p:sld xmlns:a="http://schemas.openxmlformats.org/drawingml/2006/main" xmlns:r="http://schemas.openxmlformats.org/officeDocument/2006/relationships" xmlns:p="http://schemas.openxmlformats.org/presentationml/2006/main">
   <p:cSld>
@@ -6616,7 +7193,7 @@
               <a:t>In March 2025, </a:t>
             </a:r>
             <a:r>
-              <a:rPr lang="en-US" sz="1400" b="1" dirty="0" err="1"/>
+              <a:rPr lang="en-US" sz="1400" b="1" dirty="0"/>
               <a:t>OpenAI</a:t>
             </a:r>
             <a:r>
@@ -6909,7 +7486,7 @@
             </a:r>
             <a:r>
               <a:rPr lang="en-US" sz="1400" dirty="0"/>
-              <a:t> to analyze source code, document logic, and execute technical tasks.</a:t>
+              <a:t> who can analyze source code, document logic, and execute technical tasks.</a:t>
             </a:r>
           </a:p>
           <a:p>
@@ -6987,7 +7564,7 @@
         </p:nvSpPr>
         <p:spPr>
           <a:xfrm>
-            <a:off x="5517605" y="861934"/>
+            <a:off x="5519204" y="1376005"/>
             <a:ext cx="1616846" cy="584617"/>
           </a:xfrm>
           <a:prstGeom prst="roundRect">
@@ -7036,7 +7613,7 @@
         </p:nvSpPr>
         <p:spPr>
           <a:xfrm>
-            <a:off x="1751060" y="2927274"/>
+            <a:off x="1751060" y="3395110"/>
             <a:ext cx="1722536" cy="532150"/>
           </a:xfrm>
           <a:prstGeom prst="roundRect">
@@ -7085,7 +7662,7 @@
         </p:nvSpPr>
         <p:spPr>
           <a:xfrm>
-            <a:off x="5466358" y="2927274"/>
+            <a:off x="5466358" y="3395110"/>
             <a:ext cx="1722536" cy="532150"/>
           </a:xfrm>
           <a:prstGeom prst="roundRect">
@@ -7134,7 +7711,7 @@
         </p:nvSpPr>
         <p:spPr>
           <a:xfrm>
-            <a:off x="9178460" y="2927274"/>
+            <a:off x="9178460" y="3395110"/>
             <a:ext cx="1722536" cy="532150"/>
           </a:xfrm>
           <a:prstGeom prst="roundRect">
@@ -7164,7 +7741,7 @@
             <a:pPr algn="ctr"/>
             <a:r>
               <a:rPr lang="en-US" sz="1400" b="1" dirty="0"/>
-              <a:t>Engineer</a:t>
+              <a:t>Engineering</a:t>
             </a:r>
           </a:p>
         </p:txBody>
@@ -7187,11 +7764,13 @@
         </p:nvCxnSpPr>
         <p:spPr>
           <a:xfrm rot="5400000">
-            <a:off x="3728817" y="330062"/>
-            <a:ext cx="1480723" cy="3713700"/>
+            <a:off x="3752734" y="820217"/>
+            <a:ext cx="1434488" cy="3715299"/>
           </a:xfrm>
           <a:prstGeom prst="bentConnector3">
-            <a:avLst/>
+            <a:avLst>
+              <a:gd name="adj1" fmla="val 50000"/>
+            </a:avLst>
           </a:prstGeom>
           <a:ln>
             <a:tailEnd type="triangle"/>
@@ -7229,9 +7808,9 @@
           <p:nvPr/>
         </p:nvCxnSpPr>
         <p:spPr>
-          <a:xfrm rot="16200000" flipH="1">
-            <a:off x="5586466" y="2186113"/>
-            <a:ext cx="1480723" cy="1598"/>
+          <a:xfrm rot="5400000">
+            <a:off x="5610383" y="2677866"/>
+            <a:ext cx="1434488" cy="1"/>
           </a:xfrm>
           <a:prstGeom prst="bentConnector3">
             <a:avLst>
@@ -7275,8 +7854,8 @@
         </p:nvCxnSpPr>
         <p:spPr>
           <a:xfrm rot="16200000" flipH="1">
-            <a:off x="7442517" y="330062"/>
-            <a:ext cx="1480723" cy="3713700"/>
+            <a:off x="7466433" y="821815"/>
+            <a:ext cx="1434488" cy="3712101"/>
           </a:xfrm>
           <a:prstGeom prst="bentConnector3">
             <a:avLst>
@@ -7336,15 +7915,7 @@
             </a:pPr>
             <a:r>
               <a:rPr lang="en-US" sz="1400" dirty="0"/>
-              <a:t>A </a:t>
-            </a:r>
-            <a:r>
-              <a:rPr lang="en-US" sz="1400" b="1" dirty="0"/>
-              <a:t>sales representative</a:t>
-            </a:r>
-            <a:r>
-              <a:rPr lang="en-US" sz="1400" dirty="0"/>
-              <a:t> to engage with customers and provide details about available inventory.</a:t>
+              <a:t>An Internal sales agent who interacts with customers and shares information about current inventory.</a:t>
             </a:r>
           </a:p>
           <a:p>
@@ -7361,7 +7932,7 @@
             </a:pPr>
             <a:r>
               <a:rPr lang="en-US" sz="1400" dirty="0"/>
-              <a:t>An </a:t>
+              <a:t>An External sales </a:t>
             </a:r>
             <a:r>
               <a:rPr lang="en-US" sz="1400" b="1" dirty="0"/>
@@ -7369,7 +7940,7 @@
             </a:r>
             <a:r>
               <a:rPr lang="en-US" sz="1400" dirty="0"/>
-              <a:t> that can retrieve additional insights beyond inventory through </a:t>
+              <a:t> who  can retrieve additional insights beyond inventory through </a:t>
             </a:r>
             <a:r>
               <a:rPr lang="en-US" sz="1400" b="1" dirty="0"/>
@@ -7424,7 +7995,7 @@
             </a:r>
             <a:r>
               <a:rPr lang="en-US" sz="1400" dirty="0"/>
-              <a:t> to evaluate multi-year sales data and generate sales forecasts.</a:t>
+              <a:t> who can analyze historical sales to produce sales projections.</a:t>
             </a:r>
           </a:p>
           <a:p>
@@ -7468,8 +8039,8 @@
         </p:nvSpPr>
         <p:spPr>
           <a:xfrm rot="16200000">
-            <a:off x="-111167" y="1212361"/>
-            <a:ext cx="1180219" cy="276999"/>
+            <a:off x="-278365" y="1539844"/>
+            <a:ext cx="1514620" cy="276999"/>
           </a:xfrm>
           <a:prstGeom prst="rect">
             <a:avLst/>
@@ -7510,8 +8081,8 @@
         </p:nvSpPr>
         <p:spPr>
           <a:xfrm rot="16200000">
-            <a:off x="-105787" y="3055608"/>
-            <a:ext cx="1180219" cy="276999"/>
+            <a:off x="-367067" y="3290500"/>
+            <a:ext cx="1702659" cy="276999"/>
           </a:xfrm>
           <a:prstGeom prst="rect">
             <a:avLst/>
@@ -7533,7 +8104,7 @@
                   <a:schemeClr val="bg1"/>
                 </a:solidFill>
               </a:rPr>
-              <a:t>Persona</a:t>
+              <a:t>Personas</a:t>
             </a:r>
           </a:p>
         </p:txBody>
@@ -7552,8 +8123,8 @@
         </p:nvSpPr>
         <p:spPr>
           <a:xfrm rot="16200000">
-            <a:off x="-111166" y="5368641"/>
-            <a:ext cx="1180218" cy="276999"/>
+            <a:off x="-536718" y="5349471"/>
+            <a:ext cx="2031326" cy="276999"/>
           </a:xfrm>
           <a:prstGeom prst="rect">
             <a:avLst/>
@@ -7684,7 +8255,7 @@
     </p:spTree>
     <p:extLst>
       <p:ext uri="{BB962C8B-B14F-4D97-AF65-F5344CB8AC3E}">
-        <p14:creationId xmlns:p14="http://schemas.microsoft.com/office/powerpoint/2010/main" val="4056873022"/>
+        <p14:creationId xmlns:p14="http://schemas.microsoft.com/office/powerpoint/2010/main" val="1633760108"/>
       </p:ext>
     </p:extLst>
   </p:cSld>
@@ -7713,10 +8284,10 @@
       </p:grpSpPr>
       <p:sp>
         <p:nvSpPr>
-          <p:cNvPr id="4" name="TextBox 3">
-            <a:extLst>
-              <a:ext uri="{FF2B5EF4-FFF2-40B4-BE49-F238E27FC236}">
-                <a16:creationId xmlns:a16="http://schemas.microsoft.com/office/drawing/2014/main" id="{0B205ED7-CA2A-2FFE-8AF6-7C1545C8E1FC}"/>
+          <p:cNvPr id="3" name="TextBox 2">
+            <a:extLst>
+              <a:ext uri="{FF2B5EF4-FFF2-40B4-BE49-F238E27FC236}">
+                <a16:creationId xmlns:a16="http://schemas.microsoft.com/office/drawing/2014/main" id="{1C043895-FF95-D826-59CE-DBB5ADF31B12}"/>
               </a:ext>
             </a:extLst>
           </p:cNvPr>
@@ -7725,8 +8296,8 @@
         </p:nvSpPr>
         <p:spPr>
           <a:xfrm>
-            <a:off x="378314" y="2719180"/>
-            <a:ext cx="2860783" cy="461665"/>
+            <a:off x="299655" y="74303"/>
+            <a:ext cx="5504905" cy="461665"/>
           </a:xfrm>
           <a:prstGeom prst="rect">
             <a:avLst/>
@@ -7741,17 +8312,17 @@
           <a:p>
             <a:r>
               <a:rPr lang="en-US" sz="2400" dirty="0"/>
-              <a:t>How does it all work?</a:t>
+              <a:t>Agentic AI Setup – A Hypothetical Scenario</a:t>
             </a:r>
           </a:p>
         </p:txBody>
       </p:sp>
       <p:cxnSp>
         <p:nvCxnSpPr>
-          <p:cNvPr id="2" name="Straight Connector 1">
-            <a:extLst>
-              <a:ext uri="{FF2B5EF4-FFF2-40B4-BE49-F238E27FC236}">
-                <a16:creationId xmlns:a16="http://schemas.microsoft.com/office/drawing/2014/main" id="{89154393-A6FF-CF4B-8A1D-57D7E90FAC33}"/>
+          <p:cNvPr id="5" name="Straight Connector 4">
+            <a:extLst>
+              <a:ext uri="{FF2B5EF4-FFF2-40B4-BE49-F238E27FC236}">
+                <a16:creationId xmlns:a16="http://schemas.microsoft.com/office/drawing/2014/main" id="{FAEB4772-560A-9710-8926-CF7774888F9F}"/>
               </a:ext>
             </a:extLst>
           </p:cNvPr>
@@ -7760,7 +8331,7 @@
         </p:nvCxnSpPr>
         <p:spPr>
           <a:xfrm>
-            <a:off x="432619" y="3156155"/>
+            <a:off x="432619" y="545800"/>
             <a:ext cx="11759381" cy="0"/>
           </a:xfrm>
           <a:prstGeom prst="line">
@@ -7782,10 +8353,3285 @@
           </a:fontRef>
         </p:style>
       </p:cxnSp>
+      <p:sp>
+        <p:nvSpPr>
+          <p:cNvPr id="6" name="Rounded Rectangle 5">
+            <a:extLst>
+              <a:ext uri="{FF2B5EF4-FFF2-40B4-BE49-F238E27FC236}">
+                <a16:creationId xmlns:a16="http://schemas.microsoft.com/office/drawing/2014/main" id="{3D6456C6-D6CA-1A3F-3A71-4B52DA95AF7B}"/>
+              </a:ext>
+            </a:extLst>
+          </p:cNvPr>
+          <p:cNvSpPr/>
+          <p:nvPr/>
+        </p:nvSpPr>
+        <p:spPr>
+          <a:xfrm>
+            <a:off x="659217" y="1007525"/>
+            <a:ext cx="4849119" cy="5200296"/>
+          </a:xfrm>
+          <a:prstGeom prst="roundRect">
+            <a:avLst>
+              <a:gd name="adj" fmla="val 1739"/>
+            </a:avLst>
+          </a:prstGeom>
+          <a:noFill/>
+          <a:ln>
+            <a:prstDash val="dash"/>
+          </a:ln>
+        </p:spPr>
+        <p:style>
+          <a:lnRef idx="2">
+            <a:schemeClr val="accent1">
+              <a:shade val="15000"/>
+            </a:schemeClr>
+          </a:lnRef>
+          <a:fillRef idx="1">
+            <a:schemeClr val="accent1"/>
+          </a:fillRef>
+          <a:effectRef idx="0">
+            <a:schemeClr val="accent1"/>
+          </a:effectRef>
+          <a:fontRef idx="minor">
+            <a:schemeClr val="lt1"/>
+          </a:fontRef>
+        </p:style>
+        <p:txBody>
+          <a:bodyPr rtlCol="0" anchor="ctr"/>
+          <a:lstStyle/>
+          <a:p>
+            <a:pPr algn="ctr"/>
+            <a:endParaRPr lang="en-US"/>
+          </a:p>
+        </p:txBody>
+      </p:sp>
+      <p:pic>
+        <p:nvPicPr>
+          <p:cNvPr id="1026" name="Picture 2" descr="Python icon - Free download on Iconfinder">
+            <a:extLst>
+              <a:ext uri="{FF2B5EF4-FFF2-40B4-BE49-F238E27FC236}">
+                <a16:creationId xmlns:a16="http://schemas.microsoft.com/office/drawing/2014/main" id="{BAFF3243-5659-47AE-36B5-6C17332F6A1F}"/>
+              </a:ext>
+            </a:extLst>
+          </p:cNvPr>
+          <p:cNvPicPr>
+            <a:picLocks noChangeAspect="1" noChangeArrowheads="1"/>
+          </p:cNvPicPr>
+          <p:nvPr/>
+        </p:nvPicPr>
+        <p:blipFill>
+          <a:blip r:embed="rId2">
+            <a:extLst>
+              <a:ext uri="{28A0092B-C50C-407E-A947-70E740481C1C}">
+                <a14:useLocalDpi xmlns:a14="http://schemas.microsoft.com/office/drawing/2010/main" val="0"/>
+              </a:ext>
+            </a:extLst>
+          </a:blip>
+          <a:srcRect/>
+          <a:stretch>
+            <a:fillRect/>
+          </a:stretch>
+        </p:blipFill>
+        <p:spPr bwMode="auto">
+          <a:xfrm>
+            <a:off x="5207096" y="839829"/>
+            <a:ext cx="411093" cy="411093"/>
+          </a:xfrm>
+          <a:prstGeom prst="rect">
+            <a:avLst/>
+          </a:prstGeom>
+          <a:noFill/>
+          <a:extLst>
+            <a:ext uri="{909E8E84-426E-40DD-AFC4-6F175D3DCCD1}">
+              <a14:hiddenFill xmlns:a14="http://schemas.microsoft.com/office/drawing/2010/main">
+                <a:solidFill>
+                  <a:srgbClr val="FFFFFF"/>
+                </a:solidFill>
+              </a14:hiddenFill>
+            </a:ext>
+          </a:extLst>
+        </p:spPr>
+      </p:pic>
+      <p:sp>
+        <p:nvSpPr>
+          <p:cNvPr id="9" name="Rectangle 8">
+            <a:extLst>
+              <a:ext uri="{FF2B5EF4-FFF2-40B4-BE49-F238E27FC236}">
+                <a16:creationId xmlns:a16="http://schemas.microsoft.com/office/drawing/2014/main" id="{181CA5E8-E59B-0752-D8DB-E70E50EB4B11}"/>
+              </a:ext>
+            </a:extLst>
+          </p:cNvPr>
+          <p:cNvSpPr/>
+          <p:nvPr/>
+        </p:nvSpPr>
+        <p:spPr>
+          <a:xfrm>
+            <a:off x="659217" y="6306033"/>
+            <a:ext cx="7468648" cy="296387"/>
+          </a:xfrm>
+          <a:prstGeom prst="rect">
+            <a:avLst/>
+          </a:prstGeom>
+          <a:solidFill>
+            <a:schemeClr val="bg2">
+              <a:lumMod val="90000"/>
+            </a:schemeClr>
+          </a:solidFill>
+        </p:spPr>
+        <p:style>
+          <a:lnRef idx="2">
+            <a:schemeClr val="accent1">
+              <a:shade val="15000"/>
+            </a:schemeClr>
+          </a:lnRef>
+          <a:fillRef idx="1">
+            <a:schemeClr val="accent1"/>
+          </a:fillRef>
+          <a:effectRef idx="0">
+            <a:schemeClr val="accent1"/>
+          </a:effectRef>
+          <a:fontRef idx="minor">
+            <a:schemeClr val="lt1"/>
+          </a:fontRef>
+        </p:style>
+        <p:txBody>
+          <a:bodyPr rtlCol="0" anchor="ctr"/>
+          <a:lstStyle/>
+          <a:p>
+            <a:pPr algn="ctr"/>
+            <a:r>
+              <a:rPr lang="en-US" sz="1400" dirty="0">
+                <a:solidFill>
+                  <a:schemeClr val="tx1"/>
+                </a:solidFill>
+              </a:rPr>
+              <a:t>OpenAI Agents SDK</a:t>
+            </a:r>
+            <a:endParaRPr lang="en-US" sz="1200" dirty="0">
+              <a:solidFill>
+                <a:schemeClr val="tx1"/>
+              </a:solidFill>
+            </a:endParaRPr>
+          </a:p>
+        </p:txBody>
+      </p:sp>
+      <p:sp>
+        <p:nvSpPr>
+          <p:cNvPr id="12" name="TextBox 11">
+            <a:extLst>
+              <a:ext uri="{FF2B5EF4-FFF2-40B4-BE49-F238E27FC236}">
+                <a16:creationId xmlns:a16="http://schemas.microsoft.com/office/drawing/2014/main" id="{ED8B41B5-06B6-DB7A-3468-8C909EC922D1}"/>
+              </a:ext>
+            </a:extLst>
+          </p:cNvPr>
+          <p:cNvSpPr txBox="1"/>
+          <p:nvPr/>
+        </p:nvSpPr>
+        <p:spPr>
+          <a:xfrm>
+            <a:off x="2826281" y="876059"/>
+            <a:ext cx="727828" cy="215444"/>
+          </a:xfrm>
+          <a:prstGeom prst="rect">
+            <a:avLst/>
+          </a:prstGeom>
+          <a:solidFill>
+            <a:schemeClr val="bg1"/>
+          </a:solidFill>
+        </p:spPr>
+        <p:txBody>
+          <a:bodyPr wrap="none" lIns="0" tIns="0" rIns="0" bIns="0" rtlCol="0">
+            <a:spAutoFit/>
+          </a:bodyPr>
+          <a:lstStyle/>
+          <a:p>
+            <a:r>
+              <a:rPr lang="en-US" sz="1400" dirty="0"/>
+              <a:t> Ai Agents</a:t>
+            </a:r>
+          </a:p>
+        </p:txBody>
+      </p:sp>
+      <p:pic>
+        <p:nvPicPr>
+          <p:cNvPr id="13" name="Picture 4" descr="openai&quot; Icon - Download for free – Iconduck">
+            <a:extLst>
+              <a:ext uri="{FF2B5EF4-FFF2-40B4-BE49-F238E27FC236}">
+                <a16:creationId xmlns:a16="http://schemas.microsoft.com/office/drawing/2014/main" id="{5F8B2439-82B8-B981-D858-6656A51915F0}"/>
+              </a:ext>
+            </a:extLst>
+          </p:cNvPr>
+          <p:cNvPicPr>
+            <a:picLocks noChangeAspect="1" noChangeArrowheads="1"/>
+          </p:cNvPicPr>
+          <p:nvPr/>
+        </p:nvPicPr>
+        <p:blipFill>
+          <a:blip r:embed="rId3">
+            <a:extLst>
+              <a:ext uri="{28A0092B-C50C-407E-A947-70E740481C1C}">
+                <a14:useLocalDpi xmlns:a14="http://schemas.microsoft.com/office/drawing/2010/main" val="0"/>
+              </a:ext>
+            </a:extLst>
+          </a:blip>
+          <a:srcRect/>
+          <a:stretch>
+            <a:fillRect/>
+          </a:stretch>
+        </p:blipFill>
+        <p:spPr bwMode="auto">
+          <a:xfrm>
+            <a:off x="3470540" y="6364484"/>
+            <a:ext cx="198821" cy="201495"/>
+          </a:xfrm>
+          <a:prstGeom prst="rect">
+            <a:avLst/>
+          </a:prstGeom>
+          <a:noFill/>
+          <a:extLst>
+            <a:ext uri="{909E8E84-426E-40DD-AFC4-6F175D3DCCD1}">
+              <a14:hiddenFill xmlns:a14="http://schemas.microsoft.com/office/drawing/2010/main">
+                <a:solidFill>
+                  <a:srgbClr val="FFFFFF"/>
+                </a:solidFill>
+              </a14:hiddenFill>
+            </a:ext>
+          </a:extLst>
+        </p:spPr>
+      </p:pic>
+      <p:sp>
+        <p:nvSpPr>
+          <p:cNvPr id="14" name="Rectangle 13">
+            <a:extLst>
+              <a:ext uri="{FF2B5EF4-FFF2-40B4-BE49-F238E27FC236}">
+                <a16:creationId xmlns:a16="http://schemas.microsoft.com/office/drawing/2014/main" id="{B45E53AA-8D35-E00C-78E1-0A9074E13217}"/>
+              </a:ext>
+            </a:extLst>
+          </p:cNvPr>
+          <p:cNvSpPr/>
+          <p:nvPr/>
+        </p:nvSpPr>
+        <p:spPr>
+          <a:xfrm>
+            <a:off x="799910" y="1292662"/>
+            <a:ext cx="328527" cy="4760550"/>
+          </a:xfrm>
+          <a:prstGeom prst="rect">
+            <a:avLst/>
+          </a:prstGeom>
+        </p:spPr>
+        <p:style>
+          <a:lnRef idx="2">
+            <a:schemeClr val="accent1">
+              <a:shade val="15000"/>
+            </a:schemeClr>
+          </a:lnRef>
+          <a:fillRef idx="1">
+            <a:schemeClr val="accent1"/>
+          </a:fillRef>
+          <a:effectRef idx="0">
+            <a:schemeClr val="accent1"/>
+          </a:effectRef>
+          <a:fontRef idx="minor">
+            <a:schemeClr val="lt1"/>
+          </a:fontRef>
+        </p:style>
+        <p:txBody>
+          <a:bodyPr vert="vert270" rtlCol="0" anchor="ctr"/>
+          <a:lstStyle/>
+          <a:p>
+            <a:pPr algn="ctr"/>
+            <a:r>
+              <a:rPr lang="en-US" sz="1400" dirty="0"/>
+              <a:t>Agent Orchestrator</a:t>
+            </a:r>
+          </a:p>
+        </p:txBody>
+      </p:sp>
+      <p:sp>
+        <p:nvSpPr>
+          <p:cNvPr id="15" name="Rectangle 14">
+            <a:extLst>
+              <a:ext uri="{FF2B5EF4-FFF2-40B4-BE49-F238E27FC236}">
+                <a16:creationId xmlns:a16="http://schemas.microsoft.com/office/drawing/2014/main" id="{E26BDEE5-17D2-D4FA-7F21-D4FE1C75427E}"/>
+              </a:ext>
+            </a:extLst>
+          </p:cNvPr>
+          <p:cNvSpPr/>
+          <p:nvPr/>
+        </p:nvSpPr>
+        <p:spPr>
+          <a:xfrm>
+            <a:off x="1628682" y="1289908"/>
+            <a:ext cx="3055971" cy="395145"/>
+          </a:xfrm>
+          <a:prstGeom prst="rect">
+            <a:avLst/>
+          </a:prstGeom>
+        </p:spPr>
+        <p:style>
+          <a:lnRef idx="2">
+            <a:schemeClr val="accent1">
+              <a:shade val="15000"/>
+            </a:schemeClr>
+          </a:lnRef>
+          <a:fillRef idx="1">
+            <a:schemeClr val="accent1"/>
+          </a:fillRef>
+          <a:effectRef idx="0">
+            <a:schemeClr val="accent1"/>
+          </a:effectRef>
+          <a:fontRef idx="minor">
+            <a:schemeClr val="lt1"/>
+          </a:fontRef>
+        </p:style>
+        <p:txBody>
+          <a:bodyPr vert="horz" rtlCol="0" anchor="ctr"/>
+          <a:lstStyle/>
+          <a:p>
+            <a:pPr algn="ctr"/>
+            <a:r>
+              <a:rPr lang="en-US" sz="1100" dirty="0"/>
+              <a:t>Sales Agent</a:t>
+            </a:r>
+          </a:p>
+        </p:txBody>
+      </p:sp>
+      <p:sp>
+        <p:nvSpPr>
+          <p:cNvPr id="16" name="Rectangle 15">
+            <a:extLst>
+              <a:ext uri="{FF2B5EF4-FFF2-40B4-BE49-F238E27FC236}">
+                <a16:creationId xmlns:a16="http://schemas.microsoft.com/office/drawing/2014/main" id="{128C9241-BAA6-DB91-EC1E-58592A012132}"/>
+              </a:ext>
+            </a:extLst>
+          </p:cNvPr>
+          <p:cNvSpPr/>
+          <p:nvPr/>
+        </p:nvSpPr>
+        <p:spPr>
+          <a:xfrm>
+            <a:off x="1628681" y="5819366"/>
+            <a:ext cx="3055968" cy="257763"/>
+          </a:xfrm>
+          <a:prstGeom prst="rect">
+            <a:avLst/>
+          </a:prstGeom>
+        </p:spPr>
+        <p:style>
+          <a:lnRef idx="2">
+            <a:schemeClr val="accent1">
+              <a:shade val="15000"/>
+            </a:schemeClr>
+          </a:lnRef>
+          <a:fillRef idx="1">
+            <a:schemeClr val="accent1"/>
+          </a:fillRef>
+          <a:effectRef idx="0">
+            <a:schemeClr val="accent1"/>
+          </a:effectRef>
+          <a:fontRef idx="minor">
+            <a:schemeClr val="lt1"/>
+          </a:fontRef>
+        </p:style>
+        <p:txBody>
+          <a:bodyPr vert="horz" rtlCol="0" anchor="ctr"/>
+          <a:lstStyle/>
+          <a:p>
+            <a:pPr algn="ctr"/>
+            <a:r>
+              <a:rPr lang="en-US" sz="1100" dirty="0"/>
+              <a:t>Engineering Agent</a:t>
+            </a:r>
+          </a:p>
+        </p:txBody>
+      </p:sp>
+      <p:sp>
+        <p:nvSpPr>
+          <p:cNvPr id="17" name="Rectangle 16">
+            <a:extLst>
+              <a:ext uri="{FF2B5EF4-FFF2-40B4-BE49-F238E27FC236}">
+                <a16:creationId xmlns:a16="http://schemas.microsoft.com/office/drawing/2014/main" id="{94952E1C-ACD8-CB5F-A79E-3FEEA7489AAC}"/>
+              </a:ext>
+            </a:extLst>
+          </p:cNvPr>
+          <p:cNvSpPr/>
+          <p:nvPr/>
+        </p:nvSpPr>
+        <p:spPr>
+          <a:xfrm>
+            <a:off x="1628679" y="5470510"/>
+            <a:ext cx="3055970" cy="258877"/>
+          </a:xfrm>
+          <a:prstGeom prst="rect">
+            <a:avLst/>
+          </a:prstGeom>
+        </p:spPr>
+        <p:style>
+          <a:lnRef idx="2">
+            <a:schemeClr val="accent1">
+              <a:shade val="15000"/>
+            </a:schemeClr>
+          </a:lnRef>
+          <a:fillRef idx="1">
+            <a:schemeClr val="accent1"/>
+          </a:fillRef>
+          <a:effectRef idx="0">
+            <a:schemeClr val="accent1"/>
+          </a:effectRef>
+          <a:fontRef idx="minor">
+            <a:schemeClr val="lt1"/>
+          </a:fontRef>
+        </p:style>
+        <p:txBody>
+          <a:bodyPr vert="horz" rtlCol="0" anchor="ctr"/>
+          <a:lstStyle/>
+          <a:p>
+            <a:pPr algn="ctr"/>
+            <a:r>
+              <a:rPr lang="en-US" sz="1100" dirty="0"/>
+              <a:t>Financial Analyst Agent</a:t>
+            </a:r>
+          </a:p>
+        </p:txBody>
+      </p:sp>
+      <p:sp>
+        <p:nvSpPr>
+          <p:cNvPr id="20" name="Internal Storage 19">
+            <a:extLst>
+              <a:ext uri="{FF2B5EF4-FFF2-40B4-BE49-F238E27FC236}">
+                <a16:creationId xmlns:a16="http://schemas.microsoft.com/office/drawing/2014/main" id="{0B2CCCFB-96A1-C308-0165-B9032FB18335}"/>
+              </a:ext>
+            </a:extLst>
+          </p:cNvPr>
+          <p:cNvSpPr/>
+          <p:nvPr/>
+        </p:nvSpPr>
+        <p:spPr>
+          <a:xfrm>
+            <a:off x="7006058" y="2488995"/>
+            <a:ext cx="703624" cy="424469"/>
+          </a:xfrm>
+          <a:prstGeom prst="flowChartInternalStorage">
+            <a:avLst/>
+          </a:prstGeom>
+          <a:solidFill>
+            <a:schemeClr val="tx1">
+              <a:lumMod val="50000"/>
+              <a:lumOff val="50000"/>
+            </a:schemeClr>
+          </a:solidFill>
+          <a:ln>
+            <a:solidFill>
+              <a:schemeClr val="bg1"/>
+            </a:solidFill>
+          </a:ln>
+        </p:spPr>
+        <p:style>
+          <a:lnRef idx="2">
+            <a:schemeClr val="accent1">
+              <a:shade val="15000"/>
+            </a:schemeClr>
+          </a:lnRef>
+          <a:fillRef idx="1">
+            <a:schemeClr val="accent1"/>
+          </a:fillRef>
+          <a:effectRef idx="0">
+            <a:schemeClr val="accent1"/>
+          </a:effectRef>
+          <a:fontRef idx="minor">
+            <a:schemeClr val="lt1"/>
+          </a:fontRef>
+        </p:style>
+        <p:txBody>
+          <a:bodyPr lIns="0" tIns="0" rIns="0" bIns="0" rtlCol="0" anchor="ctr"/>
+          <a:lstStyle/>
+          <a:p>
+            <a:pPr algn="ctr"/>
+            <a:r>
+              <a:rPr lang="en-US" sz="1000" b="1" dirty="0">
+                <a:solidFill>
+                  <a:schemeClr val="bg1">
+                    <a:lumMod val="95000"/>
+                  </a:schemeClr>
+                </a:solidFill>
+              </a:rPr>
+              <a:t>Inventory</a:t>
+            </a:r>
+          </a:p>
+        </p:txBody>
+      </p:sp>
+      <p:pic>
+        <p:nvPicPr>
+          <p:cNvPr id="1034" name="Picture 10" descr="Send Mail - Free communications icons">
+            <a:extLst>
+              <a:ext uri="{FF2B5EF4-FFF2-40B4-BE49-F238E27FC236}">
+                <a16:creationId xmlns:a16="http://schemas.microsoft.com/office/drawing/2014/main" id="{0285715F-6542-BC36-F11F-181448732ADD}"/>
+              </a:ext>
+            </a:extLst>
+          </p:cNvPr>
+          <p:cNvPicPr>
+            <a:picLocks noChangeAspect="1" noChangeArrowheads="1"/>
+          </p:cNvPicPr>
+          <p:nvPr/>
+        </p:nvPicPr>
+        <p:blipFill>
+          <a:blip r:embed="rId4">
+            <a:extLst>
+              <a:ext uri="{28A0092B-C50C-407E-A947-70E740481C1C}">
+                <a14:useLocalDpi xmlns:a14="http://schemas.microsoft.com/office/drawing/2010/main" val="0"/>
+              </a:ext>
+            </a:extLst>
+          </a:blip>
+          <a:srcRect/>
+          <a:stretch>
+            <a:fillRect/>
+          </a:stretch>
+        </p:blipFill>
+        <p:spPr bwMode="auto">
+          <a:xfrm>
+            <a:off x="5988460" y="4420363"/>
+            <a:ext cx="503210" cy="503210"/>
+          </a:xfrm>
+          <a:prstGeom prst="rect">
+            <a:avLst/>
+          </a:prstGeom>
+          <a:noFill/>
+          <a:extLst>
+            <a:ext uri="{909E8E84-426E-40DD-AFC4-6F175D3DCCD1}">
+              <a14:hiddenFill xmlns:a14="http://schemas.microsoft.com/office/drawing/2010/main">
+                <a:solidFill>
+                  <a:srgbClr val="FFFFFF"/>
+                </a:solidFill>
+              </a14:hiddenFill>
+            </a:ext>
+          </a:extLst>
+        </p:spPr>
+      </p:pic>
+      <p:sp>
+        <p:nvSpPr>
+          <p:cNvPr id="21" name="TextBox 20">
+            <a:extLst>
+              <a:ext uri="{FF2B5EF4-FFF2-40B4-BE49-F238E27FC236}">
+                <a16:creationId xmlns:a16="http://schemas.microsoft.com/office/drawing/2014/main" id="{3A8BD865-0897-D384-61D7-46EBD65DF901}"/>
+              </a:ext>
+            </a:extLst>
+          </p:cNvPr>
+          <p:cNvSpPr txBox="1"/>
+          <p:nvPr/>
+        </p:nvSpPr>
+        <p:spPr>
+          <a:xfrm>
+            <a:off x="6972965" y="3575220"/>
+            <a:ext cx="750526" cy="261610"/>
+          </a:xfrm>
+          <a:prstGeom prst="rect">
+            <a:avLst/>
+          </a:prstGeom>
+          <a:noFill/>
+        </p:spPr>
+        <p:txBody>
+          <a:bodyPr wrap="none" rtlCol="0">
+            <a:spAutoFit/>
+          </a:bodyPr>
+          <a:lstStyle/>
+          <a:p>
+            <a:r>
+              <a:rPr lang="en-US" sz="1100" dirty="0"/>
+              <a:t>sales data</a:t>
+            </a:r>
+          </a:p>
+        </p:txBody>
+      </p:sp>
+      <p:sp>
+        <p:nvSpPr>
+          <p:cNvPr id="22" name="Rounded Rectangle 21">
+            <a:extLst>
+              <a:ext uri="{FF2B5EF4-FFF2-40B4-BE49-F238E27FC236}">
+                <a16:creationId xmlns:a16="http://schemas.microsoft.com/office/drawing/2014/main" id="{10B242C4-ACDD-807D-728F-DD3B5FE6FC17}"/>
+              </a:ext>
+            </a:extLst>
+          </p:cNvPr>
+          <p:cNvSpPr/>
+          <p:nvPr/>
+        </p:nvSpPr>
+        <p:spPr>
+          <a:xfrm>
+            <a:off x="5836863" y="1001734"/>
+            <a:ext cx="1927588" cy="1171857"/>
+          </a:xfrm>
+          <a:prstGeom prst="roundRect">
+            <a:avLst>
+              <a:gd name="adj" fmla="val 4151"/>
+            </a:avLst>
+          </a:prstGeom>
+          <a:noFill/>
+          <a:ln>
+            <a:prstDash val="dash"/>
+          </a:ln>
+        </p:spPr>
+        <p:style>
+          <a:lnRef idx="2">
+            <a:schemeClr val="accent1">
+              <a:shade val="15000"/>
+            </a:schemeClr>
+          </a:lnRef>
+          <a:fillRef idx="1">
+            <a:schemeClr val="accent1"/>
+          </a:fillRef>
+          <a:effectRef idx="0">
+            <a:schemeClr val="accent1"/>
+          </a:effectRef>
+          <a:fontRef idx="minor">
+            <a:schemeClr val="lt1"/>
+          </a:fontRef>
+        </p:style>
+        <p:txBody>
+          <a:bodyPr rtlCol="0" anchor="ctr"/>
+          <a:lstStyle/>
+          <a:p>
+            <a:pPr algn="ctr"/>
+            <a:endParaRPr lang="en-US"/>
+          </a:p>
+        </p:txBody>
+      </p:sp>
+      <p:sp>
+        <p:nvSpPr>
+          <p:cNvPr id="23" name="Rounded Rectangle 22">
+            <a:extLst>
+              <a:ext uri="{FF2B5EF4-FFF2-40B4-BE49-F238E27FC236}">
+                <a16:creationId xmlns:a16="http://schemas.microsoft.com/office/drawing/2014/main" id="{E69DF7BA-0094-8B33-5801-B1ED4EF5CDBF}"/>
+              </a:ext>
+            </a:extLst>
+          </p:cNvPr>
+          <p:cNvSpPr/>
+          <p:nvPr/>
+        </p:nvSpPr>
+        <p:spPr>
+          <a:xfrm>
+            <a:off x="6917185" y="2318914"/>
+            <a:ext cx="862087" cy="2648516"/>
+          </a:xfrm>
+          <a:prstGeom prst="roundRect">
+            <a:avLst>
+              <a:gd name="adj" fmla="val 4151"/>
+            </a:avLst>
+          </a:prstGeom>
+          <a:noFill/>
+          <a:ln>
+            <a:prstDash val="dash"/>
+          </a:ln>
+        </p:spPr>
+        <p:style>
+          <a:lnRef idx="2">
+            <a:schemeClr val="accent1">
+              <a:shade val="15000"/>
+            </a:schemeClr>
+          </a:lnRef>
+          <a:fillRef idx="1">
+            <a:schemeClr val="accent1"/>
+          </a:fillRef>
+          <a:effectRef idx="0">
+            <a:schemeClr val="accent1"/>
+          </a:effectRef>
+          <a:fontRef idx="minor">
+            <a:schemeClr val="lt1"/>
+          </a:fontRef>
+        </p:style>
+        <p:txBody>
+          <a:bodyPr rtlCol="0" anchor="ctr"/>
+          <a:lstStyle/>
+          <a:p>
+            <a:pPr algn="ctr"/>
+            <a:endParaRPr lang="en-US"/>
+          </a:p>
+        </p:txBody>
+      </p:sp>
+      <p:pic>
+        <p:nvPicPr>
+          <p:cNvPr id="24" name="Picture 4" descr="openai&quot; Icon - Download for free – Iconduck">
+            <a:extLst>
+              <a:ext uri="{FF2B5EF4-FFF2-40B4-BE49-F238E27FC236}">
+                <a16:creationId xmlns:a16="http://schemas.microsoft.com/office/drawing/2014/main" id="{8D2254CC-8037-E5DC-DF67-78543E5B6BF8}"/>
+              </a:ext>
+            </a:extLst>
+          </p:cNvPr>
+          <p:cNvPicPr>
+            <a:picLocks noChangeAspect="1" noChangeArrowheads="1"/>
+          </p:cNvPicPr>
+          <p:nvPr/>
+        </p:nvPicPr>
+        <p:blipFill>
+          <a:blip r:embed="rId3">
+            <a:extLst>
+              <a:ext uri="{28A0092B-C50C-407E-A947-70E740481C1C}">
+                <a14:useLocalDpi xmlns:a14="http://schemas.microsoft.com/office/drawing/2010/main" val="0"/>
+              </a:ext>
+            </a:extLst>
+          </a:blip>
+          <a:srcRect/>
+          <a:stretch>
+            <a:fillRect/>
+          </a:stretch>
+        </p:blipFill>
+        <p:spPr bwMode="auto">
+          <a:xfrm>
+            <a:off x="7611582" y="903345"/>
+            <a:ext cx="238322" cy="241527"/>
+          </a:xfrm>
+          <a:prstGeom prst="rect">
+            <a:avLst/>
+          </a:prstGeom>
+          <a:noFill/>
+          <a:extLst>
+            <a:ext uri="{909E8E84-426E-40DD-AFC4-6F175D3DCCD1}">
+              <a14:hiddenFill xmlns:a14="http://schemas.microsoft.com/office/drawing/2010/main">
+                <a:solidFill>
+                  <a:srgbClr val="FFFFFF"/>
+                </a:solidFill>
+              </a14:hiddenFill>
+            </a:ext>
+          </a:extLst>
+        </p:spPr>
+      </p:pic>
+      <p:sp>
+        <p:nvSpPr>
+          <p:cNvPr id="42" name="Rectangle 41">
+            <a:extLst>
+              <a:ext uri="{FF2B5EF4-FFF2-40B4-BE49-F238E27FC236}">
+                <a16:creationId xmlns:a16="http://schemas.microsoft.com/office/drawing/2014/main" id="{F7A1035E-7243-3419-8FBF-CDE67CBCAFEC}"/>
+              </a:ext>
+            </a:extLst>
+          </p:cNvPr>
+          <p:cNvSpPr/>
+          <p:nvPr/>
+        </p:nvSpPr>
+        <p:spPr>
+          <a:xfrm>
+            <a:off x="2709895" y="1893857"/>
+            <a:ext cx="725448" cy="200078"/>
+          </a:xfrm>
+          <a:prstGeom prst="rect">
+            <a:avLst/>
+          </a:prstGeom>
+        </p:spPr>
+        <p:style>
+          <a:lnRef idx="1">
+            <a:schemeClr val="accent3"/>
+          </a:lnRef>
+          <a:fillRef idx="2">
+            <a:schemeClr val="accent3"/>
+          </a:fillRef>
+          <a:effectRef idx="1">
+            <a:schemeClr val="accent3"/>
+          </a:effectRef>
+          <a:fontRef idx="minor">
+            <a:schemeClr val="dk1"/>
+          </a:fontRef>
+        </p:style>
+        <p:txBody>
+          <a:bodyPr rtlCol="0" anchor="ctr"/>
+          <a:lstStyle/>
+          <a:p>
+            <a:pPr algn="ctr"/>
+            <a:r>
+              <a:rPr lang="en-US" sz="1200" dirty="0"/>
+              <a:t>Sense</a:t>
+            </a:r>
+          </a:p>
+        </p:txBody>
+      </p:sp>
+      <p:cxnSp>
+        <p:nvCxnSpPr>
+          <p:cNvPr id="51" name="Straight Arrow Connector 50">
+            <a:extLst>
+              <a:ext uri="{FF2B5EF4-FFF2-40B4-BE49-F238E27FC236}">
+                <a16:creationId xmlns:a16="http://schemas.microsoft.com/office/drawing/2014/main" id="{9F084AB8-A102-BD9D-5B2B-D10973EE9B26}"/>
+              </a:ext>
+            </a:extLst>
+          </p:cNvPr>
+          <p:cNvCxnSpPr>
+            <a:cxnSpLocks/>
+            <a:endCxn id="15" idx="1"/>
+          </p:cNvCxnSpPr>
+          <p:nvPr/>
+        </p:nvCxnSpPr>
+        <p:spPr>
+          <a:xfrm>
+            <a:off x="1128437" y="1487481"/>
+            <a:ext cx="500245" cy="0"/>
+          </a:xfrm>
+          <a:prstGeom prst="straightConnector1">
+            <a:avLst/>
+          </a:prstGeom>
+          <a:ln>
+            <a:tailEnd type="triangle"/>
+          </a:ln>
+        </p:spPr>
+        <p:style>
+          <a:lnRef idx="1">
+            <a:schemeClr val="accent1"/>
+          </a:lnRef>
+          <a:fillRef idx="0">
+            <a:schemeClr val="accent1"/>
+          </a:fillRef>
+          <a:effectRef idx="0">
+            <a:schemeClr val="accent1"/>
+          </a:effectRef>
+          <a:fontRef idx="minor">
+            <a:schemeClr val="tx1"/>
+          </a:fontRef>
+        </p:style>
+      </p:cxnSp>
+      <p:cxnSp>
+        <p:nvCxnSpPr>
+          <p:cNvPr id="55" name="Elbow Connector 54">
+            <a:extLst>
+              <a:ext uri="{FF2B5EF4-FFF2-40B4-BE49-F238E27FC236}">
+                <a16:creationId xmlns:a16="http://schemas.microsoft.com/office/drawing/2014/main" id="{39502902-6A31-A332-5706-0198CE65CDFA}"/>
+              </a:ext>
+            </a:extLst>
+          </p:cNvPr>
+          <p:cNvCxnSpPr>
+            <a:cxnSpLocks/>
+            <a:endCxn id="42" idx="1"/>
+          </p:cNvCxnSpPr>
+          <p:nvPr/>
+        </p:nvCxnSpPr>
+        <p:spPr>
+          <a:xfrm rot="16200000" flipH="1">
+            <a:off x="2418124" y="1702124"/>
+            <a:ext cx="308843" cy="274699"/>
+          </a:xfrm>
+          <a:prstGeom prst="bentConnector2">
+            <a:avLst/>
+          </a:prstGeom>
+          <a:ln>
+            <a:tailEnd type="triangle"/>
+          </a:ln>
+        </p:spPr>
+        <p:style>
+          <a:lnRef idx="1">
+            <a:schemeClr val="accent1"/>
+          </a:lnRef>
+          <a:fillRef idx="0">
+            <a:schemeClr val="accent1"/>
+          </a:fillRef>
+          <a:effectRef idx="0">
+            <a:schemeClr val="accent1"/>
+          </a:effectRef>
+          <a:fontRef idx="minor">
+            <a:schemeClr val="tx1"/>
+          </a:fontRef>
+        </p:style>
+      </p:cxnSp>
+      <p:sp>
+        <p:nvSpPr>
+          <p:cNvPr id="58" name="TextBox 57">
+            <a:extLst>
+              <a:ext uri="{FF2B5EF4-FFF2-40B4-BE49-F238E27FC236}">
+                <a16:creationId xmlns:a16="http://schemas.microsoft.com/office/drawing/2014/main" id="{EBF20C15-3D4E-6400-5229-606024063B59}"/>
+              </a:ext>
+            </a:extLst>
+          </p:cNvPr>
+          <p:cNvSpPr txBox="1"/>
+          <p:nvPr/>
+        </p:nvSpPr>
+        <p:spPr>
+          <a:xfrm>
+            <a:off x="6552143" y="893051"/>
+            <a:ext cx="455253" cy="215444"/>
+          </a:xfrm>
+          <a:prstGeom prst="rect">
+            <a:avLst/>
+          </a:prstGeom>
+          <a:solidFill>
+            <a:schemeClr val="bg1"/>
+          </a:solidFill>
+        </p:spPr>
+        <p:txBody>
+          <a:bodyPr wrap="none" lIns="0" tIns="0" rIns="0" bIns="0" rtlCol="0">
+            <a:spAutoFit/>
+          </a:bodyPr>
+          <a:lstStyle>
+            <a:defPPr>
+              <a:defRPr lang="en-US"/>
+            </a:defPPr>
+            <a:lvl1pPr>
+              <a:defRPr sz="1400"/>
+            </a:lvl1pPr>
+          </a:lstStyle>
+          <a:p>
+            <a:r>
+              <a:rPr lang="en-US" dirty="0"/>
+              <a:t> LLMs </a:t>
+            </a:r>
+          </a:p>
+        </p:txBody>
+      </p:sp>
+      <p:sp>
+        <p:nvSpPr>
+          <p:cNvPr id="59" name="Rectangle 58">
+            <a:extLst>
+              <a:ext uri="{FF2B5EF4-FFF2-40B4-BE49-F238E27FC236}">
+                <a16:creationId xmlns:a16="http://schemas.microsoft.com/office/drawing/2014/main" id="{71A163C1-2F0F-5936-5744-A334BE016A34}"/>
+              </a:ext>
+            </a:extLst>
+          </p:cNvPr>
+          <p:cNvSpPr/>
+          <p:nvPr/>
+        </p:nvSpPr>
+        <p:spPr>
+          <a:xfrm rot="16200000">
+            <a:off x="-801406" y="3701452"/>
+            <a:ext cx="4259548" cy="203479"/>
+          </a:xfrm>
+          <a:prstGeom prst="rect">
+            <a:avLst/>
+          </a:prstGeom>
+        </p:spPr>
+        <p:style>
+          <a:lnRef idx="1">
+            <a:schemeClr val="accent3"/>
+          </a:lnRef>
+          <a:fillRef idx="2">
+            <a:schemeClr val="accent3"/>
+          </a:fillRef>
+          <a:effectRef idx="1">
+            <a:schemeClr val="accent3"/>
+          </a:effectRef>
+          <a:fontRef idx="minor">
+            <a:schemeClr val="dk1"/>
+          </a:fontRef>
+        </p:style>
+        <p:txBody>
+          <a:bodyPr rtlCol="0" anchor="ctr"/>
+          <a:lstStyle/>
+          <a:p>
+            <a:pPr algn="ctr"/>
+            <a:r>
+              <a:rPr lang="en-US" sz="1200" dirty="0"/>
+              <a:t>Memory</a:t>
+            </a:r>
+          </a:p>
+        </p:txBody>
+      </p:sp>
+      <p:sp>
+        <p:nvSpPr>
+          <p:cNvPr id="1025" name="Rectangle 1024">
+            <a:extLst>
+              <a:ext uri="{FF2B5EF4-FFF2-40B4-BE49-F238E27FC236}">
+                <a16:creationId xmlns:a16="http://schemas.microsoft.com/office/drawing/2014/main" id="{C608C2FA-04AE-8CDF-C65B-E0630AD85E12}"/>
+              </a:ext>
+            </a:extLst>
+          </p:cNvPr>
+          <p:cNvSpPr/>
+          <p:nvPr/>
+        </p:nvSpPr>
+        <p:spPr>
+          <a:xfrm>
+            <a:off x="3169888" y="2409455"/>
+            <a:ext cx="725448" cy="200078"/>
+          </a:xfrm>
+          <a:prstGeom prst="rect">
+            <a:avLst/>
+          </a:prstGeom>
+        </p:spPr>
+        <p:style>
+          <a:lnRef idx="1">
+            <a:schemeClr val="accent3"/>
+          </a:lnRef>
+          <a:fillRef idx="2">
+            <a:schemeClr val="accent3"/>
+          </a:fillRef>
+          <a:effectRef idx="1">
+            <a:schemeClr val="accent3"/>
+          </a:effectRef>
+          <a:fontRef idx="minor">
+            <a:schemeClr val="dk1"/>
+          </a:fontRef>
+        </p:style>
+        <p:txBody>
+          <a:bodyPr rtlCol="0" anchor="ctr"/>
+          <a:lstStyle/>
+          <a:p>
+            <a:pPr algn="ctr"/>
+            <a:r>
+              <a:rPr lang="en-US" sz="1200" dirty="0"/>
+              <a:t>Plan</a:t>
+            </a:r>
+          </a:p>
+        </p:txBody>
+      </p:sp>
+      <p:sp>
+        <p:nvSpPr>
+          <p:cNvPr id="1036" name="Rectangle 1035">
+            <a:extLst>
+              <a:ext uri="{FF2B5EF4-FFF2-40B4-BE49-F238E27FC236}">
+                <a16:creationId xmlns:a16="http://schemas.microsoft.com/office/drawing/2014/main" id="{85043760-D816-3F2E-76EE-0E7A6FB5D0BA}"/>
+              </a:ext>
+            </a:extLst>
+          </p:cNvPr>
+          <p:cNvSpPr/>
+          <p:nvPr/>
+        </p:nvSpPr>
+        <p:spPr>
+          <a:xfrm>
+            <a:off x="3169888" y="2867076"/>
+            <a:ext cx="725448" cy="200078"/>
+          </a:xfrm>
+          <a:prstGeom prst="rect">
+            <a:avLst/>
+          </a:prstGeom>
+        </p:spPr>
+        <p:style>
+          <a:lnRef idx="1">
+            <a:schemeClr val="accent3"/>
+          </a:lnRef>
+          <a:fillRef idx="2">
+            <a:schemeClr val="accent3"/>
+          </a:fillRef>
+          <a:effectRef idx="1">
+            <a:schemeClr val="accent3"/>
+          </a:effectRef>
+          <a:fontRef idx="minor">
+            <a:schemeClr val="dk1"/>
+          </a:fontRef>
+        </p:style>
+        <p:txBody>
+          <a:bodyPr rtlCol="0" anchor="ctr"/>
+          <a:lstStyle/>
+          <a:p>
+            <a:pPr algn="ctr"/>
+            <a:r>
+              <a:rPr lang="en-US" sz="1200" dirty="0"/>
+              <a:t>Tools</a:t>
+            </a:r>
+          </a:p>
+        </p:txBody>
+      </p:sp>
+      <p:sp>
+        <p:nvSpPr>
+          <p:cNvPr id="1037" name="Rectangle 1036">
+            <a:extLst>
+              <a:ext uri="{FF2B5EF4-FFF2-40B4-BE49-F238E27FC236}">
+                <a16:creationId xmlns:a16="http://schemas.microsoft.com/office/drawing/2014/main" id="{F520510A-C8D0-02BD-3276-8DFFAF16452D}"/>
+              </a:ext>
+            </a:extLst>
+          </p:cNvPr>
+          <p:cNvSpPr/>
+          <p:nvPr/>
+        </p:nvSpPr>
+        <p:spPr>
+          <a:xfrm>
+            <a:off x="3169888" y="3384653"/>
+            <a:ext cx="725448" cy="200078"/>
+          </a:xfrm>
+          <a:prstGeom prst="rect">
+            <a:avLst/>
+          </a:prstGeom>
+        </p:spPr>
+        <p:style>
+          <a:lnRef idx="1">
+            <a:schemeClr val="accent3"/>
+          </a:lnRef>
+          <a:fillRef idx="2">
+            <a:schemeClr val="accent3"/>
+          </a:fillRef>
+          <a:effectRef idx="1">
+            <a:schemeClr val="accent3"/>
+          </a:effectRef>
+          <a:fontRef idx="minor">
+            <a:schemeClr val="dk1"/>
+          </a:fontRef>
+        </p:style>
+        <p:txBody>
+          <a:bodyPr rtlCol="0" anchor="ctr"/>
+          <a:lstStyle/>
+          <a:p>
+            <a:pPr algn="ctr"/>
+            <a:r>
+              <a:rPr lang="en-US" sz="1200" dirty="0"/>
+              <a:t>Act</a:t>
+            </a:r>
+          </a:p>
+        </p:txBody>
+      </p:sp>
+      <p:sp>
+        <p:nvSpPr>
+          <p:cNvPr id="1046" name="Rectangle 1045">
+            <a:extLst>
+              <a:ext uri="{FF2B5EF4-FFF2-40B4-BE49-F238E27FC236}">
+                <a16:creationId xmlns:a16="http://schemas.microsoft.com/office/drawing/2014/main" id="{CEB7CA36-4531-7C1D-48E1-EE642C7C5756}"/>
+              </a:ext>
+            </a:extLst>
+          </p:cNvPr>
+          <p:cNvSpPr/>
+          <p:nvPr/>
+        </p:nvSpPr>
+        <p:spPr>
+          <a:xfrm>
+            <a:off x="3169888" y="3959760"/>
+            <a:ext cx="725448" cy="200078"/>
+          </a:xfrm>
+          <a:prstGeom prst="rect">
+            <a:avLst/>
+          </a:prstGeom>
+        </p:spPr>
+        <p:style>
+          <a:lnRef idx="1">
+            <a:schemeClr val="accent3"/>
+          </a:lnRef>
+          <a:fillRef idx="2">
+            <a:schemeClr val="accent3"/>
+          </a:fillRef>
+          <a:effectRef idx="1">
+            <a:schemeClr val="accent3"/>
+          </a:effectRef>
+          <a:fontRef idx="minor">
+            <a:schemeClr val="dk1"/>
+          </a:fontRef>
+        </p:style>
+        <p:txBody>
+          <a:bodyPr rtlCol="0" anchor="ctr"/>
+          <a:lstStyle/>
+          <a:p>
+            <a:pPr algn="ctr"/>
+            <a:r>
+              <a:rPr lang="en-US" sz="1200" dirty="0"/>
+              <a:t>Eval.</a:t>
+            </a:r>
+          </a:p>
+        </p:txBody>
+      </p:sp>
+      <p:sp>
+        <p:nvSpPr>
+          <p:cNvPr id="1047" name="Rectangle 1046">
+            <a:extLst>
+              <a:ext uri="{FF2B5EF4-FFF2-40B4-BE49-F238E27FC236}">
+                <a16:creationId xmlns:a16="http://schemas.microsoft.com/office/drawing/2014/main" id="{26045E4E-5755-F5F4-F1A3-48515595E8A6}"/>
+              </a:ext>
+            </a:extLst>
+          </p:cNvPr>
+          <p:cNvSpPr/>
+          <p:nvPr/>
+        </p:nvSpPr>
+        <p:spPr>
+          <a:xfrm>
+            <a:off x="3163849" y="4552607"/>
+            <a:ext cx="725448" cy="200078"/>
+          </a:xfrm>
+          <a:prstGeom prst="rect">
+            <a:avLst/>
+          </a:prstGeom>
+        </p:spPr>
+        <p:style>
+          <a:lnRef idx="1">
+            <a:schemeClr val="accent3"/>
+          </a:lnRef>
+          <a:fillRef idx="2">
+            <a:schemeClr val="accent3"/>
+          </a:fillRef>
+          <a:effectRef idx="1">
+            <a:schemeClr val="accent3"/>
+          </a:effectRef>
+          <a:fontRef idx="minor">
+            <a:schemeClr val="dk1"/>
+          </a:fontRef>
+        </p:style>
+        <p:txBody>
+          <a:bodyPr rtlCol="0" anchor="ctr"/>
+          <a:lstStyle/>
+          <a:p>
+            <a:pPr algn="ctr"/>
+            <a:r>
+              <a:rPr lang="en-US" sz="1200" dirty="0"/>
+              <a:t>Learn</a:t>
+            </a:r>
+          </a:p>
+        </p:txBody>
+      </p:sp>
+      <p:sp>
+        <p:nvSpPr>
+          <p:cNvPr id="1048" name="Rectangle 1047">
+            <a:extLst>
+              <a:ext uri="{FF2B5EF4-FFF2-40B4-BE49-F238E27FC236}">
+                <a16:creationId xmlns:a16="http://schemas.microsoft.com/office/drawing/2014/main" id="{9CD02B84-410D-9AC7-0BFF-4A11EECC2704}"/>
+              </a:ext>
+            </a:extLst>
+          </p:cNvPr>
+          <p:cNvSpPr/>
+          <p:nvPr/>
+        </p:nvSpPr>
+        <p:spPr>
+          <a:xfrm>
+            <a:off x="3159486" y="5093243"/>
+            <a:ext cx="725448" cy="200078"/>
+          </a:xfrm>
+          <a:prstGeom prst="rect">
+            <a:avLst/>
+          </a:prstGeom>
+        </p:spPr>
+        <p:style>
+          <a:lnRef idx="1">
+            <a:schemeClr val="accent3"/>
+          </a:lnRef>
+          <a:fillRef idx="2">
+            <a:schemeClr val="accent3"/>
+          </a:fillRef>
+          <a:effectRef idx="1">
+            <a:schemeClr val="accent3"/>
+          </a:effectRef>
+          <a:fontRef idx="minor">
+            <a:schemeClr val="dk1"/>
+          </a:fontRef>
+        </p:style>
+        <p:txBody>
+          <a:bodyPr rtlCol="0" anchor="ctr"/>
+          <a:lstStyle/>
+          <a:p>
+            <a:pPr algn="ctr"/>
+            <a:r>
+              <a:rPr lang="en-US" sz="1200" dirty="0"/>
+              <a:t>Respond</a:t>
+            </a:r>
+          </a:p>
+        </p:txBody>
+      </p:sp>
+      <p:cxnSp>
+        <p:nvCxnSpPr>
+          <p:cNvPr id="1060" name="Straight Arrow Connector 1059">
+            <a:extLst>
+              <a:ext uri="{FF2B5EF4-FFF2-40B4-BE49-F238E27FC236}">
+                <a16:creationId xmlns:a16="http://schemas.microsoft.com/office/drawing/2014/main" id="{D3C7CB20-ADD5-6DB5-BB8C-A262A56661EC}"/>
+              </a:ext>
+            </a:extLst>
+          </p:cNvPr>
+          <p:cNvCxnSpPr>
+            <a:cxnSpLocks/>
+            <a:stCxn id="1025" idx="2"/>
+            <a:endCxn id="1036" idx="0"/>
+          </p:cNvCxnSpPr>
+          <p:nvPr/>
+        </p:nvCxnSpPr>
+        <p:spPr>
+          <a:xfrm>
+            <a:off x="3532612" y="2609533"/>
+            <a:ext cx="0" cy="257543"/>
+          </a:xfrm>
+          <a:prstGeom prst="straightConnector1">
+            <a:avLst/>
+          </a:prstGeom>
+          <a:ln>
+            <a:tailEnd type="triangle"/>
+          </a:ln>
+        </p:spPr>
+        <p:style>
+          <a:lnRef idx="1">
+            <a:schemeClr val="accent1"/>
+          </a:lnRef>
+          <a:fillRef idx="0">
+            <a:schemeClr val="accent1"/>
+          </a:fillRef>
+          <a:effectRef idx="0">
+            <a:schemeClr val="accent1"/>
+          </a:effectRef>
+          <a:fontRef idx="minor">
+            <a:schemeClr val="tx1"/>
+          </a:fontRef>
+        </p:style>
+      </p:cxnSp>
+      <p:cxnSp>
+        <p:nvCxnSpPr>
+          <p:cNvPr id="1063" name="Straight Arrow Connector 1062">
+            <a:extLst>
+              <a:ext uri="{FF2B5EF4-FFF2-40B4-BE49-F238E27FC236}">
+                <a16:creationId xmlns:a16="http://schemas.microsoft.com/office/drawing/2014/main" id="{CBC45BB0-179B-53FF-98F9-2587D33CD69D}"/>
+              </a:ext>
+            </a:extLst>
+          </p:cNvPr>
+          <p:cNvCxnSpPr>
+            <a:cxnSpLocks/>
+            <a:stCxn id="1036" idx="2"/>
+            <a:endCxn id="1037" idx="0"/>
+          </p:cNvCxnSpPr>
+          <p:nvPr/>
+        </p:nvCxnSpPr>
+        <p:spPr>
+          <a:xfrm>
+            <a:off x="3532612" y="3067154"/>
+            <a:ext cx="0" cy="317499"/>
+          </a:xfrm>
+          <a:prstGeom prst="straightConnector1">
+            <a:avLst/>
+          </a:prstGeom>
+          <a:ln>
+            <a:tailEnd type="triangle"/>
+          </a:ln>
+        </p:spPr>
+        <p:style>
+          <a:lnRef idx="1">
+            <a:schemeClr val="accent1"/>
+          </a:lnRef>
+          <a:fillRef idx="0">
+            <a:schemeClr val="accent1"/>
+          </a:fillRef>
+          <a:effectRef idx="0">
+            <a:schemeClr val="accent1"/>
+          </a:effectRef>
+          <a:fontRef idx="minor">
+            <a:schemeClr val="tx1"/>
+          </a:fontRef>
+        </p:style>
+      </p:cxnSp>
+      <p:cxnSp>
+        <p:nvCxnSpPr>
+          <p:cNvPr id="1066" name="Straight Arrow Connector 1065">
+            <a:extLst>
+              <a:ext uri="{FF2B5EF4-FFF2-40B4-BE49-F238E27FC236}">
+                <a16:creationId xmlns:a16="http://schemas.microsoft.com/office/drawing/2014/main" id="{3AC243A3-33EC-D7CC-5C27-DD2B20357566}"/>
+              </a:ext>
+            </a:extLst>
+          </p:cNvPr>
+          <p:cNvCxnSpPr>
+            <a:cxnSpLocks/>
+            <a:stCxn id="1037" idx="2"/>
+            <a:endCxn id="1046" idx="0"/>
+          </p:cNvCxnSpPr>
+          <p:nvPr/>
+        </p:nvCxnSpPr>
+        <p:spPr>
+          <a:xfrm>
+            <a:off x="3532612" y="3584731"/>
+            <a:ext cx="0" cy="375029"/>
+          </a:xfrm>
+          <a:prstGeom prst="straightConnector1">
+            <a:avLst/>
+          </a:prstGeom>
+          <a:ln>
+            <a:tailEnd type="triangle"/>
+          </a:ln>
+        </p:spPr>
+        <p:style>
+          <a:lnRef idx="1">
+            <a:schemeClr val="accent1"/>
+          </a:lnRef>
+          <a:fillRef idx="0">
+            <a:schemeClr val="accent1"/>
+          </a:fillRef>
+          <a:effectRef idx="0">
+            <a:schemeClr val="accent1"/>
+          </a:effectRef>
+          <a:fontRef idx="minor">
+            <a:schemeClr val="tx1"/>
+          </a:fontRef>
+        </p:style>
+      </p:cxnSp>
+      <p:cxnSp>
+        <p:nvCxnSpPr>
+          <p:cNvPr id="1069" name="Straight Arrow Connector 1068">
+            <a:extLst>
+              <a:ext uri="{FF2B5EF4-FFF2-40B4-BE49-F238E27FC236}">
+                <a16:creationId xmlns:a16="http://schemas.microsoft.com/office/drawing/2014/main" id="{80C03E4B-40B1-0A4D-4261-AD0EB3555EA0}"/>
+              </a:ext>
+            </a:extLst>
+          </p:cNvPr>
+          <p:cNvCxnSpPr>
+            <a:cxnSpLocks/>
+            <a:stCxn id="1046" idx="2"/>
+            <a:endCxn id="1047" idx="0"/>
+          </p:cNvCxnSpPr>
+          <p:nvPr/>
+        </p:nvCxnSpPr>
+        <p:spPr>
+          <a:xfrm flipH="1">
+            <a:off x="3526573" y="4159838"/>
+            <a:ext cx="6039" cy="392769"/>
+          </a:xfrm>
+          <a:prstGeom prst="straightConnector1">
+            <a:avLst/>
+          </a:prstGeom>
+          <a:ln>
+            <a:tailEnd type="triangle"/>
+          </a:ln>
+        </p:spPr>
+        <p:style>
+          <a:lnRef idx="1">
+            <a:schemeClr val="accent1"/>
+          </a:lnRef>
+          <a:fillRef idx="0">
+            <a:schemeClr val="accent1"/>
+          </a:fillRef>
+          <a:effectRef idx="0">
+            <a:schemeClr val="accent1"/>
+          </a:effectRef>
+          <a:fontRef idx="minor">
+            <a:schemeClr val="tx1"/>
+          </a:fontRef>
+        </p:style>
+      </p:cxnSp>
+      <p:cxnSp>
+        <p:nvCxnSpPr>
+          <p:cNvPr id="1074" name="Straight Arrow Connector 1073">
+            <a:extLst>
+              <a:ext uri="{FF2B5EF4-FFF2-40B4-BE49-F238E27FC236}">
+                <a16:creationId xmlns:a16="http://schemas.microsoft.com/office/drawing/2014/main" id="{00C37EF6-4B54-A22B-4E11-422732C71671}"/>
+              </a:ext>
+            </a:extLst>
+          </p:cNvPr>
+          <p:cNvCxnSpPr>
+            <a:cxnSpLocks/>
+            <a:stCxn id="1047" idx="2"/>
+            <a:endCxn id="1048" idx="0"/>
+          </p:cNvCxnSpPr>
+          <p:nvPr/>
+        </p:nvCxnSpPr>
+        <p:spPr>
+          <a:xfrm flipH="1">
+            <a:off x="3522210" y="4752685"/>
+            <a:ext cx="4363" cy="340558"/>
+          </a:xfrm>
+          <a:prstGeom prst="straightConnector1">
+            <a:avLst/>
+          </a:prstGeom>
+          <a:ln>
+            <a:tailEnd type="triangle"/>
+          </a:ln>
+        </p:spPr>
+        <p:style>
+          <a:lnRef idx="1">
+            <a:schemeClr val="accent1"/>
+          </a:lnRef>
+          <a:fillRef idx="0">
+            <a:schemeClr val="accent1"/>
+          </a:fillRef>
+          <a:effectRef idx="0">
+            <a:schemeClr val="accent1"/>
+          </a:effectRef>
+          <a:fontRef idx="minor">
+            <a:schemeClr val="tx1"/>
+          </a:fontRef>
+        </p:style>
+      </p:cxnSp>
+      <p:sp>
+        <p:nvSpPr>
+          <p:cNvPr id="1077" name="Rounded Rectangle 1076">
+            <a:extLst>
+              <a:ext uri="{FF2B5EF4-FFF2-40B4-BE49-F238E27FC236}">
+                <a16:creationId xmlns:a16="http://schemas.microsoft.com/office/drawing/2014/main" id="{C56D120D-97DC-349F-ABC6-9659CADF4023}"/>
+              </a:ext>
+            </a:extLst>
+          </p:cNvPr>
+          <p:cNvSpPr/>
+          <p:nvPr/>
+        </p:nvSpPr>
+        <p:spPr>
+          <a:xfrm>
+            <a:off x="5949023" y="1147056"/>
+            <a:ext cx="1654626" cy="270297"/>
+          </a:xfrm>
+          <a:prstGeom prst="roundRect">
+            <a:avLst>
+              <a:gd name="adj" fmla="val 4208"/>
+            </a:avLst>
+          </a:prstGeom>
+        </p:spPr>
+        <p:style>
+          <a:lnRef idx="2">
+            <a:schemeClr val="accent1">
+              <a:shade val="15000"/>
+            </a:schemeClr>
+          </a:lnRef>
+          <a:fillRef idx="1">
+            <a:schemeClr val="accent1"/>
+          </a:fillRef>
+          <a:effectRef idx="0">
+            <a:schemeClr val="accent1"/>
+          </a:effectRef>
+          <a:fontRef idx="minor">
+            <a:schemeClr val="lt1"/>
+          </a:fontRef>
+        </p:style>
+        <p:txBody>
+          <a:bodyPr rtlCol="0" anchor="ctr"/>
+          <a:lstStyle/>
+          <a:p>
+            <a:pPr algn="ctr"/>
+            <a:r>
+              <a:rPr lang="en-US" sz="1100" dirty="0"/>
+              <a:t>Gpt-4o-mini</a:t>
+            </a:r>
+          </a:p>
+        </p:txBody>
+      </p:sp>
+      <p:sp>
+        <p:nvSpPr>
+          <p:cNvPr id="1084" name="Rounded Rectangle 1083">
+            <a:extLst>
+              <a:ext uri="{FF2B5EF4-FFF2-40B4-BE49-F238E27FC236}">
+                <a16:creationId xmlns:a16="http://schemas.microsoft.com/office/drawing/2014/main" id="{229E1CF3-EEA1-2719-7768-BD2F5223D91F}"/>
+              </a:ext>
+            </a:extLst>
+          </p:cNvPr>
+          <p:cNvSpPr/>
+          <p:nvPr/>
+        </p:nvSpPr>
+        <p:spPr>
+          <a:xfrm>
+            <a:off x="5951666" y="1482236"/>
+            <a:ext cx="1658314" cy="270297"/>
+          </a:xfrm>
+          <a:prstGeom prst="roundRect">
+            <a:avLst>
+              <a:gd name="adj" fmla="val 4208"/>
+            </a:avLst>
+          </a:prstGeom>
+        </p:spPr>
+        <p:style>
+          <a:lnRef idx="2">
+            <a:schemeClr val="accent1">
+              <a:shade val="15000"/>
+            </a:schemeClr>
+          </a:lnRef>
+          <a:fillRef idx="1">
+            <a:schemeClr val="accent1"/>
+          </a:fillRef>
+          <a:effectRef idx="0">
+            <a:schemeClr val="accent1"/>
+          </a:effectRef>
+          <a:fontRef idx="minor">
+            <a:schemeClr val="lt1"/>
+          </a:fontRef>
+        </p:style>
+        <p:txBody>
+          <a:bodyPr rtlCol="0" anchor="ctr"/>
+          <a:lstStyle/>
+          <a:p>
+            <a:pPr algn="ctr"/>
+            <a:r>
+              <a:rPr lang="en-US" sz="1100" dirty="0"/>
+              <a:t>Gpt-4o</a:t>
+            </a:r>
+          </a:p>
+        </p:txBody>
+      </p:sp>
+      <p:sp>
+        <p:nvSpPr>
+          <p:cNvPr id="1085" name="Rounded Rectangle 1084">
+            <a:extLst>
+              <a:ext uri="{FF2B5EF4-FFF2-40B4-BE49-F238E27FC236}">
+                <a16:creationId xmlns:a16="http://schemas.microsoft.com/office/drawing/2014/main" id="{939CEF6B-D7B7-5CB7-BA4C-7EBF430A2AFF}"/>
+              </a:ext>
+            </a:extLst>
+          </p:cNvPr>
+          <p:cNvSpPr/>
+          <p:nvPr/>
+        </p:nvSpPr>
+        <p:spPr>
+          <a:xfrm>
+            <a:off x="5951666" y="1817781"/>
+            <a:ext cx="1658314" cy="270297"/>
+          </a:xfrm>
+          <a:prstGeom prst="roundRect">
+            <a:avLst>
+              <a:gd name="adj" fmla="val 4208"/>
+            </a:avLst>
+          </a:prstGeom>
+        </p:spPr>
+        <p:style>
+          <a:lnRef idx="2">
+            <a:schemeClr val="accent1">
+              <a:shade val="15000"/>
+            </a:schemeClr>
+          </a:lnRef>
+          <a:fillRef idx="1">
+            <a:schemeClr val="accent1"/>
+          </a:fillRef>
+          <a:effectRef idx="0">
+            <a:schemeClr val="accent1"/>
+          </a:effectRef>
+          <a:fontRef idx="minor">
+            <a:schemeClr val="lt1"/>
+          </a:fontRef>
+        </p:style>
+        <p:txBody>
+          <a:bodyPr rtlCol="0" anchor="ctr"/>
+          <a:lstStyle/>
+          <a:p>
+            <a:pPr algn="ctr"/>
+            <a:r>
+              <a:rPr lang="en-US" sz="1100" dirty="0"/>
+              <a:t>…</a:t>
+            </a:r>
+          </a:p>
+        </p:txBody>
+      </p:sp>
+      <p:cxnSp>
+        <p:nvCxnSpPr>
+          <p:cNvPr id="1087" name="Elbow Connector 1086">
+            <a:extLst>
+              <a:ext uri="{FF2B5EF4-FFF2-40B4-BE49-F238E27FC236}">
+                <a16:creationId xmlns:a16="http://schemas.microsoft.com/office/drawing/2014/main" id="{B596524C-92A8-1EF7-2EDA-64785AD9D615}"/>
+              </a:ext>
+            </a:extLst>
+          </p:cNvPr>
+          <p:cNvCxnSpPr>
+            <a:cxnSpLocks/>
+            <a:stCxn id="1025" idx="3"/>
+            <a:endCxn id="22" idx="1"/>
+          </p:cNvCxnSpPr>
+          <p:nvPr/>
+        </p:nvCxnSpPr>
+        <p:spPr>
+          <a:xfrm flipV="1">
+            <a:off x="3895336" y="1587663"/>
+            <a:ext cx="1941527" cy="921831"/>
+          </a:xfrm>
+          <a:prstGeom prst="bentConnector3">
+            <a:avLst/>
+          </a:prstGeom>
+          <a:ln>
+            <a:headEnd type="triangle"/>
+            <a:tailEnd type="triangle"/>
+          </a:ln>
+        </p:spPr>
+        <p:style>
+          <a:lnRef idx="1">
+            <a:schemeClr val="accent1"/>
+          </a:lnRef>
+          <a:fillRef idx="0">
+            <a:schemeClr val="accent1"/>
+          </a:fillRef>
+          <a:effectRef idx="0">
+            <a:schemeClr val="accent1"/>
+          </a:effectRef>
+          <a:fontRef idx="minor">
+            <a:schemeClr val="tx1"/>
+          </a:fontRef>
+        </p:style>
+      </p:cxnSp>
+      <p:cxnSp>
+        <p:nvCxnSpPr>
+          <p:cNvPr id="1089" name="Elbow Connector 1088">
+            <a:extLst>
+              <a:ext uri="{FF2B5EF4-FFF2-40B4-BE49-F238E27FC236}">
+                <a16:creationId xmlns:a16="http://schemas.microsoft.com/office/drawing/2014/main" id="{0ABF653E-F24B-00BE-2DC4-10CC1D1C8B40}"/>
+              </a:ext>
+            </a:extLst>
+          </p:cNvPr>
+          <p:cNvCxnSpPr>
+            <a:cxnSpLocks/>
+            <a:stCxn id="42" idx="2"/>
+            <a:endCxn id="1099" idx="0"/>
+          </p:cNvCxnSpPr>
+          <p:nvPr/>
+        </p:nvCxnSpPr>
+        <p:spPr>
+          <a:xfrm rot="16200000" flipH="1">
+            <a:off x="3208963" y="1957591"/>
+            <a:ext cx="208803" cy="481490"/>
+          </a:xfrm>
+          <a:prstGeom prst="bentConnector3">
+            <a:avLst>
+              <a:gd name="adj1" fmla="val 50000"/>
+            </a:avLst>
+          </a:prstGeom>
+          <a:ln>
+            <a:tailEnd type="triangle"/>
+          </a:ln>
+        </p:spPr>
+        <p:style>
+          <a:lnRef idx="1">
+            <a:schemeClr val="accent1"/>
+          </a:lnRef>
+          <a:fillRef idx="0">
+            <a:schemeClr val="accent1"/>
+          </a:fillRef>
+          <a:effectRef idx="0">
+            <a:schemeClr val="accent1"/>
+          </a:effectRef>
+          <a:fontRef idx="minor">
+            <a:schemeClr val="tx1"/>
+          </a:fontRef>
+        </p:style>
+      </p:cxnSp>
+      <p:sp>
+        <p:nvSpPr>
+          <p:cNvPr id="1099" name="Rectangle 1098">
+            <a:extLst>
+              <a:ext uri="{FF2B5EF4-FFF2-40B4-BE49-F238E27FC236}">
+                <a16:creationId xmlns:a16="http://schemas.microsoft.com/office/drawing/2014/main" id="{719BBCD5-B53A-8A9B-6E74-1E94E278CF5E}"/>
+              </a:ext>
+            </a:extLst>
+          </p:cNvPr>
+          <p:cNvSpPr/>
+          <p:nvPr/>
+        </p:nvSpPr>
+        <p:spPr>
+          <a:xfrm>
+            <a:off x="2953274" y="2302738"/>
+            <a:ext cx="1201670" cy="3067733"/>
+          </a:xfrm>
+          <a:prstGeom prst="rect">
+            <a:avLst/>
+          </a:prstGeom>
+          <a:noFill/>
+          <a:ln w="6350">
+            <a:solidFill>
+              <a:schemeClr val="tx1">
+                <a:lumMod val="50000"/>
+                <a:lumOff val="50000"/>
+              </a:schemeClr>
+            </a:solidFill>
+            <a:prstDash val="dashDot"/>
+          </a:ln>
+        </p:spPr>
+        <p:style>
+          <a:lnRef idx="2">
+            <a:schemeClr val="accent1">
+              <a:shade val="15000"/>
+            </a:schemeClr>
+          </a:lnRef>
+          <a:fillRef idx="1">
+            <a:schemeClr val="accent1"/>
+          </a:fillRef>
+          <a:effectRef idx="0">
+            <a:schemeClr val="accent1"/>
+          </a:effectRef>
+          <a:fontRef idx="minor">
+            <a:schemeClr val="lt1"/>
+          </a:fontRef>
+        </p:style>
+        <p:txBody>
+          <a:bodyPr rtlCol="0" anchor="ctr"/>
+          <a:lstStyle/>
+          <a:p>
+            <a:pPr algn="ctr"/>
+            <a:endParaRPr lang="en-US"/>
+          </a:p>
+        </p:txBody>
+      </p:sp>
+      <p:pic>
+        <p:nvPicPr>
+          <p:cNvPr id="1117" name="Picture 12" descr="Json file - Free interface icons">
+            <a:extLst>
+              <a:ext uri="{FF2B5EF4-FFF2-40B4-BE49-F238E27FC236}">
+                <a16:creationId xmlns:a16="http://schemas.microsoft.com/office/drawing/2014/main" id="{378F0A95-A848-B5F5-A9D5-C19E3CFF9719}"/>
+              </a:ext>
+            </a:extLst>
+          </p:cNvPr>
+          <p:cNvPicPr>
+            <a:picLocks noChangeAspect="1" noChangeArrowheads="1"/>
+          </p:cNvPicPr>
+          <p:nvPr/>
+        </p:nvPicPr>
+        <p:blipFill>
+          <a:blip r:embed="rId5">
+            <a:extLst>
+              <a:ext uri="{28A0092B-C50C-407E-A947-70E740481C1C}">
+                <a14:useLocalDpi xmlns:a14="http://schemas.microsoft.com/office/drawing/2010/main" val="0"/>
+              </a:ext>
+            </a:extLst>
+          </a:blip>
+          <a:srcRect/>
+          <a:stretch>
+            <a:fillRect/>
+          </a:stretch>
+        </p:blipFill>
+        <p:spPr bwMode="auto">
+          <a:xfrm>
+            <a:off x="7135499" y="3812969"/>
+            <a:ext cx="489302" cy="489302"/>
+          </a:xfrm>
+          <a:prstGeom prst="rect">
+            <a:avLst/>
+          </a:prstGeom>
+          <a:noFill/>
+          <a:extLst>
+            <a:ext uri="{909E8E84-426E-40DD-AFC4-6F175D3DCCD1}">
+              <a14:hiddenFill xmlns:a14="http://schemas.microsoft.com/office/drawing/2010/main">
+                <a:solidFill>
+                  <a:srgbClr val="FFFFFF"/>
+                </a:solidFill>
+              </a14:hiddenFill>
+            </a:ext>
+          </a:extLst>
+        </p:spPr>
+      </p:pic>
+      <p:pic>
+        <p:nvPicPr>
+          <p:cNvPr id="1119" name="Picture 14" descr="file pdf&quot; Icon - Download for free ...">
+            <a:extLst>
+              <a:ext uri="{FF2B5EF4-FFF2-40B4-BE49-F238E27FC236}">
+                <a16:creationId xmlns:a16="http://schemas.microsoft.com/office/drawing/2014/main" id="{2EC86083-4C01-FC70-477F-D7CD2F05C82B}"/>
+              </a:ext>
+            </a:extLst>
+          </p:cNvPr>
+          <p:cNvPicPr>
+            <a:picLocks noChangeAspect="1" noChangeArrowheads="1"/>
+          </p:cNvPicPr>
+          <p:nvPr/>
+        </p:nvPicPr>
+        <p:blipFill>
+          <a:blip r:embed="rId6">
+            <a:extLst>
+              <a:ext uri="{28A0092B-C50C-407E-A947-70E740481C1C}">
+                <a14:useLocalDpi xmlns:a14="http://schemas.microsoft.com/office/drawing/2010/main" val="0"/>
+              </a:ext>
+            </a:extLst>
+          </a:blip>
+          <a:srcRect/>
+          <a:stretch>
+            <a:fillRect/>
+          </a:stretch>
+        </p:blipFill>
+        <p:spPr bwMode="auto">
+          <a:xfrm>
+            <a:off x="7184658" y="3089861"/>
+            <a:ext cx="440143" cy="498550"/>
+          </a:xfrm>
+          <a:prstGeom prst="rect">
+            <a:avLst/>
+          </a:prstGeom>
+          <a:noFill/>
+          <a:extLst>
+            <a:ext uri="{909E8E84-426E-40DD-AFC4-6F175D3DCCD1}">
+              <a14:hiddenFill xmlns:a14="http://schemas.microsoft.com/office/drawing/2010/main">
+                <a:solidFill>
+                  <a:srgbClr val="FFFFFF"/>
+                </a:solidFill>
+              </a14:hiddenFill>
+            </a:ext>
+          </a:extLst>
+        </p:spPr>
+      </p:pic>
+      <p:sp>
+        <p:nvSpPr>
+          <p:cNvPr id="1120" name="Rounded Rectangle 1119">
+            <a:extLst>
+              <a:ext uri="{FF2B5EF4-FFF2-40B4-BE49-F238E27FC236}">
+                <a16:creationId xmlns:a16="http://schemas.microsoft.com/office/drawing/2014/main" id="{EE2AEB73-BA3D-51B6-F47A-792A22124E97}"/>
+              </a:ext>
+            </a:extLst>
+          </p:cNvPr>
+          <p:cNvSpPr/>
+          <p:nvPr/>
+        </p:nvSpPr>
+        <p:spPr>
+          <a:xfrm>
+            <a:off x="5819381" y="2322954"/>
+            <a:ext cx="876339" cy="2648516"/>
+          </a:xfrm>
+          <a:prstGeom prst="roundRect">
+            <a:avLst>
+              <a:gd name="adj" fmla="val 4151"/>
+            </a:avLst>
+          </a:prstGeom>
+          <a:noFill/>
+          <a:ln>
+            <a:prstDash val="dash"/>
+          </a:ln>
+        </p:spPr>
+        <p:style>
+          <a:lnRef idx="2">
+            <a:schemeClr val="accent1">
+              <a:shade val="15000"/>
+            </a:schemeClr>
+          </a:lnRef>
+          <a:fillRef idx="1">
+            <a:schemeClr val="accent1"/>
+          </a:fillRef>
+          <a:effectRef idx="0">
+            <a:schemeClr val="accent1"/>
+          </a:effectRef>
+          <a:fontRef idx="minor">
+            <a:schemeClr val="lt1"/>
+          </a:fontRef>
+        </p:style>
+        <p:txBody>
+          <a:bodyPr rtlCol="0" anchor="ctr"/>
+          <a:lstStyle/>
+          <a:p>
+            <a:pPr algn="ctr"/>
+            <a:endParaRPr lang="en-US"/>
+          </a:p>
+        </p:txBody>
+      </p:sp>
+      <p:sp>
+        <p:nvSpPr>
+          <p:cNvPr id="1121" name="TextBox 1120">
+            <a:extLst>
+              <a:ext uri="{FF2B5EF4-FFF2-40B4-BE49-F238E27FC236}">
+                <a16:creationId xmlns:a16="http://schemas.microsoft.com/office/drawing/2014/main" id="{FDB01E67-C7A7-E6B9-F02A-6331EDE98865}"/>
+              </a:ext>
+            </a:extLst>
+          </p:cNvPr>
+          <p:cNvSpPr txBox="1"/>
+          <p:nvPr/>
+        </p:nvSpPr>
+        <p:spPr>
+          <a:xfrm>
+            <a:off x="7052409" y="2181006"/>
+            <a:ext cx="555428" cy="261610"/>
+          </a:xfrm>
+          <a:prstGeom prst="rect">
+            <a:avLst/>
+          </a:prstGeom>
+          <a:solidFill>
+            <a:schemeClr val="bg1"/>
+          </a:solidFill>
+        </p:spPr>
+        <p:txBody>
+          <a:bodyPr wrap="square">
+            <a:spAutoFit/>
+          </a:bodyPr>
+          <a:lstStyle/>
+          <a:p>
+            <a:pPr algn="ctr"/>
+            <a:r>
+              <a:rPr lang="en-US" sz="1100" b="0" i="0" dirty="0">
+                <a:effectLst/>
+                <a:latin typeface="OpenAI Sans"/>
+              </a:rPr>
+              <a:t>Reads</a:t>
+            </a:r>
+            <a:endParaRPr lang="en-US" sz="1100" dirty="0"/>
+          </a:p>
+        </p:txBody>
+      </p:sp>
+      <p:pic>
+        <p:nvPicPr>
+          <p:cNvPr id="1123" name="Picture 16" descr="File Search icon SVG Vector &amp; PNG Free ...">
+            <a:extLst>
+              <a:ext uri="{FF2B5EF4-FFF2-40B4-BE49-F238E27FC236}">
+                <a16:creationId xmlns:a16="http://schemas.microsoft.com/office/drawing/2014/main" id="{2E5DEDA8-FA84-1E88-AA52-95B33AE0B692}"/>
+              </a:ext>
+            </a:extLst>
+          </p:cNvPr>
+          <p:cNvPicPr>
+            <a:picLocks noChangeAspect="1" noChangeArrowheads="1"/>
+          </p:cNvPicPr>
+          <p:nvPr/>
+        </p:nvPicPr>
+        <p:blipFill>
+          <a:blip r:embed="rId7">
+            <a:extLst>
+              <a:ext uri="{28A0092B-C50C-407E-A947-70E740481C1C}">
+                <a14:useLocalDpi xmlns:a14="http://schemas.microsoft.com/office/drawing/2010/main" val="0"/>
+              </a:ext>
+            </a:extLst>
+          </a:blip>
+          <a:srcRect/>
+          <a:stretch>
+            <a:fillRect/>
+          </a:stretch>
+        </p:blipFill>
+        <p:spPr bwMode="auto">
+          <a:xfrm>
+            <a:off x="6061839" y="2498404"/>
+            <a:ext cx="455305" cy="529730"/>
+          </a:xfrm>
+          <a:prstGeom prst="rect">
+            <a:avLst/>
+          </a:prstGeom>
+          <a:noFill/>
+          <a:extLst>
+            <a:ext uri="{909E8E84-426E-40DD-AFC4-6F175D3DCCD1}">
+              <a14:hiddenFill xmlns:a14="http://schemas.microsoft.com/office/drawing/2010/main">
+                <a:solidFill>
+                  <a:srgbClr val="FFFFFF"/>
+                </a:solidFill>
+              </a14:hiddenFill>
+            </a:ext>
+          </a:extLst>
+        </p:spPr>
+      </p:pic>
+      <p:sp>
+        <p:nvSpPr>
+          <p:cNvPr id="1124" name="TextBox 1123">
+            <a:extLst>
+              <a:ext uri="{FF2B5EF4-FFF2-40B4-BE49-F238E27FC236}">
+                <a16:creationId xmlns:a16="http://schemas.microsoft.com/office/drawing/2014/main" id="{5323EB6B-D532-4E61-D218-2F5B792CD5DF}"/>
+              </a:ext>
+            </a:extLst>
+          </p:cNvPr>
+          <p:cNvSpPr txBox="1"/>
+          <p:nvPr/>
+        </p:nvSpPr>
+        <p:spPr>
+          <a:xfrm>
+            <a:off x="5969268" y="2202211"/>
+            <a:ext cx="555428" cy="261610"/>
+          </a:xfrm>
+          <a:prstGeom prst="rect">
+            <a:avLst/>
+          </a:prstGeom>
+          <a:solidFill>
+            <a:schemeClr val="bg1"/>
+          </a:solidFill>
+        </p:spPr>
+        <p:txBody>
+          <a:bodyPr wrap="square">
+            <a:spAutoFit/>
+          </a:bodyPr>
+          <a:lstStyle/>
+          <a:p>
+            <a:pPr algn="ctr"/>
+            <a:r>
+              <a:rPr lang="en-US" sz="1100" b="0" i="0" dirty="0">
+                <a:effectLst/>
+                <a:latin typeface="OpenAI Sans"/>
+              </a:rPr>
+              <a:t>Tools</a:t>
+            </a:r>
+            <a:endParaRPr lang="en-US" sz="1100" dirty="0"/>
+          </a:p>
+        </p:txBody>
+      </p:sp>
+      <p:cxnSp>
+        <p:nvCxnSpPr>
+          <p:cNvPr id="1125" name="Elbow Connector 1124">
+            <a:extLst>
+              <a:ext uri="{FF2B5EF4-FFF2-40B4-BE49-F238E27FC236}">
+                <a16:creationId xmlns:a16="http://schemas.microsoft.com/office/drawing/2014/main" id="{C612EBF9-B27D-9746-A5EC-28F6C0E126C8}"/>
+              </a:ext>
+            </a:extLst>
+          </p:cNvPr>
+          <p:cNvCxnSpPr>
+            <a:cxnSpLocks/>
+            <a:stCxn id="1099" idx="3"/>
+            <a:endCxn id="1120" idx="1"/>
+          </p:cNvCxnSpPr>
+          <p:nvPr/>
+        </p:nvCxnSpPr>
+        <p:spPr>
+          <a:xfrm flipV="1">
+            <a:off x="4154944" y="3647212"/>
+            <a:ext cx="1664437" cy="189393"/>
+          </a:xfrm>
+          <a:prstGeom prst="bentConnector3">
+            <a:avLst/>
+          </a:prstGeom>
+          <a:ln>
+            <a:headEnd type="triangle"/>
+            <a:tailEnd type="triangle"/>
+          </a:ln>
+        </p:spPr>
+        <p:style>
+          <a:lnRef idx="1">
+            <a:schemeClr val="accent1"/>
+          </a:lnRef>
+          <a:fillRef idx="0">
+            <a:schemeClr val="accent1"/>
+          </a:fillRef>
+          <a:effectRef idx="0">
+            <a:schemeClr val="accent1"/>
+          </a:effectRef>
+          <a:fontRef idx="minor">
+            <a:schemeClr val="tx1"/>
+          </a:fontRef>
+        </p:style>
+      </p:cxnSp>
+      <p:cxnSp>
+        <p:nvCxnSpPr>
+          <p:cNvPr id="1133" name="Elbow Connector 1132">
+            <a:extLst>
+              <a:ext uri="{FF2B5EF4-FFF2-40B4-BE49-F238E27FC236}">
+                <a16:creationId xmlns:a16="http://schemas.microsoft.com/office/drawing/2014/main" id="{BE431854-5695-B5F1-1687-37C61DCE085E}"/>
+              </a:ext>
+            </a:extLst>
+          </p:cNvPr>
+          <p:cNvCxnSpPr>
+            <a:cxnSpLocks/>
+            <a:stCxn id="1120" idx="3"/>
+            <a:endCxn id="23" idx="1"/>
+          </p:cNvCxnSpPr>
+          <p:nvPr/>
+        </p:nvCxnSpPr>
+        <p:spPr>
+          <a:xfrm flipV="1">
+            <a:off x="6695720" y="3643172"/>
+            <a:ext cx="221465" cy="4040"/>
+          </a:xfrm>
+          <a:prstGeom prst="bentConnector3">
+            <a:avLst/>
+          </a:prstGeom>
+          <a:ln>
+            <a:headEnd type="triangle"/>
+            <a:tailEnd type="triangle"/>
+          </a:ln>
+        </p:spPr>
+        <p:style>
+          <a:lnRef idx="1">
+            <a:schemeClr val="accent1"/>
+          </a:lnRef>
+          <a:fillRef idx="0">
+            <a:schemeClr val="accent1"/>
+          </a:fillRef>
+          <a:effectRef idx="0">
+            <a:schemeClr val="accent1"/>
+          </a:effectRef>
+          <a:fontRef idx="minor">
+            <a:schemeClr val="tx1"/>
+          </a:fontRef>
+        </p:style>
+      </p:cxnSp>
+      <p:sp>
+        <p:nvSpPr>
+          <p:cNvPr id="1142" name="Internal Storage 1141">
+            <a:extLst>
+              <a:ext uri="{FF2B5EF4-FFF2-40B4-BE49-F238E27FC236}">
+                <a16:creationId xmlns:a16="http://schemas.microsoft.com/office/drawing/2014/main" id="{BECCA6AB-4F8C-97F4-1C0C-FC5850CDFEA2}"/>
+              </a:ext>
+            </a:extLst>
+          </p:cNvPr>
+          <p:cNvSpPr/>
+          <p:nvPr/>
+        </p:nvSpPr>
+        <p:spPr>
+          <a:xfrm>
+            <a:off x="5969268" y="3921899"/>
+            <a:ext cx="531177" cy="384884"/>
+          </a:xfrm>
+          <a:prstGeom prst="flowChartInternalStorage">
+            <a:avLst/>
+          </a:prstGeom>
+          <a:noFill/>
+        </p:spPr>
+        <p:style>
+          <a:lnRef idx="2">
+            <a:schemeClr val="accent1">
+              <a:shade val="15000"/>
+            </a:schemeClr>
+          </a:lnRef>
+          <a:fillRef idx="1">
+            <a:schemeClr val="accent1"/>
+          </a:fillRef>
+          <a:effectRef idx="0">
+            <a:schemeClr val="accent1"/>
+          </a:effectRef>
+          <a:fontRef idx="minor">
+            <a:schemeClr val="lt1"/>
+          </a:fontRef>
+        </p:style>
+        <p:txBody>
+          <a:bodyPr lIns="0" tIns="0" rIns="0" bIns="0" rtlCol="0" anchor="ctr"/>
+          <a:lstStyle/>
+          <a:p>
+            <a:pPr algn="ctr"/>
+            <a:r>
+              <a:rPr lang="en-US" b="1" dirty="0">
+                <a:solidFill>
+                  <a:schemeClr val="tx1"/>
+                </a:solidFill>
+              </a:rPr>
+              <a:t>&lt; /&gt;</a:t>
+            </a:r>
+          </a:p>
+        </p:txBody>
+      </p:sp>
+      <p:pic>
+        <p:nvPicPr>
+          <p:cNvPr id="1144" name="Picture 20">
+            <a:extLst>
+              <a:ext uri="{FF2B5EF4-FFF2-40B4-BE49-F238E27FC236}">
+                <a16:creationId xmlns:a16="http://schemas.microsoft.com/office/drawing/2014/main" id="{5F579530-D72D-A0E7-215D-3CB6AD7AEE35}"/>
+              </a:ext>
+            </a:extLst>
+          </p:cNvPr>
+          <p:cNvPicPr>
+            <a:picLocks noChangeAspect="1" noChangeArrowheads="1"/>
+          </p:cNvPicPr>
+          <p:nvPr/>
+        </p:nvPicPr>
+        <p:blipFill>
+          <a:blip r:embed="rId8">
+            <a:extLst>
+              <a:ext uri="{28A0092B-C50C-407E-A947-70E740481C1C}">
+                <a14:useLocalDpi xmlns:a14="http://schemas.microsoft.com/office/drawing/2010/main" val="0"/>
+              </a:ext>
+            </a:extLst>
+          </a:blip>
+          <a:srcRect/>
+          <a:stretch>
+            <a:fillRect/>
+          </a:stretch>
+        </p:blipFill>
+        <p:spPr bwMode="auto">
+          <a:xfrm>
+            <a:off x="6046466" y="3250744"/>
+            <a:ext cx="486052" cy="501447"/>
+          </a:xfrm>
+          <a:prstGeom prst="rect">
+            <a:avLst/>
+          </a:prstGeom>
+          <a:noFill/>
+          <a:extLst>
+            <a:ext uri="{909E8E84-426E-40DD-AFC4-6F175D3DCCD1}">
+              <a14:hiddenFill xmlns:a14="http://schemas.microsoft.com/office/drawing/2010/main">
+                <a:solidFill>
+                  <a:srgbClr val="FFFFFF"/>
+                </a:solidFill>
+              </a14:hiddenFill>
+            </a:ext>
+          </a:extLst>
+        </p:spPr>
+      </p:pic>
+      <p:cxnSp>
+        <p:nvCxnSpPr>
+          <p:cNvPr id="1184" name="Straight Arrow Connector 1183">
+            <a:extLst>
+              <a:ext uri="{FF2B5EF4-FFF2-40B4-BE49-F238E27FC236}">
+                <a16:creationId xmlns:a16="http://schemas.microsoft.com/office/drawing/2014/main" id="{18FA1E56-4BFC-D542-EF8E-A80908597AE6}"/>
+              </a:ext>
+            </a:extLst>
+          </p:cNvPr>
+          <p:cNvCxnSpPr>
+            <a:endCxn id="1099" idx="1"/>
+          </p:cNvCxnSpPr>
+          <p:nvPr/>
+        </p:nvCxnSpPr>
+        <p:spPr>
+          <a:xfrm>
+            <a:off x="1509823" y="3836605"/>
+            <a:ext cx="1443451" cy="0"/>
+          </a:xfrm>
+          <a:prstGeom prst="straightConnector1">
+            <a:avLst/>
+          </a:prstGeom>
+          <a:ln>
+            <a:headEnd type="triangle"/>
+            <a:tailEnd type="triangle"/>
+          </a:ln>
+        </p:spPr>
+        <p:style>
+          <a:lnRef idx="1">
+            <a:schemeClr val="accent1"/>
+          </a:lnRef>
+          <a:fillRef idx="0">
+            <a:schemeClr val="accent1"/>
+          </a:fillRef>
+          <a:effectRef idx="0">
+            <a:schemeClr val="accent1"/>
+          </a:effectRef>
+          <a:fontRef idx="minor">
+            <a:schemeClr val="tx1"/>
+          </a:fontRef>
+        </p:style>
+      </p:cxnSp>
+      <p:sp>
+        <p:nvSpPr>
+          <p:cNvPr id="1185" name="Rounded Rectangle 1184">
+            <a:extLst>
+              <a:ext uri="{FF2B5EF4-FFF2-40B4-BE49-F238E27FC236}">
+                <a16:creationId xmlns:a16="http://schemas.microsoft.com/office/drawing/2014/main" id="{20BC661B-C8F7-CB4B-09E6-329B6DBF63EC}"/>
+              </a:ext>
+            </a:extLst>
+          </p:cNvPr>
+          <p:cNvSpPr/>
+          <p:nvPr/>
+        </p:nvSpPr>
+        <p:spPr>
+          <a:xfrm>
+            <a:off x="8451702" y="995389"/>
+            <a:ext cx="3081081" cy="5212425"/>
+          </a:xfrm>
+          <a:prstGeom prst="roundRect">
+            <a:avLst>
+              <a:gd name="adj" fmla="val 4151"/>
+            </a:avLst>
+          </a:prstGeom>
+          <a:noFill/>
+          <a:ln>
+            <a:prstDash val="dash"/>
+          </a:ln>
+        </p:spPr>
+        <p:style>
+          <a:lnRef idx="2">
+            <a:schemeClr val="accent1">
+              <a:shade val="15000"/>
+            </a:schemeClr>
+          </a:lnRef>
+          <a:fillRef idx="1">
+            <a:schemeClr val="accent1"/>
+          </a:fillRef>
+          <a:effectRef idx="0">
+            <a:schemeClr val="accent1"/>
+          </a:effectRef>
+          <a:fontRef idx="minor">
+            <a:schemeClr val="lt1"/>
+          </a:fontRef>
+        </p:style>
+        <p:txBody>
+          <a:bodyPr rtlCol="0" anchor="ctr"/>
+          <a:lstStyle/>
+          <a:p>
+            <a:pPr algn="ctr"/>
+            <a:endParaRPr lang="en-US"/>
+          </a:p>
+        </p:txBody>
+      </p:sp>
+      <p:sp>
+        <p:nvSpPr>
+          <p:cNvPr id="1186" name="TextBox 1185">
+            <a:extLst>
+              <a:ext uri="{FF2B5EF4-FFF2-40B4-BE49-F238E27FC236}">
+                <a16:creationId xmlns:a16="http://schemas.microsoft.com/office/drawing/2014/main" id="{D87D2731-95FB-3015-6BC4-A7D5488834A6}"/>
+              </a:ext>
+            </a:extLst>
+          </p:cNvPr>
+          <p:cNvSpPr txBox="1"/>
+          <p:nvPr/>
+        </p:nvSpPr>
+        <p:spPr>
+          <a:xfrm>
+            <a:off x="9253141" y="887667"/>
+            <a:ext cx="1386662" cy="215444"/>
+          </a:xfrm>
+          <a:prstGeom prst="rect">
+            <a:avLst/>
+          </a:prstGeom>
+          <a:solidFill>
+            <a:schemeClr val="bg1"/>
+          </a:solidFill>
+        </p:spPr>
+        <p:txBody>
+          <a:bodyPr wrap="none" lIns="0" tIns="0" rIns="0" bIns="0" rtlCol="0">
+            <a:spAutoFit/>
+          </a:bodyPr>
+          <a:lstStyle/>
+          <a:p>
+            <a:r>
+              <a:rPr lang="en-US" sz="1400" dirty="0"/>
+              <a:t> Execution/Output </a:t>
+            </a:r>
+          </a:p>
+        </p:txBody>
+      </p:sp>
+      <p:cxnSp>
+        <p:nvCxnSpPr>
+          <p:cNvPr id="1187" name="Elbow Connector 1186">
+            <a:extLst>
+              <a:ext uri="{FF2B5EF4-FFF2-40B4-BE49-F238E27FC236}">
+                <a16:creationId xmlns:a16="http://schemas.microsoft.com/office/drawing/2014/main" id="{514B213A-05EF-B63E-7050-766158DDE673}"/>
+              </a:ext>
+            </a:extLst>
+          </p:cNvPr>
+          <p:cNvCxnSpPr>
+            <a:cxnSpLocks/>
+            <a:stCxn id="1048" idx="3"/>
+            <a:endCxn id="1185" idx="1"/>
+          </p:cNvCxnSpPr>
+          <p:nvPr/>
+        </p:nvCxnSpPr>
+        <p:spPr>
+          <a:xfrm flipV="1">
+            <a:off x="3884934" y="3601602"/>
+            <a:ext cx="4566768" cy="1591680"/>
+          </a:xfrm>
+          <a:prstGeom prst="bentConnector3">
+            <a:avLst>
+              <a:gd name="adj1" fmla="val 92141"/>
+            </a:avLst>
+          </a:prstGeom>
+          <a:ln>
+            <a:solidFill>
+              <a:schemeClr val="accent6"/>
+            </a:solidFill>
+            <a:headEnd type="triangle"/>
+            <a:tailEnd type="triangle"/>
+          </a:ln>
+        </p:spPr>
+        <p:style>
+          <a:lnRef idx="1">
+            <a:schemeClr val="accent1"/>
+          </a:lnRef>
+          <a:fillRef idx="0">
+            <a:schemeClr val="accent1"/>
+          </a:fillRef>
+          <a:effectRef idx="0">
+            <a:schemeClr val="accent1"/>
+          </a:effectRef>
+          <a:fontRef idx="minor">
+            <a:schemeClr val="tx1"/>
+          </a:fontRef>
+        </p:style>
+      </p:cxnSp>
+      <p:sp>
+        <p:nvSpPr>
+          <p:cNvPr id="1195" name="Folded Corner 1194">
+            <a:extLst>
+              <a:ext uri="{FF2B5EF4-FFF2-40B4-BE49-F238E27FC236}">
+                <a16:creationId xmlns:a16="http://schemas.microsoft.com/office/drawing/2014/main" id="{66E6722E-2861-7C74-5EE6-828B8228B7E9}"/>
+              </a:ext>
+            </a:extLst>
+          </p:cNvPr>
+          <p:cNvSpPr/>
+          <p:nvPr/>
+        </p:nvSpPr>
+        <p:spPr>
+          <a:xfrm>
+            <a:off x="7164100" y="4403298"/>
+            <a:ext cx="418991" cy="525640"/>
+          </a:xfrm>
+          <a:prstGeom prst="foldedCorner">
+            <a:avLst>
+              <a:gd name="adj" fmla="val 35079"/>
+            </a:avLst>
+          </a:prstGeom>
+          <a:solidFill>
+            <a:schemeClr val="accent1">
+              <a:lumMod val="75000"/>
+            </a:schemeClr>
+          </a:solidFill>
+          <a:ln>
+            <a:solidFill>
+              <a:srgbClr val="FFFF00"/>
+            </a:solidFill>
+          </a:ln>
+        </p:spPr>
+        <p:style>
+          <a:lnRef idx="2">
+            <a:schemeClr val="accent1">
+              <a:shade val="15000"/>
+            </a:schemeClr>
+          </a:lnRef>
+          <a:fillRef idx="1">
+            <a:schemeClr val="accent1"/>
+          </a:fillRef>
+          <a:effectRef idx="0">
+            <a:schemeClr val="accent1"/>
+          </a:effectRef>
+          <a:fontRef idx="minor">
+            <a:schemeClr val="lt1"/>
+          </a:fontRef>
+        </p:style>
+        <p:txBody>
+          <a:bodyPr lIns="0" tIns="0" rIns="0" bIns="0" rtlCol="0" anchor="ctr"/>
+          <a:lstStyle/>
+          <a:p>
+            <a:pPr algn="ctr"/>
+            <a:r>
+              <a:rPr lang="en-US" sz="1200" b="1" dirty="0"/>
+              <a:t>&lt; /&gt;</a:t>
+            </a:r>
+          </a:p>
+          <a:p>
+            <a:pPr algn="ctr"/>
+            <a:r>
+              <a:rPr lang="en-US" sz="1200" dirty="0"/>
+              <a:t>SQL</a:t>
+            </a:r>
+          </a:p>
+        </p:txBody>
+      </p:sp>
+      <p:cxnSp>
+        <p:nvCxnSpPr>
+          <p:cNvPr id="1196" name="Elbow Connector 1195">
+            <a:extLst>
+              <a:ext uri="{FF2B5EF4-FFF2-40B4-BE49-F238E27FC236}">
+                <a16:creationId xmlns:a16="http://schemas.microsoft.com/office/drawing/2014/main" id="{355AE4F6-1099-35B5-8193-9F999AD330FE}"/>
+              </a:ext>
+            </a:extLst>
+          </p:cNvPr>
+          <p:cNvCxnSpPr>
+            <a:cxnSpLocks/>
+          </p:cNvCxnSpPr>
+          <p:nvPr/>
+        </p:nvCxnSpPr>
+        <p:spPr>
+          <a:xfrm rot="10800000" flipV="1">
+            <a:off x="1418846" y="1685050"/>
+            <a:ext cx="763336" cy="757565"/>
+          </a:xfrm>
+          <a:prstGeom prst="bentConnector3">
+            <a:avLst>
+              <a:gd name="adj1" fmla="val 50000"/>
+            </a:avLst>
+          </a:prstGeom>
+          <a:ln>
+            <a:tailEnd type="triangle"/>
+          </a:ln>
+        </p:spPr>
+        <p:style>
+          <a:lnRef idx="1">
+            <a:schemeClr val="accent1"/>
+          </a:lnRef>
+          <a:fillRef idx="0">
+            <a:schemeClr val="accent1"/>
+          </a:fillRef>
+          <a:effectRef idx="0">
+            <a:schemeClr val="accent1"/>
+          </a:effectRef>
+          <a:fontRef idx="minor">
+            <a:schemeClr val="tx1"/>
+          </a:fontRef>
+        </p:style>
+      </p:cxnSp>
+      <p:cxnSp>
+        <p:nvCxnSpPr>
+          <p:cNvPr id="1199" name="Elbow Connector 1198">
+            <a:extLst>
+              <a:ext uri="{FF2B5EF4-FFF2-40B4-BE49-F238E27FC236}">
+                <a16:creationId xmlns:a16="http://schemas.microsoft.com/office/drawing/2014/main" id="{CCEE76E9-3620-157A-3DB0-E90D859E8151}"/>
+              </a:ext>
+            </a:extLst>
+          </p:cNvPr>
+          <p:cNvCxnSpPr>
+            <a:cxnSpLocks/>
+          </p:cNvCxnSpPr>
+          <p:nvPr/>
+        </p:nvCxnSpPr>
+        <p:spPr>
+          <a:xfrm rot="10800000">
+            <a:off x="1439482" y="5293321"/>
+            <a:ext cx="361386" cy="177190"/>
+          </a:xfrm>
+          <a:prstGeom prst="bentConnector3">
+            <a:avLst>
+              <a:gd name="adj1" fmla="val 50000"/>
+            </a:avLst>
+          </a:prstGeom>
+          <a:ln>
+            <a:tailEnd type="triangle"/>
+          </a:ln>
+        </p:spPr>
+        <p:style>
+          <a:lnRef idx="1">
+            <a:schemeClr val="accent1"/>
+          </a:lnRef>
+          <a:fillRef idx="0">
+            <a:schemeClr val="accent1"/>
+          </a:fillRef>
+          <a:effectRef idx="0">
+            <a:schemeClr val="accent1"/>
+          </a:effectRef>
+          <a:fontRef idx="minor">
+            <a:schemeClr val="tx1"/>
+          </a:fontRef>
+        </p:style>
+      </p:cxnSp>
+      <p:sp>
+        <p:nvSpPr>
+          <p:cNvPr id="1209" name="Rounded Rectangle 1208">
+            <a:extLst>
+              <a:ext uri="{FF2B5EF4-FFF2-40B4-BE49-F238E27FC236}">
+                <a16:creationId xmlns:a16="http://schemas.microsoft.com/office/drawing/2014/main" id="{975E547D-F934-5A08-C963-B796188B4DBD}"/>
+              </a:ext>
+            </a:extLst>
+          </p:cNvPr>
+          <p:cNvSpPr/>
+          <p:nvPr/>
+        </p:nvSpPr>
+        <p:spPr>
+          <a:xfrm>
+            <a:off x="8601740" y="1250922"/>
+            <a:ext cx="2785730" cy="1952502"/>
+          </a:xfrm>
+          <a:prstGeom prst="roundRect">
+            <a:avLst>
+              <a:gd name="adj" fmla="val 4533"/>
+            </a:avLst>
+          </a:prstGeom>
+          <a:solidFill>
+            <a:schemeClr val="bg1">
+              <a:lumMod val="85000"/>
+            </a:schemeClr>
+          </a:solidFill>
+          <a:effectLst>
+            <a:outerShdw blurRad="50800" dist="38100" dir="2700000" algn="tl" rotWithShape="0">
+              <a:prstClr val="black">
+                <a:alpha val="40000"/>
+              </a:prstClr>
+            </a:outerShdw>
+          </a:effectLst>
+        </p:spPr>
+        <p:style>
+          <a:lnRef idx="2">
+            <a:schemeClr val="accent3">
+              <a:shade val="15000"/>
+            </a:schemeClr>
+          </a:lnRef>
+          <a:fillRef idx="1">
+            <a:schemeClr val="accent3"/>
+          </a:fillRef>
+          <a:effectRef idx="0">
+            <a:schemeClr val="accent3"/>
+          </a:effectRef>
+          <a:fontRef idx="minor">
+            <a:schemeClr val="lt1"/>
+          </a:fontRef>
+        </p:style>
+        <p:txBody>
+          <a:bodyPr lIns="0" tIns="0" rIns="0" bIns="0" rtlCol="0" anchor="t"/>
+          <a:lstStyle/>
+          <a:p>
+            <a:r>
+              <a:rPr lang="en-US" sz="1100" dirty="0">
+                <a:solidFill>
+                  <a:schemeClr val="tx2"/>
+                </a:solidFill>
+              </a:rPr>
+              <a:t> Initializing Agents...</a:t>
+            </a:r>
+          </a:p>
+          <a:p>
+            <a:endParaRPr lang="en-US" sz="1100" dirty="0">
+              <a:solidFill>
+                <a:schemeClr val="tx2"/>
+              </a:solidFill>
+            </a:endParaRPr>
+          </a:p>
+          <a:p>
+            <a:r>
+              <a:rPr lang="en-US" sz="1100" dirty="0">
+                <a:solidFill>
+                  <a:schemeClr val="tx2"/>
+                </a:solidFill>
+              </a:rPr>
+              <a:t>Internal Sales Agent initialized...</a:t>
+            </a:r>
+          </a:p>
+          <a:p>
+            <a:endParaRPr lang="en-US" sz="1100" dirty="0">
+              <a:solidFill>
+                <a:schemeClr val="tx2"/>
+              </a:solidFill>
+            </a:endParaRPr>
+          </a:p>
+          <a:p>
+            <a:r>
+              <a:rPr lang="en-US" sz="1100" dirty="0">
+                <a:solidFill>
+                  <a:schemeClr val="tx2"/>
+                </a:solidFill>
+              </a:rPr>
+              <a:t>External Search Agent initialized...</a:t>
+            </a:r>
+          </a:p>
+          <a:p>
+            <a:endParaRPr lang="en-US" sz="1100" dirty="0">
+              <a:solidFill>
+                <a:schemeClr val="tx2"/>
+              </a:solidFill>
+            </a:endParaRPr>
+          </a:p>
+          <a:p>
+            <a:r>
+              <a:rPr lang="en-US" sz="1100" dirty="0">
+                <a:solidFill>
+                  <a:schemeClr val="tx2"/>
+                </a:solidFill>
+              </a:rPr>
+              <a:t>Email Assistant Agent initialized...</a:t>
+            </a:r>
+          </a:p>
+          <a:p>
+            <a:endParaRPr lang="en-US" sz="1100" dirty="0">
+              <a:solidFill>
+                <a:schemeClr val="tx2"/>
+              </a:solidFill>
+            </a:endParaRPr>
+          </a:p>
+          <a:p>
+            <a:r>
+              <a:rPr lang="en-US" sz="1100" dirty="0">
+                <a:solidFill>
+                  <a:schemeClr val="tx2"/>
+                </a:solidFill>
+              </a:rPr>
+              <a:t>Financial Analyst Agent initialized...</a:t>
+            </a:r>
+          </a:p>
+          <a:p>
+            <a:endParaRPr lang="en-US" sz="1100" b="1" dirty="0">
+              <a:solidFill>
+                <a:schemeClr val="tx2"/>
+              </a:solidFill>
+            </a:endParaRPr>
+          </a:p>
+          <a:p>
+            <a:r>
+              <a:rPr lang="en-US" sz="1100" b="1" dirty="0">
+                <a:solidFill>
+                  <a:schemeClr val="tx2"/>
+                </a:solidFill>
+              </a:rPr>
+              <a:t>Agent:&gt; </a:t>
+            </a:r>
+            <a:r>
+              <a:rPr lang="en-US" sz="1100" dirty="0">
+                <a:solidFill>
+                  <a:schemeClr val="tx2"/>
+                </a:solidFill>
+              </a:rPr>
+              <a:t>What do you want me to do?</a:t>
+            </a:r>
+          </a:p>
+        </p:txBody>
+      </p:sp>
+      <p:sp>
+        <p:nvSpPr>
+          <p:cNvPr id="1210" name="Rounded Rectangle 1209">
+            <a:extLst>
+              <a:ext uri="{FF2B5EF4-FFF2-40B4-BE49-F238E27FC236}">
+                <a16:creationId xmlns:a16="http://schemas.microsoft.com/office/drawing/2014/main" id="{7D05BA2D-90BE-E0E6-1B02-A1EF0BA1F887}"/>
+              </a:ext>
+            </a:extLst>
+          </p:cNvPr>
+          <p:cNvSpPr/>
+          <p:nvPr/>
+        </p:nvSpPr>
+        <p:spPr>
+          <a:xfrm>
+            <a:off x="8599377" y="3474801"/>
+            <a:ext cx="2785730" cy="336741"/>
+          </a:xfrm>
+          <a:prstGeom prst="roundRect">
+            <a:avLst>
+              <a:gd name="adj" fmla="val 9164"/>
+            </a:avLst>
+          </a:prstGeom>
+          <a:solidFill>
+            <a:schemeClr val="tx2"/>
+          </a:solidFill>
+          <a:ln>
+            <a:solidFill>
+              <a:schemeClr val="tx1">
+                <a:lumMod val="50000"/>
+                <a:lumOff val="50000"/>
+              </a:schemeClr>
+            </a:solidFill>
+          </a:ln>
+          <a:effectLst>
+            <a:outerShdw blurRad="50800" dist="38100" dir="2700000" algn="tl" rotWithShape="0">
+              <a:prstClr val="black">
+                <a:alpha val="40000"/>
+              </a:prstClr>
+            </a:outerShdw>
+          </a:effectLst>
+        </p:spPr>
+        <p:style>
+          <a:lnRef idx="2">
+            <a:schemeClr val="accent3">
+              <a:shade val="15000"/>
+            </a:schemeClr>
+          </a:lnRef>
+          <a:fillRef idx="1">
+            <a:schemeClr val="accent3"/>
+          </a:fillRef>
+          <a:effectRef idx="0">
+            <a:schemeClr val="accent3"/>
+          </a:effectRef>
+          <a:fontRef idx="minor">
+            <a:schemeClr val="lt1"/>
+          </a:fontRef>
+        </p:style>
+        <p:txBody>
+          <a:bodyPr lIns="0" tIns="0" rIns="0" bIns="0" rtlCol="0" anchor="ctr"/>
+          <a:lstStyle/>
+          <a:p>
+            <a:pPr algn="r"/>
+            <a:r>
+              <a:rPr lang="en-US" sz="1100" dirty="0">
+                <a:solidFill>
+                  <a:schemeClr val="bg1">
+                    <a:lumMod val="95000"/>
+                  </a:schemeClr>
+                </a:solidFill>
+              </a:rPr>
+              <a:t> </a:t>
+            </a:r>
+            <a:r>
+              <a:rPr lang="en-US" sz="1100" b="1" dirty="0">
+                <a:solidFill>
+                  <a:schemeClr val="bg1">
+                    <a:lumMod val="95000"/>
+                  </a:schemeClr>
+                </a:solidFill>
+              </a:rPr>
+              <a:t>User:&gt;What are you capable of doing </a:t>
+            </a:r>
+            <a:r>
+              <a:rPr lang="en-US" sz="1100" dirty="0">
+                <a:solidFill>
+                  <a:schemeClr val="bg1">
+                    <a:lumMod val="95000"/>
+                  </a:schemeClr>
+                </a:solidFill>
+              </a:rPr>
+              <a:t>?   </a:t>
+            </a:r>
+            <a:r>
+              <a:rPr lang="en-US" sz="1100" dirty="0">
+                <a:solidFill>
+                  <a:schemeClr val="tx2"/>
+                </a:solidFill>
+              </a:rPr>
+              <a:t>.</a:t>
+            </a:r>
+            <a:r>
+              <a:rPr lang="en-US" sz="1100" dirty="0">
+                <a:solidFill>
+                  <a:schemeClr val="bg1">
+                    <a:lumMod val="95000"/>
+                  </a:schemeClr>
+                </a:solidFill>
+              </a:rPr>
+              <a:t>  </a:t>
+            </a:r>
+          </a:p>
+        </p:txBody>
+      </p:sp>
+      <p:sp>
+        <p:nvSpPr>
+          <p:cNvPr id="1213" name="Rounded Rectangle 1212">
+            <a:extLst>
+              <a:ext uri="{FF2B5EF4-FFF2-40B4-BE49-F238E27FC236}">
+                <a16:creationId xmlns:a16="http://schemas.microsoft.com/office/drawing/2014/main" id="{02887AE7-2064-5AD8-13B8-9D9BA1B8FD0B}"/>
+              </a:ext>
+            </a:extLst>
+          </p:cNvPr>
+          <p:cNvSpPr/>
+          <p:nvPr/>
+        </p:nvSpPr>
+        <p:spPr>
+          <a:xfrm>
+            <a:off x="8601740" y="3865491"/>
+            <a:ext cx="2785730" cy="1952502"/>
+          </a:xfrm>
+          <a:prstGeom prst="roundRect">
+            <a:avLst>
+              <a:gd name="adj" fmla="val 4533"/>
+            </a:avLst>
+          </a:prstGeom>
+          <a:solidFill>
+            <a:schemeClr val="bg1">
+              <a:lumMod val="85000"/>
+            </a:schemeClr>
+          </a:solidFill>
+          <a:effectLst>
+            <a:outerShdw blurRad="50800" dist="38100" dir="2700000" algn="tl" rotWithShape="0">
+              <a:prstClr val="black">
+                <a:alpha val="40000"/>
+              </a:prstClr>
+            </a:outerShdw>
+          </a:effectLst>
+        </p:spPr>
+        <p:style>
+          <a:lnRef idx="2">
+            <a:schemeClr val="accent3">
+              <a:shade val="15000"/>
+            </a:schemeClr>
+          </a:lnRef>
+          <a:fillRef idx="1">
+            <a:schemeClr val="accent3"/>
+          </a:fillRef>
+          <a:effectRef idx="0">
+            <a:schemeClr val="accent3"/>
+          </a:effectRef>
+          <a:fontRef idx="minor">
+            <a:schemeClr val="lt1"/>
+          </a:fontRef>
+        </p:style>
+        <p:txBody>
+          <a:bodyPr lIns="0" tIns="0" rIns="0" bIns="0" rtlCol="0" anchor="t"/>
+          <a:lstStyle/>
+          <a:p>
+            <a:r>
+              <a:rPr lang="en-US" sz="1100" b="1" dirty="0">
+                <a:solidFill>
+                  <a:schemeClr val="tx2"/>
+                </a:solidFill>
+              </a:rPr>
+              <a:t>Agent:&gt; </a:t>
+            </a:r>
+            <a:r>
+              <a:rPr lang="en-US" sz="1100" dirty="0">
+                <a:solidFill>
+                  <a:schemeClr val="tx2"/>
+                </a:solidFill>
+              </a:rPr>
+              <a:t>I can assist with a variety of </a:t>
+            </a:r>
+            <a:r>
+              <a:rPr lang="en-US" sz="1100" b="1" dirty="0">
+                <a:solidFill>
+                  <a:schemeClr val="tx2"/>
+                </a:solidFill>
+              </a:rPr>
+              <a:t>tasks</a:t>
+            </a:r>
+            <a:r>
+              <a:rPr lang="en-US" sz="1100" dirty="0">
+                <a:solidFill>
+                  <a:schemeClr val="tx2"/>
+                </a:solidFill>
+              </a:rPr>
+              <a:t> related to automotive </a:t>
+            </a:r>
+            <a:r>
+              <a:rPr lang="en-US" sz="1100" b="1" dirty="0">
+                <a:solidFill>
+                  <a:schemeClr val="tx2"/>
+                </a:solidFill>
+              </a:rPr>
+              <a:t>sales</a:t>
+            </a:r>
+            <a:r>
+              <a:rPr lang="en-US" sz="1100" dirty="0">
+                <a:solidFill>
+                  <a:schemeClr val="tx2"/>
+                </a:solidFill>
+              </a:rPr>
+              <a:t> and </a:t>
+            </a:r>
+            <a:r>
+              <a:rPr lang="en-US" sz="1100" b="1" dirty="0">
+                <a:solidFill>
+                  <a:schemeClr val="tx2"/>
+                </a:solidFill>
+              </a:rPr>
+              <a:t>analysis</a:t>
+            </a:r>
+            <a:r>
+              <a:rPr lang="en-US" sz="1100" dirty="0">
+                <a:solidFill>
+                  <a:schemeClr val="tx2"/>
+                </a:solidFill>
+              </a:rPr>
+              <a:t>:</a:t>
+            </a:r>
+          </a:p>
+          <a:p>
+            <a:endParaRPr lang="en-US" sz="1100" dirty="0">
+              <a:solidFill>
+                <a:schemeClr val="tx2"/>
+              </a:solidFill>
+            </a:endParaRPr>
+          </a:p>
+          <a:p>
+            <a:r>
+              <a:rPr lang="en-US" sz="1100" dirty="0">
+                <a:solidFill>
+                  <a:schemeClr val="tx2"/>
+                </a:solidFill>
+              </a:rPr>
+              <a:t>1. Inventory &amp; Pricing Queries:</a:t>
+            </a:r>
+          </a:p>
+          <a:p>
+            <a:r>
+              <a:rPr lang="en-US" sz="1100" dirty="0">
+                <a:solidFill>
+                  <a:schemeClr val="tx2"/>
+                </a:solidFill>
+              </a:rPr>
+              <a:t>2. Financial Analysis &amp; Sales Insights:</a:t>
+            </a:r>
+          </a:p>
+          <a:p>
+            <a:r>
+              <a:rPr lang="en-US" sz="1100" dirty="0">
+                <a:solidFill>
+                  <a:schemeClr val="tx2"/>
+                </a:solidFill>
+              </a:rPr>
+              <a:t>3. Managing Communications:</a:t>
+            </a:r>
+          </a:p>
+          <a:p>
+            <a:r>
+              <a:rPr lang="en-US" sz="1100" dirty="0">
+                <a:solidFill>
+                  <a:schemeClr val="tx2"/>
+                </a:solidFill>
+              </a:rPr>
+              <a:t>4. Handling JSON Files &amp; Technical Queries:</a:t>
+            </a:r>
+          </a:p>
+          <a:p>
+            <a:r>
+              <a:rPr lang="en-US" sz="1100" dirty="0">
+                <a:solidFill>
+                  <a:schemeClr val="tx2"/>
+                </a:solidFill>
+              </a:rPr>
+              <a:t>5. Multi-Source Requests &amp; Parallel Execution:</a:t>
+            </a:r>
+          </a:p>
+          <a:p>
+            <a:endParaRPr lang="en-US" sz="1100" dirty="0">
+              <a:solidFill>
+                <a:schemeClr val="tx2"/>
+              </a:solidFill>
+            </a:endParaRPr>
+          </a:p>
+          <a:p>
+            <a:r>
+              <a:rPr lang="en-US" sz="1100" dirty="0">
+                <a:solidFill>
+                  <a:schemeClr val="tx2"/>
+                </a:solidFill>
+              </a:rPr>
+              <a:t>Let me know if you need help with any of these tasks!</a:t>
+            </a:r>
+          </a:p>
+        </p:txBody>
+      </p:sp>
+      <p:cxnSp>
+        <p:nvCxnSpPr>
+          <p:cNvPr id="1215" name="Straight Arrow Connector 1214">
+            <a:extLst>
+              <a:ext uri="{FF2B5EF4-FFF2-40B4-BE49-F238E27FC236}">
+                <a16:creationId xmlns:a16="http://schemas.microsoft.com/office/drawing/2014/main" id="{51036DB0-977D-15EF-116A-A2B58F79FEC5}"/>
+              </a:ext>
+            </a:extLst>
+          </p:cNvPr>
+          <p:cNvCxnSpPr>
+            <a:cxnSpLocks/>
+          </p:cNvCxnSpPr>
+          <p:nvPr/>
+        </p:nvCxnSpPr>
+        <p:spPr>
+          <a:xfrm>
+            <a:off x="1141196" y="5994532"/>
+            <a:ext cx="500245" cy="0"/>
+          </a:xfrm>
+          <a:prstGeom prst="straightConnector1">
+            <a:avLst/>
+          </a:prstGeom>
+          <a:ln>
+            <a:tailEnd type="triangle"/>
+          </a:ln>
+        </p:spPr>
+        <p:style>
+          <a:lnRef idx="1">
+            <a:schemeClr val="accent1"/>
+          </a:lnRef>
+          <a:fillRef idx="0">
+            <a:schemeClr val="accent1"/>
+          </a:fillRef>
+          <a:effectRef idx="0">
+            <a:schemeClr val="accent1"/>
+          </a:effectRef>
+          <a:fontRef idx="minor">
+            <a:schemeClr val="tx1"/>
+          </a:fontRef>
+        </p:style>
+      </p:cxnSp>
+      <p:sp>
+        <p:nvSpPr>
+          <p:cNvPr id="1216" name="Rounded Rectangle 1215">
+            <a:extLst>
+              <a:ext uri="{FF2B5EF4-FFF2-40B4-BE49-F238E27FC236}">
+                <a16:creationId xmlns:a16="http://schemas.microsoft.com/office/drawing/2014/main" id="{B8B3CABD-45C6-14F3-ADC5-58ED67E4482D}"/>
+              </a:ext>
+            </a:extLst>
+          </p:cNvPr>
+          <p:cNvSpPr/>
+          <p:nvPr/>
+        </p:nvSpPr>
+        <p:spPr>
+          <a:xfrm>
+            <a:off x="5819381" y="5254358"/>
+            <a:ext cx="1959891" cy="1012712"/>
+          </a:xfrm>
+          <a:prstGeom prst="roundRect">
+            <a:avLst>
+              <a:gd name="adj" fmla="val 1552"/>
+            </a:avLst>
+          </a:prstGeom>
+          <a:solidFill>
+            <a:schemeClr val="tx1">
+              <a:lumMod val="65000"/>
+              <a:lumOff val="35000"/>
+            </a:schemeClr>
+          </a:solidFill>
+          <a:ln w="9525">
+            <a:solidFill>
+              <a:schemeClr val="tx2"/>
+            </a:solidFill>
+            <a:prstDash val="dash"/>
+          </a:ln>
+        </p:spPr>
+        <p:style>
+          <a:lnRef idx="2">
+            <a:schemeClr val="accent1">
+              <a:shade val="15000"/>
+            </a:schemeClr>
+          </a:lnRef>
+          <a:fillRef idx="1">
+            <a:schemeClr val="accent1"/>
+          </a:fillRef>
+          <a:effectRef idx="0">
+            <a:schemeClr val="accent1"/>
+          </a:effectRef>
+          <a:fontRef idx="minor">
+            <a:schemeClr val="lt1"/>
+          </a:fontRef>
+        </p:style>
+        <p:txBody>
+          <a:bodyPr lIns="91440" tIns="0" rIns="0" bIns="0" rtlCol="0" anchor="t"/>
+          <a:lstStyle/>
+          <a:p>
+            <a:r>
+              <a:rPr lang="en-US" sz="900" b="1" dirty="0">
+                <a:solidFill>
+                  <a:schemeClr val="bg1">
+                    <a:lumMod val="95000"/>
+                  </a:schemeClr>
+                </a:solidFill>
+              </a:rPr>
+              <a:t>Capabilities</a:t>
+            </a:r>
+          </a:p>
+          <a:p>
+            <a:pPr marL="285750" indent="-285750">
+              <a:buClr>
+                <a:srgbClr val="00B050"/>
+              </a:buClr>
+              <a:buFont typeface="Wingdings" pitchFamily="2" charset="2"/>
+              <a:buChar char="ü"/>
+            </a:pPr>
+            <a:r>
+              <a:rPr lang="en-US" sz="900" dirty="0">
+                <a:solidFill>
+                  <a:schemeClr val="bg1">
+                    <a:lumMod val="95000"/>
+                  </a:schemeClr>
+                </a:solidFill>
+              </a:rPr>
+              <a:t>Multi-Agent Orchestration</a:t>
+            </a:r>
+          </a:p>
+          <a:p>
+            <a:pPr marL="285750" indent="-285750">
+              <a:buClr>
+                <a:srgbClr val="00B050"/>
+              </a:buClr>
+              <a:buFont typeface="Wingdings" pitchFamily="2" charset="2"/>
+              <a:buChar char="ü"/>
+            </a:pPr>
+            <a:r>
+              <a:rPr lang="en-US" sz="900" dirty="0">
+                <a:solidFill>
+                  <a:schemeClr val="bg1">
+                    <a:lumMod val="95000"/>
+                  </a:schemeClr>
+                </a:solidFill>
+              </a:rPr>
+              <a:t>Function tools</a:t>
+            </a:r>
+          </a:p>
+          <a:p>
+            <a:pPr marL="285750" indent="-285750">
+              <a:buClr>
+                <a:srgbClr val="00B050"/>
+              </a:buClr>
+              <a:buFont typeface="Wingdings" pitchFamily="2" charset="2"/>
+              <a:buChar char="ü"/>
+            </a:pPr>
+            <a:r>
+              <a:rPr lang="en-US" sz="900" dirty="0">
+                <a:solidFill>
+                  <a:schemeClr val="bg1">
+                    <a:lumMod val="95000"/>
+                  </a:schemeClr>
+                </a:solidFill>
+              </a:rPr>
+              <a:t>File Search</a:t>
+            </a:r>
+          </a:p>
+          <a:p>
+            <a:pPr marL="285750" indent="-285750">
+              <a:buClr>
+                <a:srgbClr val="00B050"/>
+              </a:buClr>
+              <a:buFont typeface="Wingdings" pitchFamily="2" charset="2"/>
+              <a:buChar char="ü"/>
+            </a:pPr>
+            <a:r>
+              <a:rPr lang="en-US" sz="900" dirty="0">
+                <a:solidFill>
+                  <a:schemeClr val="bg1">
+                    <a:lumMod val="95000"/>
+                  </a:schemeClr>
+                </a:solidFill>
+              </a:rPr>
+              <a:t>Web Search</a:t>
+            </a:r>
+          </a:p>
+          <a:p>
+            <a:pPr marL="285750" indent="-285750">
+              <a:buClr>
+                <a:srgbClr val="00B050"/>
+              </a:buClr>
+              <a:buFont typeface="Wingdings" pitchFamily="2" charset="2"/>
+              <a:buChar char="ü"/>
+            </a:pPr>
+            <a:r>
+              <a:rPr lang="en-US" sz="900" dirty="0">
+                <a:solidFill>
+                  <a:schemeClr val="bg1">
+                    <a:lumMod val="95000"/>
+                  </a:schemeClr>
+                </a:solidFill>
+              </a:rPr>
+              <a:t>Handoffs</a:t>
+            </a:r>
+          </a:p>
+          <a:p>
+            <a:pPr marL="285750" indent="-285750">
+              <a:buClr>
+                <a:srgbClr val="00B050"/>
+              </a:buClr>
+              <a:buFont typeface="Wingdings" pitchFamily="2" charset="2"/>
+              <a:buChar char="ü"/>
+            </a:pPr>
+            <a:r>
+              <a:rPr lang="en-US" sz="900" dirty="0">
+                <a:solidFill>
+                  <a:schemeClr val="bg1">
+                    <a:lumMod val="95000"/>
+                  </a:schemeClr>
+                </a:solidFill>
+              </a:rPr>
+              <a:t>Tracing</a:t>
+            </a:r>
+          </a:p>
+          <a:p>
+            <a:pPr marL="285750" indent="-285750">
+              <a:buFont typeface="Arial" panose="020B0604020202020204" pitchFamily="34" charset="0"/>
+              <a:buChar char="•"/>
+            </a:pPr>
+            <a:endParaRPr lang="en-US" sz="900" dirty="0">
+              <a:solidFill>
+                <a:schemeClr val="bg1">
+                  <a:lumMod val="95000"/>
+                </a:schemeClr>
+              </a:solidFill>
+            </a:endParaRPr>
+          </a:p>
+          <a:p>
+            <a:pPr marL="285750" indent="-285750">
+              <a:buFont typeface="Arial" panose="020B0604020202020204" pitchFamily="34" charset="0"/>
+              <a:buChar char="•"/>
+            </a:pPr>
+            <a:endParaRPr lang="en-US" sz="900" dirty="0">
+              <a:solidFill>
+                <a:schemeClr val="bg1">
+                  <a:lumMod val="95000"/>
+                </a:schemeClr>
+              </a:solidFill>
+            </a:endParaRPr>
+          </a:p>
+        </p:txBody>
+      </p:sp>
     </p:spTree>
     <p:extLst>
       <p:ext uri="{BB962C8B-B14F-4D97-AF65-F5344CB8AC3E}">
-        <p14:creationId xmlns:p14="http://schemas.microsoft.com/office/powerpoint/2010/main" val="1633760108"/>
+        <p14:creationId xmlns:p14="http://schemas.microsoft.com/office/powerpoint/2010/main" val="2444446996"/>
       </p:ext>
     </p:extLst>
   </p:cSld>
@@ -7817,7 +11663,7 @@
           <p:cNvPr id="3" name="TextBox 2">
             <a:extLst>
               <a:ext uri="{FF2B5EF4-FFF2-40B4-BE49-F238E27FC236}">
-                <a16:creationId xmlns:a16="http://schemas.microsoft.com/office/drawing/2014/main" id="{1C043895-FF95-D826-59CE-DBB5ADF31B12}"/>
+                <a16:creationId xmlns:a16="http://schemas.microsoft.com/office/drawing/2014/main" id="{61F52439-6AF5-5D38-D5D2-5AB934AE383A}"/>
               </a:ext>
             </a:extLst>
           </p:cNvPr>
@@ -7827,7 +11673,7 @@
         <p:spPr>
           <a:xfrm>
             <a:off x="299655" y="74303"/>
-            <a:ext cx="5504905" cy="461665"/>
+            <a:ext cx="729430" cy="461665"/>
           </a:xfrm>
           <a:prstGeom prst="rect">
             <a:avLst/>
@@ -7842,7 +11688,7 @@
           <a:p>
             <a:r>
               <a:rPr lang="en-US" sz="2400" dirty="0"/>
-              <a:t>Agentic AI Setup – A Hypothetical Scenario</a:t>
+              <a:t>Cost</a:t>
             </a:r>
           </a:p>
         </p:txBody>
@@ -7852,7 +11698,7 @@
           <p:cNvPr id="5" name="Straight Connector 4">
             <a:extLst>
               <a:ext uri="{FF2B5EF4-FFF2-40B4-BE49-F238E27FC236}">
-                <a16:creationId xmlns:a16="http://schemas.microsoft.com/office/drawing/2014/main" id="{FAEB4772-560A-9710-8926-CF7774888F9F}"/>
+                <a16:creationId xmlns:a16="http://schemas.microsoft.com/office/drawing/2014/main" id="{E9EF8585-FC8F-D680-0FDC-8831BAB64670}"/>
               </a:ext>
             </a:extLst>
           </p:cNvPr>
@@ -7885,10 +11731,10 @@
       </p:cxnSp>
       <p:sp>
         <p:nvSpPr>
-          <p:cNvPr id="6" name="Rounded Rectangle 5">
-            <a:extLst>
-              <a:ext uri="{FF2B5EF4-FFF2-40B4-BE49-F238E27FC236}">
-                <a16:creationId xmlns:a16="http://schemas.microsoft.com/office/drawing/2014/main" id="{3D6456C6-D6CA-1A3F-3A71-4B52DA95AF7B}"/>
+          <p:cNvPr id="8" name="Rectangle 7">
+            <a:extLst>
+              <a:ext uri="{FF2B5EF4-FFF2-40B4-BE49-F238E27FC236}">
+                <a16:creationId xmlns:a16="http://schemas.microsoft.com/office/drawing/2014/main" id="{B050F634-6B01-D651-D1B1-F2FADA24BA4C}"/>
               </a:ext>
             </a:extLst>
           </p:cNvPr>
@@ -7897,18 +11743,23 @@
         </p:nvSpPr>
         <p:spPr>
           <a:xfrm>
-            <a:off x="627320" y="1722474"/>
-            <a:ext cx="4518837" cy="4465671"/>
-          </a:xfrm>
-          <a:prstGeom prst="roundRect">
-            <a:avLst>
-              <a:gd name="adj" fmla="val 4151"/>
-            </a:avLst>
-          </a:prstGeom>
-          <a:noFill/>
-          <a:ln>
-            <a:prstDash val="dash"/>
-          </a:ln>
+            <a:off x="178943" y="1885010"/>
+            <a:ext cx="1753444" cy="806246"/>
+          </a:xfrm>
+          <a:prstGeom prst="rect">
+            <a:avLst/>
+          </a:prstGeom>
+          <a:solidFill>
+            <a:srgbClr val="002060"/>
+          </a:solidFill>
+          <a:effectLst>
+            <a:glow rad="101600">
+              <a:schemeClr val="accent2">
+                <a:satMod val="175000"/>
+                <a:alpha val="40000"/>
+              </a:schemeClr>
+            </a:glow>
+          </a:effectLst>
         </p:spPr>
         <p:style>
           <a:lnRef idx="2">
@@ -7931,82 +11782,51 @@
           <a:lstStyle/>
           <a:p>
             <a:pPr algn="ctr"/>
-            <a:endParaRPr lang="en-US"/>
-          </a:p>
-        </p:txBody>
-      </p:sp>
-      <p:pic>
-        <p:nvPicPr>
-          <p:cNvPr id="1026" name="Picture 2" descr="Python icon - Free download on Iconfinder">
-            <a:extLst>
-              <a:ext uri="{FF2B5EF4-FFF2-40B4-BE49-F238E27FC236}">
-                <a16:creationId xmlns:a16="http://schemas.microsoft.com/office/drawing/2014/main" id="{BAFF3243-5659-47AE-36B5-6C17332F6A1F}"/>
-              </a:ext>
-            </a:extLst>
-          </p:cNvPr>
-          <p:cNvPicPr>
-            <a:picLocks noChangeAspect="1" noChangeArrowheads="1"/>
-          </p:cNvPicPr>
-          <p:nvPr/>
-        </p:nvPicPr>
-        <p:blipFill>
-          <a:blip r:embed="rId2">
-            <a:extLst>
-              <a:ext uri="{28A0092B-C50C-407E-A947-70E740481C1C}">
-                <a14:useLocalDpi xmlns:a14="http://schemas.microsoft.com/office/drawing/2010/main" val="0"/>
-              </a:ext>
-            </a:extLst>
-          </a:blip>
-          <a:srcRect/>
-          <a:stretch>
-            <a:fillRect/>
-          </a:stretch>
-        </p:blipFill>
-        <p:spPr bwMode="auto">
-          <a:xfrm>
-            <a:off x="4806157" y="1549052"/>
-            <a:ext cx="493400" cy="493400"/>
+            <a:r>
+              <a:rPr lang="en-US" sz="2000" dirty="0"/>
+              <a:t>Total Tokens </a:t>
+            </a:r>
+          </a:p>
+          <a:p>
+            <a:pPr algn="ctr"/>
+            <a:r>
+              <a:rPr lang="en-US" sz="2000" dirty="0"/>
+              <a:t>2,562,236</a:t>
+            </a:r>
+          </a:p>
+        </p:txBody>
+      </p:sp>
+      <p:sp>
+        <p:nvSpPr>
+          <p:cNvPr id="9" name="Rectangle 8">
+            <a:extLst>
+              <a:ext uri="{FF2B5EF4-FFF2-40B4-BE49-F238E27FC236}">
+                <a16:creationId xmlns:a16="http://schemas.microsoft.com/office/drawing/2014/main" id="{B20A5704-18BF-DBC0-3A0B-B8EA205E7D2F}"/>
+              </a:ext>
+            </a:extLst>
+          </p:cNvPr>
+          <p:cNvSpPr/>
+          <p:nvPr/>
+        </p:nvSpPr>
+        <p:spPr>
+          <a:xfrm>
+            <a:off x="178943" y="3181170"/>
+            <a:ext cx="1753444" cy="806246"/>
           </a:xfrm>
           <a:prstGeom prst="rect">
             <a:avLst/>
           </a:prstGeom>
-          <a:noFill/>
-          <a:extLst>
-            <a:ext uri="{909E8E84-426E-40DD-AFC4-6F175D3DCCD1}">
-              <a14:hiddenFill xmlns:a14="http://schemas.microsoft.com/office/drawing/2010/main">
-                <a:solidFill>
-                  <a:srgbClr val="FFFFFF"/>
-                </a:solidFill>
-              </a14:hiddenFill>
-            </a:ext>
-          </a:extLst>
-        </p:spPr>
-      </p:pic>
-      <p:sp>
-        <p:nvSpPr>
-          <p:cNvPr id="9" name="Rectangle 8">
-            <a:extLst>
-              <a:ext uri="{FF2B5EF4-FFF2-40B4-BE49-F238E27FC236}">
-                <a16:creationId xmlns:a16="http://schemas.microsoft.com/office/drawing/2014/main" id="{181CA5E8-E59B-0752-D8DB-E70E50EB4B11}"/>
-              </a:ext>
-            </a:extLst>
-          </p:cNvPr>
-          <p:cNvSpPr/>
-          <p:nvPr/>
-        </p:nvSpPr>
-        <p:spPr>
-          <a:xfrm>
-            <a:off x="817111" y="2015232"/>
-            <a:ext cx="2202536" cy="296387"/>
-          </a:xfrm>
-          <a:prstGeom prst="rect">
-            <a:avLst/>
-          </a:prstGeom>
           <a:solidFill>
-            <a:schemeClr val="bg2">
-              <a:lumMod val="90000"/>
-            </a:schemeClr>
+            <a:srgbClr val="002060"/>
           </a:solidFill>
+          <a:effectLst>
+            <a:glow rad="101600">
+              <a:schemeClr val="accent2">
+                <a:satMod val="175000"/>
+                <a:alpha val="40000"/>
+              </a:schemeClr>
+            </a:glow>
+          </a:effectLst>
         </p:spPr>
         <p:style>
           <a:lnRef idx="2">
@@ -8030,136 +11850,50 @@
           <a:p>
             <a:pPr algn="ctr"/>
             <a:r>
-              <a:rPr lang="en-US" sz="1000" dirty="0" err="1">
-                <a:solidFill>
-                  <a:schemeClr val="tx1"/>
-                </a:solidFill>
-              </a:rPr>
-              <a:t>OpenAI</a:t>
-            </a:r>
-            <a:r>
-              <a:rPr lang="en-US" sz="1000" dirty="0">
-                <a:solidFill>
-                  <a:schemeClr val="tx1"/>
-                </a:solidFill>
-              </a:rPr>
-              <a:t> Agent SDK</a:t>
-            </a:r>
-          </a:p>
-        </p:txBody>
-      </p:sp>
-      <p:sp>
-        <p:nvSpPr>
-          <p:cNvPr id="12" name="TextBox 11">
-            <a:extLst>
-              <a:ext uri="{FF2B5EF4-FFF2-40B4-BE49-F238E27FC236}">
-                <a16:creationId xmlns:a16="http://schemas.microsoft.com/office/drawing/2014/main" id="{ED8B41B5-06B6-DB7A-3468-8C909EC922D1}"/>
-              </a:ext>
-            </a:extLst>
-          </p:cNvPr>
-          <p:cNvSpPr txBox="1"/>
-          <p:nvPr/>
-        </p:nvSpPr>
-        <p:spPr>
-          <a:xfrm>
-            <a:off x="868266" y="1588556"/>
-            <a:ext cx="1676293" cy="215444"/>
+              <a:rPr lang="en-US" sz="2000" dirty="0"/>
+              <a:t>Total Requests </a:t>
+            </a:r>
+          </a:p>
+          <a:p>
+            <a:pPr algn="ctr"/>
+            <a:r>
+              <a:rPr lang="en-US" sz="2000" dirty="0"/>
+              <a:t>777</a:t>
+            </a:r>
+          </a:p>
+        </p:txBody>
+      </p:sp>
+      <p:sp>
+        <p:nvSpPr>
+          <p:cNvPr id="10" name="Rectangle 9">
+            <a:extLst>
+              <a:ext uri="{FF2B5EF4-FFF2-40B4-BE49-F238E27FC236}">
+                <a16:creationId xmlns:a16="http://schemas.microsoft.com/office/drawing/2014/main" id="{DC5CB9B1-154A-7E14-1F77-4FEAD148634D}"/>
+              </a:ext>
+            </a:extLst>
+          </p:cNvPr>
+          <p:cNvSpPr/>
+          <p:nvPr/>
+        </p:nvSpPr>
+        <p:spPr>
+          <a:xfrm>
+            <a:off x="178943" y="4382729"/>
+            <a:ext cx="1753444" cy="806246"/>
           </a:xfrm>
           <a:prstGeom prst="rect">
             <a:avLst/>
           </a:prstGeom>
           <a:solidFill>
-            <a:schemeClr val="bg1"/>
+            <a:srgbClr val="002060"/>
           </a:solidFill>
-        </p:spPr>
-        <p:txBody>
-          <a:bodyPr wrap="none" lIns="0" tIns="0" rIns="0" bIns="0" rtlCol="0">
-            <a:spAutoFit/>
-          </a:bodyPr>
-          <a:lstStyle/>
-          <a:p>
-            <a:r>
-              <a:rPr lang="en-US" sz="1400" dirty="0"/>
-              <a:t> </a:t>
-            </a:r>
-            <a:r>
-              <a:rPr lang="en-US" sz="1400" dirty="0" err="1"/>
-              <a:t>AgenticAi</a:t>
-            </a:r>
-            <a:r>
-              <a:rPr lang="en-US" sz="1400" dirty="0"/>
-              <a:t> Auto Trader </a:t>
-            </a:r>
-          </a:p>
-        </p:txBody>
-      </p:sp>
-      <p:pic>
-        <p:nvPicPr>
-          <p:cNvPr id="13" name="Picture 4" descr="openai&quot; Icon - Download for free – Iconduck">
-            <a:extLst>
-              <a:ext uri="{FF2B5EF4-FFF2-40B4-BE49-F238E27FC236}">
-                <a16:creationId xmlns:a16="http://schemas.microsoft.com/office/drawing/2014/main" id="{5F8B2439-82B8-B981-D858-6656A51915F0}"/>
-              </a:ext>
-            </a:extLst>
-          </p:cNvPr>
-          <p:cNvPicPr>
-            <a:picLocks noChangeAspect="1" noChangeArrowheads="1"/>
-          </p:cNvPicPr>
-          <p:nvPr/>
-        </p:nvPicPr>
-        <p:blipFill>
-          <a:blip r:embed="rId3">
-            <a:extLst>
-              <a:ext uri="{28A0092B-C50C-407E-A947-70E740481C1C}">
-                <a14:useLocalDpi xmlns:a14="http://schemas.microsoft.com/office/drawing/2010/main" val="0"/>
-              </a:ext>
-            </a:extLst>
-          </a:blip>
-          <a:srcRect/>
-          <a:stretch>
-            <a:fillRect/>
-          </a:stretch>
-        </p:blipFill>
-        <p:spPr bwMode="auto">
-          <a:xfrm>
-            <a:off x="1140390" y="2079039"/>
-            <a:ext cx="198821" cy="201495"/>
-          </a:xfrm>
-          <a:prstGeom prst="rect">
-            <a:avLst/>
-          </a:prstGeom>
-          <a:noFill/>
-          <a:extLst>
-            <a:ext uri="{909E8E84-426E-40DD-AFC4-6F175D3DCCD1}">
-              <a14:hiddenFill xmlns:a14="http://schemas.microsoft.com/office/drawing/2010/main">
-                <a:solidFill>
-                  <a:srgbClr val="FFFFFF"/>
-                </a:solidFill>
-              </a14:hiddenFill>
-            </a:ext>
-          </a:extLst>
-        </p:spPr>
-      </p:pic>
-      <p:sp>
-        <p:nvSpPr>
-          <p:cNvPr id="14" name="Rectangle 13">
-            <a:extLst>
-              <a:ext uri="{FF2B5EF4-FFF2-40B4-BE49-F238E27FC236}">
-                <a16:creationId xmlns:a16="http://schemas.microsoft.com/office/drawing/2014/main" id="{B45E53AA-8D35-E00C-78E1-0A9074E13217}"/>
-              </a:ext>
-            </a:extLst>
-          </p:cNvPr>
-          <p:cNvSpPr/>
-          <p:nvPr/>
-        </p:nvSpPr>
-        <p:spPr>
-          <a:xfrm>
-            <a:off x="868266" y="2418951"/>
-            <a:ext cx="216255" cy="3503383"/>
-          </a:xfrm>
-          <a:prstGeom prst="rect">
-            <a:avLst/>
-          </a:prstGeom>
+          <a:effectLst>
+            <a:glow rad="101600">
+              <a:schemeClr val="accent2">
+                <a:satMod val="175000"/>
+                <a:alpha val="40000"/>
+              </a:schemeClr>
+            </a:glow>
+          </a:effectLst>
         </p:spPr>
         <p:style>
           <a:lnRef idx="2">
@@ -8178,855 +11912,66 @@
           </a:fontRef>
         </p:style>
         <p:txBody>
-          <a:bodyPr vert="vert270" rtlCol="0" anchor="ctr"/>
+          <a:bodyPr rtlCol="0" anchor="ctr"/>
           <a:lstStyle/>
           <a:p>
             <a:pPr algn="ctr"/>
             <a:r>
-              <a:rPr lang="en-US" sz="1100" dirty="0"/>
-              <a:t>Agent Orchestrator</a:t>
-            </a:r>
-          </a:p>
-        </p:txBody>
-      </p:sp>
-      <p:sp>
-        <p:nvSpPr>
-          <p:cNvPr id="15" name="Rectangle 14">
-            <a:extLst>
-              <a:ext uri="{FF2B5EF4-FFF2-40B4-BE49-F238E27FC236}">
-                <a16:creationId xmlns:a16="http://schemas.microsoft.com/office/drawing/2014/main" id="{E26BDEE5-17D2-D4FA-7F21-D4FE1C75427E}"/>
-              </a:ext>
-            </a:extLst>
-          </p:cNvPr>
-          <p:cNvSpPr/>
-          <p:nvPr/>
-        </p:nvSpPr>
-        <p:spPr>
-          <a:xfrm>
-            <a:off x="1364739" y="2675366"/>
-            <a:ext cx="1508424" cy="238339"/>
-          </a:xfrm>
-          <a:prstGeom prst="rect">
-            <a:avLst/>
-          </a:prstGeom>
-        </p:spPr>
-        <p:style>
-          <a:lnRef idx="2">
-            <a:schemeClr val="accent1">
-              <a:shade val="15000"/>
-            </a:schemeClr>
-          </a:lnRef>
-          <a:fillRef idx="1">
-            <a:schemeClr val="accent1"/>
-          </a:fillRef>
-          <a:effectRef idx="0">
-            <a:schemeClr val="accent1"/>
-          </a:effectRef>
-          <a:fontRef idx="minor">
-            <a:schemeClr val="lt1"/>
-          </a:fontRef>
-        </p:style>
-        <p:txBody>
-          <a:bodyPr vert="horz" rtlCol="0" anchor="ctr"/>
-          <a:lstStyle/>
+              <a:rPr lang="en-US" sz="2000" dirty="0"/>
+              <a:t>Total Spent </a:t>
+            </a:r>
+          </a:p>
           <a:p>
             <a:pPr algn="ctr"/>
             <a:r>
-              <a:rPr lang="en-US" sz="1100" dirty="0"/>
-              <a:t>Sales Agent</a:t>
-            </a:r>
-          </a:p>
-        </p:txBody>
-      </p:sp>
-      <p:sp>
-        <p:nvSpPr>
-          <p:cNvPr id="16" name="Rectangle 15">
-            <a:extLst>
-              <a:ext uri="{FF2B5EF4-FFF2-40B4-BE49-F238E27FC236}">
-                <a16:creationId xmlns:a16="http://schemas.microsoft.com/office/drawing/2014/main" id="{128C9241-BAA6-DB91-EC1E-58592A012132}"/>
-              </a:ext>
-            </a:extLst>
-          </p:cNvPr>
-          <p:cNvSpPr/>
-          <p:nvPr/>
-        </p:nvSpPr>
-        <p:spPr>
-          <a:xfrm>
-            <a:off x="1397089" y="3551289"/>
-            <a:ext cx="1508424" cy="238339"/>
-          </a:xfrm>
-          <a:prstGeom prst="rect">
-            <a:avLst/>
-          </a:prstGeom>
-        </p:spPr>
-        <p:style>
-          <a:lnRef idx="2">
-            <a:schemeClr val="accent1">
-              <a:shade val="15000"/>
-            </a:schemeClr>
-          </a:lnRef>
-          <a:fillRef idx="1">
-            <a:schemeClr val="accent1"/>
-          </a:fillRef>
-          <a:effectRef idx="0">
-            <a:schemeClr val="accent1"/>
-          </a:effectRef>
-          <a:fontRef idx="minor">
-            <a:schemeClr val="lt1"/>
-          </a:fontRef>
-        </p:style>
-        <p:txBody>
-          <a:bodyPr vert="horz" rtlCol="0" anchor="ctr"/>
-          <a:lstStyle/>
-          <a:p>
-            <a:pPr algn="ctr"/>
-            <a:r>
-              <a:rPr lang="en-US" sz="1100" dirty="0"/>
-              <a:t>External Agent</a:t>
-            </a:r>
-          </a:p>
-        </p:txBody>
-      </p:sp>
-      <p:sp>
-        <p:nvSpPr>
-          <p:cNvPr id="17" name="Rectangle 16">
-            <a:extLst>
-              <a:ext uri="{FF2B5EF4-FFF2-40B4-BE49-F238E27FC236}">
-                <a16:creationId xmlns:a16="http://schemas.microsoft.com/office/drawing/2014/main" id="{94952E1C-ACD8-CB5F-A79E-3FEEA7489AAC}"/>
-              </a:ext>
-            </a:extLst>
-          </p:cNvPr>
-          <p:cNvSpPr/>
-          <p:nvPr/>
-        </p:nvSpPr>
-        <p:spPr>
-          <a:xfrm>
-            <a:off x="1378314" y="4450808"/>
-            <a:ext cx="1508424" cy="238339"/>
-          </a:xfrm>
-          <a:prstGeom prst="rect">
-            <a:avLst/>
-          </a:prstGeom>
-        </p:spPr>
-        <p:style>
-          <a:lnRef idx="2">
-            <a:schemeClr val="accent1">
-              <a:shade val="15000"/>
-            </a:schemeClr>
-          </a:lnRef>
-          <a:fillRef idx="1">
-            <a:schemeClr val="accent1"/>
-          </a:fillRef>
-          <a:effectRef idx="0">
-            <a:schemeClr val="accent1"/>
-          </a:effectRef>
-          <a:fontRef idx="minor">
-            <a:schemeClr val="lt1"/>
-          </a:fontRef>
-        </p:style>
-        <p:txBody>
-          <a:bodyPr vert="horz" rtlCol="0" anchor="ctr"/>
-          <a:lstStyle/>
-          <a:p>
-            <a:pPr algn="ctr"/>
-            <a:r>
-              <a:rPr lang="en-US" sz="1100" dirty="0"/>
-              <a:t>Financial Analyst Agent</a:t>
-            </a:r>
-          </a:p>
-        </p:txBody>
-      </p:sp>
-      <p:sp>
-        <p:nvSpPr>
-          <p:cNvPr id="18" name="Rectangle 17">
-            <a:extLst>
-              <a:ext uri="{FF2B5EF4-FFF2-40B4-BE49-F238E27FC236}">
-                <a16:creationId xmlns:a16="http://schemas.microsoft.com/office/drawing/2014/main" id="{D2197C10-5034-9381-1417-5A438589ADE1}"/>
-              </a:ext>
-            </a:extLst>
-          </p:cNvPr>
-          <p:cNvSpPr/>
-          <p:nvPr/>
-        </p:nvSpPr>
-        <p:spPr>
-          <a:xfrm>
-            <a:off x="1378314" y="5216529"/>
-            <a:ext cx="1508424" cy="238339"/>
-          </a:xfrm>
-          <a:prstGeom prst="rect">
-            <a:avLst/>
-          </a:prstGeom>
-        </p:spPr>
-        <p:style>
-          <a:lnRef idx="2">
-            <a:schemeClr val="accent1">
-              <a:shade val="15000"/>
-            </a:schemeClr>
-          </a:lnRef>
-          <a:fillRef idx="1">
-            <a:schemeClr val="accent1"/>
-          </a:fillRef>
-          <a:effectRef idx="0">
-            <a:schemeClr val="accent1"/>
-          </a:effectRef>
-          <a:fontRef idx="minor">
-            <a:schemeClr val="lt1"/>
-          </a:fontRef>
-        </p:style>
-        <p:txBody>
-          <a:bodyPr vert="horz" rtlCol="0" anchor="ctr"/>
-          <a:lstStyle/>
-          <a:p>
-            <a:pPr algn="ctr"/>
-            <a:r>
-              <a:rPr lang="en-US" sz="1100" dirty="0"/>
-              <a:t>Communications Agent</a:t>
-            </a:r>
-          </a:p>
-        </p:txBody>
-      </p:sp>
-      <p:sp>
-        <p:nvSpPr>
-          <p:cNvPr id="20" name="Internal Storage 19">
-            <a:extLst>
-              <a:ext uri="{FF2B5EF4-FFF2-40B4-BE49-F238E27FC236}">
-                <a16:creationId xmlns:a16="http://schemas.microsoft.com/office/drawing/2014/main" id="{0B2CCCFB-96A1-C308-0165-B9032FB18335}"/>
-              </a:ext>
-            </a:extLst>
-          </p:cNvPr>
-          <p:cNvSpPr/>
-          <p:nvPr/>
-        </p:nvSpPr>
-        <p:spPr>
-          <a:xfrm>
-            <a:off x="9434726" y="2489236"/>
-            <a:ext cx="703624" cy="424469"/>
-          </a:xfrm>
-          <a:prstGeom prst="flowChartInternalStorage">
-            <a:avLst/>
-          </a:prstGeom>
-          <a:solidFill>
-            <a:schemeClr val="tx2">
-              <a:lumMod val="20000"/>
-              <a:lumOff val="80000"/>
-            </a:schemeClr>
-          </a:solidFill>
-        </p:spPr>
-        <p:style>
-          <a:lnRef idx="2">
-            <a:schemeClr val="accent1">
-              <a:shade val="15000"/>
-            </a:schemeClr>
-          </a:lnRef>
-          <a:fillRef idx="1">
-            <a:schemeClr val="accent1"/>
-          </a:fillRef>
-          <a:effectRef idx="0">
-            <a:schemeClr val="accent1"/>
-          </a:effectRef>
-          <a:fontRef idx="minor">
-            <a:schemeClr val="lt1"/>
-          </a:fontRef>
-        </p:style>
-        <p:txBody>
-          <a:bodyPr lIns="0" tIns="0" rIns="0" bIns="0" rtlCol="0" anchor="ctr"/>
-          <a:lstStyle/>
-          <a:p>
-            <a:pPr algn="ctr"/>
-            <a:r>
-              <a:rPr lang="en-US" sz="1000" b="1" dirty="0">
-                <a:solidFill>
-                  <a:schemeClr val="tx1">
-                    <a:lumMod val="65000"/>
-                    <a:lumOff val="35000"/>
-                  </a:schemeClr>
-                </a:solidFill>
-              </a:rPr>
-              <a:t>Inventory</a:t>
+              <a:rPr lang="en-US" sz="2800" dirty="0"/>
+              <a:t>$5.28</a:t>
             </a:r>
           </a:p>
         </p:txBody>
       </p:sp>
       <p:pic>
         <p:nvPicPr>
-          <p:cNvPr id="1030" name="Picture 6" descr="Internet (global network icon) premium ...">
-            <a:extLst>
-              <a:ext uri="{FF2B5EF4-FFF2-40B4-BE49-F238E27FC236}">
-                <a16:creationId xmlns:a16="http://schemas.microsoft.com/office/drawing/2014/main" id="{B3A097C0-4036-FC5A-E485-C04EC7F7513A}"/>
+          <p:cNvPr id="11" name="Picture 10">
+            <a:extLst>
+              <a:ext uri="{FF2B5EF4-FFF2-40B4-BE49-F238E27FC236}">
+                <a16:creationId xmlns:a16="http://schemas.microsoft.com/office/drawing/2014/main" id="{34E7A47E-D23F-34EC-9E1A-B226F8ABB57F}"/>
               </a:ext>
             </a:extLst>
           </p:cNvPr>
           <p:cNvPicPr>
-            <a:picLocks noChangeAspect="1" noChangeArrowheads="1"/>
+            <a:picLocks noChangeAspect="1"/>
           </p:cNvPicPr>
           <p:nvPr/>
         </p:nvPicPr>
         <p:blipFill>
-          <a:blip r:embed="rId4">
-            <a:extLst>
-              <a:ext uri="{28A0092B-C50C-407E-A947-70E740481C1C}">
-                <a14:useLocalDpi xmlns:a14="http://schemas.microsoft.com/office/drawing/2010/main" val="0"/>
-              </a:ext>
-            </a:extLst>
-          </a:blip>
-          <a:srcRect/>
+          <a:blip r:embed="rId2"/>
           <a:stretch>
             <a:fillRect/>
           </a:stretch>
         </p:blipFill>
-        <p:spPr bwMode="auto">
-          <a:xfrm>
-            <a:off x="9520503" y="3242526"/>
-            <a:ext cx="548640" cy="556021"/>
+        <p:spPr>
+          <a:xfrm>
+            <a:off x="2187448" y="1340703"/>
+            <a:ext cx="9825609" cy="4877562"/>
           </a:xfrm>
           <a:prstGeom prst="rect">
             <a:avLst/>
           </a:prstGeom>
-          <a:noFill/>
-          <a:extLst>
-            <a:ext uri="{909E8E84-426E-40DD-AFC4-6F175D3DCCD1}">
-              <a14:hiddenFill xmlns:a14="http://schemas.microsoft.com/office/drawing/2010/main">
-                <a:solidFill>
-                  <a:srgbClr val="FFFFFF"/>
-                </a:solidFill>
-              </a14:hiddenFill>
-            </a:ext>
-          </a:extLst>
+          <a:effectLst>
+            <a:glow rad="101600">
+              <a:schemeClr val="accent5">
+                <a:satMod val="175000"/>
+                <a:alpha val="40000"/>
+              </a:schemeClr>
+            </a:glow>
+          </a:effectLst>
         </p:spPr>
       </p:pic>
-      <p:pic>
-        <p:nvPicPr>
-          <p:cNvPr id="1032" name="Picture 8" descr="File - Free icons">
-            <a:extLst>
-              <a:ext uri="{FF2B5EF4-FFF2-40B4-BE49-F238E27FC236}">
-                <a16:creationId xmlns:a16="http://schemas.microsoft.com/office/drawing/2014/main" id="{12D6F077-89C4-D508-43A2-5AED9A36D3DC}"/>
-              </a:ext>
-            </a:extLst>
-          </p:cNvPr>
-          <p:cNvPicPr>
-            <a:picLocks noChangeAspect="1" noChangeArrowheads="1"/>
-          </p:cNvPicPr>
-          <p:nvPr/>
-        </p:nvPicPr>
-        <p:blipFill>
-          <a:blip r:embed="rId5">
-            <a:extLst>
-              <a:ext uri="{28A0092B-C50C-407E-A947-70E740481C1C}">
-                <a14:useLocalDpi xmlns:a14="http://schemas.microsoft.com/office/drawing/2010/main" val="0"/>
-              </a:ext>
-            </a:extLst>
-          </a:blip>
-          <a:srcRect/>
-          <a:stretch>
-            <a:fillRect/>
-          </a:stretch>
-        </p:blipFill>
-        <p:spPr bwMode="auto">
-          <a:xfrm>
-            <a:off x="9520503" y="4162157"/>
-            <a:ext cx="594094" cy="594094"/>
-          </a:xfrm>
-          <a:prstGeom prst="rect">
-            <a:avLst/>
-          </a:prstGeom>
-          <a:noFill/>
-          <a:extLst>
-            <a:ext uri="{909E8E84-426E-40DD-AFC4-6F175D3DCCD1}">
-              <a14:hiddenFill xmlns:a14="http://schemas.microsoft.com/office/drawing/2010/main">
-                <a:solidFill>
-                  <a:srgbClr val="FFFFFF"/>
-                </a:solidFill>
-              </a14:hiddenFill>
-            </a:ext>
-          </a:extLst>
-        </p:spPr>
-      </p:pic>
-      <p:pic>
-        <p:nvPicPr>
-          <p:cNvPr id="1034" name="Picture 10" descr="Send Mail - Free communications icons">
-            <a:extLst>
-              <a:ext uri="{FF2B5EF4-FFF2-40B4-BE49-F238E27FC236}">
-                <a16:creationId xmlns:a16="http://schemas.microsoft.com/office/drawing/2014/main" id="{0285715F-6542-BC36-F11F-181448732ADD}"/>
-              </a:ext>
-            </a:extLst>
-          </p:cNvPr>
-          <p:cNvPicPr>
-            <a:picLocks noChangeAspect="1" noChangeArrowheads="1"/>
-          </p:cNvPicPr>
-          <p:nvPr/>
-        </p:nvPicPr>
-        <p:blipFill>
-          <a:blip r:embed="rId6">
-            <a:extLst>
-              <a:ext uri="{28A0092B-C50C-407E-A947-70E740481C1C}">
-                <a14:useLocalDpi xmlns:a14="http://schemas.microsoft.com/office/drawing/2010/main" val="0"/>
-              </a:ext>
-            </a:extLst>
-          </a:blip>
-          <a:srcRect/>
-          <a:stretch>
-            <a:fillRect/>
-          </a:stretch>
-        </p:blipFill>
-        <p:spPr bwMode="auto">
-          <a:xfrm>
-            <a:off x="9489491" y="5347498"/>
-            <a:ext cx="594093" cy="594093"/>
-          </a:xfrm>
-          <a:prstGeom prst="rect">
-            <a:avLst/>
-          </a:prstGeom>
-          <a:noFill/>
-          <a:extLst>
-            <a:ext uri="{909E8E84-426E-40DD-AFC4-6F175D3DCCD1}">
-              <a14:hiddenFill xmlns:a14="http://schemas.microsoft.com/office/drawing/2010/main">
-                <a:solidFill>
-                  <a:srgbClr val="FFFFFF"/>
-                </a:solidFill>
-              </a14:hiddenFill>
-            </a:ext>
-          </a:extLst>
-        </p:spPr>
-      </p:pic>
-      <p:sp>
-        <p:nvSpPr>
-          <p:cNvPr id="21" name="TextBox 20">
-            <a:extLst>
-              <a:ext uri="{FF2B5EF4-FFF2-40B4-BE49-F238E27FC236}">
-                <a16:creationId xmlns:a16="http://schemas.microsoft.com/office/drawing/2014/main" id="{3A8BD865-0897-D384-61D7-46EBD65DF901}"/>
-              </a:ext>
-            </a:extLst>
-          </p:cNvPr>
-          <p:cNvSpPr txBox="1"/>
-          <p:nvPr/>
-        </p:nvSpPr>
-        <p:spPr>
-          <a:xfrm>
-            <a:off x="9073842" y="4724380"/>
-            <a:ext cx="1425390" cy="261610"/>
-          </a:xfrm>
-          <a:prstGeom prst="rect">
-            <a:avLst/>
-          </a:prstGeom>
-          <a:noFill/>
-        </p:spPr>
-        <p:txBody>
-          <a:bodyPr wrap="none" rtlCol="0">
-            <a:spAutoFit/>
-          </a:bodyPr>
-          <a:lstStyle/>
-          <a:p>
-            <a:r>
-              <a:rPr lang="en-US" sz="1100" dirty="0"/>
-              <a:t>Multi years sales data</a:t>
-            </a:r>
-          </a:p>
-        </p:txBody>
-      </p:sp>
-      <p:sp>
-        <p:nvSpPr>
-          <p:cNvPr id="22" name="Rounded Rectangle 21">
-            <a:extLst>
-              <a:ext uri="{FF2B5EF4-FFF2-40B4-BE49-F238E27FC236}">
-                <a16:creationId xmlns:a16="http://schemas.microsoft.com/office/drawing/2014/main" id="{10B242C4-ACDD-807D-728F-DD3B5FE6FC17}"/>
-              </a:ext>
-            </a:extLst>
-          </p:cNvPr>
-          <p:cNvSpPr/>
-          <p:nvPr/>
-        </p:nvSpPr>
-        <p:spPr>
-          <a:xfrm>
-            <a:off x="6013178" y="1715631"/>
-            <a:ext cx="1758534" cy="4465671"/>
-          </a:xfrm>
-          <a:prstGeom prst="roundRect">
-            <a:avLst>
-              <a:gd name="adj" fmla="val 4151"/>
-            </a:avLst>
-          </a:prstGeom>
-          <a:noFill/>
-          <a:ln>
-            <a:prstDash val="dash"/>
-          </a:ln>
-        </p:spPr>
-        <p:style>
-          <a:lnRef idx="2">
-            <a:schemeClr val="accent1">
-              <a:shade val="15000"/>
-            </a:schemeClr>
-          </a:lnRef>
-          <a:fillRef idx="1">
-            <a:schemeClr val="accent1"/>
-          </a:fillRef>
-          <a:effectRef idx="0">
-            <a:schemeClr val="accent1"/>
-          </a:effectRef>
-          <a:fontRef idx="minor">
-            <a:schemeClr val="lt1"/>
-          </a:fontRef>
-        </p:style>
-        <p:txBody>
-          <a:bodyPr rtlCol="0" anchor="ctr"/>
-          <a:lstStyle/>
-          <a:p>
-            <a:pPr algn="ctr"/>
-            <a:endParaRPr lang="en-US"/>
-          </a:p>
-        </p:txBody>
-      </p:sp>
-      <p:sp>
-        <p:nvSpPr>
-          <p:cNvPr id="23" name="Rounded Rectangle 22">
-            <a:extLst>
-              <a:ext uri="{FF2B5EF4-FFF2-40B4-BE49-F238E27FC236}">
-                <a16:creationId xmlns:a16="http://schemas.microsoft.com/office/drawing/2014/main" id="{E69DF7BA-0094-8B33-5801-B1ED4EF5CDBF}"/>
-              </a:ext>
-            </a:extLst>
-          </p:cNvPr>
-          <p:cNvSpPr/>
-          <p:nvPr/>
-        </p:nvSpPr>
-        <p:spPr>
-          <a:xfrm>
-            <a:off x="8836681" y="1715631"/>
-            <a:ext cx="1758534" cy="4465671"/>
-          </a:xfrm>
-          <a:prstGeom prst="roundRect">
-            <a:avLst>
-              <a:gd name="adj" fmla="val 4151"/>
-            </a:avLst>
-          </a:prstGeom>
-          <a:noFill/>
-          <a:ln>
-            <a:prstDash val="dash"/>
-          </a:ln>
-        </p:spPr>
-        <p:style>
-          <a:lnRef idx="2">
-            <a:schemeClr val="accent1">
-              <a:shade val="15000"/>
-            </a:schemeClr>
-          </a:lnRef>
-          <a:fillRef idx="1">
-            <a:schemeClr val="accent1"/>
-          </a:fillRef>
-          <a:effectRef idx="0">
-            <a:schemeClr val="accent1"/>
-          </a:effectRef>
-          <a:fontRef idx="minor">
-            <a:schemeClr val="lt1"/>
-          </a:fontRef>
-        </p:style>
-        <p:txBody>
-          <a:bodyPr rtlCol="0" anchor="ctr"/>
-          <a:lstStyle/>
-          <a:p>
-            <a:pPr algn="ctr"/>
-            <a:endParaRPr lang="en-US"/>
-          </a:p>
-        </p:txBody>
-      </p:sp>
-      <p:pic>
-        <p:nvPicPr>
-          <p:cNvPr id="24" name="Picture 4" descr="openai&quot; Icon - Download for free – Iconduck">
-            <a:extLst>
-              <a:ext uri="{FF2B5EF4-FFF2-40B4-BE49-F238E27FC236}">
-                <a16:creationId xmlns:a16="http://schemas.microsoft.com/office/drawing/2014/main" id="{8D2254CC-8037-E5DC-DF67-78543E5B6BF8}"/>
-              </a:ext>
-            </a:extLst>
-          </p:cNvPr>
-          <p:cNvPicPr>
-            <a:picLocks noChangeAspect="1" noChangeArrowheads="1"/>
-          </p:cNvPicPr>
-          <p:nvPr/>
-        </p:nvPicPr>
-        <p:blipFill>
-          <a:blip r:embed="rId3">
-            <a:extLst>
-              <a:ext uri="{28A0092B-C50C-407E-A947-70E740481C1C}">
-                <a14:useLocalDpi xmlns:a14="http://schemas.microsoft.com/office/drawing/2010/main" val="0"/>
-              </a:ext>
-            </a:extLst>
-          </a:blip>
-          <a:srcRect/>
-          <a:stretch>
-            <a:fillRect/>
-          </a:stretch>
-        </p:blipFill>
-        <p:spPr bwMode="auto">
-          <a:xfrm>
-            <a:off x="7652551" y="1601710"/>
-            <a:ext cx="238322" cy="241527"/>
-          </a:xfrm>
-          <a:prstGeom prst="rect">
-            <a:avLst/>
-          </a:prstGeom>
-          <a:noFill/>
-          <a:extLst>
-            <a:ext uri="{909E8E84-426E-40DD-AFC4-6F175D3DCCD1}">
-              <a14:hiddenFill xmlns:a14="http://schemas.microsoft.com/office/drawing/2010/main">
-                <a:solidFill>
-                  <a:srgbClr val="FFFFFF"/>
-                </a:solidFill>
-              </a14:hiddenFill>
-            </a:ext>
-          </a:extLst>
-        </p:spPr>
-      </p:pic>
-      <p:sp>
-        <p:nvSpPr>
-          <p:cNvPr id="26" name="TextBox 25">
-            <a:extLst>
-              <a:ext uri="{FF2B5EF4-FFF2-40B4-BE49-F238E27FC236}">
-                <a16:creationId xmlns:a16="http://schemas.microsoft.com/office/drawing/2014/main" id="{98E89F51-5035-54B4-F507-BED780443E9F}"/>
-              </a:ext>
-            </a:extLst>
-          </p:cNvPr>
-          <p:cNvSpPr txBox="1"/>
-          <p:nvPr/>
-        </p:nvSpPr>
-        <p:spPr>
-          <a:xfrm>
-            <a:off x="6189832" y="2675366"/>
-            <a:ext cx="1424763" cy="307777"/>
-          </a:xfrm>
-          <a:prstGeom prst="rect">
-            <a:avLst/>
-          </a:prstGeom>
-          <a:noFill/>
-        </p:spPr>
-        <p:txBody>
-          <a:bodyPr wrap="square">
-            <a:spAutoFit/>
-          </a:bodyPr>
-          <a:lstStyle/>
-          <a:p>
-            <a:pPr algn="ctr"/>
-            <a:r>
-              <a:rPr lang="en-US" sz="1400" b="0" i="0" dirty="0">
-                <a:effectLst/>
-                <a:latin typeface="OpenAI Sans"/>
-              </a:rPr>
-              <a:t>gpt-4o-mini</a:t>
-            </a:r>
-            <a:endParaRPr lang="en-US" sz="1400" dirty="0"/>
-          </a:p>
-        </p:txBody>
-      </p:sp>
-      <p:sp>
-        <p:nvSpPr>
-          <p:cNvPr id="27" name="TextBox 26">
-            <a:extLst>
-              <a:ext uri="{FF2B5EF4-FFF2-40B4-BE49-F238E27FC236}">
-                <a16:creationId xmlns:a16="http://schemas.microsoft.com/office/drawing/2014/main" id="{231C6C39-0895-6717-DAB8-2A6080F80C53}"/>
-              </a:ext>
-            </a:extLst>
-          </p:cNvPr>
-          <p:cNvSpPr txBox="1"/>
-          <p:nvPr/>
-        </p:nvSpPr>
-        <p:spPr>
-          <a:xfrm>
-            <a:off x="6180063" y="3845196"/>
-            <a:ext cx="1424763" cy="307777"/>
-          </a:xfrm>
-          <a:prstGeom prst="rect">
-            <a:avLst/>
-          </a:prstGeom>
-          <a:noFill/>
-        </p:spPr>
-        <p:txBody>
-          <a:bodyPr wrap="square">
-            <a:spAutoFit/>
-          </a:bodyPr>
-          <a:lstStyle/>
-          <a:p>
-            <a:pPr algn="ctr"/>
-            <a:r>
-              <a:rPr lang="en-US" sz="1400" b="0" i="0" dirty="0">
-                <a:effectLst/>
-                <a:latin typeface="OpenAI Sans"/>
-              </a:rPr>
-              <a:t>gpt-4o</a:t>
-            </a:r>
-            <a:endParaRPr lang="en-US" sz="1400" dirty="0"/>
-          </a:p>
-        </p:txBody>
-      </p:sp>
-      <p:sp>
-        <p:nvSpPr>
-          <p:cNvPr id="28" name="TextBox 27">
-            <a:extLst>
-              <a:ext uri="{FF2B5EF4-FFF2-40B4-BE49-F238E27FC236}">
-                <a16:creationId xmlns:a16="http://schemas.microsoft.com/office/drawing/2014/main" id="{DE1E2EC2-6CF2-1E81-8283-7620E13F9EB0}"/>
-              </a:ext>
-            </a:extLst>
-          </p:cNvPr>
-          <p:cNvSpPr txBox="1"/>
-          <p:nvPr/>
-        </p:nvSpPr>
-        <p:spPr>
-          <a:xfrm>
-            <a:off x="6189831" y="5027922"/>
-            <a:ext cx="1424763" cy="307777"/>
-          </a:xfrm>
-          <a:prstGeom prst="rect">
-            <a:avLst/>
-          </a:prstGeom>
-          <a:noFill/>
-        </p:spPr>
-        <p:txBody>
-          <a:bodyPr wrap="square">
-            <a:spAutoFit/>
-          </a:bodyPr>
-          <a:lstStyle/>
-          <a:p>
-            <a:pPr algn="ctr"/>
-            <a:r>
-              <a:rPr lang="en-US" sz="1400" b="0" i="0" dirty="0">
-                <a:effectLst/>
-                <a:latin typeface="OpenAI Sans"/>
-              </a:rPr>
-              <a:t>gpt-4-turbo</a:t>
-            </a:r>
-            <a:endParaRPr lang="en-US" sz="1400" dirty="0"/>
-          </a:p>
-        </p:txBody>
-      </p:sp>
-      <p:cxnSp>
-        <p:nvCxnSpPr>
-          <p:cNvPr id="30" name="Curved Connector 29">
-            <a:extLst>
-              <a:ext uri="{FF2B5EF4-FFF2-40B4-BE49-F238E27FC236}">
-                <a16:creationId xmlns:a16="http://schemas.microsoft.com/office/drawing/2014/main" id="{3779E385-A685-A3EF-E46F-EDBF038FB3AC}"/>
-              </a:ext>
-            </a:extLst>
-          </p:cNvPr>
-          <p:cNvCxnSpPr>
-            <a:cxnSpLocks/>
-            <a:stCxn id="15" idx="3"/>
-            <a:endCxn id="22" idx="1"/>
-          </p:cNvCxnSpPr>
-          <p:nvPr/>
-        </p:nvCxnSpPr>
-        <p:spPr>
-          <a:xfrm>
-            <a:off x="2873163" y="2794536"/>
-            <a:ext cx="3140015" cy="1153931"/>
-          </a:xfrm>
-          <a:prstGeom prst="curvedConnector3">
-            <a:avLst/>
-          </a:prstGeom>
-          <a:ln>
-            <a:tailEnd type="triangle"/>
-          </a:ln>
-        </p:spPr>
-        <p:style>
-          <a:lnRef idx="1">
-            <a:schemeClr val="accent1"/>
-          </a:lnRef>
-          <a:fillRef idx="0">
-            <a:schemeClr val="accent1"/>
-          </a:fillRef>
-          <a:effectRef idx="0">
-            <a:schemeClr val="accent1"/>
-          </a:effectRef>
-          <a:fontRef idx="minor">
-            <a:schemeClr val="tx1"/>
-          </a:fontRef>
-        </p:style>
-      </p:cxnSp>
-      <p:cxnSp>
-        <p:nvCxnSpPr>
-          <p:cNvPr id="31" name="Curved Connector 30">
-            <a:extLst>
-              <a:ext uri="{FF2B5EF4-FFF2-40B4-BE49-F238E27FC236}">
-                <a16:creationId xmlns:a16="http://schemas.microsoft.com/office/drawing/2014/main" id="{C89FAD76-77B2-557B-45E8-D98328D37D98}"/>
-              </a:ext>
-            </a:extLst>
-          </p:cNvPr>
-          <p:cNvCxnSpPr>
-            <a:cxnSpLocks/>
-            <a:stCxn id="26" idx="3"/>
-            <a:endCxn id="20" idx="1"/>
-          </p:cNvCxnSpPr>
-          <p:nvPr/>
-        </p:nvCxnSpPr>
-        <p:spPr>
-          <a:xfrm flipV="1">
-            <a:off x="7614595" y="2701471"/>
-            <a:ext cx="1820131" cy="127784"/>
-          </a:xfrm>
-          <a:prstGeom prst="curvedConnector3">
-            <a:avLst/>
-          </a:prstGeom>
-          <a:ln>
-            <a:tailEnd type="triangle"/>
-          </a:ln>
-        </p:spPr>
-        <p:style>
-          <a:lnRef idx="1">
-            <a:schemeClr val="accent1"/>
-          </a:lnRef>
-          <a:fillRef idx="0">
-            <a:schemeClr val="accent1"/>
-          </a:fillRef>
-          <a:effectRef idx="0">
-            <a:schemeClr val="accent1"/>
-          </a:effectRef>
-          <a:fontRef idx="minor">
-            <a:schemeClr val="tx1"/>
-          </a:fontRef>
-        </p:style>
-      </p:cxnSp>
-      <p:cxnSp>
-        <p:nvCxnSpPr>
-          <p:cNvPr id="35" name="Curved Connector 34">
-            <a:extLst>
-              <a:ext uri="{FF2B5EF4-FFF2-40B4-BE49-F238E27FC236}">
-                <a16:creationId xmlns:a16="http://schemas.microsoft.com/office/drawing/2014/main" id="{63C27F22-2A34-1141-6F1A-9B8F52795ADA}"/>
-              </a:ext>
-            </a:extLst>
-          </p:cNvPr>
-          <p:cNvCxnSpPr>
-            <a:cxnSpLocks/>
-            <a:stCxn id="16" idx="3"/>
-            <a:endCxn id="22" idx="1"/>
-          </p:cNvCxnSpPr>
-          <p:nvPr/>
-        </p:nvCxnSpPr>
-        <p:spPr>
-          <a:xfrm>
-            <a:off x="2905513" y="3670459"/>
-            <a:ext cx="3107665" cy="278008"/>
-          </a:xfrm>
-          <a:prstGeom prst="curvedConnector3">
-            <a:avLst/>
-          </a:prstGeom>
-          <a:ln>
-            <a:tailEnd type="triangle"/>
-          </a:ln>
-        </p:spPr>
-        <p:style>
-          <a:lnRef idx="1">
-            <a:schemeClr val="accent1"/>
-          </a:lnRef>
-          <a:fillRef idx="0">
-            <a:schemeClr val="accent1"/>
-          </a:fillRef>
-          <a:effectRef idx="0">
-            <a:schemeClr val="accent1"/>
-          </a:effectRef>
-          <a:fontRef idx="minor">
-            <a:schemeClr val="tx1"/>
-          </a:fontRef>
-        </p:style>
-      </p:cxnSp>
     </p:spTree>
     <p:extLst>
       <p:ext uri="{BB962C8B-B14F-4D97-AF65-F5344CB8AC3E}">
-        <p14:creationId xmlns:p14="http://schemas.microsoft.com/office/powerpoint/2010/main" val="2444446996"/>
+        <p14:creationId xmlns:p14="http://schemas.microsoft.com/office/powerpoint/2010/main" val="1347280084"/>
       </p:ext>
     </p:extLst>
   </p:cSld>
@@ -9055,10 +12000,10 @@
       </p:grpSpPr>
       <p:sp>
         <p:nvSpPr>
-          <p:cNvPr id="3" name="TextBox 2">
-            <a:extLst>
-              <a:ext uri="{FF2B5EF4-FFF2-40B4-BE49-F238E27FC236}">
-                <a16:creationId xmlns:a16="http://schemas.microsoft.com/office/drawing/2014/main" id="{61F52439-6AF5-5D38-D5D2-5AB934AE383A}"/>
+          <p:cNvPr id="4" name="TextBox 3">
+            <a:extLst>
+              <a:ext uri="{FF2B5EF4-FFF2-40B4-BE49-F238E27FC236}">
+                <a16:creationId xmlns:a16="http://schemas.microsoft.com/office/drawing/2014/main" id="{0B205ED7-CA2A-2FFE-8AF6-7C1545C8E1FC}"/>
               </a:ext>
             </a:extLst>
           </p:cNvPr>
@@ -9067,8 +12012,8 @@
         </p:nvSpPr>
         <p:spPr>
           <a:xfrm>
-            <a:off x="299655" y="74303"/>
-            <a:ext cx="729430" cy="461665"/>
+            <a:off x="378314" y="2719180"/>
+            <a:ext cx="2204065" cy="461665"/>
           </a:xfrm>
           <a:prstGeom prst="rect">
             <a:avLst/>
@@ -9083,17 +12028,17 @@
           <a:p>
             <a:r>
               <a:rPr lang="en-US" sz="2400" dirty="0"/>
-              <a:t>Cost</a:t>
+              <a:t>Agent Workflow</a:t>
             </a:r>
           </a:p>
         </p:txBody>
       </p:sp>
       <p:cxnSp>
         <p:nvCxnSpPr>
-          <p:cNvPr id="5" name="Straight Connector 4">
-            <a:extLst>
-              <a:ext uri="{FF2B5EF4-FFF2-40B4-BE49-F238E27FC236}">
-                <a16:creationId xmlns:a16="http://schemas.microsoft.com/office/drawing/2014/main" id="{E9EF8585-FC8F-D680-0FDC-8831BAB64670}"/>
+          <p:cNvPr id="2" name="Straight Connector 1">
+            <a:extLst>
+              <a:ext uri="{FF2B5EF4-FFF2-40B4-BE49-F238E27FC236}">
+                <a16:creationId xmlns:a16="http://schemas.microsoft.com/office/drawing/2014/main" id="{89154393-A6FF-CF4B-8A1D-57D7E90FAC33}"/>
               </a:ext>
             </a:extLst>
           </p:cNvPr>
@@ -9102,7 +12047,7 @@
         </p:nvCxnSpPr>
         <p:spPr>
           <a:xfrm>
-            <a:off x="432619" y="545800"/>
+            <a:off x="432619" y="3156155"/>
             <a:ext cx="11759381" cy="0"/>
           </a:xfrm>
           <a:prstGeom prst="line">
@@ -9124,249 +12069,10 @@
           </a:fontRef>
         </p:style>
       </p:cxnSp>
-      <p:sp>
-        <p:nvSpPr>
-          <p:cNvPr id="8" name="Rectangle 7">
-            <a:extLst>
-              <a:ext uri="{FF2B5EF4-FFF2-40B4-BE49-F238E27FC236}">
-                <a16:creationId xmlns:a16="http://schemas.microsoft.com/office/drawing/2014/main" id="{B050F634-6B01-D651-D1B1-F2FADA24BA4C}"/>
-              </a:ext>
-            </a:extLst>
-          </p:cNvPr>
-          <p:cNvSpPr/>
-          <p:nvPr/>
-        </p:nvSpPr>
-        <p:spPr>
-          <a:xfrm>
-            <a:off x="178943" y="1885010"/>
-            <a:ext cx="1753444" cy="806246"/>
-          </a:xfrm>
-          <a:prstGeom prst="rect">
-            <a:avLst/>
-          </a:prstGeom>
-          <a:solidFill>
-            <a:srgbClr val="002060"/>
-          </a:solidFill>
-          <a:effectLst>
-            <a:glow rad="101600">
-              <a:schemeClr val="accent2">
-                <a:satMod val="175000"/>
-                <a:alpha val="40000"/>
-              </a:schemeClr>
-            </a:glow>
-          </a:effectLst>
-        </p:spPr>
-        <p:style>
-          <a:lnRef idx="2">
-            <a:schemeClr val="accent1">
-              <a:shade val="15000"/>
-            </a:schemeClr>
-          </a:lnRef>
-          <a:fillRef idx="1">
-            <a:schemeClr val="accent1"/>
-          </a:fillRef>
-          <a:effectRef idx="0">
-            <a:schemeClr val="accent1"/>
-          </a:effectRef>
-          <a:fontRef idx="minor">
-            <a:schemeClr val="lt1"/>
-          </a:fontRef>
-        </p:style>
-        <p:txBody>
-          <a:bodyPr rtlCol="0" anchor="ctr"/>
-          <a:lstStyle/>
-          <a:p>
-            <a:pPr algn="ctr"/>
-            <a:r>
-              <a:rPr lang="en-US" sz="2000" dirty="0"/>
-              <a:t>Total Tokens </a:t>
-            </a:r>
-          </a:p>
-          <a:p>
-            <a:pPr algn="ctr"/>
-            <a:r>
-              <a:rPr lang="en-US" sz="2000" dirty="0"/>
-              <a:t>2,562,236</a:t>
-            </a:r>
-          </a:p>
-        </p:txBody>
-      </p:sp>
-      <p:sp>
-        <p:nvSpPr>
-          <p:cNvPr id="9" name="Rectangle 8">
-            <a:extLst>
-              <a:ext uri="{FF2B5EF4-FFF2-40B4-BE49-F238E27FC236}">
-                <a16:creationId xmlns:a16="http://schemas.microsoft.com/office/drawing/2014/main" id="{B20A5704-18BF-DBC0-3A0B-B8EA205E7D2F}"/>
-              </a:ext>
-            </a:extLst>
-          </p:cNvPr>
-          <p:cNvSpPr/>
-          <p:nvPr/>
-        </p:nvSpPr>
-        <p:spPr>
-          <a:xfrm>
-            <a:off x="178943" y="3181170"/>
-            <a:ext cx="1753444" cy="806246"/>
-          </a:xfrm>
-          <a:prstGeom prst="rect">
-            <a:avLst/>
-          </a:prstGeom>
-          <a:solidFill>
-            <a:srgbClr val="002060"/>
-          </a:solidFill>
-          <a:effectLst>
-            <a:glow rad="101600">
-              <a:schemeClr val="accent2">
-                <a:satMod val="175000"/>
-                <a:alpha val="40000"/>
-              </a:schemeClr>
-            </a:glow>
-          </a:effectLst>
-        </p:spPr>
-        <p:style>
-          <a:lnRef idx="2">
-            <a:schemeClr val="accent1">
-              <a:shade val="15000"/>
-            </a:schemeClr>
-          </a:lnRef>
-          <a:fillRef idx="1">
-            <a:schemeClr val="accent1"/>
-          </a:fillRef>
-          <a:effectRef idx="0">
-            <a:schemeClr val="accent1"/>
-          </a:effectRef>
-          <a:fontRef idx="minor">
-            <a:schemeClr val="lt1"/>
-          </a:fontRef>
-        </p:style>
-        <p:txBody>
-          <a:bodyPr rtlCol="0" anchor="ctr"/>
-          <a:lstStyle/>
-          <a:p>
-            <a:pPr algn="ctr"/>
-            <a:r>
-              <a:rPr lang="en-US" sz="2000" dirty="0"/>
-              <a:t>Total Requests </a:t>
-            </a:r>
-          </a:p>
-          <a:p>
-            <a:pPr algn="ctr"/>
-            <a:r>
-              <a:rPr lang="en-US" sz="2000" dirty="0"/>
-              <a:t>777</a:t>
-            </a:r>
-          </a:p>
-        </p:txBody>
-      </p:sp>
-      <p:sp>
-        <p:nvSpPr>
-          <p:cNvPr id="10" name="Rectangle 9">
-            <a:extLst>
-              <a:ext uri="{FF2B5EF4-FFF2-40B4-BE49-F238E27FC236}">
-                <a16:creationId xmlns:a16="http://schemas.microsoft.com/office/drawing/2014/main" id="{DC5CB9B1-154A-7E14-1F77-4FEAD148634D}"/>
-              </a:ext>
-            </a:extLst>
-          </p:cNvPr>
-          <p:cNvSpPr/>
-          <p:nvPr/>
-        </p:nvSpPr>
-        <p:spPr>
-          <a:xfrm>
-            <a:off x="178943" y="4382729"/>
-            <a:ext cx="1753444" cy="806246"/>
-          </a:xfrm>
-          <a:prstGeom prst="rect">
-            <a:avLst/>
-          </a:prstGeom>
-          <a:solidFill>
-            <a:srgbClr val="002060"/>
-          </a:solidFill>
-          <a:effectLst>
-            <a:glow rad="101600">
-              <a:schemeClr val="accent2">
-                <a:satMod val="175000"/>
-                <a:alpha val="40000"/>
-              </a:schemeClr>
-            </a:glow>
-          </a:effectLst>
-        </p:spPr>
-        <p:style>
-          <a:lnRef idx="2">
-            <a:schemeClr val="accent1">
-              <a:shade val="15000"/>
-            </a:schemeClr>
-          </a:lnRef>
-          <a:fillRef idx="1">
-            <a:schemeClr val="accent1"/>
-          </a:fillRef>
-          <a:effectRef idx="0">
-            <a:schemeClr val="accent1"/>
-          </a:effectRef>
-          <a:fontRef idx="minor">
-            <a:schemeClr val="lt1"/>
-          </a:fontRef>
-        </p:style>
-        <p:txBody>
-          <a:bodyPr rtlCol="0" anchor="ctr"/>
-          <a:lstStyle/>
-          <a:p>
-            <a:pPr algn="ctr"/>
-            <a:r>
-              <a:rPr lang="en-US" sz="2000" dirty="0"/>
-              <a:t>Total Spent </a:t>
-            </a:r>
-          </a:p>
-          <a:p>
-            <a:pPr algn="ctr"/>
-            <a:r>
-              <a:rPr lang="en-US" sz="2800" dirty="0"/>
-              <a:t>$5.28</a:t>
-            </a:r>
-          </a:p>
-        </p:txBody>
-      </p:sp>
-      <p:pic>
-        <p:nvPicPr>
-          <p:cNvPr id="11" name="Picture 10">
-            <a:extLst>
-              <a:ext uri="{FF2B5EF4-FFF2-40B4-BE49-F238E27FC236}">
-                <a16:creationId xmlns:a16="http://schemas.microsoft.com/office/drawing/2014/main" id="{34E7A47E-D23F-34EC-9E1A-B226F8ABB57F}"/>
-              </a:ext>
-            </a:extLst>
-          </p:cNvPr>
-          <p:cNvPicPr>
-            <a:picLocks noChangeAspect="1"/>
-          </p:cNvPicPr>
-          <p:nvPr/>
-        </p:nvPicPr>
-        <p:blipFill>
-          <a:blip r:embed="rId2"/>
-          <a:stretch>
-            <a:fillRect/>
-          </a:stretch>
-        </p:blipFill>
-        <p:spPr>
-          <a:xfrm>
-            <a:off x="2187448" y="1340703"/>
-            <a:ext cx="9825609" cy="4877562"/>
-          </a:xfrm>
-          <a:prstGeom prst="rect">
-            <a:avLst/>
-          </a:prstGeom>
-          <a:effectLst>
-            <a:glow rad="101600">
-              <a:schemeClr val="accent5">
-                <a:satMod val="175000"/>
-                <a:alpha val="40000"/>
-              </a:schemeClr>
-            </a:glow>
-          </a:effectLst>
-        </p:spPr>
-      </p:pic>
     </p:spTree>
     <p:extLst>
       <p:ext uri="{BB962C8B-B14F-4D97-AF65-F5344CB8AC3E}">
-        <p14:creationId xmlns:p14="http://schemas.microsoft.com/office/powerpoint/2010/main" val="1347280084"/>
+        <p14:creationId xmlns:p14="http://schemas.microsoft.com/office/powerpoint/2010/main" val="1086617000"/>
       </p:ext>
     </p:extLst>
   </p:cSld>
@@ -9407,8 +12113,8 @@
         </p:nvSpPr>
         <p:spPr>
           <a:xfrm>
-            <a:off x="378314" y="2719180"/>
-            <a:ext cx="2204065" cy="461665"/>
+            <a:off x="299655" y="74303"/>
+            <a:ext cx="2702856" cy="461665"/>
           </a:xfrm>
           <a:prstGeom prst="rect">
             <a:avLst/>
@@ -9423,7 +12129,7 @@
           <a:p>
             <a:r>
               <a:rPr lang="en-US" sz="2400" dirty="0"/>
-              <a:t>Agent Workflow</a:t>
+              <a:t>Agent Orchestration</a:t>
             </a:r>
           </a:p>
         </p:txBody>
@@ -9433,7 +12139,7 @@
           <p:cNvPr id="2" name="Straight Connector 1">
             <a:extLst>
               <a:ext uri="{FF2B5EF4-FFF2-40B4-BE49-F238E27FC236}">
-                <a16:creationId xmlns:a16="http://schemas.microsoft.com/office/drawing/2014/main" id="{89154393-A6FF-CF4B-8A1D-57D7E90FAC33}"/>
+                <a16:creationId xmlns:a16="http://schemas.microsoft.com/office/drawing/2014/main" id="{22E1BF60-C091-F918-A508-C0CD2544E876}"/>
               </a:ext>
             </a:extLst>
           </p:cNvPr>
@@ -9442,7 +12148,7 @@
         </p:nvCxnSpPr>
         <p:spPr>
           <a:xfrm>
-            <a:off x="432619" y="3156155"/>
+            <a:off x="432619" y="545800"/>
             <a:ext cx="11759381" cy="0"/>
           </a:xfrm>
           <a:prstGeom prst="line">
@@ -9464,10 +12170,86 @@
           </a:fontRef>
         </p:style>
       </p:cxnSp>
+      <p:pic>
+        <p:nvPicPr>
+          <p:cNvPr id="3" name="Picture 2">
+            <a:extLst>
+              <a:ext uri="{FF2B5EF4-FFF2-40B4-BE49-F238E27FC236}">
+                <a16:creationId xmlns:a16="http://schemas.microsoft.com/office/drawing/2014/main" id="{06D2A7A1-41B6-3809-CE19-54125905CBE9}"/>
+              </a:ext>
+            </a:extLst>
+          </p:cNvPr>
+          <p:cNvPicPr>
+            <a:picLocks noChangeAspect="1"/>
+          </p:cNvPicPr>
+          <p:nvPr/>
+        </p:nvPicPr>
+        <p:blipFill>
+          <a:blip r:embed="rId2"/>
+          <a:stretch>
+            <a:fillRect/>
+          </a:stretch>
+        </p:blipFill>
+        <p:spPr>
+          <a:xfrm>
+            <a:off x="1895168" y="683452"/>
+            <a:ext cx="8331200" cy="1544320"/>
+          </a:xfrm>
+          <a:prstGeom prst="rect">
+            <a:avLst/>
+          </a:prstGeom>
+          <a:effectLst>
+            <a:glow rad="63500">
+              <a:schemeClr val="accent5">
+                <a:satMod val="175000"/>
+                <a:alpha val="40000"/>
+              </a:schemeClr>
+            </a:glow>
+          </a:effectLst>
+        </p:spPr>
+      </p:pic>
+      <p:pic>
+        <p:nvPicPr>
+          <p:cNvPr id="5" name="Picture 4">
+            <a:extLst>
+              <a:ext uri="{FF2B5EF4-FFF2-40B4-BE49-F238E27FC236}">
+                <a16:creationId xmlns:a16="http://schemas.microsoft.com/office/drawing/2014/main" id="{032B032F-B08F-D8D1-3E1F-E0A14A3D7972}"/>
+              </a:ext>
+            </a:extLst>
+          </p:cNvPr>
+          <p:cNvPicPr>
+            <a:picLocks noChangeAspect="1"/>
+          </p:cNvPicPr>
+          <p:nvPr/>
+        </p:nvPicPr>
+        <p:blipFill>
+          <a:blip r:embed="rId3"/>
+          <a:stretch>
+            <a:fillRect/>
+          </a:stretch>
+        </p:blipFill>
+        <p:spPr>
+          <a:xfrm>
+            <a:off x="1910187" y="2365423"/>
+            <a:ext cx="8320278" cy="4245356"/>
+          </a:xfrm>
+          <a:prstGeom prst="rect">
+            <a:avLst/>
+          </a:prstGeom>
+          <a:effectLst>
+            <a:glow rad="101600">
+              <a:schemeClr val="accent5">
+                <a:satMod val="175000"/>
+                <a:alpha val="40000"/>
+              </a:schemeClr>
+            </a:glow>
+          </a:effectLst>
+        </p:spPr>
+      </p:pic>
     </p:spTree>
     <p:extLst>
       <p:ext uri="{BB962C8B-B14F-4D97-AF65-F5344CB8AC3E}">
-        <p14:creationId xmlns:p14="http://schemas.microsoft.com/office/powerpoint/2010/main" val="1086617000"/>
+        <p14:creationId xmlns:p14="http://schemas.microsoft.com/office/powerpoint/2010/main" val="2777634583"/>
       </p:ext>
     </p:extLst>
   </p:cSld>

--- a/Presentation/AgenticAI_Presentation.pptx
+++ b/Presentation/AgenticAI_Presentation.pptx
@@ -2,24 +2,29 @@
 <file path=ppt/presentation.xml><?xml version="1.0" encoding="utf-8"?>
 <p:presentation xmlns:a="http://schemas.openxmlformats.org/drawingml/2006/main" xmlns:r="http://schemas.openxmlformats.org/officeDocument/2006/relationships" xmlns:p="http://schemas.openxmlformats.org/presentationml/2006/main" saveSubsetFonts="1" autoCompressPictures="0">
   <p:sldMasterIdLst>
-    <p:sldMasterId id="2147483648" r:id="rId1"/>
+    <p:sldMasterId id="2147483660" r:id="rId1"/>
   </p:sldMasterIdLst>
   <p:notesMasterIdLst>
-    <p:notesMasterId r:id="rId14"/>
+    <p:notesMasterId r:id="rId19"/>
   </p:notesMasterIdLst>
   <p:sldIdLst>
-    <p:sldId id="261" r:id="rId2"/>
-    <p:sldId id="258" r:id="rId3"/>
+    <p:sldId id="276" r:id="rId2"/>
+    <p:sldId id="261" r:id="rId3"/>
     <p:sldId id="259" r:id="rId4"/>
     <p:sldId id="260" r:id="rId5"/>
     <p:sldId id="269" r:id="rId6"/>
     <p:sldId id="268" r:id="rId7"/>
-    <p:sldId id="264" r:id="rId8"/>
-    <p:sldId id="265" r:id="rId9"/>
-    <p:sldId id="266" r:id="rId10"/>
-    <p:sldId id="267" r:id="rId11"/>
-    <p:sldId id="256" r:id="rId12"/>
-    <p:sldId id="270" r:id="rId13"/>
+    <p:sldId id="277" r:id="rId8"/>
+    <p:sldId id="274" r:id="rId9"/>
+    <p:sldId id="273" r:id="rId10"/>
+    <p:sldId id="265" r:id="rId11"/>
+    <p:sldId id="278" r:id="rId12"/>
+    <p:sldId id="258" r:id="rId13"/>
+    <p:sldId id="264" r:id="rId14"/>
+    <p:sldId id="266" r:id="rId15"/>
+    <p:sldId id="270" r:id="rId16"/>
+    <p:sldId id="271" r:id="rId17"/>
+    <p:sldId id="272" r:id="rId18"/>
   </p:sldIdLst>
   <p:sldSz cx="12192000" cy="6858000"/>
   <p:notesSz cx="6858000" cy="9144000"/>
@@ -27,7 +32,7 @@
     <a:defPPr>
       <a:defRPr lang="en-US"/>
     </a:defPPr>
-    <a:lvl1pPr marL="0" algn="l" defTabSz="914400" rtl="0" eaLnBrk="1" latinLnBrk="0" hangingPunct="1">
+    <a:lvl1pPr marL="0" algn="l" defTabSz="457200" rtl="0" eaLnBrk="1" latinLnBrk="0" hangingPunct="1">
       <a:defRPr sz="1800" kern="1200">
         <a:solidFill>
           <a:schemeClr val="tx1"/>
@@ -37,7 +42,7 @@
         <a:cs typeface="+mn-cs"/>
       </a:defRPr>
     </a:lvl1pPr>
-    <a:lvl2pPr marL="457200" algn="l" defTabSz="914400" rtl="0" eaLnBrk="1" latinLnBrk="0" hangingPunct="1">
+    <a:lvl2pPr marL="457200" algn="l" defTabSz="457200" rtl="0" eaLnBrk="1" latinLnBrk="0" hangingPunct="1">
       <a:defRPr sz="1800" kern="1200">
         <a:solidFill>
           <a:schemeClr val="tx1"/>
@@ -47,7 +52,7 @@
         <a:cs typeface="+mn-cs"/>
       </a:defRPr>
     </a:lvl2pPr>
-    <a:lvl3pPr marL="914400" algn="l" defTabSz="914400" rtl="0" eaLnBrk="1" latinLnBrk="0" hangingPunct="1">
+    <a:lvl3pPr marL="914400" algn="l" defTabSz="457200" rtl="0" eaLnBrk="1" latinLnBrk="0" hangingPunct="1">
       <a:defRPr sz="1800" kern="1200">
         <a:solidFill>
           <a:schemeClr val="tx1"/>
@@ -57,7 +62,7 @@
         <a:cs typeface="+mn-cs"/>
       </a:defRPr>
     </a:lvl3pPr>
-    <a:lvl4pPr marL="1371600" algn="l" defTabSz="914400" rtl="0" eaLnBrk="1" latinLnBrk="0" hangingPunct="1">
+    <a:lvl4pPr marL="1371600" algn="l" defTabSz="457200" rtl="0" eaLnBrk="1" latinLnBrk="0" hangingPunct="1">
       <a:defRPr sz="1800" kern="1200">
         <a:solidFill>
           <a:schemeClr val="tx1"/>
@@ -67,7 +72,7 @@
         <a:cs typeface="+mn-cs"/>
       </a:defRPr>
     </a:lvl4pPr>
-    <a:lvl5pPr marL="1828800" algn="l" defTabSz="914400" rtl="0" eaLnBrk="1" latinLnBrk="0" hangingPunct="1">
+    <a:lvl5pPr marL="1828800" algn="l" defTabSz="457200" rtl="0" eaLnBrk="1" latinLnBrk="0" hangingPunct="1">
       <a:defRPr sz="1800" kern="1200">
         <a:solidFill>
           <a:schemeClr val="tx1"/>
@@ -77,7 +82,7 @@
         <a:cs typeface="+mn-cs"/>
       </a:defRPr>
     </a:lvl5pPr>
-    <a:lvl6pPr marL="2286000" algn="l" defTabSz="914400" rtl="0" eaLnBrk="1" latinLnBrk="0" hangingPunct="1">
+    <a:lvl6pPr marL="2286000" algn="l" defTabSz="457200" rtl="0" eaLnBrk="1" latinLnBrk="0" hangingPunct="1">
       <a:defRPr sz="1800" kern="1200">
         <a:solidFill>
           <a:schemeClr val="tx1"/>
@@ -87,7 +92,7 @@
         <a:cs typeface="+mn-cs"/>
       </a:defRPr>
     </a:lvl6pPr>
-    <a:lvl7pPr marL="2743200" algn="l" defTabSz="914400" rtl="0" eaLnBrk="1" latinLnBrk="0" hangingPunct="1">
+    <a:lvl7pPr marL="2743200" algn="l" defTabSz="457200" rtl="0" eaLnBrk="1" latinLnBrk="0" hangingPunct="1">
       <a:defRPr sz="1800" kern="1200">
         <a:solidFill>
           <a:schemeClr val="tx1"/>
@@ -97,7 +102,7 @@
         <a:cs typeface="+mn-cs"/>
       </a:defRPr>
     </a:lvl7pPr>
-    <a:lvl8pPr marL="3200400" algn="l" defTabSz="914400" rtl="0" eaLnBrk="1" latinLnBrk="0" hangingPunct="1">
+    <a:lvl8pPr marL="3200400" algn="l" defTabSz="457200" rtl="0" eaLnBrk="1" latinLnBrk="0" hangingPunct="1">
       <a:defRPr sz="1800" kern="1200">
         <a:solidFill>
           <a:schemeClr val="tx1"/>
@@ -107,7 +112,7 @@
         <a:cs typeface="+mn-cs"/>
       </a:defRPr>
     </a:lvl8pPr>
-    <a:lvl9pPr marL="3657600" algn="l" defTabSz="914400" rtl="0" eaLnBrk="1" latinLnBrk="0" hangingPunct="1">
+    <a:lvl9pPr marL="3657600" algn="l" defTabSz="457200" rtl="0" eaLnBrk="1" latinLnBrk="0" hangingPunct="1">
       <a:defRPr sz="1800" kern="1200">
         <a:solidFill>
           <a:schemeClr val="tx1"/>
@@ -502,7 +507,12 @@
             <p:ph type="sldImg"/>
           </p:nvPr>
         </p:nvSpPr>
-        <p:spPr/>
+        <p:spPr>
+          <a:xfrm>
+            <a:off x="685800" y="1143000"/>
+            <a:ext cx="5486400" cy="3086100"/>
+          </a:xfrm>
+        </p:spPr>
       </p:sp>
       <p:sp>
         <p:nvSpPr>
@@ -519,6 +529,141 @@
           <a:bodyPr/>
           <a:lstStyle/>
           <a:p>
+            <a:r>
+              <a:rPr lang="en-US" sz="1400" b="1" dirty="0"/>
+              <a:t>What are the new capabilities?</a:t>
+            </a:r>
+          </a:p>
+          <a:p>
+            <a:endParaRPr lang="en-US" sz="1400" dirty="0"/>
+          </a:p>
+          <a:p>
+            <a:pPr marL="800100" lvl="1" indent="-342900">
+              <a:buFont typeface="+mj-lt"/>
+              <a:buAutoNum type="arabicPeriod"/>
+            </a:pPr>
+            <a:r>
+              <a:rPr lang="en-US" sz="1400" b="1" dirty="0"/>
+              <a:t>Function Tools</a:t>
+            </a:r>
+            <a:r>
+              <a:rPr lang="en-US" sz="1400" dirty="0"/>
+              <a:t> – Allows the agent to execute predefined/custom functions (e.g., fetching stock prices, running calculations).</a:t>
+            </a:r>
+          </a:p>
+          <a:p>
+            <a:pPr marL="800100" lvl="1" indent="-342900">
+              <a:buFont typeface="+mj-lt"/>
+              <a:buAutoNum type="arabicPeriod"/>
+            </a:pPr>
+            <a:r>
+              <a:rPr lang="en-US" sz="1400" b="1" dirty="0"/>
+              <a:t>Web Search</a:t>
+            </a:r>
+            <a:r>
+              <a:rPr lang="en-US" sz="1400" dirty="0"/>
+              <a:t> – Enables agents to query the internet for real-time information.</a:t>
+            </a:r>
+          </a:p>
+          <a:p>
+            <a:pPr marL="800100" lvl="1" indent="-342900">
+              <a:buFont typeface="+mj-lt"/>
+              <a:buAutoNum type="arabicPeriod"/>
+            </a:pPr>
+            <a:r>
+              <a:rPr lang="en-US" sz="1400" b="1" dirty="0"/>
+              <a:t>File Processing</a:t>
+            </a:r>
+            <a:r>
+              <a:rPr lang="en-US" sz="1400" dirty="0"/>
+              <a:t> – Reads, writes, and extracts structured data from files (CSV, JSON, PDFs, etc.).</a:t>
+            </a:r>
+          </a:p>
+          <a:p>
+            <a:pPr marL="800100" lvl="1" indent="-342900">
+              <a:buFont typeface="+mj-lt"/>
+              <a:buAutoNum type="arabicPeriod"/>
+            </a:pPr>
+            <a:r>
+              <a:rPr lang="en-US" sz="1400" b="1" dirty="0"/>
+              <a:t>Memory &amp; State Management</a:t>
+            </a:r>
+            <a:r>
+              <a:rPr lang="en-US" sz="1400" dirty="0"/>
+              <a:t> – Maintains context across multiple interactions for continuity.</a:t>
+            </a:r>
+          </a:p>
+          <a:p>
+            <a:pPr marL="800100" lvl="1" indent="-342900">
+              <a:buFont typeface="+mj-lt"/>
+              <a:buAutoNum type="arabicPeriod"/>
+            </a:pPr>
+            <a:r>
+              <a:rPr lang="en-US" sz="1400" b="1" dirty="0"/>
+              <a:t>Data Retrieval</a:t>
+            </a:r>
+            <a:r>
+              <a:rPr lang="en-US" sz="1400" dirty="0"/>
+              <a:t> – Queries structured and unstructured data sources (vector databases, SQL, etc.).</a:t>
+            </a:r>
+          </a:p>
+          <a:p>
+            <a:pPr marL="800100" lvl="1" indent="-342900">
+              <a:buFont typeface="+mj-lt"/>
+              <a:buAutoNum type="arabicPeriod"/>
+            </a:pPr>
+            <a:r>
+              <a:rPr lang="en-US" sz="1400" b="1" dirty="0">
+                <a:solidFill>
+                  <a:schemeClr val="tx1">
+                    <a:lumMod val="50000"/>
+                    <a:lumOff val="50000"/>
+                  </a:schemeClr>
+                </a:solidFill>
+              </a:rPr>
+              <a:t>API Integration</a:t>
+            </a:r>
+            <a:r>
+              <a:rPr lang="en-US" sz="1400" dirty="0">
+                <a:solidFill>
+                  <a:schemeClr val="tx1">
+                    <a:lumMod val="50000"/>
+                    <a:lumOff val="50000"/>
+                  </a:schemeClr>
+                </a:solidFill>
+              </a:rPr>
+              <a:t> – Connects to external services (e.g., databases, CRM systems, financial services).</a:t>
+            </a:r>
+          </a:p>
+          <a:p>
+            <a:pPr marL="800100" lvl="1" indent="-342900">
+              <a:buFont typeface="+mj-lt"/>
+              <a:buAutoNum type="arabicPeriod"/>
+            </a:pPr>
+            <a:r>
+              <a:rPr lang="en-US" sz="1400" b="1" dirty="0">
+                <a:solidFill>
+                  <a:schemeClr val="tx1">
+                    <a:lumMod val="50000"/>
+                    <a:lumOff val="50000"/>
+                  </a:schemeClr>
+                </a:solidFill>
+              </a:rPr>
+              <a:t>Code Execution</a:t>
+            </a:r>
+            <a:r>
+              <a:rPr lang="en-US" sz="1400" dirty="0">
+                <a:solidFill>
+                  <a:schemeClr val="tx1">
+                    <a:lumMod val="50000"/>
+                    <a:lumOff val="50000"/>
+                  </a:schemeClr>
+                </a:solidFill>
+              </a:rPr>
+              <a:t> – Runs code snippets in Python, JavaScript, etc., to compute or transform data dynamically.</a:t>
+            </a:r>
+          </a:p>
+          <a:p>
             <a:endParaRPr lang="en-US" dirty="0"/>
           </a:p>
         </p:txBody>
@@ -540,7 +685,7 @@
           <a:p>
             <a:fld id="{306982A3-319E-0745-8875-C96EBFE5598C}" type="slidenum">
               <a:rPr lang="en-US" smtClean="0"/>
-              <a:t>2</a:t>
+              <a:t>3</a:t>
             </a:fld>
             <a:endParaRPr lang="en-US"/>
           </a:p>
@@ -549,7 +694,7 @@
     </p:spTree>
     <p:extLst>
       <p:ext uri="{BB962C8B-B14F-4D97-AF65-F5344CB8AC3E}">
-        <p14:creationId xmlns:p14="http://schemas.microsoft.com/office/powerpoint/2010/main" val="3772816642"/>
+        <p14:creationId xmlns:p14="http://schemas.microsoft.com/office/powerpoint/2010/main" val="884076857"/>
       </p:ext>
     </p:extLst>
   </p:cSld>
@@ -586,7 +731,12 @@
             <p:ph type="sldImg"/>
           </p:nvPr>
         </p:nvSpPr>
-        <p:spPr/>
+        <p:spPr>
+          <a:xfrm>
+            <a:off x="685800" y="1143000"/>
+            <a:ext cx="5486400" cy="3086100"/>
+          </a:xfrm>
+        </p:spPr>
       </p:sp>
       <p:sp>
         <p:nvSpPr>
@@ -624,7 +774,7 @@
           <a:p>
             <a:fld id="{306982A3-319E-0745-8875-C96EBFE5598C}" type="slidenum">
               <a:rPr lang="en-US" smtClean="0"/>
-              <a:t>3</a:t>
+              <a:t>12</a:t>
             </a:fld>
             <a:endParaRPr lang="en-US"/>
           </a:p>
@@ -633,91 +783,7 @@
     </p:spTree>
     <p:extLst>
       <p:ext uri="{BB962C8B-B14F-4D97-AF65-F5344CB8AC3E}">
-        <p14:creationId xmlns:p14="http://schemas.microsoft.com/office/powerpoint/2010/main" val="884076857"/>
-      </p:ext>
-    </p:extLst>
-  </p:cSld>
-  <p:clrMapOvr>
-    <a:masterClrMapping/>
-  </p:clrMapOvr>
-</p:notes>
-</file>
-
-<file path=ppt/notesSlides/notesSlide3.xml><?xml version="1.0" encoding="utf-8"?>
-<p:notes xmlns:a="http://schemas.openxmlformats.org/drawingml/2006/main" xmlns:r="http://schemas.openxmlformats.org/officeDocument/2006/relationships" xmlns:p="http://schemas.openxmlformats.org/presentationml/2006/main">
-  <p:cSld>
-    <p:spTree>
-      <p:nvGrpSpPr>
-        <p:cNvPr id="1" name=""/>
-        <p:cNvGrpSpPr/>
-        <p:nvPr/>
-      </p:nvGrpSpPr>
-      <p:grpSpPr>
-        <a:xfrm>
-          <a:off x="0" y="0"/>
-          <a:ext cx="0" cy="0"/>
-          <a:chOff x="0" y="0"/>
-          <a:chExt cx="0" cy="0"/>
-        </a:xfrm>
-      </p:grpSpPr>
-      <p:sp>
-        <p:nvSpPr>
-          <p:cNvPr id="2" name="Slide Image Placeholder 1"/>
-          <p:cNvSpPr>
-            <a:spLocks noGrp="1" noRot="1" noChangeAspect="1"/>
-          </p:cNvSpPr>
-          <p:nvPr>
-            <p:ph type="sldImg"/>
-          </p:nvPr>
-        </p:nvSpPr>
-        <p:spPr/>
-      </p:sp>
-      <p:sp>
-        <p:nvSpPr>
-          <p:cNvPr id="3" name="Notes Placeholder 2"/>
-          <p:cNvSpPr>
-            <a:spLocks noGrp="1"/>
-          </p:cNvSpPr>
-          <p:nvPr>
-            <p:ph type="body" idx="1"/>
-          </p:nvPr>
-        </p:nvSpPr>
-        <p:spPr/>
-        <p:txBody>
-          <a:bodyPr/>
-          <a:lstStyle/>
-          <a:p>
-            <a:endParaRPr lang="en-US" dirty="0"/>
-          </a:p>
-        </p:txBody>
-      </p:sp>
-      <p:sp>
-        <p:nvSpPr>
-          <p:cNvPr id="4" name="Slide Number Placeholder 3"/>
-          <p:cNvSpPr>
-            <a:spLocks noGrp="1"/>
-          </p:cNvSpPr>
-          <p:nvPr>
-            <p:ph type="sldNum" sz="quarter" idx="5"/>
-          </p:nvPr>
-        </p:nvSpPr>
-        <p:spPr/>
-        <p:txBody>
-          <a:bodyPr/>
-          <a:lstStyle/>
-          <a:p>
-            <a:fld id="{306982A3-319E-0745-8875-C96EBFE5598C}" type="slidenum">
-              <a:rPr lang="en-US" smtClean="0"/>
-              <a:t>11</a:t>
-            </a:fld>
-            <a:endParaRPr lang="en-US"/>
-          </a:p>
-        </p:txBody>
-      </p:sp>
-    </p:spTree>
-    <p:extLst>
-      <p:ext uri="{BB962C8B-B14F-4D97-AF65-F5344CB8AC3E}">
-        <p14:creationId xmlns:p14="http://schemas.microsoft.com/office/powerpoint/2010/main" val="2420954404"/>
+        <p14:creationId xmlns:p14="http://schemas.microsoft.com/office/powerpoint/2010/main" val="3772816642"/>
       </p:ext>
     </p:extLst>
   </p:cSld>
@@ -746,13 +812,7 @@
       </p:grpSpPr>
       <p:sp>
         <p:nvSpPr>
-          <p:cNvPr id="2" name="Title 1">
-            <a:extLst>
-              <a:ext uri="{FF2B5EF4-FFF2-40B4-BE49-F238E27FC236}">
-                <a16:creationId xmlns:a16="http://schemas.microsoft.com/office/drawing/2014/main" id="{6432460B-94F1-6D46-A3D6-CE33F120514F}"/>
-              </a:ext>
-            </a:extLst>
-          </p:cNvPr>
+          <p:cNvPr id="2" name="Title 1"/>
           <p:cNvSpPr>
             <a:spLocks noGrp="1"/>
           </p:cNvSpPr>
@@ -762,8 +822,8 @@
         </p:nvSpPr>
         <p:spPr>
           <a:xfrm>
-            <a:off x="1524000" y="1122363"/>
-            <a:ext cx="9144000" cy="2387600"/>
+            <a:off x="914400" y="1122363"/>
+            <a:ext cx="10363200" cy="2387600"/>
           </a:xfrm>
         </p:spPr>
         <p:txBody>
@@ -778,18 +838,13 @@
               <a:rPr lang="en-US"/>
               <a:t>Click to edit Master title style</a:t>
             </a:r>
-          </a:p>
-        </p:txBody>
-      </p:sp>
-      <p:sp>
-        <p:nvSpPr>
-          <p:cNvPr id="3" name="Subtitle 2">
-            <a:extLst>
-              <a:ext uri="{FF2B5EF4-FFF2-40B4-BE49-F238E27FC236}">
-                <a16:creationId xmlns:a16="http://schemas.microsoft.com/office/drawing/2014/main" id="{8E7BD788-2AB1-28E1-5C71-62C98C56192D}"/>
-              </a:ext>
-            </a:extLst>
-          </p:cNvPr>
+            <a:endParaRPr lang="en-US" dirty="0"/>
+          </a:p>
+        </p:txBody>
+      </p:sp>
+      <p:sp>
+        <p:nvSpPr>
+          <p:cNvPr id="3" name="Subtitle 2"/>
           <p:cNvSpPr>
             <a:spLocks noGrp="1"/>
           </p:cNvSpPr>
@@ -848,18 +903,13 @@
               <a:rPr lang="en-US"/>
               <a:t>Click to edit Master subtitle style</a:t>
             </a:r>
-          </a:p>
-        </p:txBody>
-      </p:sp>
-      <p:sp>
-        <p:nvSpPr>
-          <p:cNvPr id="4" name="Date Placeholder 3">
-            <a:extLst>
-              <a:ext uri="{FF2B5EF4-FFF2-40B4-BE49-F238E27FC236}">
-                <a16:creationId xmlns:a16="http://schemas.microsoft.com/office/drawing/2014/main" id="{95D39208-EB1B-2E06-B088-4BDCF1A459AD}"/>
-              </a:ext>
-            </a:extLst>
-          </p:cNvPr>
+            <a:endParaRPr lang="en-US" dirty="0"/>
+          </a:p>
+        </p:txBody>
+      </p:sp>
+      <p:sp>
+        <p:nvSpPr>
+          <p:cNvPr id="4" name="Date Placeholder 3"/>
           <p:cNvSpPr>
             <a:spLocks noGrp="1"/>
           </p:cNvSpPr>
@@ -882,13 +932,7 @@
       </p:sp>
       <p:sp>
         <p:nvSpPr>
-          <p:cNvPr id="5" name="Footer Placeholder 4">
-            <a:extLst>
-              <a:ext uri="{FF2B5EF4-FFF2-40B4-BE49-F238E27FC236}">
-                <a16:creationId xmlns:a16="http://schemas.microsoft.com/office/drawing/2014/main" id="{50C4EEFB-823E-6465-00A1-76843AB85C45}"/>
-              </a:ext>
-            </a:extLst>
-          </p:cNvPr>
+          <p:cNvPr id="5" name="Footer Placeholder 4"/>
           <p:cNvSpPr>
             <a:spLocks noGrp="1"/>
           </p:cNvSpPr>
@@ -907,13 +951,7 @@
       </p:sp>
       <p:sp>
         <p:nvSpPr>
-          <p:cNvPr id="6" name="Slide Number Placeholder 5">
-            <a:extLst>
-              <a:ext uri="{FF2B5EF4-FFF2-40B4-BE49-F238E27FC236}">
-                <a16:creationId xmlns:a16="http://schemas.microsoft.com/office/drawing/2014/main" id="{CB3EF14E-4A81-C677-E011-A44127559D11}"/>
-              </a:ext>
-            </a:extLst>
-          </p:cNvPr>
+          <p:cNvPr id="6" name="Slide Number Placeholder 5"/>
           <p:cNvSpPr>
             <a:spLocks noGrp="1"/>
           </p:cNvSpPr>
@@ -937,7 +975,7 @@
     </p:spTree>
     <p:extLst>
       <p:ext uri="{BB962C8B-B14F-4D97-AF65-F5344CB8AC3E}">
-        <p14:creationId xmlns:p14="http://schemas.microsoft.com/office/powerpoint/2010/main" val="689875901"/>
+        <p14:creationId xmlns:p14="http://schemas.microsoft.com/office/powerpoint/2010/main" val="3068012653"/>
       </p:ext>
     </p:extLst>
   </p:cSld>
@@ -966,13 +1004,7 @@
       </p:grpSpPr>
       <p:sp>
         <p:nvSpPr>
-          <p:cNvPr id="2" name="Title 1">
-            <a:extLst>
-              <a:ext uri="{FF2B5EF4-FFF2-40B4-BE49-F238E27FC236}">
-                <a16:creationId xmlns:a16="http://schemas.microsoft.com/office/drawing/2014/main" id="{73E1466E-F76E-FE24-3775-1904E49EDCC5}"/>
-              </a:ext>
-            </a:extLst>
-          </p:cNvPr>
+          <p:cNvPr id="2" name="Title 1"/>
           <p:cNvSpPr>
             <a:spLocks noGrp="1"/>
           </p:cNvSpPr>
@@ -989,18 +1021,13 @@
               <a:rPr lang="en-US"/>
               <a:t>Click to edit Master title style</a:t>
             </a:r>
-          </a:p>
-        </p:txBody>
-      </p:sp>
-      <p:sp>
-        <p:nvSpPr>
-          <p:cNvPr id="3" name="Vertical Text Placeholder 2">
-            <a:extLst>
-              <a:ext uri="{FF2B5EF4-FFF2-40B4-BE49-F238E27FC236}">
-                <a16:creationId xmlns:a16="http://schemas.microsoft.com/office/drawing/2014/main" id="{8B9E1101-27E0-0150-44DE-280F71F4F2F9}"/>
-              </a:ext>
-            </a:extLst>
-          </p:cNvPr>
+            <a:endParaRPr lang="en-US" dirty="0"/>
+          </a:p>
+        </p:txBody>
+      </p:sp>
+      <p:sp>
+        <p:nvSpPr>
+          <p:cNvPr id="3" name="Vertical Text Placeholder 2"/>
           <p:cNvSpPr>
             <a:spLocks noGrp="1"/>
           </p:cNvSpPr>
@@ -1046,18 +1073,13 @@
               <a:rPr lang="en-US"/>
               <a:t>Fifth level</a:t>
             </a:r>
-          </a:p>
-        </p:txBody>
-      </p:sp>
-      <p:sp>
-        <p:nvSpPr>
-          <p:cNvPr id="4" name="Date Placeholder 3">
-            <a:extLst>
-              <a:ext uri="{FF2B5EF4-FFF2-40B4-BE49-F238E27FC236}">
-                <a16:creationId xmlns:a16="http://schemas.microsoft.com/office/drawing/2014/main" id="{8005A0FD-77BB-27F7-318F-FD573DDA6BA9}"/>
-              </a:ext>
-            </a:extLst>
-          </p:cNvPr>
+            <a:endParaRPr lang="en-US" dirty="0"/>
+          </a:p>
+        </p:txBody>
+      </p:sp>
+      <p:sp>
+        <p:nvSpPr>
+          <p:cNvPr id="4" name="Date Placeholder 3"/>
           <p:cNvSpPr>
             <a:spLocks noGrp="1"/>
           </p:cNvSpPr>
@@ -1080,13 +1102,7 @@
       </p:sp>
       <p:sp>
         <p:nvSpPr>
-          <p:cNvPr id="5" name="Footer Placeholder 4">
-            <a:extLst>
-              <a:ext uri="{FF2B5EF4-FFF2-40B4-BE49-F238E27FC236}">
-                <a16:creationId xmlns:a16="http://schemas.microsoft.com/office/drawing/2014/main" id="{FFE8509F-3D26-A15A-7956-431947E14972}"/>
-              </a:ext>
-            </a:extLst>
-          </p:cNvPr>
+          <p:cNvPr id="5" name="Footer Placeholder 4"/>
           <p:cNvSpPr>
             <a:spLocks noGrp="1"/>
           </p:cNvSpPr>
@@ -1105,13 +1121,7 @@
       </p:sp>
       <p:sp>
         <p:nvSpPr>
-          <p:cNvPr id="6" name="Slide Number Placeholder 5">
-            <a:extLst>
-              <a:ext uri="{FF2B5EF4-FFF2-40B4-BE49-F238E27FC236}">
-                <a16:creationId xmlns:a16="http://schemas.microsoft.com/office/drawing/2014/main" id="{C429783A-E3CB-38A2-3F72-8F3FBDCC1E95}"/>
-              </a:ext>
-            </a:extLst>
-          </p:cNvPr>
+          <p:cNvPr id="6" name="Slide Number Placeholder 5"/>
           <p:cNvSpPr>
             <a:spLocks noGrp="1"/>
           </p:cNvSpPr>
@@ -1135,7 +1145,7 @@
     </p:spTree>
     <p:extLst>
       <p:ext uri="{BB962C8B-B14F-4D97-AF65-F5344CB8AC3E}">
-        <p14:creationId xmlns:p14="http://schemas.microsoft.com/office/powerpoint/2010/main" val="1702774276"/>
+        <p14:creationId xmlns:p14="http://schemas.microsoft.com/office/powerpoint/2010/main" val="1761623322"/>
       </p:ext>
     </p:extLst>
   </p:cSld>
@@ -1164,13 +1174,7 @@
       </p:grpSpPr>
       <p:sp>
         <p:nvSpPr>
-          <p:cNvPr id="2" name="Vertical Title 1">
-            <a:extLst>
-              <a:ext uri="{FF2B5EF4-FFF2-40B4-BE49-F238E27FC236}">
-                <a16:creationId xmlns:a16="http://schemas.microsoft.com/office/drawing/2014/main" id="{B97E4113-21BA-47DD-FE19-9CA6BCF9D6DB}"/>
-              </a:ext>
-            </a:extLst>
-          </p:cNvPr>
+          <p:cNvPr id="2" name="Vertical Title 1"/>
           <p:cNvSpPr>
             <a:spLocks noGrp="1"/>
           </p:cNvSpPr>
@@ -1180,7 +1184,7 @@
         </p:nvSpPr>
         <p:spPr>
           <a:xfrm>
-            <a:off x="8724900" y="365125"/>
+            <a:off x="8724901" y="365125"/>
             <a:ext cx="2628900" cy="5811838"/>
           </a:xfrm>
         </p:spPr>
@@ -1192,18 +1196,13 @@
               <a:rPr lang="en-US"/>
               <a:t>Click to edit Master title style</a:t>
             </a:r>
-          </a:p>
-        </p:txBody>
-      </p:sp>
-      <p:sp>
-        <p:nvSpPr>
-          <p:cNvPr id="3" name="Vertical Text Placeholder 2">
-            <a:extLst>
-              <a:ext uri="{FF2B5EF4-FFF2-40B4-BE49-F238E27FC236}">
-                <a16:creationId xmlns:a16="http://schemas.microsoft.com/office/drawing/2014/main" id="{6FEB7B9F-6E73-A9EE-FFA8-C9186331CAF3}"/>
-              </a:ext>
-            </a:extLst>
-          </p:cNvPr>
+            <a:endParaRPr lang="en-US" dirty="0"/>
+          </a:p>
+        </p:txBody>
+      </p:sp>
+      <p:sp>
+        <p:nvSpPr>
+          <p:cNvPr id="3" name="Vertical Text Placeholder 2"/>
           <p:cNvSpPr>
             <a:spLocks noGrp="1"/>
           </p:cNvSpPr>
@@ -1213,7 +1212,7 @@
         </p:nvSpPr>
         <p:spPr>
           <a:xfrm>
-            <a:off x="838200" y="365125"/>
+            <a:off x="838201" y="365125"/>
             <a:ext cx="7734300" cy="5811838"/>
           </a:xfrm>
         </p:spPr>
@@ -1254,18 +1253,13 @@
               <a:rPr lang="en-US"/>
               <a:t>Fifth level</a:t>
             </a:r>
-          </a:p>
-        </p:txBody>
-      </p:sp>
-      <p:sp>
-        <p:nvSpPr>
-          <p:cNvPr id="4" name="Date Placeholder 3">
-            <a:extLst>
-              <a:ext uri="{FF2B5EF4-FFF2-40B4-BE49-F238E27FC236}">
-                <a16:creationId xmlns:a16="http://schemas.microsoft.com/office/drawing/2014/main" id="{F9E9AEBE-AA69-3C5D-3C98-174D813D354E}"/>
-              </a:ext>
-            </a:extLst>
-          </p:cNvPr>
+            <a:endParaRPr lang="en-US" dirty="0"/>
+          </a:p>
+        </p:txBody>
+      </p:sp>
+      <p:sp>
+        <p:nvSpPr>
+          <p:cNvPr id="4" name="Date Placeholder 3"/>
           <p:cNvSpPr>
             <a:spLocks noGrp="1"/>
           </p:cNvSpPr>
@@ -1288,13 +1282,7 @@
       </p:sp>
       <p:sp>
         <p:nvSpPr>
-          <p:cNvPr id="5" name="Footer Placeholder 4">
-            <a:extLst>
-              <a:ext uri="{FF2B5EF4-FFF2-40B4-BE49-F238E27FC236}">
-                <a16:creationId xmlns:a16="http://schemas.microsoft.com/office/drawing/2014/main" id="{A666E346-E296-2652-89C5-FBB1133C9E49}"/>
-              </a:ext>
-            </a:extLst>
-          </p:cNvPr>
+          <p:cNvPr id="5" name="Footer Placeholder 4"/>
           <p:cNvSpPr>
             <a:spLocks noGrp="1"/>
           </p:cNvSpPr>
@@ -1313,13 +1301,7 @@
       </p:sp>
       <p:sp>
         <p:nvSpPr>
-          <p:cNvPr id="6" name="Slide Number Placeholder 5">
-            <a:extLst>
-              <a:ext uri="{FF2B5EF4-FFF2-40B4-BE49-F238E27FC236}">
-                <a16:creationId xmlns:a16="http://schemas.microsoft.com/office/drawing/2014/main" id="{4FD7DD59-E1D0-3F25-5294-E536C3FF1D4D}"/>
-              </a:ext>
-            </a:extLst>
-          </p:cNvPr>
+          <p:cNvPr id="6" name="Slide Number Placeholder 5"/>
           <p:cNvSpPr>
             <a:spLocks noGrp="1"/>
           </p:cNvSpPr>
@@ -1343,7 +1325,7 @@
     </p:spTree>
     <p:extLst>
       <p:ext uri="{BB962C8B-B14F-4D97-AF65-F5344CB8AC3E}">
-        <p14:creationId xmlns:p14="http://schemas.microsoft.com/office/powerpoint/2010/main" val="1231903604"/>
+        <p14:creationId xmlns:p14="http://schemas.microsoft.com/office/powerpoint/2010/main" val="1325447125"/>
       </p:ext>
     </p:extLst>
   </p:cSld>
@@ -1372,13 +1354,7 @@
       </p:grpSpPr>
       <p:sp>
         <p:nvSpPr>
-          <p:cNvPr id="2" name="Title 1">
-            <a:extLst>
-              <a:ext uri="{FF2B5EF4-FFF2-40B4-BE49-F238E27FC236}">
-                <a16:creationId xmlns:a16="http://schemas.microsoft.com/office/drawing/2014/main" id="{A865CB8A-703A-45F4-2F9B-FA03072A169B}"/>
-              </a:ext>
-            </a:extLst>
-          </p:cNvPr>
+          <p:cNvPr id="2" name="Title 1"/>
           <p:cNvSpPr>
             <a:spLocks noGrp="1"/>
           </p:cNvSpPr>
@@ -1395,18 +1371,13 @@
               <a:rPr lang="en-US"/>
               <a:t>Click to edit Master title style</a:t>
             </a:r>
-          </a:p>
-        </p:txBody>
-      </p:sp>
-      <p:sp>
-        <p:nvSpPr>
-          <p:cNvPr id="3" name="Content Placeholder 2">
-            <a:extLst>
-              <a:ext uri="{FF2B5EF4-FFF2-40B4-BE49-F238E27FC236}">
-                <a16:creationId xmlns:a16="http://schemas.microsoft.com/office/drawing/2014/main" id="{7C84B3CE-637A-0F20-9227-C9E9B323C2B1}"/>
-              </a:ext>
-            </a:extLst>
-          </p:cNvPr>
+            <a:endParaRPr lang="en-US" dirty="0"/>
+          </a:p>
+        </p:txBody>
+      </p:sp>
+      <p:sp>
+        <p:nvSpPr>
+          <p:cNvPr id="3" name="Content Placeholder 2"/>
           <p:cNvSpPr>
             <a:spLocks noGrp="1"/>
           </p:cNvSpPr>
@@ -1452,18 +1423,13 @@
               <a:rPr lang="en-US"/>
               <a:t>Fifth level</a:t>
             </a:r>
-          </a:p>
-        </p:txBody>
-      </p:sp>
-      <p:sp>
-        <p:nvSpPr>
-          <p:cNvPr id="4" name="Date Placeholder 3">
-            <a:extLst>
-              <a:ext uri="{FF2B5EF4-FFF2-40B4-BE49-F238E27FC236}">
-                <a16:creationId xmlns:a16="http://schemas.microsoft.com/office/drawing/2014/main" id="{6D164EC6-D345-4E04-E1B4-590BEC0FC34C}"/>
-              </a:ext>
-            </a:extLst>
-          </p:cNvPr>
+            <a:endParaRPr lang="en-US" dirty="0"/>
+          </a:p>
+        </p:txBody>
+      </p:sp>
+      <p:sp>
+        <p:nvSpPr>
+          <p:cNvPr id="4" name="Date Placeholder 3"/>
           <p:cNvSpPr>
             <a:spLocks noGrp="1"/>
           </p:cNvSpPr>
@@ -1486,13 +1452,7 @@
       </p:sp>
       <p:sp>
         <p:nvSpPr>
-          <p:cNvPr id="5" name="Footer Placeholder 4">
-            <a:extLst>
-              <a:ext uri="{FF2B5EF4-FFF2-40B4-BE49-F238E27FC236}">
-                <a16:creationId xmlns:a16="http://schemas.microsoft.com/office/drawing/2014/main" id="{E53D791D-46DC-7B64-6A57-618A0C4C321B}"/>
-              </a:ext>
-            </a:extLst>
-          </p:cNvPr>
+          <p:cNvPr id="5" name="Footer Placeholder 4"/>
           <p:cNvSpPr>
             <a:spLocks noGrp="1"/>
           </p:cNvSpPr>
@@ -1511,13 +1471,7 @@
       </p:sp>
       <p:sp>
         <p:nvSpPr>
-          <p:cNvPr id="6" name="Slide Number Placeholder 5">
-            <a:extLst>
-              <a:ext uri="{FF2B5EF4-FFF2-40B4-BE49-F238E27FC236}">
-                <a16:creationId xmlns:a16="http://schemas.microsoft.com/office/drawing/2014/main" id="{93A1BBB7-D0EA-D96A-3499-6B40B5D071C0}"/>
-              </a:ext>
-            </a:extLst>
-          </p:cNvPr>
+          <p:cNvPr id="6" name="Slide Number Placeholder 5"/>
           <p:cNvSpPr>
             <a:spLocks noGrp="1"/>
           </p:cNvSpPr>
@@ -1541,7 +1495,7 @@
     </p:spTree>
     <p:extLst>
       <p:ext uri="{BB962C8B-B14F-4D97-AF65-F5344CB8AC3E}">
-        <p14:creationId xmlns:p14="http://schemas.microsoft.com/office/powerpoint/2010/main" val="1209776632"/>
+        <p14:creationId xmlns:p14="http://schemas.microsoft.com/office/powerpoint/2010/main" val="992058685"/>
       </p:ext>
     </p:extLst>
   </p:cSld>
@@ -1570,13 +1524,7 @@
       </p:grpSpPr>
       <p:sp>
         <p:nvSpPr>
-          <p:cNvPr id="2" name="Title 1">
-            <a:extLst>
-              <a:ext uri="{FF2B5EF4-FFF2-40B4-BE49-F238E27FC236}">
-                <a16:creationId xmlns:a16="http://schemas.microsoft.com/office/drawing/2014/main" id="{8A001446-1D8A-7928-46FD-44A45BD87710}"/>
-              </a:ext>
-            </a:extLst>
-          </p:cNvPr>
+          <p:cNvPr id="2" name="Title 1"/>
           <p:cNvSpPr>
             <a:spLocks noGrp="1"/>
           </p:cNvSpPr>
@@ -1586,7 +1534,7 @@
         </p:nvSpPr>
         <p:spPr>
           <a:xfrm>
-            <a:off x="831850" y="1709738"/>
+            <a:off x="831851" y="1709740"/>
             <a:ext cx="10515600" cy="2852737"/>
           </a:xfrm>
         </p:spPr>
@@ -1602,18 +1550,13 @@
               <a:rPr lang="en-US"/>
               <a:t>Click to edit Master title style</a:t>
             </a:r>
-          </a:p>
-        </p:txBody>
-      </p:sp>
-      <p:sp>
-        <p:nvSpPr>
-          <p:cNvPr id="3" name="Text Placeholder 2">
-            <a:extLst>
-              <a:ext uri="{FF2B5EF4-FFF2-40B4-BE49-F238E27FC236}">
-                <a16:creationId xmlns:a16="http://schemas.microsoft.com/office/drawing/2014/main" id="{80758A18-ED5A-261A-9912-D09712AEFA4A}"/>
-              </a:ext>
-            </a:extLst>
-          </p:cNvPr>
+            <a:endParaRPr lang="en-US" dirty="0"/>
+          </a:p>
+        </p:txBody>
+      </p:sp>
+      <p:sp>
+        <p:nvSpPr>
+          <p:cNvPr id="3" name="Text Placeholder 2"/>
           <p:cNvSpPr>
             <a:spLocks noGrp="1"/>
           </p:cNvSpPr>
@@ -1623,7 +1566,7 @@
         </p:nvSpPr>
         <p:spPr>
           <a:xfrm>
-            <a:off x="831850" y="4589463"/>
+            <a:off x="831851" y="4589465"/>
             <a:ext cx="10515600" cy="1500187"/>
           </a:xfrm>
         </p:spPr>
@@ -1634,9 +1577,7 @@
               <a:buNone/>
               <a:defRPr sz="2400">
                 <a:solidFill>
-                  <a:schemeClr val="tx1">
-                    <a:tint val="75000"/>
-                  </a:schemeClr>
+                  <a:schemeClr val="tx1"/>
                 </a:solidFill>
               </a:defRPr>
             </a:lvl1pPr>
@@ -1732,13 +1673,7 @@
       </p:sp>
       <p:sp>
         <p:nvSpPr>
-          <p:cNvPr id="4" name="Date Placeholder 3">
-            <a:extLst>
-              <a:ext uri="{FF2B5EF4-FFF2-40B4-BE49-F238E27FC236}">
-                <a16:creationId xmlns:a16="http://schemas.microsoft.com/office/drawing/2014/main" id="{7625E08A-AEF4-5BAC-B807-5D76AFC75B66}"/>
-              </a:ext>
-            </a:extLst>
-          </p:cNvPr>
+          <p:cNvPr id="4" name="Date Placeholder 3"/>
           <p:cNvSpPr>
             <a:spLocks noGrp="1"/>
           </p:cNvSpPr>
@@ -1761,13 +1696,7 @@
       </p:sp>
       <p:sp>
         <p:nvSpPr>
-          <p:cNvPr id="5" name="Footer Placeholder 4">
-            <a:extLst>
-              <a:ext uri="{FF2B5EF4-FFF2-40B4-BE49-F238E27FC236}">
-                <a16:creationId xmlns:a16="http://schemas.microsoft.com/office/drawing/2014/main" id="{E2ACACA7-BFD2-6DC3-C8A8-BA77501B8A54}"/>
-              </a:ext>
-            </a:extLst>
-          </p:cNvPr>
+          <p:cNvPr id="5" name="Footer Placeholder 4"/>
           <p:cNvSpPr>
             <a:spLocks noGrp="1"/>
           </p:cNvSpPr>
@@ -1786,13 +1715,7 @@
       </p:sp>
       <p:sp>
         <p:nvSpPr>
-          <p:cNvPr id="6" name="Slide Number Placeholder 5">
-            <a:extLst>
-              <a:ext uri="{FF2B5EF4-FFF2-40B4-BE49-F238E27FC236}">
-                <a16:creationId xmlns:a16="http://schemas.microsoft.com/office/drawing/2014/main" id="{E573AB08-7AE7-5E4C-0C6B-CA2E675F36F4}"/>
-              </a:ext>
-            </a:extLst>
-          </p:cNvPr>
+          <p:cNvPr id="6" name="Slide Number Placeholder 5"/>
           <p:cNvSpPr>
             <a:spLocks noGrp="1"/>
           </p:cNvSpPr>
@@ -1816,7 +1739,7 @@
     </p:spTree>
     <p:extLst>
       <p:ext uri="{BB962C8B-B14F-4D97-AF65-F5344CB8AC3E}">
-        <p14:creationId xmlns:p14="http://schemas.microsoft.com/office/powerpoint/2010/main" val="205493245"/>
+        <p14:creationId xmlns:p14="http://schemas.microsoft.com/office/powerpoint/2010/main" val="803861768"/>
       </p:ext>
     </p:extLst>
   </p:cSld>
@@ -1845,13 +1768,7 @@
       </p:grpSpPr>
       <p:sp>
         <p:nvSpPr>
-          <p:cNvPr id="2" name="Title 1">
-            <a:extLst>
-              <a:ext uri="{FF2B5EF4-FFF2-40B4-BE49-F238E27FC236}">
-                <a16:creationId xmlns:a16="http://schemas.microsoft.com/office/drawing/2014/main" id="{FCC2E4B8-A9F1-2B3B-4A84-2C6249FD6D24}"/>
-              </a:ext>
-            </a:extLst>
-          </p:cNvPr>
+          <p:cNvPr id="2" name="Title 1"/>
           <p:cNvSpPr>
             <a:spLocks noGrp="1"/>
           </p:cNvSpPr>
@@ -1868,18 +1785,13 @@
               <a:rPr lang="en-US"/>
               <a:t>Click to edit Master title style</a:t>
             </a:r>
-          </a:p>
-        </p:txBody>
-      </p:sp>
-      <p:sp>
-        <p:nvSpPr>
-          <p:cNvPr id="3" name="Content Placeholder 2">
-            <a:extLst>
-              <a:ext uri="{FF2B5EF4-FFF2-40B4-BE49-F238E27FC236}">
-                <a16:creationId xmlns:a16="http://schemas.microsoft.com/office/drawing/2014/main" id="{7AF7BBEF-024F-0C99-393F-B0E6D22FA2BD}"/>
-              </a:ext>
-            </a:extLst>
-          </p:cNvPr>
+            <a:endParaRPr lang="en-US" dirty="0"/>
+          </a:p>
+        </p:txBody>
+      </p:sp>
+      <p:sp>
+        <p:nvSpPr>
+          <p:cNvPr id="3" name="Content Placeholder 2"/>
           <p:cNvSpPr>
             <a:spLocks noGrp="1"/>
           </p:cNvSpPr>
@@ -1930,18 +1842,13 @@
               <a:rPr lang="en-US"/>
               <a:t>Fifth level</a:t>
             </a:r>
-          </a:p>
-        </p:txBody>
-      </p:sp>
-      <p:sp>
-        <p:nvSpPr>
-          <p:cNvPr id="4" name="Content Placeholder 3">
-            <a:extLst>
-              <a:ext uri="{FF2B5EF4-FFF2-40B4-BE49-F238E27FC236}">
-                <a16:creationId xmlns:a16="http://schemas.microsoft.com/office/drawing/2014/main" id="{6CEA20EB-0A42-3229-B276-FC2D07D09CCB}"/>
-              </a:ext>
-            </a:extLst>
-          </p:cNvPr>
+            <a:endParaRPr lang="en-US" dirty="0"/>
+          </a:p>
+        </p:txBody>
+      </p:sp>
+      <p:sp>
+        <p:nvSpPr>
+          <p:cNvPr id="4" name="Content Placeholder 3"/>
           <p:cNvSpPr>
             <a:spLocks noGrp="1"/>
           </p:cNvSpPr>
@@ -1992,18 +1899,13 @@
               <a:rPr lang="en-US"/>
               <a:t>Fifth level</a:t>
             </a:r>
-          </a:p>
-        </p:txBody>
-      </p:sp>
-      <p:sp>
-        <p:nvSpPr>
-          <p:cNvPr id="5" name="Date Placeholder 4">
-            <a:extLst>
-              <a:ext uri="{FF2B5EF4-FFF2-40B4-BE49-F238E27FC236}">
-                <a16:creationId xmlns:a16="http://schemas.microsoft.com/office/drawing/2014/main" id="{AC8BB389-62C5-BC30-1F7A-5AC1C551D57A}"/>
-              </a:ext>
-            </a:extLst>
-          </p:cNvPr>
+            <a:endParaRPr lang="en-US" dirty="0"/>
+          </a:p>
+        </p:txBody>
+      </p:sp>
+      <p:sp>
+        <p:nvSpPr>
+          <p:cNvPr id="5" name="Date Placeholder 4"/>
           <p:cNvSpPr>
             <a:spLocks noGrp="1"/>
           </p:cNvSpPr>
@@ -2026,13 +1928,7 @@
       </p:sp>
       <p:sp>
         <p:nvSpPr>
-          <p:cNvPr id="6" name="Footer Placeholder 5">
-            <a:extLst>
-              <a:ext uri="{FF2B5EF4-FFF2-40B4-BE49-F238E27FC236}">
-                <a16:creationId xmlns:a16="http://schemas.microsoft.com/office/drawing/2014/main" id="{504200D9-F4D8-2799-7F3E-B7D59AC82319}"/>
-              </a:ext>
-            </a:extLst>
-          </p:cNvPr>
+          <p:cNvPr id="6" name="Footer Placeholder 5"/>
           <p:cNvSpPr>
             <a:spLocks noGrp="1"/>
           </p:cNvSpPr>
@@ -2051,13 +1947,7 @@
       </p:sp>
       <p:sp>
         <p:nvSpPr>
-          <p:cNvPr id="7" name="Slide Number Placeholder 6">
-            <a:extLst>
-              <a:ext uri="{FF2B5EF4-FFF2-40B4-BE49-F238E27FC236}">
-                <a16:creationId xmlns:a16="http://schemas.microsoft.com/office/drawing/2014/main" id="{8714DAB1-3DB9-4B77-5ACA-37645460814D}"/>
-              </a:ext>
-            </a:extLst>
-          </p:cNvPr>
+          <p:cNvPr id="7" name="Slide Number Placeholder 6"/>
           <p:cNvSpPr>
             <a:spLocks noGrp="1"/>
           </p:cNvSpPr>
@@ -2081,7 +1971,7 @@
     </p:spTree>
     <p:extLst>
       <p:ext uri="{BB962C8B-B14F-4D97-AF65-F5344CB8AC3E}">
-        <p14:creationId xmlns:p14="http://schemas.microsoft.com/office/powerpoint/2010/main" val="736405884"/>
+        <p14:creationId xmlns:p14="http://schemas.microsoft.com/office/powerpoint/2010/main" val="303214682"/>
       </p:ext>
     </p:extLst>
   </p:cSld>
@@ -2110,13 +2000,7 @@
       </p:grpSpPr>
       <p:sp>
         <p:nvSpPr>
-          <p:cNvPr id="2" name="Title 1">
-            <a:extLst>
-              <a:ext uri="{FF2B5EF4-FFF2-40B4-BE49-F238E27FC236}">
-                <a16:creationId xmlns:a16="http://schemas.microsoft.com/office/drawing/2014/main" id="{D35AEF39-6F2C-487B-0FF4-8097FEF61B15}"/>
-              </a:ext>
-            </a:extLst>
-          </p:cNvPr>
+          <p:cNvPr id="2" name="Title 1"/>
           <p:cNvSpPr>
             <a:spLocks noGrp="1"/>
           </p:cNvSpPr>
@@ -2126,7 +2010,7 @@
         </p:nvSpPr>
         <p:spPr>
           <a:xfrm>
-            <a:off x="839788" y="365125"/>
+            <a:off x="839788" y="365126"/>
             <a:ext cx="10515600" cy="1325563"/>
           </a:xfrm>
         </p:spPr>
@@ -2138,18 +2022,13 @@
               <a:rPr lang="en-US"/>
               <a:t>Click to edit Master title style</a:t>
             </a:r>
-          </a:p>
-        </p:txBody>
-      </p:sp>
-      <p:sp>
-        <p:nvSpPr>
-          <p:cNvPr id="3" name="Text Placeholder 2">
-            <a:extLst>
-              <a:ext uri="{FF2B5EF4-FFF2-40B4-BE49-F238E27FC236}">
-                <a16:creationId xmlns:a16="http://schemas.microsoft.com/office/drawing/2014/main" id="{F8914C5A-D8E9-C030-A742-BA31F8C63720}"/>
-              </a:ext>
-            </a:extLst>
-          </p:cNvPr>
+            <a:endParaRPr lang="en-US" dirty="0"/>
+          </a:p>
+        </p:txBody>
+      </p:sp>
+      <p:sp>
+        <p:nvSpPr>
+          <p:cNvPr id="3" name="Text Placeholder 2"/>
           <p:cNvSpPr>
             <a:spLocks noGrp="1"/>
           </p:cNvSpPr>
@@ -2159,7 +2038,7 @@
         </p:nvSpPr>
         <p:spPr>
           <a:xfrm>
-            <a:off x="839788" y="1681163"/>
+            <a:off x="839789" y="1681163"/>
             <a:ext cx="5157787" cy="823912"/>
           </a:xfrm>
         </p:spPr>
@@ -2214,13 +2093,7 @@
       </p:sp>
       <p:sp>
         <p:nvSpPr>
-          <p:cNvPr id="4" name="Content Placeholder 3">
-            <a:extLst>
-              <a:ext uri="{FF2B5EF4-FFF2-40B4-BE49-F238E27FC236}">
-                <a16:creationId xmlns:a16="http://schemas.microsoft.com/office/drawing/2014/main" id="{87B7C8CA-F95C-BD83-4A0D-5CE549C45849}"/>
-              </a:ext>
-            </a:extLst>
-          </p:cNvPr>
+          <p:cNvPr id="4" name="Content Placeholder 3"/>
           <p:cNvSpPr>
             <a:spLocks noGrp="1"/>
           </p:cNvSpPr>
@@ -2230,7 +2103,7 @@
         </p:nvSpPr>
         <p:spPr>
           <a:xfrm>
-            <a:off x="839788" y="2505075"/>
+            <a:off x="839789" y="2505075"/>
             <a:ext cx="5157787" cy="3684588"/>
           </a:xfrm>
         </p:spPr>
@@ -2271,18 +2144,13 @@
               <a:rPr lang="en-US"/>
               <a:t>Fifth level</a:t>
             </a:r>
-          </a:p>
-        </p:txBody>
-      </p:sp>
-      <p:sp>
-        <p:nvSpPr>
-          <p:cNvPr id="5" name="Text Placeholder 4">
-            <a:extLst>
-              <a:ext uri="{FF2B5EF4-FFF2-40B4-BE49-F238E27FC236}">
-                <a16:creationId xmlns:a16="http://schemas.microsoft.com/office/drawing/2014/main" id="{0CA01105-603F-B291-8634-22CBE50B8932}"/>
-              </a:ext>
-            </a:extLst>
-          </p:cNvPr>
+            <a:endParaRPr lang="en-US" dirty="0"/>
+          </a:p>
+        </p:txBody>
+      </p:sp>
+      <p:sp>
+        <p:nvSpPr>
+          <p:cNvPr id="5" name="Text Placeholder 4"/>
           <p:cNvSpPr>
             <a:spLocks noGrp="1"/>
           </p:cNvSpPr>
@@ -2292,7 +2160,7 @@
         </p:nvSpPr>
         <p:spPr>
           <a:xfrm>
-            <a:off x="6172200" y="1681163"/>
+            <a:off x="6172201" y="1681163"/>
             <a:ext cx="5183188" cy="823912"/>
           </a:xfrm>
         </p:spPr>
@@ -2347,13 +2215,7 @@
       </p:sp>
       <p:sp>
         <p:nvSpPr>
-          <p:cNvPr id="6" name="Content Placeholder 5">
-            <a:extLst>
-              <a:ext uri="{FF2B5EF4-FFF2-40B4-BE49-F238E27FC236}">
-                <a16:creationId xmlns:a16="http://schemas.microsoft.com/office/drawing/2014/main" id="{DD69F3AB-10B9-686C-FFC0-DD275CB6F04C}"/>
-              </a:ext>
-            </a:extLst>
-          </p:cNvPr>
+          <p:cNvPr id="6" name="Content Placeholder 5"/>
           <p:cNvSpPr>
             <a:spLocks noGrp="1"/>
           </p:cNvSpPr>
@@ -2363,7 +2225,7 @@
         </p:nvSpPr>
         <p:spPr>
           <a:xfrm>
-            <a:off x="6172200" y="2505075"/>
+            <a:off x="6172201" y="2505075"/>
             <a:ext cx="5183188" cy="3684588"/>
           </a:xfrm>
         </p:spPr>
@@ -2404,18 +2266,13 @@
               <a:rPr lang="en-US"/>
               <a:t>Fifth level</a:t>
             </a:r>
-          </a:p>
-        </p:txBody>
-      </p:sp>
-      <p:sp>
-        <p:nvSpPr>
-          <p:cNvPr id="7" name="Date Placeholder 6">
-            <a:extLst>
-              <a:ext uri="{FF2B5EF4-FFF2-40B4-BE49-F238E27FC236}">
-                <a16:creationId xmlns:a16="http://schemas.microsoft.com/office/drawing/2014/main" id="{E698A38C-2553-878C-2A7A-EDD5E3360704}"/>
-              </a:ext>
-            </a:extLst>
-          </p:cNvPr>
+            <a:endParaRPr lang="en-US" dirty="0"/>
+          </a:p>
+        </p:txBody>
+      </p:sp>
+      <p:sp>
+        <p:nvSpPr>
+          <p:cNvPr id="7" name="Date Placeholder 6"/>
           <p:cNvSpPr>
             <a:spLocks noGrp="1"/>
           </p:cNvSpPr>
@@ -2438,13 +2295,7 @@
       </p:sp>
       <p:sp>
         <p:nvSpPr>
-          <p:cNvPr id="8" name="Footer Placeholder 7">
-            <a:extLst>
-              <a:ext uri="{FF2B5EF4-FFF2-40B4-BE49-F238E27FC236}">
-                <a16:creationId xmlns:a16="http://schemas.microsoft.com/office/drawing/2014/main" id="{EBE23BC5-C366-9128-C1CF-F6EBB48CD40E}"/>
-              </a:ext>
-            </a:extLst>
-          </p:cNvPr>
+          <p:cNvPr id="8" name="Footer Placeholder 7"/>
           <p:cNvSpPr>
             <a:spLocks noGrp="1"/>
           </p:cNvSpPr>
@@ -2463,13 +2314,7 @@
       </p:sp>
       <p:sp>
         <p:nvSpPr>
-          <p:cNvPr id="9" name="Slide Number Placeholder 8">
-            <a:extLst>
-              <a:ext uri="{FF2B5EF4-FFF2-40B4-BE49-F238E27FC236}">
-                <a16:creationId xmlns:a16="http://schemas.microsoft.com/office/drawing/2014/main" id="{E6F3673F-BEC6-C47F-1C82-A3B8454B6A5C}"/>
-              </a:ext>
-            </a:extLst>
-          </p:cNvPr>
+          <p:cNvPr id="9" name="Slide Number Placeholder 8"/>
           <p:cNvSpPr>
             <a:spLocks noGrp="1"/>
           </p:cNvSpPr>
@@ -2493,7 +2338,7 @@
     </p:spTree>
     <p:extLst>
       <p:ext uri="{BB962C8B-B14F-4D97-AF65-F5344CB8AC3E}">
-        <p14:creationId xmlns:p14="http://schemas.microsoft.com/office/powerpoint/2010/main" val="942152012"/>
+        <p14:creationId xmlns:p14="http://schemas.microsoft.com/office/powerpoint/2010/main" val="2856068347"/>
       </p:ext>
     </p:extLst>
   </p:cSld>
@@ -2522,13 +2367,7 @@
       </p:grpSpPr>
       <p:sp>
         <p:nvSpPr>
-          <p:cNvPr id="2" name="Title 1">
-            <a:extLst>
-              <a:ext uri="{FF2B5EF4-FFF2-40B4-BE49-F238E27FC236}">
-                <a16:creationId xmlns:a16="http://schemas.microsoft.com/office/drawing/2014/main" id="{E017C2F7-A188-620A-E257-D844E92FBEF2}"/>
-              </a:ext>
-            </a:extLst>
-          </p:cNvPr>
+          <p:cNvPr id="2" name="Title 1"/>
           <p:cNvSpPr>
             <a:spLocks noGrp="1"/>
           </p:cNvSpPr>
@@ -2545,18 +2384,13 @@
               <a:rPr lang="en-US"/>
               <a:t>Click to edit Master title style</a:t>
             </a:r>
-          </a:p>
-        </p:txBody>
-      </p:sp>
-      <p:sp>
-        <p:nvSpPr>
-          <p:cNvPr id="3" name="Date Placeholder 2">
-            <a:extLst>
-              <a:ext uri="{FF2B5EF4-FFF2-40B4-BE49-F238E27FC236}">
-                <a16:creationId xmlns:a16="http://schemas.microsoft.com/office/drawing/2014/main" id="{7B1DD7A4-6FFC-F9BA-6613-257798E6D084}"/>
-              </a:ext>
-            </a:extLst>
-          </p:cNvPr>
+            <a:endParaRPr lang="en-US" dirty="0"/>
+          </a:p>
+        </p:txBody>
+      </p:sp>
+      <p:sp>
+        <p:nvSpPr>
+          <p:cNvPr id="3" name="Date Placeholder 2"/>
           <p:cNvSpPr>
             <a:spLocks noGrp="1"/>
           </p:cNvSpPr>
@@ -2579,13 +2413,7 @@
       </p:sp>
       <p:sp>
         <p:nvSpPr>
-          <p:cNvPr id="4" name="Footer Placeholder 3">
-            <a:extLst>
-              <a:ext uri="{FF2B5EF4-FFF2-40B4-BE49-F238E27FC236}">
-                <a16:creationId xmlns:a16="http://schemas.microsoft.com/office/drawing/2014/main" id="{DB127AAC-1EFD-C4FF-ECCD-332014B7E5DC}"/>
-              </a:ext>
-            </a:extLst>
-          </p:cNvPr>
+          <p:cNvPr id="4" name="Footer Placeholder 3"/>
           <p:cNvSpPr>
             <a:spLocks noGrp="1"/>
           </p:cNvSpPr>
@@ -2604,13 +2432,7 @@
       </p:sp>
       <p:sp>
         <p:nvSpPr>
-          <p:cNvPr id="5" name="Slide Number Placeholder 4">
-            <a:extLst>
-              <a:ext uri="{FF2B5EF4-FFF2-40B4-BE49-F238E27FC236}">
-                <a16:creationId xmlns:a16="http://schemas.microsoft.com/office/drawing/2014/main" id="{D51F74B5-2B77-F97B-CE58-B7A4D755274B}"/>
-              </a:ext>
-            </a:extLst>
-          </p:cNvPr>
+          <p:cNvPr id="5" name="Slide Number Placeholder 4"/>
           <p:cNvSpPr>
             <a:spLocks noGrp="1"/>
           </p:cNvSpPr>
@@ -2634,7 +2456,7 @@
     </p:spTree>
     <p:extLst>
       <p:ext uri="{BB962C8B-B14F-4D97-AF65-F5344CB8AC3E}">
-        <p14:creationId xmlns:p14="http://schemas.microsoft.com/office/powerpoint/2010/main" val="3905142728"/>
+        <p14:creationId xmlns:p14="http://schemas.microsoft.com/office/powerpoint/2010/main" val="989393902"/>
       </p:ext>
     </p:extLst>
   </p:cSld>
@@ -2663,13 +2485,7 @@
       </p:grpSpPr>
       <p:sp>
         <p:nvSpPr>
-          <p:cNvPr id="2" name="Date Placeholder 1">
-            <a:extLst>
-              <a:ext uri="{FF2B5EF4-FFF2-40B4-BE49-F238E27FC236}">
-                <a16:creationId xmlns:a16="http://schemas.microsoft.com/office/drawing/2014/main" id="{7B6E23B9-D6EB-C3BC-2CE1-64F3D6692D7F}"/>
-              </a:ext>
-            </a:extLst>
-          </p:cNvPr>
+          <p:cNvPr id="2" name="Date Placeholder 1"/>
           <p:cNvSpPr>
             <a:spLocks noGrp="1"/>
           </p:cNvSpPr>
@@ -2692,13 +2508,7 @@
       </p:sp>
       <p:sp>
         <p:nvSpPr>
-          <p:cNvPr id="3" name="Footer Placeholder 2">
-            <a:extLst>
-              <a:ext uri="{FF2B5EF4-FFF2-40B4-BE49-F238E27FC236}">
-                <a16:creationId xmlns:a16="http://schemas.microsoft.com/office/drawing/2014/main" id="{DE7737D8-C871-16B0-308C-13EEF1A82A71}"/>
-              </a:ext>
-            </a:extLst>
-          </p:cNvPr>
+          <p:cNvPr id="3" name="Footer Placeholder 2"/>
           <p:cNvSpPr>
             <a:spLocks noGrp="1"/>
           </p:cNvSpPr>
@@ -2717,13 +2527,7 @@
       </p:sp>
       <p:sp>
         <p:nvSpPr>
-          <p:cNvPr id="4" name="Slide Number Placeholder 3">
-            <a:extLst>
-              <a:ext uri="{FF2B5EF4-FFF2-40B4-BE49-F238E27FC236}">
-                <a16:creationId xmlns:a16="http://schemas.microsoft.com/office/drawing/2014/main" id="{493AC17A-D2B3-CDD2-823D-58D807F2FE60}"/>
-              </a:ext>
-            </a:extLst>
-          </p:cNvPr>
+          <p:cNvPr id="4" name="Slide Number Placeholder 3"/>
           <p:cNvSpPr>
             <a:spLocks noGrp="1"/>
           </p:cNvSpPr>
@@ -2747,7 +2551,7 @@
     </p:spTree>
     <p:extLst>
       <p:ext uri="{BB962C8B-B14F-4D97-AF65-F5344CB8AC3E}">
-        <p14:creationId xmlns:p14="http://schemas.microsoft.com/office/powerpoint/2010/main" val="2212421095"/>
+        <p14:creationId xmlns:p14="http://schemas.microsoft.com/office/powerpoint/2010/main" val="2100665560"/>
       </p:ext>
     </p:extLst>
   </p:cSld>
@@ -2776,13 +2580,7 @@
       </p:grpSpPr>
       <p:sp>
         <p:nvSpPr>
-          <p:cNvPr id="2" name="Title 1">
-            <a:extLst>
-              <a:ext uri="{FF2B5EF4-FFF2-40B4-BE49-F238E27FC236}">
-                <a16:creationId xmlns:a16="http://schemas.microsoft.com/office/drawing/2014/main" id="{03EF1430-B9EA-664B-8195-44D748C742E2}"/>
-              </a:ext>
-            </a:extLst>
-          </p:cNvPr>
+          <p:cNvPr id="2" name="Title 1"/>
           <p:cNvSpPr>
             <a:spLocks noGrp="1"/>
           </p:cNvSpPr>
@@ -2808,18 +2606,13 @@
               <a:rPr lang="en-US"/>
               <a:t>Click to edit Master title style</a:t>
             </a:r>
-          </a:p>
-        </p:txBody>
-      </p:sp>
-      <p:sp>
-        <p:nvSpPr>
-          <p:cNvPr id="3" name="Content Placeholder 2">
-            <a:extLst>
-              <a:ext uri="{FF2B5EF4-FFF2-40B4-BE49-F238E27FC236}">
-                <a16:creationId xmlns:a16="http://schemas.microsoft.com/office/drawing/2014/main" id="{82C8F6BD-DBC8-C69C-1157-18EA67E8A8D4}"/>
-              </a:ext>
-            </a:extLst>
-          </p:cNvPr>
+            <a:endParaRPr lang="en-US" dirty="0"/>
+          </a:p>
+        </p:txBody>
+      </p:sp>
+      <p:sp>
+        <p:nvSpPr>
+          <p:cNvPr id="3" name="Content Placeholder 2"/>
           <p:cNvSpPr>
             <a:spLocks noGrp="1"/>
           </p:cNvSpPr>
@@ -2829,7 +2622,7 @@
         </p:nvSpPr>
         <p:spPr>
           <a:xfrm>
-            <a:off x="5183188" y="987425"/>
+            <a:off x="5183188" y="987426"/>
             <a:ext cx="6172200" cy="4873625"/>
           </a:xfrm>
         </p:spPr>
@@ -2898,18 +2691,13 @@
               <a:rPr lang="en-US"/>
               <a:t>Fifth level</a:t>
             </a:r>
-          </a:p>
-        </p:txBody>
-      </p:sp>
-      <p:sp>
-        <p:nvSpPr>
-          <p:cNvPr id="4" name="Text Placeholder 3">
-            <a:extLst>
-              <a:ext uri="{FF2B5EF4-FFF2-40B4-BE49-F238E27FC236}">
-                <a16:creationId xmlns:a16="http://schemas.microsoft.com/office/drawing/2014/main" id="{FF72FE8F-BAA8-E1F0-3E73-5E1C5F87DC0C}"/>
-              </a:ext>
-            </a:extLst>
-          </p:cNvPr>
+            <a:endParaRPr lang="en-US" dirty="0"/>
+          </a:p>
+        </p:txBody>
+      </p:sp>
+      <p:sp>
+        <p:nvSpPr>
+          <p:cNvPr id="4" name="Text Placeholder 3"/>
           <p:cNvSpPr>
             <a:spLocks noGrp="1"/>
           </p:cNvSpPr>
@@ -2974,13 +2762,7 @@
       </p:sp>
       <p:sp>
         <p:nvSpPr>
-          <p:cNvPr id="5" name="Date Placeholder 4">
-            <a:extLst>
-              <a:ext uri="{FF2B5EF4-FFF2-40B4-BE49-F238E27FC236}">
-                <a16:creationId xmlns:a16="http://schemas.microsoft.com/office/drawing/2014/main" id="{E738572A-5BA7-395A-5BCD-0F1F7A8AB982}"/>
-              </a:ext>
-            </a:extLst>
-          </p:cNvPr>
+          <p:cNvPr id="5" name="Date Placeholder 4"/>
           <p:cNvSpPr>
             <a:spLocks noGrp="1"/>
           </p:cNvSpPr>
@@ -3003,13 +2785,7 @@
       </p:sp>
       <p:sp>
         <p:nvSpPr>
-          <p:cNvPr id="6" name="Footer Placeholder 5">
-            <a:extLst>
-              <a:ext uri="{FF2B5EF4-FFF2-40B4-BE49-F238E27FC236}">
-                <a16:creationId xmlns:a16="http://schemas.microsoft.com/office/drawing/2014/main" id="{E4530D43-0CBE-BFC6-DC83-DB1AE2CD6DB9}"/>
-              </a:ext>
-            </a:extLst>
-          </p:cNvPr>
+          <p:cNvPr id="6" name="Footer Placeholder 5"/>
           <p:cNvSpPr>
             <a:spLocks noGrp="1"/>
           </p:cNvSpPr>
@@ -3028,13 +2804,7 @@
       </p:sp>
       <p:sp>
         <p:nvSpPr>
-          <p:cNvPr id="7" name="Slide Number Placeholder 6">
-            <a:extLst>
-              <a:ext uri="{FF2B5EF4-FFF2-40B4-BE49-F238E27FC236}">
-                <a16:creationId xmlns:a16="http://schemas.microsoft.com/office/drawing/2014/main" id="{D5368748-988D-3232-648D-A160BD0C0578}"/>
-              </a:ext>
-            </a:extLst>
-          </p:cNvPr>
+          <p:cNvPr id="7" name="Slide Number Placeholder 6"/>
           <p:cNvSpPr>
             <a:spLocks noGrp="1"/>
           </p:cNvSpPr>
@@ -3058,7 +2828,7 @@
     </p:spTree>
     <p:extLst>
       <p:ext uri="{BB962C8B-B14F-4D97-AF65-F5344CB8AC3E}">
-        <p14:creationId xmlns:p14="http://schemas.microsoft.com/office/powerpoint/2010/main" val="4028531807"/>
+        <p14:creationId xmlns:p14="http://schemas.microsoft.com/office/powerpoint/2010/main" val="833450193"/>
       </p:ext>
     </p:extLst>
   </p:cSld>
@@ -3087,13 +2857,7 @@
       </p:grpSpPr>
       <p:sp>
         <p:nvSpPr>
-          <p:cNvPr id="2" name="Title 1">
-            <a:extLst>
-              <a:ext uri="{FF2B5EF4-FFF2-40B4-BE49-F238E27FC236}">
-                <a16:creationId xmlns:a16="http://schemas.microsoft.com/office/drawing/2014/main" id="{D8B737C6-D036-473E-4192-9EB2A38E4CC4}"/>
-              </a:ext>
-            </a:extLst>
-          </p:cNvPr>
+          <p:cNvPr id="2" name="Title 1"/>
           <p:cNvSpPr>
             <a:spLocks noGrp="1"/>
           </p:cNvSpPr>
@@ -3119,20 +2883,15 @@
               <a:rPr lang="en-US"/>
               <a:t>Click to edit Master title style</a:t>
             </a:r>
-          </a:p>
-        </p:txBody>
-      </p:sp>
-      <p:sp>
-        <p:nvSpPr>
-          <p:cNvPr id="3" name="Picture Placeholder 2">
-            <a:extLst>
-              <a:ext uri="{FF2B5EF4-FFF2-40B4-BE49-F238E27FC236}">
-                <a16:creationId xmlns:a16="http://schemas.microsoft.com/office/drawing/2014/main" id="{2C6475E9-3306-FFE1-AE9D-44D80D116D8D}"/>
-              </a:ext>
-            </a:extLst>
-          </p:cNvPr>
+            <a:endParaRPr lang="en-US" dirty="0"/>
+          </a:p>
+        </p:txBody>
+      </p:sp>
+      <p:sp>
+        <p:nvSpPr>
+          <p:cNvPr id="3" name="Picture Placeholder 2"/>
           <p:cNvSpPr>
-            <a:spLocks noGrp="1"/>
+            <a:spLocks noGrp="1" noChangeAspect="1"/>
           </p:cNvSpPr>
           <p:nvPr>
             <p:ph type="pic" idx="1"/>
@@ -3140,12 +2899,12 @@
         </p:nvSpPr>
         <p:spPr>
           <a:xfrm>
-            <a:off x="5183188" y="987425"/>
+            <a:off x="5183188" y="987426"/>
             <a:ext cx="6172200" cy="4873625"/>
           </a:xfrm>
         </p:spPr>
         <p:txBody>
-          <a:bodyPr/>
+          <a:bodyPr anchor="t"/>
           <a:lstStyle>
             <a:lvl1pPr marL="0" indent="0">
               <a:buNone/>
@@ -3185,19 +2944,17 @@
             </a:lvl9pPr>
           </a:lstStyle>
           <a:p>
-            <a:endParaRPr lang="en-US"/>
-          </a:p>
-        </p:txBody>
-      </p:sp>
-      <p:sp>
-        <p:nvSpPr>
-          <p:cNvPr id="4" name="Text Placeholder 3">
-            <a:extLst>
-              <a:ext uri="{FF2B5EF4-FFF2-40B4-BE49-F238E27FC236}">
-                <a16:creationId xmlns:a16="http://schemas.microsoft.com/office/drawing/2014/main" id="{299645FF-5A29-9FFF-37D4-6D0B59462D1C}"/>
-              </a:ext>
-            </a:extLst>
-          </p:cNvPr>
+            <a:r>
+              <a:rPr lang="en-US"/>
+              <a:t>Click icon to add picture</a:t>
+            </a:r>
+            <a:endParaRPr lang="en-US" dirty="0"/>
+          </a:p>
+        </p:txBody>
+      </p:sp>
+      <p:sp>
+        <p:nvSpPr>
+          <p:cNvPr id="4" name="Text Placeholder 3"/>
           <p:cNvSpPr>
             <a:spLocks noGrp="1"/>
           </p:cNvSpPr>
@@ -3262,13 +3019,7 @@
       </p:sp>
       <p:sp>
         <p:nvSpPr>
-          <p:cNvPr id="5" name="Date Placeholder 4">
-            <a:extLst>
-              <a:ext uri="{FF2B5EF4-FFF2-40B4-BE49-F238E27FC236}">
-                <a16:creationId xmlns:a16="http://schemas.microsoft.com/office/drawing/2014/main" id="{E8E61134-E4AA-BA3C-ECCE-ADC068B14A34}"/>
-              </a:ext>
-            </a:extLst>
-          </p:cNvPr>
+          <p:cNvPr id="5" name="Date Placeholder 4"/>
           <p:cNvSpPr>
             <a:spLocks noGrp="1"/>
           </p:cNvSpPr>
@@ -3291,13 +3042,7 @@
       </p:sp>
       <p:sp>
         <p:nvSpPr>
-          <p:cNvPr id="6" name="Footer Placeholder 5">
-            <a:extLst>
-              <a:ext uri="{FF2B5EF4-FFF2-40B4-BE49-F238E27FC236}">
-                <a16:creationId xmlns:a16="http://schemas.microsoft.com/office/drawing/2014/main" id="{0C7223CF-5D53-A632-D991-5C9BEF99576F}"/>
-              </a:ext>
-            </a:extLst>
-          </p:cNvPr>
+          <p:cNvPr id="6" name="Footer Placeholder 5"/>
           <p:cNvSpPr>
             <a:spLocks noGrp="1"/>
           </p:cNvSpPr>
@@ -3316,13 +3061,7 @@
       </p:sp>
       <p:sp>
         <p:nvSpPr>
-          <p:cNvPr id="7" name="Slide Number Placeholder 6">
-            <a:extLst>
-              <a:ext uri="{FF2B5EF4-FFF2-40B4-BE49-F238E27FC236}">
-                <a16:creationId xmlns:a16="http://schemas.microsoft.com/office/drawing/2014/main" id="{CC5A6159-3C7C-23E5-97E0-0C2806F832CB}"/>
-              </a:ext>
-            </a:extLst>
-          </p:cNvPr>
+          <p:cNvPr id="7" name="Slide Number Placeholder 6"/>
           <p:cNvSpPr>
             <a:spLocks noGrp="1"/>
           </p:cNvSpPr>
@@ -3346,7 +3085,7 @@
     </p:spTree>
     <p:extLst>
       <p:ext uri="{BB962C8B-B14F-4D97-AF65-F5344CB8AC3E}">
-        <p14:creationId xmlns:p14="http://schemas.microsoft.com/office/powerpoint/2010/main" val="3450729601"/>
+        <p14:creationId xmlns:p14="http://schemas.microsoft.com/office/powerpoint/2010/main" val="2806305502"/>
       </p:ext>
     </p:extLst>
   </p:cSld>
@@ -3380,13 +3119,7 @@
       </p:grpSpPr>
       <p:sp>
         <p:nvSpPr>
-          <p:cNvPr id="2" name="Title Placeholder 1">
-            <a:extLst>
-              <a:ext uri="{FF2B5EF4-FFF2-40B4-BE49-F238E27FC236}">
-                <a16:creationId xmlns:a16="http://schemas.microsoft.com/office/drawing/2014/main" id="{A8E03977-0F8E-F57D-4BCE-9918C5C3D88A}"/>
-              </a:ext>
-            </a:extLst>
-          </p:cNvPr>
+          <p:cNvPr id="2" name="Title Placeholder 1"/>
           <p:cNvSpPr>
             <a:spLocks noGrp="1"/>
           </p:cNvSpPr>
@@ -3396,7 +3129,7 @@
         </p:nvSpPr>
         <p:spPr>
           <a:xfrm>
-            <a:off x="838200" y="365125"/>
+            <a:off x="838200" y="365126"/>
             <a:ext cx="10515600" cy="1325563"/>
           </a:xfrm>
           <a:prstGeom prst="rect">
@@ -3413,18 +3146,13 @@
               <a:rPr lang="en-US"/>
               <a:t>Click to edit Master title style</a:t>
             </a:r>
-          </a:p>
-        </p:txBody>
-      </p:sp>
-      <p:sp>
-        <p:nvSpPr>
-          <p:cNvPr id="3" name="Text Placeholder 2">
-            <a:extLst>
-              <a:ext uri="{FF2B5EF4-FFF2-40B4-BE49-F238E27FC236}">
-                <a16:creationId xmlns:a16="http://schemas.microsoft.com/office/drawing/2014/main" id="{65F96F54-DE6D-5348-DE02-584263538F32}"/>
-              </a:ext>
-            </a:extLst>
-          </p:cNvPr>
+            <a:endParaRPr lang="en-US" dirty="0"/>
+          </a:p>
+        </p:txBody>
+      </p:sp>
+      <p:sp>
+        <p:nvSpPr>
+          <p:cNvPr id="3" name="Text Placeholder 2"/>
           <p:cNvSpPr>
             <a:spLocks noGrp="1"/>
           </p:cNvSpPr>
@@ -3480,18 +3208,13 @@
               <a:rPr lang="en-US"/>
               <a:t>Fifth level</a:t>
             </a:r>
-          </a:p>
-        </p:txBody>
-      </p:sp>
-      <p:sp>
-        <p:nvSpPr>
-          <p:cNvPr id="4" name="Date Placeholder 3">
-            <a:extLst>
-              <a:ext uri="{FF2B5EF4-FFF2-40B4-BE49-F238E27FC236}">
-                <a16:creationId xmlns:a16="http://schemas.microsoft.com/office/drawing/2014/main" id="{1647FE61-CAFD-F647-8318-A2313A265457}"/>
-              </a:ext>
-            </a:extLst>
-          </p:cNvPr>
+            <a:endParaRPr lang="en-US" dirty="0"/>
+          </a:p>
+        </p:txBody>
+      </p:sp>
+      <p:sp>
+        <p:nvSpPr>
+          <p:cNvPr id="4" name="Date Placeholder 3"/>
           <p:cNvSpPr>
             <a:spLocks noGrp="1"/>
           </p:cNvSpPr>
@@ -3501,7 +3224,7 @@
         </p:nvSpPr>
         <p:spPr>
           <a:xfrm>
-            <a:off x="838200" y="6356350"/>
+            <a:off x="838200" y="6356352"/>
             <a:ext cx="2743200" cy="365125"/>
           </a:xfrm>
           <a:prstGeom prst="rect">
@@ -3532,13 +3255,7 @@
       </p:sp>
       <p:sp>
         <p:nvSpPr>
-          <p:cNvPr id="5" name="Footer Placeholder 4">
-            <a:extLst>
-              <a:ext uri="{FF2B5EF4-FFF2-40B4-BE49-F238E27FC236}">
-                <a16:creationId xmlns:a16="http://schemas.microsoft.com/office/drawing/2014/main" id="{DCAB4478-6EA1-DF57-0B36-6AFBB1F9CA64}"/>
-              </a:ext>
-            </a:extLst>
-          </p:cNvPr>
+          <p:cNvPr id="5" name="Footer Placeholder 4"/>
           <p:cNvSpPr>
             <a:spLocks noGrp="1"/>
           </p:cNvSpPr>
@@ -3548,7 +3265,7 @@
         </p:nvSpPr>
         <p:spPr>
           <a:xfrm>
-            <a:off x="4038600" y="6356350"/>
+            <a:off x="4038600" y="6356352"/>
             <a:ext cx="4114800" cy="365125"/>
           </a:xfrm>
           <a:prstGeom prst="rect">
@@ -3575,13 +3292,7 @@
       </p:sp>
       <p:sp>
         <p:nvSpPr>
-          <p:cNvPr id="6" name="Slide Number Placeholder 5">
-            <a:extLst>
-              <a:ext uri="{FF2B5EF4-FFF2-40B4-BE49-F238E27FC236}">
-                <a16:creationId xmlns:a16="http://schemas.microsoft.com/office/drawing/2014/main" id="{D7176537-0B50-7001-CE83-8F7322E34E8A}"/>
-              </a:ext>
-            </a:extLst>
-          </p:cNvPr>
+          <p:cNvPr id="6" name="Slide Number Placeholder 5"/>
           <p:cNvSpPr>
             <a:spLocks noGrp="1"/>
           </p:cNvSpPr>
@@ -3591,7 +3302,7 @@
         </p:nvSpPr>
         <p:spPr>
           <a:xfrm>
-            <a:off x="8610600" y="6356350"/>
+            <a:off x="8610600" y="6356352"/>
             <a:ext cx="2743200" cy="365125"/>
           </a:xfrm>
           <a:prstGeom prst="rect">
@@ -3623,23 +3334,23 @@
     </p:spTree>
     <p:extLst>
       <p:ext uri="{BB962C8B-B14F-4D97-AF65-F5344CB8AC3E}">
-        <p14:creationId xmlns:p14="http://schemas.microsoft.com/office/powerpoint/2010/main" val="1718819582"/>
+        <p14:creationId xmlns:p14="http://schemas.microsoft.com/office/powerpoint/2010/main" val="2507073961"/>
       </p:ext>
     </p:extLst>
   </p:cSld>
   <p:clrMap bg1="lt1" tx1="dk1" bg2="lt2" tx2="dk2" accent1="accent1" accent2="accent2" accent3="accent3" accent4="accent4" accent5="accent5" accent6="accent6" hlink="hlink" folHlink="folHlink"/>
   <p:sldLayoutIdLst>
-    <p:sldLayoutId id="2147483649" r:id="rId1"/>
-    <p:sldLayoutId id="2147483650" r:id="rId2"/>
-    <p:sldLayoutId id="2147483651" r:id="rId3"/>
-    <p:sldLayoutId id="2147483652" r:id="rId4"/>
-    <p:sldLayoutId id="2147483653" r:id="rId5"/>
-    <p:sldLayoutId id="2147483654" r:id="rId6"/>
-    <p:sldLayoutId id="2147483655" r:id="rId7"/>
-    <p:sldLayoutId id="2147483656" r:id="rId8"/>
-    <p:sldLayoutId id="2147483657" r:id="rId9"/>
-    <p:sldLayoutId id="2147483658" r:id="rId10"/>
-    <p:sldLayoutId id="2147483659" r:id="rId11"/>
+    <p:sldLayoutId id="2147483661" r:id="rId1"/>
+    <p:sldLayoutId id="2147483662" r:id="rId2"/>
+    <p:sldLayoutId id="2147483663" r:id="rId3"/>
+    <p:sldLayoutId id="2147483664" r:id="rId4"/>
+    <p:sldLayoutId id="2147483665" r:id="rId5"/>
+    <p:sldLayoutId id="2147483666" r:id="rId6"/>
+    <p:sldLayoutId id="2147483667" r:id="rId7"/>
+    <p:sldLayoutId id="2147483668" r:id="rId8"/>
+    <p:sldLayoutId id="2147483669" r:id="rId9"/>
+    <p:sldLayoutId id="2147483670" r:id="rId10"/>
+    <p:sldLayoutId id="2147483671" r:id="rId11"/>
   </p:sldLayoutIdLst>
   <p:txStyles>
     <p:titleStyle>
@@ -3941,12 +3652,49 @@
           <a:chExt cx="0" cy="0"/>
         </a:xfrm>
       </p:grpSpPr>
-      <p:sp>
-        <p:nvSpPr>
-          <p:cNvPr id="4" name="TextBox 3">
-            <a:extLst>
-              <a:ext uri="{FF2B5EF4-FFF2-40B4-BE49-F238E27FC236}">
-                <a16:creationId xmlns:a16="http://schemas.microsoft.com/office/drawing/2014/main" id="{0B205ED7-CA2A-2FFE-8AF6-7C1545C8E1FC}"/>
+      <p:pic>
+        <p:nvPicPr>
+          <p:cNvPr id="5" name="Picture 4">
+            <a:extLst>
+              <a:ext uri="{FF2B5EF4-FFF2-40B4-BE49-F238E27FC236}">
+                <a16:creationId xmlns:a16="http://schemas.microsoft.com/office/drawing/2014/main" id="{D7FB59C3-E560-B96E-87A5-72987B8AC026}"/>
+              </a:ext>
+            </a:extLst>
+          </p:cNvPr>
+          <p:cNvPicPr>
+            <a:picLocks noChangeAspect="1"/>
+          </p:cNvPicPr>
+          <p:nvPr/>
+        </p:nvPicPr>
+        <p:blipFill>
+          <a:blip r:embed="rId2"/>
+          <a:stretch>
+            <a:fillRect/>
+          </a:stretch>
+        </p:blipFill>
+        <p:spPr>
+          <a:xfrm>
+            <a:off x="5715000" y="362859"/>
+            <a:ext cx="6096000" cy="6096000"/>
+          </a:xfrm>
+          <a:prstGeom prst="rect">
+            <a:avLst/>
+          </a:prstGeom>
+          <a:effectLst>
+            <a:outerShdw blurRad="50800" dist="38100" dir="2700000" algn="tl" rotWithShape="0">
+              <a:srgbClr val="0070C0">
+                <a:alpha val="40000"/>
+              </a:srgbClr>
+            </a:outerShdw>
+          </a:effectLst>
+        </p:spPr>
+      </p:pic>
+      <p:sp>
+        <p:nvSpPr>
+          <p:cNvPr id="10" name="TextBox 9">
+            <a:extLst>
+              <a:ext uri="{FF2B5EF4-FFF2-40B4-BE49-F238E27FC236}">
+                <a16:creationId xmlns:a16="http://schemas.microsoft.com/office/drawing/2014/main" id="{2078A9C3-26DF-6440-F16C-A9D62249BCF2}"/>
               </a:ext>
             </a:extLst>
           </p:cNvPr>
@@ -3955,8 +3703,8 @@
         </p:nvSpPr>
         <p:spPr>
           <a:xfrm>
-            <a:off x="432619" y="2674826"/>
-            <a:ext cx="5034116" cy="461665"/>
+            <a:off x="-1" y="2967335"/>
+            <a:ext cx="5910944" cy="1107996"/>
           </a:xfrm>
           <a:prstGeom prst="rect">
             <a:avLst/>
@@ -3964,24 +3712,51 @@
           <a:noFill/>
         </p:spPr>
         <p:txBody>
-          <a:bodyPr wrap="square" rtlCol="0">
+          <a:bodyPr wrap="square">
             <a:spAutoFit/>
           </a:bodyPr>
           <a:lstStyle/>
           <a:p>
-            <a:r>
-              <a:rPr lang="en-US" sz="2400" b="1" dirty="0"/>
-              <a:t>Leveraging Open AI’s Agent SDK</a:t>
+            <a:pPr algn="l"/>
+            <a:r>
+              <a:rPr lang="en-US" sz="2200" b="1" i="0" dirty="0">
+                <a:solidFill>
+                  <a:srgbClr val="242424"/>
+                </a:solidFill>
+                <a:effectLst/>
+              </a:rPr>
+              <a:t>Exploring Agentic AI </a:t>
+            </a:r>
+          </a:p>
+          <a:p>
+            <a:pPr algn="l"/>
+            <a:endParaRPr lang="en-US" sz="2200" b="1" i="0" dirty="0">
+              <a:solidFill>
+                <a:srgbClr val="242424"/>
+              </a:solidFill>
+              <a:effectLst/>
+            </a:endParaRPr>
+          </a:p>
+          <a:p>
+            <a:pPr algn="l"/>
+            <a:r>
+              <a:rPr lang="en-US" sz="2200" b="1" i="0" dirty="0">
+                <a:solidFill>
+                  <a:srgbClr val="242424"/>
+                </a:solidFill>
+                <a:effectLst/>
+              </a:rPr>
+              <a:t>Practical Implementation and Key Takeaways</a:t>
             </a:r>
           </a:p>
         </p:txBody>
       </p:sp>
       <p:cxnSp>
         <p:nvCxnSpPr>
-          <p:cNvPr id="3" name="Straight Connector 2">
-            <a:extLst>
-              <a:ext uri="{FF2B5EF4-FFF2-40B4-BE49-F238E27FC236}">
-                <a16:creationId xmlns:a16="http://schemas.microsoft.com/office/drawing/2014/main" id="{8B1AA4D6-037F-E638-4FFB-921729D31B58}"/>
+          <p:cNvPr id="13" name="Straight Connector 12">
+            <a:extLst>
+              <a:ext uri="{FF2B5EF4-FFF2-40B4-BE49-F238E27FC236}">
+                <a16:creationId xmlns:a16="http://schemas.microsoft.com/office/drawing/2014/main" id="{7CE09BC9-E437-31DA-AFA9-960AE0002916}"/>
               </a:ext>
             </a:extLst>
           </p:cNvPr>
@@ -3990,22 +3765,22 @@
         </p:nvCxnSpPr>
         <p:spPr>
           <a:xfrm>
-            <a:off x="432619" y="3156155"/>
-            <a:ext cx="11759381" cy="0"/>
+            <a:off x="152400" y="3526971"/>
+            <a:ext cx="5410199" cy="0"/>
           </a:xfrm>
           <a:prstGeom prst="line">
             <a:avLst/>
           </a:prstGeom>
         </p:spPr>
         <p:style>
-          <a:lnRef idx="3">
-            <a:schemeClr val="accent5"/>
+          <a:lnRef idx="1">
+            <a:schemeClr val="accent1"/>
           </a:lnRef>
           <a:fillRef idx="0">
-            <a:schemeClr val="accent5"/>
+            <a:schemeClr val="accent1"/>
           </a:fillRef>
-          <a:effectRef idx="2">
-            <a:schemeClr val="accent5"/>
+          <a:effectRef idx="0">
+            <a:schemeClr val="accent1"/>
           </a:effectRef>
           <a:fontRef idx="minor">
             <a:schemeClr val="tx1"/>
@@ -4014,10 +3789,10 @@
       </p:cxnSp>
       <p:sp>
         <p:nvSpPr>
-          <p:cNvPr id="7" name="TextBox 6">
-            <a:extLst>
-              <a:ext uri="{FF2B5EF4-FFF2-40B4-BE49-F238E27FC236}">
-                <a16:creationId xmlns:a16="http://schemas.microsoft.com/office/drawing/2014/main" id="{9E5828FA-5680-D556-4535-C22608E35F7E}"/>
+          <p:cNvPr id="14" name="TextBox 13">
+            <a:extLst>
+              <a:ext uri="{FF2B5EF4-FFF2-40B4-BE49-F238E27FC236}">
+                <a16:creationId xmlns:a16="http://schemas.microsoft.com/office/drawing/2014/main" id="{89792F12-BB11-439D-1995-AE3B194152F2}"/>
               </a:ext>
             </a:extLst>
           </p:cNvPr>
@@ -4026,8 +3801,8 @@
         </p:nvSpPr>
         <p:spPr>
           <a:xfrm>
-            <a:off x="432619" y="3175369"/>
-            <a:ext cx="4857136" cy="369332"/>
+            <a:off x="7436675" y="6458859"/>
+            <a:ext cx="2652649" cy="307777"/>
           </a:xfrm>
           <a:prstGeom prst="rect">
             <a:avLst/>
@@ -4035,73 +3810,21 @@
           <a:noFill/>
         </p:spPr>
         <p:txBody>
-          <a:bodyPr wrap="square">
+          <a:bodyPr wrap="none" rtlCol="0">
             <a:spAutoFit/>
           </a:bodyPr>
           <a:lstStyle/>
           <a:p>
             <a:r>
-              <a:rPr lang="en-US" sz="1800" dirty="0"/>
-              <a:t>Observations from a </a:t>
-            </a:r>
-            <a:r>
-              <a:rPr lang="en-US" dirty="0"/>
-              <a:t>H</a:t>
-            </a:r>
-            <a:r>
-              <a:rPr lang="en-US" sz="1800" dirty="0"/>
-              <a:t>ypothetical use case</a:t>
-            </a:r>
-          </a:p>
-        </p:txBody>
-      </p:sp>
-      <p:sp>
-        <p:nvSpPr>
-          <p:cNvPr id="9" name="TextBox 8">
-            <a:extLst>
-              <a:ext uri="{FF2B5EF4-FFF2-40B4-BE49-F238E27FC236}">
-                <a16:creationId xmlns:a16="http://schemas.microsoft.com/office/drawing/2014/main" id="{D4754668-A9A4-A59C-D619-F09AF26FFD44}"/>
-              </a:ext>
-            </a:extLst>
-          </p:cNvPr>
-          <p:cNvSpPr txBox="1"/>
-          <p:nvPr/>
-        </p:nvSpPr>
-        <p:spPr>
-          <a:xfrm>
-            <a:off x="432619" y="6029321"/>
-            <a:ext cx="4500716" cy="338554"/>
-          </a:xfrm>
-          <a:prstGeom prst="rect">
-            <a:avLst/>
-          </a:prstGeom>
-          <a:noFill/>
-        </p:spPr>
-        <p:txBody>
-          <a:bodyPr wrap="square">
-            <a:spAutoFit/>
-          </a:bodyPr>
-          <a:lstStyle/>
-          <a:p>
-            <a:r>
-              <a:rPr lang="en-US" sz="1600" dirty="0"/>
-              <a:t>https://</a:t>
-            </a:r>
-            <a:r>
-              <a:rPr lang="en-US" sz="1600" dirty="0" err="1"/>
-              <a:t>openai.github.io</a:t>
-            </a:r>
-            <a:r>
-              <a:rPr lang="en-US" sz="1600" dirty="0"/>
-              <a:t>/</a:t>
-            </a:r>
-            <a:r>
-              <a:rPr lang="en-US" sz="1600" dirty="0" err="1"/>
-              <a:t>openai</a:t>
-            </a:r>
-            <a:r>
-              <a:rPr lang="en-US" sz="1600" dirty="0"/>
-              <a:t>-agents-python/</a:t>
+              <a:rPr lang="en-US" sz="1400" dirty="0">
+                <a:solidFill>
+                  <a:schemeClr val="tx1">
+                    <a:lumMod val="65000"/>
+                    <a:lumOff val="35000"/>
+                  </a:schemeClr>
+                </a:solidFill>
+              </a:rPr>
+              <a:t>Image Suggested and picked by AI</a:t>
             </a:r>
           </a:p>
         </p:txBody>
@@ -4109,7 +3832,7 @@
     </p:spTree>
     <p:extLst>
       <p:ext uri="{BB962C8B-B14F-4D97-AF65-F5344CB8AC3E}">
-        <p14:creationId xmlns:p14="http://schemas.microsoft.com/office/powerpoint/2010/main" val="1294113174"/>
+        <p14:creationId xmlns:p14="http://schemas.microsoft.com/office/powerpoint/2010/main" val="2150715726"/>
       </p:ext>
     </p:extLst>
   </p:cSld>
@@ -4150,8 +3873,8 @@
         </p:nvSpPr>
         <p:spPr>
           <a:xfrm>
-            <a:off x="378314" y="2719180"/>
-            <a:ext cx="1367682" cy="461665"/>
+            <a:off x="378314" y="2967335"/>
+            <a:ext cx="1567480" cy="461665"/>
           </a:xfrm>
           <a:prstGeom prst="rect">
             <a:avLst/>
@@ -4166,7 +3889,7 @@
           <a:p>
             <a:r>
               <a:rPr lang="en-US" sz="2400" dirty="0"/>
-              <a:t>Appendix</a:t>
+              <a:t>Thank You!</a:t>
             </a:r>
           </a:p>
         </p:txBody>
@@ -4185,7 +3908,7 @@
         </p:nvCxnSpPr>
         <p:spPr>
           <a:xfrm>
-            <a:off x="432619" y="3156155"/>
+            <a:off x="432619" y="3404308"/>
             <a:ext cx="11759381" cy="0"/>
           </a:xfrm>
           <a:prstGeom prst="line">
@@ -4210,7 +3933,7 @@
     </p:spTree>
     <p:extLst>
       <p:ext uri="{BB962C8B-B14F-4D97-AF65-F5344CB8AC3E}">
-        <p14:creationId xmlns:p14="http://schemas.microsoft.com/office/powerpoint/2010/main" val="1492273870"/>
+        <p14:creationId xmlns:p14="http://schemas.microsoft.com/office/powerpoint/2010/main" val="1086617000"/>
       </p:ext>
     </p:extLst>
   </p:cSld>
@@ -4237,450 +3960,12 @@
           <a:chExt cx="0" cy="0"/>
         </a:xfrm>
       </p:grpSpPr>
-      <p:graphicFrame>
-        <p:nvGraphicFramePr>
-          <p:cNvPr id="13" name="Table 12">
-            <a:extLst>
-              <a:ext uri="{FF2B5EF4-FFF2-40B4-BE49-F238E27FC236}">
-                <a16:creationId xmlns:a16="http://schemas.microsoft.com/office/drawing/2014/main" id="{5A5C4456-426C-78A8-C227-A29B54036DB4}"/>
-              </a:ext>
-            </a:extLst>
-          </p:cNvPr>
-          <p:cNvGraphicFramePr>
-            <a:graphicFrameLocks noGrp="1"/>
-          </p:cNvGraphicFramePr>
-          <p:nvPr>
-            <p:extLst>
-              <p:ext uri="{D42A27DB-BD31-4B8C-83A1-F6EECF244321}">
-                <p14:modId xmlns:p14="http://schemas.microsoft.com/office/powerpoint/2010/main" val="1692161692"/>
-              </p:ext>
-            </p:extLst>
-          </p:nvPr>
-        </p:nvGraphicFramePr>
-        <p:xfrm>
-          <a:off x="828875" y="1174093"/>
-          <a:ext cx="10534249" cy="4509814"/>
-        </p:xfrm>
-        <a:graphic>
-          <a:graphicData uri="http://schemas.openxmlformats.org/drawingml/2006/table">
-            <a:tbl>
-              <a:tblPr firstRow="1" bandRow="1">
-                <a:tableStyleId>{5C22544A-7EE6-4342-B048-85BDC9FD1C3A}</a:tableStyleId>
-              </a:tblPr>
-              <a:tblGrid>
-                <a:gridCol w="1432985">
-                  <a:extLst>
-                    <a:ext uri="{9D8B030D-6E8A-4147-A177-3AD203B41FA5}">
-                      <a16:colId xmlns:a16="http://schemas.microsoft.com/office/drawing/2014/main" val="2920642967"/>
-                    </a:ext>
-                  </a:extLst>
-                </a:gridCol>
-                <a:gridCol w="3072299">
-                  <a:extLst>
-                    <a:ext uri="{9D8B030D-6E8A-4147-A177-3AD203B41FA5}">
-                      <a16:colId xmlns:a16="http://schemas.microsoft.com/office/drawing/2014/main" val="4268748432"/>
-                    </a:ext>
-                  </a:extLst>
-                </a:gridCol>
-                <a:gridCol w="2744665">
-                  <a:extLst>
-                    <a:ext uri="{9D8B030D-6E8A-4147-A177-3AD203B41FA5}">
-                      <a16:colId xmlns:a16="http://schemas.microsoft.com/office/drawing/2014/main" val="107341782"/>
-                    </a:ext>
-                  </a:extLst>
-                </a:gridCol>
-                <a:gridCol w="3284300">
-                  <a:extLst>
-                    <a:ext uri="{9D8B030D-6E8A-4147-A177-3AD203B41FA5}">
-                      <a16:colId xmlns:a16="http://schemas.microsoft.com/office/drawing/2014/main" val="2915879242"/>
-                    </a:ext>
-                  </a:extLst>
-                </a:gridCol>
-              </a:tblGrid>
-              <a:tr h="425494">
-                <a:tc>
-                  <a:txBody>
-                    <a:bodyPr/>
-                    <a:lstStyle/>
-                    <a:p>
-                      <a:pPr algn="ctr"/>
-                      <a:r>
-                        <a:rPr lang="en-US" sz="1400" b="1" dirty="0"/>
-                        <a:t>Category</a:t>
-                      </a:r>
-                      <a:endParaRPr lang="en-US" sz="1400" dirty="0"/>
-                    </a:p>
-                  </a:txBody>
-                  <a:tcPr anchor="ctr"/>
-                </a:tc>
-                <a:tc>
-                  <a:txBody>
-                    <a:bodyPr/>
-                    <a:lstStyle/>
-                    <a:p>
-                      <a:pPr algn="ctr"/>
-                      <a:r>
-                        <a:rPr lang="en-US" sz="1400" b="1" dirty="0"/>
-                        <a:t>AI / ML</a:t>
-                      </a:r>
-                      <a:endParaRPr lang="en-US" sz="1400" dirty="0"/>
-                    </a:p>
-                  </a:txBody>
-                  <a:tcPr anchor="ctr"/>
-                </a:tc>
-                <a:tc>
-                  <a:txBody>
-                    <a:bodyPr/>
-                    <a:lstStyle/>
-                    <a:p>
-                      <a:pPr algn="ctr"/>
-                      <a:r>
-                        <a:rPr lang="en-US" sz="1400" b="1"/>
-                        <a:t>Generative AI (GenAI)</a:t>
-                      </a:r>
-                      <a:endParaRPr lang="en-US" sz="1400"/>
-                    </a:p>
-                  </a:txBody>
-                  <a:tcPr anchor="ctr"/>
-                </a:tc>
-                <a:tc>
-                  <a:txBody>
-                    <a:bodyPr/>
-                    <a:lstStyle/>
-                    <a:p>
-                      <a:pPr algn="ctr"/>
-                      <a:r>
-                        <a:rPr lang="en-US" sz="1400" b="1" dirty="0"/>
-                        <a:t>Agentic AI</a:t>
-                      </a:r>
-                      <a:endParaRPr lang="en-US" sz="1400" dirty="0"/>
-                    </a:p>
-                  </a:txBody>
-                  <a:tcPr anchor="ctr"/>
-                </a:tc>
-                <a:extLst>
-                  <a:ext uri="{0D108BD9-81ED-4DB2-BD59-A6C34878D82A}">
-                    <a16:rowId xmlns:a16="http://schemas.microsoft.com/office/drawing/2014/main" val="3765547694"/>
-                  </a:ext>
-                </a:extLst>
-              </a:tr>
-              <a:tr h="805340">
-                <a:tc>
-                  <a:txBody>
-                    <a:bodyPr/>
-                    <a:lstStyle/>
-                    <a:p>
-                      <a:r>
-                        <a:rPr lang="en-US" sz="1400" dirty="0"/>
-                        <a:t>What is it?</a:t>
-                      </a:r>
-                    </a:p>
-                  </a:txBody>
-                  <a:tcPr/>
-                </a:tc>
-                <a:tc>
-                  <a:txBody>
-                    <a:bodyPr/>
-                    <a:lstStyle/>
-                    <a:p>
-                      <a:r>
-                        <a:rPr lang="en-US" sz="1400" dirty="0"/>
-                        <a:t>AI/ML focuses on pattern recognition, predictions, and automation based on structured and unstructured data.</a:t>
-                      </a:r>
-                    </a:p>
-                  </a:txBody>
-                  <a:tcPr/>
-                </a:tc>
-                <a:tc>
-                  <a:txBody>
-                    <a:bodyPr/>
-                    <a:lstStyle/>
-                    <a:p>
-                      <a:r>
-                        <a:rPr lang="en-US" sz="1400" dirty="0" err="1"/>
-                        <a:t>GenAI</a:t>
-                      </a:r>
-                      <a:r>
-                        <a:rPr lang="en-US" sz="1400" dirty="0"/>
-                        <a:t> is a subset of AI that generates new content (text, images, code) rather than just analyzing or predicting.</a:t>
-                      </a:r>
-                    </a:p>
-                  </a:txBody>
-                  <a:tcPr/>
-                </a:tc>
-                <a:tc>
-                  <a:txBody>
-                    <a:bodyPr/>
-                    <a:lstStyle/>
-                    <a:p>
-                      <a:r>
-                        <a:rPr lang="en-US" sz="1400" dirty="0"/>
-                        <a:t>Agentic AI goes beyond content generation, acting autonomously, making decisions, and taking actions based on goals.</a:t>
-                      </a:r>
-                    </a:p>
-                  </a:txBody>
-                  <a:tcPr/>
-                </a:tc>
-                <a:extLst>
-                  <a:ext uri="{0D108BD9-81ED-4DB2-BD59-A6C34878D82A}">
-                    <a16:rowId xmlns:a16="http://schemas.microsoft.com/office/drawing/2014/main" val="1111980898"/>
-                  </a:ext>
-                </a:extLst>
-              </a:tr>
-              <a:tr h="937649">
-                <a:tc>
-                  <a:txBody>
-                    <a:bodyPr/>
-                    <a:lstStyle/>
-                    <a:p>
-                      <a:r>
-                        <a:rPr lang="en-US" sz="1400" dirty="0"/>
-                        <a:t>Core Functionality</a:t>
-                      </a:r>
-                    </a:p>
-                  </a:txBody>
-                  <a:tcPr/>
-                </a:tc>
-                <a:tc>
-                  <a:txBody>
-                    <a:bodyPr/>
-                    <a:lstStyle/>
-                    <a:p>
-                      <a:r>
-                        <a:rPr lang="en-US" sz="1400" dirty="0"/>
-                        <a:t>Learns from data, identifies trends, and makes predictions (e.g., fraud detection, recommendation engines).</a:t>
-                      </a:r>
-                    </a:p>
-                  </a:txBody>
-                  <a:tcPr/>
-                </a:tc>
-                <a:tc>
-                  <a:txBody>
-                    <a:bodyPr/>
-                    <a:lstStyle/>
-                    <a:p>
-                      <a:r>
-                        <a:rPr lang="en-US" sz="1400" dirty="0"/>
-                        <a:t>Creates human-like content (e.g., </a:t>
-                      </a:r>
-                      <a:r>
-                        <a:rPr lang="en-US" sz="1400" dirty="0" err="1"/>
-                        <a:t>ChatGPT</a:t>
-                      </a:r>
-                      <a:r>
-                        <a:rPr lang="en-US" sz="1400" dirty="0"/>
-                        <a:t>, DALL·E, Copilot) based on patterns learned from massive datasets.</a:t>
-                      </a:r>
-                    </a:p>
-                  </a:txBody>
-                  <a:tcPr/>
-                </a:tc>
-                <a:tc>
-                  <a:txBody>
-                    <a:bodyPr/>
-                    <a:lstStyle/>
-                    <a:p>
-                      <a:r>
-                        <a:rPr lang="en-US" sz="1400" dirty="0"/>
-                        <a:t>Can plan, reason, and interact with multiple systems, continuously improving through reinforcement.</a:t>
-                      </a:r>
-                    </a:p>
-                  </a:txBody>
-                  <a:tcPr/>
-                </a:tc>
-                <a:extLst>
-                  <a:ext uri="{0D108BD9-81ED-4DB2-BD59-A6C34878D82A}">
-                    <a16:rowId xmlns:a16="http://schemas.microsoft.com/office/drawing/2014/main" val="2901286897"/>
-                  </a:ext>
-                </a:extLst>
-              </a:tr>
-              <a:tr h="723329">
-                <a:tc>
-                  <a:txBody>
-                    <a:bodyPr/>
-                    <a:lstStyle/>
-                    <a:p>
-                      <a:r>
-                        <a:rPr lang="en-US" sz="1400" dirty="0"/>
-                        <a:t>Examples</a:t>
-                      </a:r>
-                    </a:p>
-                  </a:txBody>
-                  <a:tcPr/>
-                </a:tc>
-                <a:tc>
-                  <a:txBody>
-                    <a:bodyPr/>
-                    <a:lstStyle/>
-                    <a:p>
-                      <a:r>
-                        <a:rPr lang="en-US" sz="1400" dirty="0"/>
-                        <a:t>Predictive analytics, recommendation systems, fraud detection, autonomous driving.</a:t>
-                      </a:r>
-                    </a:p>
-                  </a:txBody>
-                  <a:tcPr/>
-                </a:tc>
-                <a:tc>
-                  <a:txBody>
-                    <a:bodyPr/>
-                    <a:lstStyle/>
-                    <a:p>
-                      <a:r>
-                        <a:rPr lang="en-US" sz="1400" dirty="0"/>
-                        <a:t>AI writing assistants, image generators, code generation tools.</a:t>
-                      </a:r>
-                    </a:p>
-                  </a:txBody>
-                  <a:tcPr/>
-                </a:tc>
-                <a:tc>
-                  <a:txBody>
-                    <a:bodyPr/>
-                    <a:lstStyle/>
-                    <a:p>
-                      <a:r>
-                        <a:rPr lang="en-US" sz="1400" dirty="0"/>
-                        <a:t>AI agents for workflow automation, self-operating business assistants, trading bots.</a:t>
-                      </a:r>
-                    </a:p>
-                  </a:txBody>
-                  <a:tcPr/>
-                </a:tc>
-                <a:extLst>
-                  <a:ext uri="{0D108BD9-81ED-4DB2-BD59-A6C34878D82A}">
-                    <a16:rowId xmlns:a16="http://schemas.microsoft.com/office/drawing/2014/main" val="2991780637"/>
-                  </a:ext>
-                </a:extLst>
-              </a:tr>
-              <a:tr h="723329">
-                <a:tc>
-                  <a:txBody>
-                    <a:bodyPr/>
-                    <a:lstStyle/>
-                    <a:p>
-                      <a:r>
-                        <a:rPr lang="en-US" sz="1400" dirty="0"/>
-                        <a:t>Human Intervention</a:t>
-                      </a:r>
-                    </a:p>
-                  </a:txBody>
-                  <a:tcPr/>
-                </a:tc>
-                <a:tc>
-                  <a:txBody>
-                    <a:bodyPr/>
-                    <a:lstStyle/>
-                    <a:p>
-                      <a:r>
-                        <a:rPr lang="en-US" sz="1400" dirty="0"/>
-                        <a:t>Requires human-defined rules and training on structured data.</a:t>
-                      </a:r>
-                    </a:p>
-                  </a:txBody>
-                  <a:tcPr/>
-                </a:tc>
-                <a:tc>
-                  <a:txBody>
-                    <a:bodyPr/>
-                    <a:lstStyle/>
-                    <a:p>
-                      <a:r>
-                        <a:rPr lang="en-US" sz="1400" dirty="0"/>
-                        <a:t>Generates outputs based on prompts but requires validation by users.</a:t>
-                      </a:r>
-                    </a:p>
-                  </a:txBody>
-                  <a:tcPr/>
-                </a:tc>
-                <a:tc>
-                  <a:txBody>
-                    <a:bodyPr/>
-                    <a:lstStyle/>
-                    <a:p>
-                      <a:r>
-                        <a:rPr lang="en-US" sz="1400" dirty="0"/>
-                        <a:t>Minimal human input needed; can set goals and execute multi-step tasks.</a:t>
-                      </a:r>
-                    </a:p>
-                  </a:txBody>
-                  <a:tcPr/>
-                </a:tc>
-                <a:extLst>
-                  <a:ext uri="{0D108BD9-81ED-4DB2-BD59-A6C34878D82A}">
-                    <a16:rowId xmlns:a16="http://schemas.microsoft.com/office/drawing/2014/main" val="1865611760"/>
-                  </a:ext>
-                </a:extLst>
-              </a:tr>
-              <a:tr h="723329">
-                <a:tc>
-                  <a:txBody>
-                    <a:bodyPr/>
-                    <a:lstStyle/>
-                    <a:p>
-                      <a:r>
-                        <a:rPr lang="en-US" sz="1400" dirty="0"/>
-                        <a:t>Best Used For</a:t>
-                      </a:r>
-                    </a:p>
-                  </a:txBody>
-                  <a:tcPr/>
-                </a:tc>
-                <a:tc>
-                  <a:txBody>
-                    <a:bodyPr/>
-                    <a:lstStyle/>
-                    <a:p>
-                      <a:r>
-                        <a:rPr lang="en-US" sz="1400" dirty="0"/>
-                        <a:t>Optimizing business processes, improving decision-making, and automating repetitive tasks.</a:t>
-                      </a:r>
-                    </a:p>
-                  </a:txBody>
-                  <a:tcPr/>
-                </a:tc>
-                <a:tc>
-                  <a:txBody>
-                    <a:bodyPr/>
-                    <a:lstStyle/>
-                    <a:p>
-                      <a:r>
-                        <a:rPr lang="en-US" sz="1400" dirty="0"/>
-                        <a:t>Content generation, creative ideation, and rapid prototyping of new ideas.</a:t>
-                      </a:r>
-                    </a:p>
-                  </a:txBody>
-                  <a:tcPr/>
-                </a:tc>
-                <a:tc>
-                  <a:txBody>
-                    <a:bodyPr/>
-                    <a:lstStyle/>
-                    <a:p>
-                      <a:r>
-                        <a:rPr lang="en-US" sz="1400" dirty="0"/>
-                        <a:t>Fully automating decision-making processes, autonomous research, and real-world task execution.</a:t>
-                      </a:r>
-                    </a:p>
-                  </a:txBody>
-                  <a:tcPr/>
-                </a:tc>
-                <a:extLst>
-                  <a:ext uri="{0D108BD9-81ED-4DB2-BD59-A6C34878D82A}">
-                    <a16:rowId xmlns:a16="http://schemas.microsoft.com/office/drawing/2014/main" val="2961505427"/>
-                  </a:ext>
-                </a:extLst>
-              </a:tr>
-            </a:tbl>
-          </a:graphicData>
-        </a:graphic>
-      </p:graphicFrame>
-      <p:sp>
-        <p:nvSpPr>
-          <p:cNvPr id="20" name="TextBox 19">
-            <a:extLst>
-              <a:ext uri="{FF2B5EF4-FFF2-40B4-BE49-F238E27FC236}">
-                <a16:creationId xmlns:a16="http://schemas.microsoft.com/office/drawing/2014/main" id="{EB3B3094-C8DB-4D2E-5C83-4C4CBD55DD41}"/>
+      <p:sp>
+        <p:nvSpPr>
+          <p:cNvPr id="4" name="TextBox 3">
+            <a:extLst>
+              <a:ext uri="{FF2B5EF4-FFF2-40B4-BE49-F238E27FC236}">
+                <a16:creationId xmlns:a16="http://schemas.microsoft.com/office/drawing/2014/main" id="{0B205ED7-CA2A-2FFE-8AF6-7C1545C8E1FC}"/>
               </a:ext>
             </a:extLst>
           </p:cNvPr>
@@ -4689,8 +3974,8 @@
         </p:nvSpPr>
         <p:spPr>
           <a:xfrm>
-            <a:off x="299655" y="428264"/>
-            <a:ext cx="2005164" cy="461665"/>
+            <a:off x="378314" y="2967335"/>
+            <a:ext cx="1367682" cy="461665"/>
           </a:xfrm>
           <a:prstGeom prst="rect">
             <a:avLst/>
@@ -4705,15 +3990,51 @@
           <a:p>
             <a:r>
               <a:rPr lang="en-US" sz="2400" dirty="0"/>
-              <a:t>Evolution of AI</a:t>
-            </a:r>
-          </a:p>
-        </p:txBody>
-      </p:sp>
+              <a:t>Appendix</a:t>
+            </a:r>
+          </a:p>
+        </p:txBody>
+      </p:sp>
+      <p:cxnSp>
+        <p:nvCxnSpPr>
+          <p:cNvPr id="2" name="Straight Connector 1">
+            <a:extLst>
+              <a:ext uri="{FF2B5EF4-FFF2-40B4-BE49-F238E27FC236}">
+                <a16:creationId xmlns:a16="http://schemas.microsoft.com/office/drawing/2014/main" id="{89154393-A6FF-CF4B-8A1D-57D7E90FAC33}"/>
+              </a:ext>
+            </a:extLst>
+          </p:cNvPr>
+          <p:cNvCxnSpPr/>
+          <p:nvPr/>
+        </p:nvCxnSpPr>
+        <p:spPr>
+          <a:xfrm>
+            <a:off x="432619" y="3404308"/>
+            <a:ext cx="11759381" cy="0"/>
+          </a:xfrm>
+          <a:prstGeom prst="line">
+            <a:avLst/>
+          </a:prstGeom>
+        </p:spPr>
+        <p:style>
+          <a:lnRef idx="3">
+            <a:schemeClr val="accent5"/>
+          </a:lnRef>
+          <a:fillRef idx="0">
+            <a:schemeClr val="accent5"/>
+          </a:fillRef>
+          <a:effectRef idx="2">
+            <a:schemeClr val="accent5"/>
+          </a:effectRef>
+          <a:fontRef idx="minor">
+            <a:schemeClr val="tx1"/>
+          </a:fontRef>
+        </p:style>
+      </p:cxnSp>
     </p:spTree>
     <p:extLst>
       <p:ext uri="{BB962C8B-B14F-4D97-AF65-F5344CB8AC3E}">
-        <p14:creationId xmlns:p14="http://schemas.microsoft.com/office/powerpoint/2010/main" val="1104862080"/>
+        <p14:creationId xmlns:p14="http://schemas.microsoft.com/office/powerpoint/2010/main" val="1927985058"/>
       </p:ext>
     </p:extLst>
   </p:cSld>
@@ -4740,429 +4061,12 @@
           <a:chExt cx="0" cy="0"/>
         </a:xfrm>
       </p:grpSpPr>
-      <p:pic>
-        <p:nvPicPr>
-          <p:cNvPr id="4" name="Picture 3">
-            <a:extLst>
-              <a:ext uri="{FF2B5EF4-FFF2-40B4-BE49-F238E27FC236}">
-                <a16:creationId xmlns:a16="http://schemas.microsoft.com/office/drawing/2014/main" id="{DEDE29E5-75A5-C7E7-3F6E-A07E1E2C832D}"/>
-              </a:ext>
-            </a:extLst>
-          </p:cNvPr>
-          <p:cNvPicPr>
-            <a:picLocks noChangeAspect="1"/>
-          </p:cNvPicPr>
-          <p:nvPr/>
-        </p:nvPicPr>
-        <p:blipFill>
-          <a:blip r:embed="rId2"/>
-          <a:stretch>
-            <a:fillRect/>
-          </a:stretch>
-        </p:blipFill>
-        <p:spPr>
-          <a:xfrm>
-            <a:off x="6967919" y="789174"/>
-            <a:ext cx="5052238" cy="3710936"/>
-          </a:xfrm>
-          <a:prstGeom prst="rect">
-            <a:avLst/>
-          </a:prstGeom>
-          <a:effectLst>
-            <a:outerShdw blurRad="50800" dist="38100" dir="2700000" algn="tl" rotWithShape="0">
-              <a:prstClr val="black">
-                <a:alpha val="40000"/>
-              </a:prstClr>
-            </a:outerShdw>
-          </a:effectLst>
-        </p:spPr>
-      </p:pic>
-      <p:sp>
-        <p:nvSpPr>
-          <p:cNvPr id="7" name="Rounded Rectangle 6">
-            <a:extLst>
-              <a:ext uri="{FF2B5EF4-FFF2-40B4-BE49-F238E27FC236}">
-                <a16:creationId xmlns:a16="http://schemas.microsoft.com/office/drawing/2014/main" id="{3895F1A6-693E-6D37-CFF8-59CAB30E3805}"/>
-              </a:ext>
-            </a:extLst>
-          </p:cNvPr>
-          <p:cNvSpPr/>
-          <p:nvPr/>
-        </p:nvSpPr>
-        <p:spPr>
-          <a:xfrm>
-            <a:off x="287080" y="789174"/>
-            <a:ext cx="2860111" cy="741913"/>
-          </a:xfrm>
-          <a:prstGeom prst="roundRect">
-            <a:avLst>
-              <a:gd name="adj" fmla="val 4533"/>
-            </a:avLst>
-          </a:prstGeom>
-          <a:solidFill>
-            <a:schemeClr val="bg1">
-              <a:lumMod val="85000"/>
-            </a:schemeClr>
-          </a:solidFill>
-          <a:effectLst>
-            <a:outerShdw blurRad="50800" dist="38100" dir="2700000" algn="tl" rotWithShape="0">
-              <a:prstClr val="black">
-                <a:alpha val="40000"/>
-              </a:prstClr>
-            </a:outerShdw>
-          </a:effectLst>
-        </p:spPr>
-        <p:style>
-          <a:lnRef idx="2">
-            <a:schemeClr val="accent3">
-              <a:shade val="15000"/>
-            </a:schemeClr>
-          </a:lnRef>
-          <a:fillRef idx="1">
-            <a:schemeClr val="accent3"/>
-          </a:fillRef>
-          <a:effectRef idx="0">
-            <a:schemeClr val="accent3"/>
-          </a:effectRef>
-          <a:fontRef idx="minor">
-            <a:schemeClr val="lt1"/>
-          </a:fontRef>
-        </p:style>
-        <p:txBody>
-          <a:bodyPr lIns="0" tIns="0" rIns="0" bIns="0" rtlCol="0" anchor="t"/>
-          <a:lstStyle/>
-          <a:p>
-            <a:r>
-              <a:rPr lang="en-US" sz="1400" dirty="0">
-                <a:solidFill>
-                  <a:schemeClr val="tx2"/>
-                </a:solidFill>
-              </a:rPr>
-              <a:t> </a:t>
-            </a:r>
-            <a:endParaRPr lang="en-US" sz="1400" b="1" dirty="0">
-              <a:solidFill>
-                <a:schemeClr val="tx2"/>
-              </a:solidFill>
-            </a:endParaRPr>
-          </a:p>
-          <a:p>
-            <a:r>
-              <a:rPr lang="en-US" sz="1400" b="1" dirty="0">
-                <a:solidFill>
-                  <a:schemeClr val="tx2"/>
-                </a:solidFill>
-              </a:rPr>
-              <a:t> Agent:&gt; </a:t>
-            </a:r>
-            <a:r>
-              <a:rPr lang="en-US" sz="1400" dirty="0">
-                <a:solidFill>
-                  <a:schemeClr val="tx2"/>
-                </a:solidFill>
-              </a:rPr>
-              <a:t>What do you like me to work on?</a:t>
-            </a:r>
-          </a:p>
-        </p:txBody>
-      </p:sp>
-      <p:sp>
-        <p:nvSpPr>
-          <p:cNvPr id="8" name="Rounded Rectangle 7">
-            <a:extLst>
-              <a:ext uri="{FF2B5EF4-FFF2-40B4-BE49-F238E27FC236}">
-                <a16:creationId xmlns:a16="http://schemas.microsoft.com/office/drawing/2014/main" id="{26BE541F-BCA7-42E5-CB44-AE75014591C0}"/>
-              </a:ext>
-            </a:extLst>
-          </p:cNvPr>
-          <p:cNvSpPr/>
-          <p:nvPr/>
-        </p:nvSpPr>
-        <p:spPr>
-          <a:xfrm>
-            <a:off x="453680" y="1927579"/>
-            <a:ext cx="2860111" cy="435220"/>
-          </a:xfrm>
-          <a:prstGeom prst="roundRect">
-            <a:avLst>
-              <a:gd name="adj" fmla="val 9164"/>
-            </a:avLst>
-          </a:prstGeom>
-          <a:solidFill>
-            <a:schemeClr val="tx2"/>
-          </a:solidFill>
-          <a:ln>
-            <a:solidFill>
-              <a:schemeClr val="tx1">
-                <a:lumMod val="50000"/>
-                <a:lumOff val="50000"/>
-              </a:schemeClr>
-            </a:solidFill>
-          </a:ln>
-          <a:effectLst>
-            <a:outerShdw blurRad="50800" dist="38100" dir="2700000" algn="tl" rotWithShape="0">
-              <a:prstClr val="black">
-                <a:alpha val="40000"/>
-              </a:prstClr>
-            </a:outerShdw>
-          </a:effectLst>
-        </p:spPr>
-        <p:style>
-          <a:lnRef idx="2">
-            <a:schemeClr val="accent3">
-              <a:shade val="15000"/>
-            </a:schemeClr>
-          </a:lnRef>
-          <a:fillRef idx="1">
-            <a:schemeClr val="accent3"/>
-          </a:fillRef>
-          <a:effectRef idx="0">
-            <a:schemeClr val="accent3"/>
-          </a:effectRef>
-          <a:fontRef idx="minor">
-            <a:schemeClr val="lt1"/>
-          </a:fontRef>
-        </p:style>
-        <p:txBody>
-          <a:bodyPr lIns="0" tIns="0" rIns="0" bIns="0" rtlCol="0" anchor="ctr"/>
-          <a:lstStyle/>
-          <a:p>
-            <a:pPr algn="r"/>
-            <a:r>
-              <a:rPr lang="en-US" sz="1400" dirty="0">
-                <a:solidFill>
-                  <a:schemeClr val="bg1">
-                    <a:lumMod val="95000"/>
-                  </a:schemeClr>
-                </a:solidFill>
-              </a:rPr>
-              <a:t> </a:t>
-            </a:r>
-            <a:r>
-              <a:rPr lang="en-US" sz="1400" b="1" dirty="0">
-                <a:solidFill>
-                  <a:schemeClr val="bg1">
-                    <a:lumMod val="95000"/>
-                  </a:schemeClr>
-                </a:solidFill>
-              </a:rPr>
-              <a:t>User:&gt; </a:t>
-            </a:r>
-            <a:r>
-              <a:rPr lang="en-US" sz="1400" dirty="0"/>
-              <a:t>What's the cost of BYD car and potential tariff </a:t>
-            </a:r>
-            <a:r>
-              <a:rPr lang="en-US" sz="1400" dirty="0">
-                <a:solidFill>
-                  <a:schemeClr val="bg1">
-                    <a:lumMod val="95000"/>
-                  </a:schemeClr>
-                </a:solidFill>
-              </a:rPr>
-              <a:t>?   </a:t>
-            </a:r>
-            <a:r>
-              <a:rPr lang="en-US" sz="1400" dirty="0">
-                <a:solidFill>
-                  <a:schemeClr val="tx2"/>
-                </a:solidFill>
-              </a:rPr>
-              <a:t>.</a:t>
-            </a:r>
-            <a:r>
-              <a:rPr lang="en-US" sz="1400" dirty="0">
-                <a:solidFill>
-                  <a:schemeClr val="bg1">
-                    <a:lumMod val="95000"/>
-                  </a:schemeClr>
-                </a:solidFill>
-              </a:rPr>
-              <a:t>  </a:t>
-            </a:r>
-          </a:p>
-        </p:txBody>
-      </p:sp>
-      <p:sp>
-        <p:nvSpPr>
-          <p:cNvPr id="9" name="Rounded Rectangle 8">
-            <a:extLst>
-              <a:ext uri="{FF2B5EF4-FFF2-40B4-BE49-F238E27FC236}">
-                <a16:creationId xmlns:a16="http://schemas.microsoft.com/office/drawing/2014/main" id="{34E0A786-771C-D512-BF8D-85A7C70A52D5}"/>
-              </a:ext>
-            </a:extLst>
-          </p:cNvPr>
-          <p:cNvSpPr/>
-          <p:nvPr/>
-        </p:nvSpPr>
-        <p:spPr>
-          <a:xfrm>
-            <a:off x="287079" y="2461580"/>
-            <a:ext cx="2860111" cy="2033622"/>
-          </a:xfrm>
-          <a:prstGeom prst="roundRect">
-            <a:avLst>
-              <a:gd name="adj" fmla="val 4533"/>
-            </a:avLst>
-          </a:prstGeom>
-          <a:solidFill>
-            <a:schemeClr val="bg1">
-              <a:lumMod val="85000"/>
-            </a:schemeClr>
-          </a:solidFill>
-          <a:effectLst>
-            <a:outerShdw blurRad="50800" dist="38100" dir="2700000" algn="tl" rotWithShape="0">
-              <a:prstClr val="black">
-                <a:alpha val="40000"/>
-              </a:prstClr>
-            </a:outerShdw>
-          </a:effectLst>
-        </p:spPr>
-        <p:style>
-          <a:lnRef idx="2">
-            <a:schemeClr val="accent3">
-              <a:shade val="15000"/>
-            </a:schemeClr>
-          </a:lnRef>
-          <a:fillRef idx="1">
-            <a:schemeClr val="accent3"/>
-          </a:fillRef>
-          <a:effectRef idx="0">
-            <a:schemeClr val="accent3"/>
-          </a:effectRef>
-          <a:fontRef idx="minor">
-            <a:schemeClr val="lt1"/>
-          </a:fontRef>
-        </p:style>
-        <p:txBody>
-          <a:bodyPr lIns="0" tIns="0" rIns="0" bIns="0" rtlCol="0" anchor="t"/>
-          <a:lstStyle/>
-          <a:p>
-            <a:r>
-              <a:rPr lang="en-US" sz="1400" dirty="0">
-                <a:solidFill>
-                  <a:schemeClr val="tx2"/>
-                </a:solidFill>
-              </a:rPr>
-              <a:t> </a:t>
-            </a:r>
-            <a:endParaRPr lang="en-US" sz="1400" b="1" dirty="0">
-              <a:solidFill>
-                <a:schemeClr val="tx2"/>
-              </a:solidFill>
-            </a:endParaRPr>
-          </a:p>
-          <a:p>
-            <a:r>
-              <a:rPr lang="en-US" sz="1400" b="1" dirty="0">
-                <a:solidFill>
-                  <a:schemeClr val="tx2"/>
-                </a:solidFill>
-              </a:rPr>
-              <a:t> Agent:&gt; Tariff rate:  104</a:t>
-            </a:r>
-          </a:p>
-          <a:p>
-            <a:endParaRPr lang="en-US" sz="1400" dirty="0">
-              <a:solidFill>
-                <a:schemeClr val="tx2"/>
-              </a:solidFill>
-            </a:endParaRPr>
-          </a:p>
-          <a:p>
-            <a:r>
-              <a:rPr lang="en-US" sz="1400" dirty="0">
-                <a:solidFill>
-                  <a:schemeClr val="tx2"/>
-                </a:solidFill>
-              </a:rPr>
-              <a:t>The cost of a BYD car is approximately </a:t>
-            </a:r>
-            <a:r>
-              <a:rPr lang="en-US" sz="1400" b="1" dirty="0">
-                <a:solidFill>
-                  <a:schemeClr val="tx2"/>
-                </a:solidFill>
-              </a:rPr>
-              <a:t>$30,000</a:t>
-            </a:r>
-            <a:r>
-              <a:rPr lang="en-US" sz="1400" dirty="0">
-                <a:solidFill>
-                  <a:schemeClr val="tx2"/>
-                </a:solidFill>
-              </a:rPr>
-              <a:t>. If there's a tariff applied—assuming the car originates from China—the tariff would be </a:t>
-            </a:r>
-            <a:r>
-              <a:rPr lang="en-US" sz="1400" b="1" dirty="0">
-                <a:solidFill>
-                  <a:schemeClr val="tx2"/>
-                </a:solidFill>
-              </a:rPr>
-              <a:t>$31,200</a:t>
-            </a:r>
-            <a:r>
-              <a:rPr lang="en-US" sz="1400" dirty="0">
-                <a:solidFill>
-                  <a:schemeClr val="tx2"/>
-                </a:solidFill>
-              </a:rPr>
-              <a:t>, making the total cost </a:t>
-            </a:r>
-            <a:r>
-              <a:rPr lang="en-US" sz="1400" b="1" dirty="0">
-                <a:solidFill>
-                  <a:schemeClr val="tx2"/>
-                </a:solidFill>
-              </a:rPr>
-              <a:t>$61,200.</a:t>
-            </a:r>
-          </a:p>
-        </p:txBody>
-      </p:sp>
-      <p:cxnSp>
-        <p:nvCxnSpPr>
-          <p:cNvPr id="13" name="Straight Connector 12">
-            <a:extLst>
-              <a:ext uri="{FF2B5EF4-FFF2-40B4-BE49-F238E27FC236}">
-                <a16:creationId xmlns:a16="http://schemas.microsoft.com/office/drawing/2014/main" id="{68B790C7-EA6E-97D1-B919-14896E4B603C}"/>
-              </a:ext>
-            </a:extLst>
-          </p:cNvPr>
-          <p:cNvCxnSpPr/>
-          <p:nvPr/>
-        </p:nvCxnSpPr>
-        <p:spPr>
-          <a:xfrm>
-            <a:off x="432619" y="585129"/>
-            <a:ext cx="11759381" cy="0"/>
-          </a:xfrm>
-          <a:prstGeom prst="line">
-            <a:avLst/>
-          </a:prstGeom>
-        </p:spPr>
-        <p:style>
-          <a:lnRef idx="3">
-            <a:schemeClr val="accent5"/>
-          </a:lnRef>
-          <a:fillRef idx="0">
-            <a:schemeClr val="accent5"/>
-          </a:fillRef>
-          <a:effectRef idx="2">
-            <a:schemeClr val="accent5"/>
-          </a:effectRef>
-          <a:fontRef idx="minor">
-            <a:schemeClr val="tx1"/>
-          </a:fontRef>
-        </p:style>
-      </p:cxnSp>
-      <p:sp>
-        <p:nvSpPr>
-          <p:cNvPr id="14" name="TextBox 13">
-            <a:extLst>
-              <a:ext uri="{FF2B5EF4-FFF2-40B4-BE49-F238E27FC236}">
-                <a16:creationId xmlns:a16="http://schemas.microsoft.com/office/drawing/2014/main" id="{AA4727A0-66F4-D347-C076-66D6DCF475F9}"/>
+      <p:sp>
+        <p:nvSpPr>
+          <p:cNvPr id="20" name="TextBox 19">
+            <a:extLst>
+              <a:ext uri="{FF2B5EF4-FFF2-40B4-BE49-F238E27FC236}">
+                <a16:creationId xmlns:a16="http://schemas.microsoft.com/office/drawing/2014/main" id="{EB3B3094-C8DB-4D2E-5C83-4C4CBD55DD41}"/>
               </a:ext>
             </a:extLst>
           </p:cNvPr>
@@ -5171,344 +4075,7 @@
         </p:nvSpPr>
         <p:spPr>
           <a:xfrm>
-            <a:off x="299655" y="74303"/>
-            <a:ext cx="6546600" cy="461665"/>
-          </a:xfrm>
-          <a:prstGeom prst="rect">
-            <a:avLst/>
-          </a:prstGeom>
-          <a:noFill/>
-        </p:spPr>
-        <p:txBody>
-          <a:bodyPr wrap="none" rtlCol="0">
-            <a:spAutoFit/>
-          </a:bodyPr>
-          <a:lstStyle/>
-          <a:p>
-            <a:r>
-              <a:rPr lang="en-US" sz="2400" dirty="0"/>
-              <a:t>Multi-Agent chaining and invoking custom function</a:t>
-            </a:r>
-          </a:p>
-        </p:txBody>
-      </p:sp>
-      <p:sp>
-        <p:nvSpPr>
-          <p:cNvPr id="15" name="Rounded Rectangle 14">
-            <a:extLst>
-              <a:ext uri="{FF2B5EF4-FFF2-40B4-BE49-F238E27FC236}">
-                <a16:creationId xmlns:a16="http://schemas.microsoft.com/office/drawing/2014/main" id="{4975C772-0B82-DA12-55A8-41431154923A}"/>
-              </a:ext>
-            </a:extLst>
-          </p:cNvPr>
-          <p:cNvSpPr/>
-          <p:nvPr/>
-        </p:nvSpPr>
-        <p:spPr>
-          <a:xfrm>
-            <a:off x="3480392" y="789174"/>
-            <a:ext cx="3154326" cy="1018360"/>
-          </a:xfrm>
-          <a:prstGeom prst="roundRect">
-            <a:avLst>
-              <a:gd name="adj" fmla="val 4533"/>
-            </a:avLst>
-          </a:prstGeom>
-          <a:solidFill>
-            <a:schemeClr val="accent4">
-              <a:lumMod val="40000"/>
-              <a:lumOff val="60000"/>
-            </a:schemeClr>
-          </a:solidFill>
-          <a:effectLst>
-            <a:outerShdw blurRad="50800" dist="38100" dir="2700000" algn="tl" rotWithShape="0">
-              <a:prstClr val="black">
-                <a:alpha val="40000"/>
-              </a:prstClr>
-            </a:outerShdw>
-          </a:effectLst>
-        </p:spPr>
-        <p:style>
-          <a:lnRef idx="2">
-            <a:schemeClr val="accent3">
-              <a:shade val="15000"/>
-            </a:schemeClr>
-          </a:lnRef>
-          <a:fillRef idx="1">
-            <a:schemeClr val="accent3"/>
-          </a:fillRef>
-          <a:effectRef idx="0">
-            <a:schemeClr val="accent3"/>
-          </a:effectRef>
-          <a:fontRef idx="minor">
-            <a:schemeClr val="lt1"/>
-          </a:fontRef>
-        </p:style>
-        <p:txBody>
-          <a:bodyPr lIns="0" tIns="0" rIns="0" bIns="0" rtlCol="0" anchor="t"/>
-          <a:lstStyle/>
-          <a:p>
-            <a:r>
-              <a:rPr lang="en-US" sz="1400" dirty="0">
-                <a:solidFill>
-                  <a:schemeClr val="tx2"/>
-                </a:solidFill>
-              </a:rPr>
-              <a:t> </a:t>
-            </a:r>
-            <a:endParaRPr lang="en-US" sz="1400" b="1" dirty="0">
-              <a:solidFill>
-                <a:schemeClr val="tx2"/>
-              </a:solidFill>
-            </a:endParaRPr>
-          </a:p>
-          <a:p>
-            <a:r>
-              <a:rPr lang="en-US" sz="1400" b="1" dirty="0">
-                <a:solidFill>
-                  <a:schemeClr val="tx2"/>
-                </a:solidFill>
-              </a:rPr>
-              <a:t> Note: </a:t>
-            </a:r>
-            <a:r>
-              <a:rPr lang="en-US" sz="1400" dirty="0">
-                <a:solidFill>
-                  <a:schemeClr val="tx2"/>
-                </a:solidFill>
-              </a:rPr>
-              <a:t>BYD is NOT part of internal inventory, so I was NOT sure if internal sales assistant will be invoked or not.</a:t>
-            </a:r>
-          </a:p>
-        </p:txBody>
-      </p:sp>
-      <p:sp>
-        <p:nvSpPr>
-          <p:cNvPr id="16" name="Rounded Rectangle 15">
-            <a:extLst>
-              <a:ext uri="{FF2B5EF4-FFF2-40B4-BE49-F238E27FC236}">
-                <a16:creationId xmlns:a16="http://schemas.microsoft.com/office/drawing/2014/main" id="{97AA58F1-2F2D-C97D-C365-D4FB0A76F5ED}"/>
-              </a:ext>
-            </a:extLst>
-          </p:cNvPr>
-          <p:cNvSpPr/>
-          <p:nvPr/>
-        </p:nvSpPr>
-        <p:spPr>
-          <a:xfrm>
-            <a:off x="3480392" y="2461580"/>
-            <a:ext cx="3154326" cy="1537622"/>
-          </a:xfrm>
-          <a:prstGeom prst="roundRect">
-            <a:avLst>
-              <a:gd name="adj" fmla="val 4533"/>
-            </a:avLst>
-          </a:prstGeom>
-          <a:solidFill>
-            <a:schemeClr val="accent4">
-              <a:lumMod val="40000"/>
-              <a:lumOff val="60000"/>
-            </a:schemeClr>
-          </a:solidFill>
-          <a:effectLst>
-            <a:outerShdw blurRad="50800" dist="38100" dir="2700000" algn="tl" rotWithShape="0">
-              <a:prstClr val="black">
-                <a:alpha val="40000"/>
-              </a:prstClr>
-            </a:outerShdw>
-          </a:effectLst>
-        </p:spPr>
-        <p:style>
-          <a:lnRef idx="2">
-            <a:schemeClr val="accent3">
-              <a:shade val="15000"/>
-            </a:schemeClr>
-          </a:lnRef>
-          <a:fillRef idx="1">
-            <a:schemeClr val="accent3"/>
-          </a:fillRef>
-          <a:effectRef idx="0">
-            <a:schemeClr val="accent3"/>
-          </a:effectRef>
-          <a:fontRef idx="minor">
-            <a:schemeClr val="lt1"/>
-          </a:fontRef>
-        </p:style>
-        <p:txBody>
-          <a:bodyPr lIns="0" tIns="0" rIns="0" bIns="0" rtlCol="0" anchor="t"/>
-          <a:lstStyle/>
-          <a:p>
-            <a:r>
-              <a:rPr lang="en-US" sz="1400" dirty="0">
-                <a:solidFill>
-                  <a:schemeClr val="tx2"/>
-                </a:solidFill>
-              </a:rPr>
-              <a:t> </a:t>
-            </a:r>
-            <a:endParaRPr lang="en-US" sz="1400" b="1" dirty="0">
-              <a:solidFill>
-                <a:schemeClr val="tx2"/>
-              </a:solidFill>
-            </a:endParaRPr>
-          </a:p>
-          <a:p>
-            <a:r>
-              <a:rPr lang="en-US" sz="1400" b="1" dirty="0">
-                <a:solidFill>
-                  <a:schemeClr val="tx2"/>
-                </a:solidFill>
-              </a:rPr>
-              <a:t> Fact: </a:t>
-            </a:r>
-            <a:r>
-              <a:rPr lang="en-US" sz="1400" dirty="0">
-                <a:solidFill>
-                  <a:schemeClr val="tx2"/>
-                </a:solidFill>
-              </a:rPr>
-              <a:t>While the Internal agent found that BYD is NOT in the inventory, it got the price details searching through the web, but </a:t>
-            </a:r>
-            <a:r>
-              <a:rPr lang="en-US" sz="1400" b="1" dirty="0">
-                <a:solidFill>
-                  <a:schemeClr val="tx2"/>
-                </a:solidFill>
-              </a:rPr>
-              <a:t>interestingly enough </a:t>
-            </a:r>
-            <a:r>
-              <a:rPr lang="en-US" sz="1400" dirty="0">
-                <a:solidFill>
-                  <a:schemeClr val="tx2"/>
-                </a:solidFill>
-              </a:rPr>
-              <a:t>the LLM invoked the custom </a:t>
-            </a:r>
-            <a:r>
-              <a:rPr lang="en-US" sz="1400" b="1" dirty="0" err="1">
-                <a:solidFill>
-                  <a:schemeClr val="tx2"/>
-                </a:solidFill>
-              </a:rPr>
-              <a:t>calculate_tariff</a:t>
-            </a:r>
-            <a:r>
-              <a:rPr lang="en-US" sz="1400" b="1" dirty="0">
-                <a:solidFill>
-                  <a:schemeClr val="tx2"/>
-                </a:solidFill>
-              </a:rPr>
-              <a:t> </a:t>
-            </a:r>
-            <a:r>
-              <a:rPr lang="en-US" sz="1400" dirty="0">
-                <a:solidFill>
-                  <a:schemeClr val="tx2"/>
-                </a:solidFill>
-              </a:rPr>
-              <a:t>function passing the appropriate country code</a:t>
-            </a:r>
-          </a:p>
-        </p:txBody>
-      </p:sp>
-      <p:sp>
-        <p:nvSpPr>
-          <p:cNvPr id="17" name="Rounded Rectangle 16">
-            <a:extLst>
-              <a:ext uri="{FF2B5EF4-FFF2-40B4-BE49-F238E27FC236}">
-                <a16:creationId xmlns:a16="http://schemas.microsoft.com/office/drawing/2014/main" id="{33CF4FE2-13AA-063A-BE8F-F032FE1F66B6}"/>
-              </a:ext>
-            </a:extLst>
-          </p:cNvPr>
-          <p:cNvSpPr/>
-          <p:nvPr/>
-        </p:nvSpPr>
-        <p:spPr>
-          <a:xfrm>
-            <a:off x="7460333" y="3489844"/>
-            <a:ext cx="4518837" cy="340241"/>
-          </a:xfrm>
-          <a:prstGeom prst="roundRect">
-            <a:avLst/>
-          </a:prstGeom>
-          <a:noFill/>
-          <a:ln w="22225">
-            <a:solidFill>
-              <a:srgbClr val="C00000"/>
-            </a:solidFill>
-          </a:ln>
-        </p:spPr>
-        <p:style>
-          <a:lnRef idx="2">
-            <a:schemeClr val="accent1">
-              <a:shade val="15000"/>
-            </a:schemeClr>
-          </a:lnRef>
-          <a:fillRef idx="1">
-            <a:schemeClr val="accent1"/>
-          </a:fillRef>
-          <a:effectRef idx="0">
-            <a:schemeClr val="accent1"/>
-          </a:effectRef>
-          <a:fontRef idx="minor">
-            <a:schemeClr val="lt1"/>
-          </a:fontRef>
-        </p:style>
-        <p:txBody>
-          <a:bodyPr rtlCol="0" anchor="ctr"/>
-          <a:lstStyle/>
-          <a:p>
-            <a:pPr algn="ctr"/>
-            <a:endParaRPr lang="en-US" dirty="0"/>
-          </a:p>
-        </p:txBody>
-      </p:sp>
-    </p:spTree>
-    <p:extLst>
-      <p:ext uri="{BB962C8B-B14F-4D97-AF65-F5344CB8AC3E}">
-        <p14:creationId xmlns:p14="http://schemas.microsoft.com/office/powerpoint/2010/main" val="3768088343"/>
-      </p:ext>
-    </p:extLst>
-  </p:cSld>
-  <p:clrMapOvr>
-    <a:masterClrMapping/>
-  </p:clrMapOvr>
-</p:sld>
-</file>
-
-<file path=ppt/slides/slide2.xml><?xml version="1.0" encoding="utf-8"?>
-<p:sld xmlns:a="http://schemas.openxmlformats.org/drawingml/2006/main" xmlns:r="http://schemas.openxmlformats.org/officeDocument/2006/relationships" xmlns:p="http://schemas.openxmlformats.org/presentationml/2006/main">
-  <p:cSld>
-    <p:spTree>
-      <p:nvGrpSpPr>
-        <p:cNvPr id="1" name=""/>
-        <p:cNvGrpSpPr/>
-        <p:nvPr/>
-      </p:nvGrpSpPr>
-      <p:grpSpPr>
-        <a:xfrm>
-          <a:off x="0" y="0"/>
-          <a:ext cx="0" cy="0"/>
-          <a:chOff x="0" y="0"/>
-          <a:chExt cx="0" cy="0"/>
-        </a:xfrm>
-      </p:grpSpPr>
-      <p:sp>
-        <p:nvSpPr>
-          <p:cNvPr id="20" name="TextBox 19">
-            <a:extLst>
-              <a:ext uri="{FF2B5EF4-FFF2-40B4-BE49-F238E27FC236}">
-                <a16:creationId xmlns:a16="http://schemas.microsoft.com/office/drawing/2014/main" id="{EB3B3094-C8DB-4D2E-5C83-4C4CBD55DD41}"/>
-              </a:ext>
-            </a:extLst>
-          </p:cNvPr>
-          <p:cNvSpPr txBox="1"/>
-          <p:nvPr/>
-        </p:nvSpPr>
-        <p:spPr>
-          <a:xfrm>
-            <a:off x="293153" y="60227"/>
+            <a:off x="293153" y="60229"/>
             <a:ext cx="3439018" cy="461665"/>
           </a:xfrm>
           <a:prstGeom prst="rect">
@@ -5874,7 +4441,7 @@
         </p:nvSpPr>
         <p:spPr>
           <a:xfrm>
-            <a:off x="120686" y="4578098"/>
+            <a:off x="230426" y="4578098"/>
             <a:ext cx="1335807" cy="846386"/>
           </a:xfrm>
           <a:prstGeom prst="rect">
@@ -6080,7 +4647,7 @@
         </p:nvSpPr>
         <p:spPr>
           <a:xfrm>
-            <a:off x="8288588" y="4578098"/>
+            <a:off x="8288588" y="4578100"/>
             <a:ext cx="1335024" cy="1015663"/>
           </a:xfrm>
           <a:prstGeom prst="rect">
@@ -6176,7 +4743,7 @@
         </p:nvSpPr>
         <p:spPr>
           <a:xfrm>
-            <a:off x="240626" y="3521310"/>
+            <a:off x="350366" y="3521312"/>
             <a:ext cx="906595" cy="276999"/>
           </a:xfrm>
           <a:prstGeom prst="rect">
@@ -6211,7 +4778,7 @@
         </p:nvSpPr>
         <p:spPr>
           <a:xfrm>
-            <a:off x="1987117" y="3521310"/>
+            <a:off x="1987119" y="3521312"/>
             <a:ext cx="1298753" cy="276999"/>
           </a:xfrm>
           <a:prstGeom prst="rect">
@@ -6246,7 +4813,7 @@
         </p:nvSpPr>
         <p:spPr>
           <a:xfrm>
-            <a:off x="4210142" y="3521310"/>
+            <a:off x="4210142" y="3521312"/>
             <a:ext cx="1033040" cy="276999"/>
           </a:xfrm>
           <a:prstGeom prst="rect">
@@ -6281,7 +4848,7 @@
         </p:nvSpPr>
         <p:spPr>
           <a:xfrm>
-            <a:off x="6253280" y="3519875"/>
+            <a:off x="6253282" y="3519877"/>
             <a:ext cx="1431515" cy="461665"/>
           </a:xfrm>
           <a:prstGeom prst="rect">
@@ -6298,14 +4865,7 @@
             <a:pPr algn="ctr"/>
             <a:r>
               <a:rPr lang="en-US" sz="1200" dirty="0"/>
-              <a:t>Agent &amp; </a:t>
-            </a:r>
-          </a:p>
-          <a:p>
-            <a:pPr algn="ctr"/>
-            <a:r>
-              <a:rPr lang="en-US" sz="1200" dirty="0"/>
-              <a:t>Autonomous</a:t>
+              <a:t>Autonomous Agents</a:t>
             </a:r>
           </a:p>
         </p:txBody>
@@ -6324,8 +4884,8 @@
         </p:nvSpPr>
         <p:spPr>
           <a:xfrm>
-            <a:off x="8034331" y="3521826"/>
-            <a:ext cx="1589281" cy="276999"/>
+            <a:off x="8034333" y="3521828"/>
+            <a:ext cx="1986954" cy="276999"/>
           </a:xfrm>
           <a:prstGeom prst="rect">
             <a:avLst/>
@@ -6340,7 +4900,7 @@
           <a:p>
             <a:r>
               <a:rPr lang="en-US" sz="1200" dirty="0"/>
-              <a:t>Artificial Generative AI</a:t>
+              <a:t>Artificial General Intelligence</a:t>
             </a:r>
           </a:p>
         </p:txBody>
@@ -6359,8 +4919,8 @@
         </p:nvSpPr>
         <p:spPr>
           <a:xfrm>
-            <a:off x="9993079" y="3496391"/>
-            <a:ext cx="1818575" cy="276999"/>
+            <a:off x="10021287" y="3521312"/>
+            <a:ext cx="1853841" cy="276999"/>
           </a:xfrm>
           <a:prstGeom prst="rect">
             <a:avLst/>
@@ -6375,7 +4935,7 @@
           <a:p>
             <a:r>
               <a:rPr lang="en-US" sz="1200" dirty="0"/>
-              <a:t>Artificial Superintelligence</a:t>
+              <a:t>Artificial Super Intelligence</a:t>
             </a:r>
           </a:p>
         </p:txBody>
@@ -6394,7 +4954,7 @@
         </p:nvSpPr>
         <p:spPr>
           <a:xfrm>
-            <a:off x="139202" y="3362600"/>
+            <a:off x="139202" y="3362602"/>
             <a:ext cx="11808542" cy="178259"/>
           </a:xfrm>
           <a:prstGeom prst="rightArrow">
@@ -6466,7 +5026,7 @@
         </p:nvSpPr>
         <p:spPr>
           <a:xfrm>
-            <a:off x="479460" y="3055595"/>
+            <a:off x="589200" y="3055597"/>
             <a:ext cx="559769" cy="276999"/>
           </a:xfrm>
           <a:prstGeom prst="rect">
@@ -6508,7 +5068,7 @@
         </p:nvSpPr>
         <p:spPr>
           <a:xfrm>
-            <a:off x="2438261" y="3055000"/>
+            <a:off x="2438263" y="3055002"/>
             <a:ext cx="559769" cy="276999"/>
           </a:xfrm>
           <a:prstGeom prst="rect">
@@ -6550,7 +5110,7 @@
         </p:nvSpPr>
         <p:spPr>
           <a:xfrm>
-            <a:off x="4493173" y="3054999"/>
+            <a:off x="4493175" y="3055001"/>
             <a:ext cx="559769" cy="276999"/>
           </a:xfrm>
           <a:prstGeom prst="rect">
@@ -6592,7 +5152,7 @@
         </p:nvSpPr>
         <p:spPr>
           <a:xfrm>
-            <a:off x="6687982" y="3054999"/>
+            <a:off x="6687984" y="3055001"/>
             <a:ext cx="559769" cy="276999"/>
           </a:xfrm>
           <a:prstGeom prst="rect">
@@ -6634,7 +5194,7 @@
         </p:nvSpPr>
         <p:spPr>
           <a:xfrm>
-            <a:off x="8623688" y="3054920"/>
+            <a:off x="8623690" y="3054922"/>
             <a:ext cx="559769" cy="276999"/>
           </a:xfrm>
           <a:prstGeom prst="rect">
@@ -6676,8 +5236,8 @@
         </p:nvSpPr>
         <p:spPr>
           <a:xfrm>
-            <a:off x="10718634" y="3048861"/>
-            <a:ext cx="559769" cy="276999"/>
+            <a:off x="10764070" y="3048863"/>
+            <a:ext cx="559770" cy="276999"/>
           </a:xfrm>
           <a:prstGeom prst="rect">
             <a:avLst/>
@@ -6685,7 +5245,7 @@
           <a:noFill/>
         </p:spPr>
         <p:txBody>
-          <a:bodyPr wrap="none" rtlCol="0">
+          <a:bodyPr wrap="square" rtlCol="0">
             <a:spAutoFit/>
           </a:bodyPr>
           <a:lstStyle/>
@@ -6718,7 +5278,7 @@
         </p:nvCxnSpPr>
         <p:spPr>
           <a:xfrm>
-            <a:off x="426117" y="531724"/>
+            <a:off x="426118" y="531724"/>
             <a:ext cx="11759381" cy="0"/>
           </a:xfrm>
           <a:prstGeom prst="line">
@@ -6753,6 +5313,1849 @@
 </p:sld>
 </file>
 
+<file path=ppt/slides/slide13.xml><?xml version="1.0" encoding="utf-8"?>
+<p:sld xmlns:a="http://schemas.openxmlformats.org/drawingml/2006/main" xmlns:r="http://schemas.openxmlformats.org/officeDocument/2006/relationships" xmlns:p="http://schemas.openxmlformats.org/presentationml/2006/main">
+  <p:cSld>
+    <p:spTree>
+      <p:nvGrpSpPr>
+        <p:cNvPr id="1" name=""/>
+        <p:cNvGrpSpPr/>
+        <p:nvPr/>
+      </p:nvGrpSpPr>
+      <p:grpSpPr>
+        <a:xfrm>
+          <a:off x="0" y="0"/>
+          <a:ext cx="0" cy="0"/>
+          <a:chOff x="0" y="0"/>
+          <a:chExt cx="0" cy="0"/>
+        </a:xfrm>
+      </p:grpSpPr>
+      <p:sp>
+        <p:nvSpPr>
+          <p:cNvPr id="3" name="TextBox 2">
+            <a:extLst>
+              <a:ext uri="{FF2B5EF4-FFF2-40B4-BE49-F238E27FC236}">
+                <a16:creationId xmlns:a16="http://schemas.microsoft.com/office/drawing/2014/main" id="{61F52439-6AF5-5D38-D5D2-5AB934AE383A}"/>
+              </a:ext>
+            </a:extLst>
+          </p:cNvPr>
+          <p:cNvSpPr txBox="1"/>
+          <p:nvPr/>
+        </p:nvSpPr>
+        <p:spPr>
+          <a:xfrm>
+            <a:off x="190798" y="54572"/>
+            <a:ext cx="729430" cy="461665"/>
+          </a:xfrm>
+          <a:prstGeom prst="rect">
+            <a:avLst/>
+          </a:prstGeom>
+          <a:noFill/>
+        </p:spPr>
+        <p:txBody>
+          <a:bodyPr wrap="none" rtlCol="0">
+            <a:spAutoFit/>
+          </a:bodyPr>
+          <a:lstStyle/>
+          <a:p>
+            <a:r>
+              <a:rPr lang="en-US" sz="2400" dirty="0"/>
+              <a:t>Cost</a:t>
+            </a:r>
+          </a:p>
+        </p:txBody>
+      </p:sp>
+      <p:cxnSp>
+        <p:nvCxnSpPr>
+          <p:cNvPr id="5" name="Straight Connector 4">
+            <a:extLst>
+              <a:ext uri="{FF2B5EF4-FFF2-40B4-BE49-F238E27FC236}">
+                <a16:creationId xmlns:a16="http://schemas.microsoft.com/office/drawing/2014/main" id="{E9EF8585-FC8F-D680-0FDC-8831BAB64670}"/>
+              </a:ext>
+            </a:extLst>
+          </p:cNvPr>
+          <p:cNvCxnSpPr/>
+          <p:nvPr/>
+        </p:nvCxnSpPr>
+        <p:spPr>
+          <a:xfrm>
+            <a:off x="432620" y="545800"/>
+            <a:ext cx="11759381" cy="0"/>
+          </a:xfrm>
+          <a:prstGeom prst="line">
+            <a:avLst/>
+          </a:prstGeom>
+        </p:spPr>
+        <p:style>
+          <a:lnRef idx="3">
+            <a:schemeClr val="accent5"/>
+          </a:lnRef>
+          <a:fillRef idx="0">
+            <a:schemeClr val="accent5"/>
+          </a:fillRef>
+          <a:effectRef idx="2">
+            <a:schemeClr val="accent5"/>
+          </a:effectRef>
+          <a:fontRef idx="minor">
+            <a:schemeClr val="tx1"/>
+          </a:fontRef>
+        </p:style>
+      </p:cxnSp>
+      <p:sp>
+        <p:nvSpPr>
+          <p:cNvPr id="8" name="Rectangle 7">
+            <a:extLst>
+              <a:ext uri="{FF2B5EF4-FFF2-40B4-BE49-F238E27FC236}">
+                <a16:creationId xmlns:a16="http://schemas.microsoft.com/office/drawing/2014/main" id="{B050F634-6B01-D651-D1B1-F2FADA24BA4C}"/>
+              </a:ext>
+            </a:extLst>
+          </p:cNvPr>
+          <p:cNvSpPr/>
+          <p:nvPr/>
+        </p:nvSpPr>
+        <p:spPr>
+          <a:xfrm>
+            <a:off x="276914" y="722723"/>
+            <a:ext cx="1753444" cy="806246"/>
+          </a:xfrm>
+          <a:prstGeom prst="rect">
+            <a:avLst/>
+          </a:prstGeom>
+          <a:solidFill>
+            <a:srgbClr val="282828"/>
+          </a:solidFill>
+          <a:effectLst>
+            <a:glow rad="63500">
+              <a:srgbClr val="7030A0">
+                <a:alpha val="40000"/>
+              </a:srgbClr>
+            </a:glow>
+          </a:effectLst>
+        </p:spPr>
+        <p:style>
+          <a:lnRef idx="2">
+            <a:schemeClr val="accent1">
+              <a:shade val="15000"/>
+            </a:schemeClr>
+          </a:lnRef>
+          <a:fillRef idx="1">
+            <a:schemeClr val="accent1"/>
+          </a:fillRef>
+          <a:effectRef idx="0">
+            <a:schemeClr val="accent1"/>
+          </a:effectRef>
+          <a:fontRef idx="minor">
+            <a:schemeClr val="lt1"/>
+          </a:fontRef>
+        </p:style>
+        <p:txBody>
+          <a:bodyPr rtlCol="0" anchor="ctr"/>
+          <a:lstStyle/>
+          <a:p>
+            <a:pPr algn="ctr"/>
+            <a:r>
+              <a:rPr lang="en-US" sz="2000" dirty="0"/>
+              <a:t>Total Tokens </a:t>
+            </a:r>
+          </a:p>
+          <a:p>
+            <a:pPr algn="ctr"/>
+            <a:r>
+              <a:rPr lang="en-US" sz="2000" b="1" i="0" dirty="0">
+                <a:solidFill>
+                  <a:schemeClr val="bg1">
+                    <a:lumMod val="95000"/>
+                  </a:schemeClr>
+                </a:solidFill>
+                <a:effectLst/>
+                <a:latin typeface="OpenAI Sans"/>
+              </a:rPr>
+              <a:t>4,205,402</a:t>
+            </a:r>
+            <a:endParaRPr lang="en-US" sz="2000" dirty="0">
+              <a:solidFill>
+                <a:schemeClr val="bg1">
+                  <a:lumMod val="95000"/>
+                </a:schemeClr>
+              </a:solidFill>
+            </a:endParaRPr>
+          </a:p>
+        </p:txBody>
+      </p:sp>
+      <p:sp>
+        <p:nvSpPr>
+          <p:cNvPr id="9" name="Rectangle 8">
+            <a:extLst>
+              <a:ext uri="{FF2B5EF4-FFF2-40B4-BE49-F238E27FC236}">
+                <a16:creationId xmlns:a16="http://schemas.microsoft.com/office/drawing/2014/main" id="{B20A5704-18BF-DBC0-3A0B-B8EA205E7D2F}"/>
+              </a:ext>
+            </a:extLst>
+          </p:cNvPr>
+          <p:cNvSpPr/>
+          <p:nvPr/>
+        </p:nvSpPr>
+        <p:spPr>
+          <a:xfrm>
+            <a:off x="2138371" y="722723"/>
+            <a:ext cx="1753444" cy="806246"/>
+          </a:xfrm>
+          <a:prstGeom prst="rect">
+            <a:avLst/>
+          </a:prstGeom>
+          <a:solidFill>
+            <a:srgbClr val="282828"/>
+          </a:solidFill>
+          <a:effectLst>
+            <a:glow rad="63500">
+              <a:srgbClr val="7030A0">
+                <a:alpha val="40000"/>
+              </a:srgbClr>
+            </a:glow>
+          </a:effectLst>
+        </p:spPr>
+        <p:style>
+          <a:lnRef idx="2">
+            <a:schemeClr val="accent1">
+              <a:shade val="15000"/>
+            </a:schemeClr>
+          </a:lnRef>
+          <a:fillRef idx="1">
+            <a:schemeClr val="accent1"/>
+          </a:fillRef>
+          <a:effectRef idx="0">
+            <a:schemeClr val="accent1"/>
+          </a:effectRef>
+          <a:fontRef idx="minor">
+            <a:schemeClr val="lt1"/>
+          </a:fontRef>
+        </p:style>
+        <p:txBody>
+          <a:bodyPr rtlCol="0" anchor="ctr"/>
+          <a:lstStyle/>
+          <a:p>
+            <a:pPr algn="ctr"/>
+            <a:r>
+              <a:rPr lang="en-US" sz="2000" dirty="0"/>
+              <a:t>Total Requests </a:t>
+            </a:r>
+          </a:p>
+          <a:p>
+            <a:pPr algn="ctr"/>
+            <a:r>
+              <a:rPr lang="en-US" sz="2000" dirty="0"/>
+              <a:t>1137</a:t>
+            </a:r>
+          </a:p>
+        </p:txBody>
+      </p:sp>
+      <p:sp>
+        <p:nvSpPr>
+          <p:cNvPr id="10" name="Rectangle 9">
+            <a:extLst>
+              <a:ext uri="{FF2B5EF4-FFF2-40B4-BE49-F238E27FC236}">
+                <a16:creationId xmlns:a16="http://schemas.microsoft.com/office/drawing/2014/main" id="{DC5CB9B1-154A-7E14-1F77-4FEAD148634D}"/>
+              </a:ext>
+            </a:extLst>
+          </p:cNvPr>
+          <p:cNvSpPr/>
+          <p:nvPr/>
+        </p:nvSpPr>
+        <p:spPr>
+          <a:xfrm>
+            <a:off x="3999827" y="716806"/>
+            <a:ext cx="1753444" cy="806246"/>
+          </a:xfrm>
+          <a:prstGeom prst="rect">
+            <a:avLst/>
+          </a:prstGeom>
+          <a:solidFill>
+            <a:srgbClr val="282828"/>
+          </a:solidFill>
+          <a:effectLst>
+            <a:glow rad="63500">
+              <a:srgbClr val="7030A0">
+                <a:alpha val="40000"/>
+              </a:srgbClr>
+            </a:glow>
+          </a:effectLst>
+        </p:spPr>
+        <p:style>
+          <a:lnRef idx="2">
+            <a:schemeClr val="accent1">
+              <a:shade val="15000"/>
+            </a:schemeClr>
+          </a:lnRef>
+          <a:fillRef idx="1">
+            <a:schemeClr val="accent1"/>
+          </a:fillRef>
+          <a:effectRef idx="0">
+            <a:schemeClr val="accent1"/>
+          </a:effectRef>
+          <a:fontRef idx="minor">
+            <a:schemeClr val="lt1"/>
+          </a:fontRef>
+        </p:style>
+        <p:txBody>
+          <a:bodyPr rtlCol="0" anchor="ctr"/>
+          <a:lstStyle/>
+          <a:p>
+            <a:pPr algn="ctr"/>
+            <a:r>
+              <a:rPr lang="en-US" sz="2000" dirty="0"/>
+              <a:t>Total Spent </a:t>
+            </a:r>
+          </a:p>
+          <a:p>
+            <a:pPr algn="ctr"/>
+            <a:r>
+              <a:rPr lang="en-US" sz="2800" b="1" dirty="0"/>
+              <a:t>$8.86</a:t>
+            </a:r>
+          </a:p>
+        </p:txBody>
+      </p:sp>
+      <p:pic>
+        <p:nvPicPr>
+          <p:cNvPr id="4" name="Picture 3">
+            <a:extLst>
+              <a:ext uri="{FF2B5EF4-FFF2-40B4-BE49-F238E27FC236}">
+                <a16:creationId xmlns:a16="http://schemas.microsoft.com/office/drawing/2014/main" id="{28A0E08E-57FC-7256-75B1-73E69C93666F}"/>
+              </a:ext>
+            </a:extLst>
+          </p:cNvPr>
+          <p:cNvPicPr>
+            <a:picLocks noChangeAspect="1"/>
+          </p:cNvPicPr>
+          <p:nvPr/>
+        </p:nvPicPr>
+        <p:blipFill>
+          <a:blip r:embed="rId2"/>
+          <a:stretch>
+            <a:fillRect/>
+          </a:stretch>
+        </p:blipFill>
+        <p:spPr>
+          <a:xfrm>
+            <a:off x="5873042" y="692014"/>
+            <a:ext cx="2176272" cy="867664"/>
+          </a:xfrm>
+          <a:prstGeom prst="rect">
+            <a:avLst/>
+          </a:prstGeom>
+          <a:effectLst>
+            <a:glow rad="63500">
+              <a:srgbClr val="7030A0">
+                <a:alpha val="40000"/>
+              </a:srgbClr>
+            </a:glow>
+          </a:effectLst>
+        </p:spPr>
+      </p:pic>
+      <p:pic>
+        <p:nvPicPr>
+          <p:cNvPr id="6" name="Picture 5">
+            <a:extLst>
+              <a:ext uri="{FF2B5EF4-FFF2-40B4-BE49-F238E27FC236}">
+                <a16:creationId xmlns:a16="http://schemas.microsoft.com/office/drawing/2014/main" id="{A0056867-832D-4105-8534-9E5AF2AF6D4B}"/>
+              </a:ext>
+            </a:extLst>
+          </p:cNvPr>
+          <p:cNvPicPr>
+            <a:picLocks noChangeAspect="1"/>
+          </p:cNvPicPr>
+          <p:nvPr/>
+        </p:nvPicPr>
+        <p:blipFill>
+          <a:blip r:embed="rId3"/>
+          <a:stretch>
+            <a:fillRect/>
+          </a:stretch>
+        </p:blipFill>
+        <p:spPr>
+          <a:xfrm>
+            <a:off x="276914" y="1618804"/>
+            <a:ext cx="7772400" cy="5096188"/>
+          </a:xfrm>
+          <a:prstGeom prst="rect">
+            <a:avLst/>
+          </a:prstGeom>
+          <a:effectLst>
+            <a:glow rad="63500">
+              <a:srgbClr val="7030A0">
+                <a:alpha val="40000"/>
+              </a:srgbClr>
+            </a:glow>
+          </a:effectLst>
+        </p:spPr>
+      </p:pic>
+    </p:spTree>
+    <p:extLst>
+      <p:ext uri="{BB962C8B-B14F-4D97-AF65-F5344CB8AC3E}">
+        <p14:creationId xmlns:p14="http://schemas.microsoft.com/office/powerpoint/2010/main" val="1347280084"/>
+      </p:ext>
+    </p:extLst>
+  </p:cSld>
+  <p:clrMapOvr>
+    <a:masterClrMapping/>
+  </p:clrMapOvr>
+</p:sld>
+</file>
+
+<file path=ppt/slides/slide14.xml><?xml version="1.0" encoding="utf-8"?>
+<p:sld xmlns:a="http://schemas.openxmlformats.org/drawingml/2006/main" xmlns:r="http://schemas.openxmlformats.org/officeDocument/2006/relationships" xmlns:p="http://schemas.openxmlformats.org/presentationml/2006/main">
+  <p:cSld>
+    <p:spTree>
+      <p:nvGrpSpPr>
+        <p:cNvPr id="1" name=""/>
+        <p:cNvGrpSpPr/>
+        <p:nvPr/>
+      </p:nvGrpSpPr>
+      <p:grpSpPr>
+        <a:xfrm>
+          <a:off x="0" y="0"/>
+          <a:ext cx="0" cy="0"/>
+          <a:chOff x="0" y="0"/>
+          <a:chExt cx="0" cy="0"/>
+        </a:xfrm>
+      </p:grpSpPr>
+      <p:sp>
+        <p:nvSpPr>
+          <p:cNvPr id="4" name="TextBox 3">
+            <a:extLst>
+              <a:ext uri="{FF2B5EF4-FFF2-40B4-BE49-F238E27FC236}">
+                <a16:creationId xmlns:a16="http://schemas.microsoft.com/office/drawing/2014/main" id="{0B205ED7-CA2A-2FFE-8AF6-7C1545C8E1FC}"/>
+              </a:ext>
+            </a:extLst>
+          </p:cNvPr>
+          <p:cNvSpPr txBox="1"/>
+          <p:nvPr/>
+        </p:nvSpPr>
+        <p:spPr>
+          <a:xfrm>
+            <a:off x="299655" y="74305"/>
+            <a:ext cx="2702856" cy="461665"/>
+          </a:xfrm>
+          <a:prstGeom prst="rect">
+            <a:avLst/>
+          </a:prstGeom>
+          <a:noFill/>
+        </p:spPr>
+        <p:txBody>
+          <a:bodyPr wrap="none" rtlCol="0">
+            <a:spAutoFit/>
+          </a:bodyPr>
+          <a:lstStyle/>
+          <a:p>
+            <a:r>
+              <a:rPr lang="en-US" sz="2400" dirty="0"/>
+              <a:t>Agent Orchestration</a:t>
+            </a:r>
+          </a:p>
+        </p:txBody>
+      </p:sp>
+      <p:cxnSp>
+        <p:nvCxnSpPr>
+          <p:cNvPr id="2" name="Straight Connector 1">
+            <a:extLst>
+              <a:ext uri="{FF2B5EF4-FFF2-40B4-BE49-F238E27FC236}">
+                <a16:creationId xmlns:a16="http://schemas.microsoft.com/office/drawing/2014/main" id="{22E1BF60-C091-F918-A508-C0CD2544E876}"/>
+              </a:ext>
+            </a:extLst>
+          </p:cNvPr>
+          <p:cNvCxnSpPr/>
+          <p:nvPr/>
+        </p:nvCxnSpPr>
+        <p:spPr>
+          <a:xfrm>
+            <a:off x="432620" y="545800"/>
+            <a:ext cx="11759381" cy="0"/>
+          </a:xfrm>
+          <a:prstGeom prst="line">
+            <a:avLst/>
+          </a:prstGeom>
+        </p:spPr>
+        <p:style>
+          <a:lnRef idx="3">
+            <a:schemeClr val="accent5"/>
+          </a:lnRef>
+          <a:fillRef idx="0">
+            <a:schemeClr val="accent5"/>
+          </a:fillRef>
+          <a:effectRef idx="2">
+            <a:schemeClr val="accent5"/>
+          </a:effectRef>
+          <a:fontRef idx="minor">
+            <a:schemeClr val="tx1"/>
+          </a:fontRef>
+        </p:style>
+      </p:cxnSp>
+      <p:pic>
+        <p:nvPicPr>
+          <p:cNvPr id="3" name="Picture 2">
+            <a:extLst>
+              <a:ext uri="{FF2B5EF4-FFF2-40B4-BE49-F238E27FC236}">
+                <a16:creationId xmlns:a16="http://schemas.microsoft.com/office/drawing/2014/main" id="{06D2A7A1-41B6-3809-CE19-54125905CBE9}"/>
+              </a:ext>
+            </a:extLst>
+          </p:cNvPr>
+          <p:cNvPicPr>
+            <a:picLocks noChangeAspect="1"/>
+          </p:cNvPicPr>
+          <p:nvPr/>
+        </p:nvPicPr>
+        <p:blipFill>
+          <a:blip r:embed="rId2"/>
+          <a:stretch>
+            <a:fillRect/>
+          </a:stretch>
+        </p:blipFill>
+        <p:spPr>
+          <a:xfrm>
+            <a:off x="1895168" y="683452"/>
+            <a:ext cx="8331200" cy="1544320"/>
+          </a:xfrm>
+          <a:prstGeom prst="rect">
+            <a:avLst/>
+          </a:prstGeom>
+          <a:effectLst>
+            <a:glow rad="63500">
+              <a:schemeClr val="accent5">
+                <a:satMod val="175000"/>
+                <a:alpha val="40000"/>
+              </a:schemeClr>
+            </a:glow>
+          </a:effectLst>
+        </p:spPr>
+      </p:pic>
+      <p:pic>
+        <p:nvPicPr>
+          <p:cNvPr id="5" name="Picture 4">
+            <a:extLst>
+              <a:ext uri="{FF2B5EF4-FFF2-40B4-BE49-F238E27FC236}">
+                <a16:creationId xmlns:a16="http://schemas.microsoft.com/office/drawing/2014/main" id="{032B032F-B08F-D8D1-3E1F-E0A14A3D7972}"/>
+              </a:ext>
+            </a:extLst>
+          </p:cNvPr>
+          <p:cNvPicPr>
+            <a:picLocks noChangeAspect="1"/>
+          </p:cNvPicPr>
+          <p:nvPr/>
+        </p:nvPicPr>
+        <p:blipFill>
+          <a:blip r:embed="rId3"/>
+          <a:stretch>
+            <a:fillRect/>
+          </a:stretch>
+        </p:blipFill>
+        <p:spPr>
+          <a:xfrm>
+            <a:off x="1910187" y="2365423"/>
+            <a:ext cx="8320278" cy="4245356"/>
+          </a:xfrm>
+          <a:prstGeom prst="rect">
+            <a:avLst/>
+          </a:prstGeom>
+          <a:effectLst>
+            <a:glow rad="101600">
+              <a:schemeClr val="accent5">
+                <a:satMod val="175000"/>
+                <a:alpha val="40000"/>
+              </a:schemeClr>
+            </a:glow>
+          </a:effectLst>
+        </p:spPr>
+      </p:pic>
+    </p:spTree>
+    <p:extLst>
+      <p:ext uri="{BB962C8B-B14F-4D97-AF65-F5344CB8AC3E}">
+        <p14:creationId xmlns:p14="http://schemas.microsoft.com/office/powerpoint/2010/main" val="2777634583"/>
+      </p:ext>
+    </p:extLst>
+  </p:cSld>
+  <p:clrMapOvr>
+    <a:masterClrMapping/>
+  </p:clrMapOvr>
+</p:sld>
+</file>
+
+<file path=ppt/slides/slide15.xml><?xml version="1.0" encoding="utf-8"?>
+<p:sld xmlns:a="http://schemas.openxmlformats.org/drawingml/2006/main" xmlns:r="http://schemas.openxmlformats.org/officeDocument/2006/relationships" xmlns:p="http://schemas.openxmlformats.org/presentationml/2006/main">
+  <p:cSld>
+    <p:spTree>
+      <p:nvGrpSpPr>
+        <p:cNvPr id="1" name=""/>
+        <p:cNvGrpSpPr/>
+        <p:nvPr/>
+      </p:nvGrpSpPr>
+      <p:grpSpPr>
+        <a:xfrm>
+          <a:off x="0" y="0"/>
+          <a:ext cx="0" cy="0"/>
+          <a:chOff x="0" y="0"/>
+          <a:chExt cx="0" cy="0"/>
+        </a:xfrm>
+      </p:grpSpPr>
+      <p:pic>
+        <p:nvPicPr>
+          <p:cNvPr id="4" name="Picture 3">
+            <a:extLst>
+              <a:ext uri="{FF2B5EF4-FFF2-40B4-BE49-F238E27FC236}">
+                <a16:creationId xmlns:a16="http://schemas.microsoft.com/office/drawing/2014/main" id="{DEDE29E5-75A5-C7E7-3F6E-A07E1E2C832D}"/>
+              </a:ext>
+            </a:extLst>
+          </p:cNvPr>
+          <p:cNvPicPr>
+            <a:picLocks noChangeAspect="1"/>
+          </p:cNvPicPr>
+          <p:nvPr/>
+        </p:nvPicPr>
+        <p:blipFill>
+          <a:blip r:embed="rId2"/>
+          <a:stretch>
+            <a:fillRect/>
+          </a:stretch>
+        </p:blipFill>
+        <p:spPr>
+          <a:xfrm>
+            <a:off x="7139762" y="772275"/>
+            <a:ext cx="5052238" cy="3710936"/>
+          </a:xfrm>
+          <a:prstGeom prst="rect">
+            <a:avLst/>
+          </a:prstGeom>
+          <a:effectLst>
+            <a:outerShdw blurRad="50800" dist="38100" dir="2700000" algn="tl" rotWithShape="0">
+              <a:prstClr val="black">
+                <a:alpha val="40000"/>
+              </a:prstClr>
+            </a:outerShdw>
+          </a:effectLst>
+        </p:spPr>
+      </p:pic>
+      <p:sp>
+        <p:nvSpPr>
+          <p:cNvPr id="8" name="Rounded Rectangle 7">
+            <a:extLst>
+              <a:ext uri="{FF2B5EF4-FFF2-40B4-BE49-F238E27FC236}">
+                <a16:creationId xmlns:a16="http://schemas.microsoft.com/office/drawing/2014/main" id="{26BE541F-BCA7-42E5-CB44-AE75014591C0}"/>
+              </a:ext>
+            </a:extLst>
+          </p:cNvPr>
+          <p:cNvSpPr/>
+          <p:nvPr/>
+        </p:nvSpPr>
+        <p:spPr>
+          <a:xfrm>
+            <a:off x="299655" y="1080706"/>
+            <a:ext cx="6319380" cy="435220"/>
+          </a:xfrm>
+          <a:prstGeom prst="roundRect">
+            <a:avLst>
+              <a:gd name="adj" fmla="val 9164"/>
+            </a:avLst>
+          </a:prstGeom>
+          <a:solidFill>
+            <a:schemeClr val="tx2"/>
+          </a:solidFill>
+          <a:ln>
+            <a:solidFill>
+              <a:schemeClr val="tx1">
+                <a:lumMod val="50000"/>
+                <a:lumOff val="50000"/>
+              </a:schemeClr>
+            </a:solidFill>
+          </a:ln>
+          <a:effectLst>
+            <a:outerShdw blurRad="50800" dist="38100" dir="2700000" algn="tl" rotWithShape="0">
+              <a:prstClr val="black">
+                <a:alpha val="40000"/>
+              </a:prstClr>
+            </a:outerShdw>
+          </a:effectLst>
+        </p:spPr>
+        <p:style>
+          <a:lnRef idx="2">
+            <a:schemeClr val="accent3">
+              <a:shade val="15000"/>
+            </a:schemeClr>
+          </a:lnRef>
+          <a:fillRef idx="1">
+            <a:schemeClr val="accent3"/>
+          </a:fillRef>
+          <a:effectRef idx="0">
+            <a:schemeClr val="accent3"/>
+          </a:effectRef>
+          <a:fontRef idx="minor">
+            <a:schemeClr val="lt1"/>
+          </a:fontRef>
+        </p:style>
+        <p:txBody>
+          <a:bodyPr lIns="0" tIns="0" rIns="0" bIns="0" rtlCol="0" anchor="ctr"/>
+          <a:lstStyle/>
+          <a:p>
+            <a:r>
+              <a:rPr lang="en-US" sz="1400" dirty="0">
+                <a:solidFill>
+                  <a:schemeClr val="bg1">
+                    <a:lumMod val="95000"/>
+                  </a:schemeClr>
+                </a:solidFill>
+              </a:rPr>
+              <a:t> </a:t>
+            </a:r>
+            <a:r>
+              <a:rPr lang="en-US" sz="1400" b="1" dirty="0">
+                <a:solidFill>
+                  <a:schemeClr val="bg1">
+                    <a:lumMod val="95000"/>
+                  </a:schemeClr>
+                </a:solidFill>
+              </a:rPr>
+              <a:t>User:&gt; </a:t>
+            </a:r>
+            <a:r>
+              <a:rPr lang="en-US" sz="1400" dirty="0"/>
+              <a:t>What's the cost of BYD car and potential tariff </a:t>
+            </a:r>
+            <a:r>
+              <a:rPr lang="en-US" sz="1400" dirty="0">
+                <a:solidFill>
+                  <a:schemeClr val="bg1">
+                    <a:lumMod val="95000"/>
+                  </a:schemeClr>
+                </a:solidFill>
+              </a:rPr>
+              <a:t>?   </a:t>
+            </a:r>
+            <a:r>
+              <a:rPr lang="en-US" sz="1400" dirty="0">
+                <a:solidFill>
+                  <a:schemeClr val="tx2"/>
+                </a:solidFill>
+              </a:rPr>
+              <a:t>.</a:t>
+            </a:r>
+            <a:r>
+              <a:rPr lang="en-US" sz="1400" dirty="0">
+                <a:solidFill>
+                  <a:schemeClr val="bg1">
+                    <a:lumMod val="95000"/>
+                  </a:schemeClr>
+                </a:solidFill>
+              </a:rPr>
+              <a:t>  </a:t>
+            </a:r>
+          </a:p>
+        </p:txBody>
+      </p:sp>
+      <p:sp>
+        <p:nvSpPr>
+          <p:cNvPr id="9" name="Rounded Rectangle 8">
+            <a:extLst>
+              <a:ext uri="{FF2B5EF4-FFF2-40B4-BE49-F238E27FC236}">
+                <a16:creationId xmlns:a16="http://schemas.microsoft.com/office/drawing/2014/main" id="{34E0A786-771C-D512-BF8D-85A7C70A52D5}"/>
+              </a:ext>
+            </a:extLst>
+          </p:cNvPr>
+          <p:cNvSpPr/>
+          <p:nvPr/>
+        </p:nvSpPr>
+        <p:spPr>
+          <a:xfrm>
+            <a:off x="299655" y="1942685"/>
+            <a:ext cx="6319380" cy="1170184"/>
+          </a:xfrm>
+          <a:prstGeom prst="roundRect">
+            <a:avLst>
+              <a:gd name="adj" fmla="val 4533"/>
+            </a:avLst>
+          </a:prstGeom>
+          <a:solidFill>
+            <a:schemeClr val="bg1">
+              <a:lumMod val="85000"/>
+            </a:schemeClr>
+          </a:solidFill>
+          <a:effectLst>
+            <a:outerShdw blurRad="50800" dist="38100" dir="2700000" algn="tl" rotWithShape="0">
+              <a:prstClr val="black">
+                <a:alpha val="40000"/>
+              </a:prstClr>
+            </a:outerShdw>
+          </a:effectLst>
+        </p:spPr>
+        <p:style>
+          <a:lnRef idx="2">
+            <a:schemeClr val="accent3">
+              <a:shade val="15000"/>
+            </a:schemeClr>
+          </a:lnRef>
+          <a:fillRef idx="1">
+            <a:schemeClr val="accent3"/>
+          </a:fillRef>
+          <a:effectRef idx="0">
+            <a:schemeClr val="accent3"/>
+          </a:effectRef>
+          <a:fontRef idx="minor">
+            <a:schemeClr val="lt1"/>
+          </a:fontRef>
+        </p:style>
+        <p:txBody>
+          <a:bodyPr lIns="0" tIns="0" rIns="0" bIns="0" rtlCol="0" anchor="t"/>
+          <a:lstStyle/>
+          <a:p>
+            <a:r>
+              <a:rPr lang="en-US" sz="1400" dirty="0">
+                <a:solidFill>
+                  <a:schemeClr val="tx2"/>
+                </a:solidFill>
+              </a:rPr>
+              <a:t> </a:t>
+            </a:r>
+            <a:r>
+              <a:rPr lang="en-US" sz="1400" b="1" dirty="0">
+                <a:solidFill>
+                  <a:schemeClr val="tx2"/>
+                </a:solidFill>
+              </a:rPr>
+              <a:t>Agent:&gt; Tariff rate:  104</a:t>
+            </a:r>
+          </a:p>
+          <a:p>
+            <a:endParaRPr lang="en-US" sz="1400" dirty="0">
+              <a:solidFill>
+                <a:schemeClr val="tx2"/>
+              </a:solidFill>
+            </a:endParaRPr>
+          </a:p>
+          <a:p>
+            <a:r>
+              <a:rPr lang="en-US" sz="1400" dirty="0">
+                <a:solidFill>
+                  <a:schemeClr val="tx2"/>
+                </a:solidFill>
+              </a:rPr>
+              <a:t>The cost of a BYD car is approximately </a:t>
+            </a:r>
+            <a:r>
+              <a:rPr lang="en-US" sz="1400" b="1" dirty="0">
+                <a:solidFill>
+                  <a:schemeClr val="tx2"/>
+                </a:solidFill>
+              </a:rPr>
+              <a:t>$30,000</a:t>
+            </a:r>
+            <a:r>
+              <a:rPr lang="en-US" sz="1400" dirty="0">
+                <a:solidFill>
+                  <a:schemeClr val="tx2"/>
+                </a:solidFill>
+              </a:rPr>
+              <a:t>. If there's a tariff applied—assuming the car originates from China—the tariff would be </a:t>
+            </a:r>
+            <a:r>
+              <a:rPr lang="en-US" sz="1400" b="1" dirty="0">
+                <a:solidFill>
+                  <a:schemeClr val="tx2"/>
+                </a:solidFill>
+              </a:rPr>
+              <a:t>$31,200</a:t>
+            </a:r>
+            <a:r>
+              <a:rPr lang="en-US" sz="1400" dirty="0">
+                <a:solidFill>
+                  <a:schemeClr val="tx2"/>
+                </a:solidFill>
+              </a:rPr>
+              <a:t>, making the total cost </a:t>
+            </a:r>
+            <a:r>
+              <a:rPr lang="en-US" sz="1400" b="1" dirty="0">
+                <a:solidFill>
+                  <a:schemeClr val="tx2"/>
+                </a:solidFill>
+              </a:rPr>
+              <a:t>$61,200.</a:t>
+            </a:r>
+          </a:p>
+        </p:txBody>
+      </p:sp>
+      <p:cxnSp>
+        <p:nvCxnSpPr>
+          <p:cNvPr id="13" name="Straight Connector 12">
+            <a:extLst>
+              <a:ext uri="{FF2B5EF4-FFF2-40B4-BE49-F238E27FC236}">
+                <a16:creationId xmlns:a16="http://schemas.microsoft.com/office/drawing/2014/main" id="{68B790C7-EA6E-97D1-B919-14896E4B603C}"/>
+              </a:ext>
+            </a:extLst>
+          </p:cNvPr>
+          <p:cNvCxnSpPr/>
+          <p:nvPr/>
+        </p:nvCxnSpPr>
+        <p:spPr>
+          <a:xfrm>
+            <a:off x="432620" y="585129"/>
+            <a:ext cx="11759381" cy="0"/>
+          </a:xfrm>
+          <a:prstGeom prst="line">
+            <a:avLst/>
+          </a:prstGeom>
+        </p:spPr>
+        <p:style>
+          <a:lnRef idx="3">
+            <a:schemeClr val="accent5"/>
+          </a:lnRef>
+          <a:fillRef idx="0">
+            <a:schemeClr val="accent5"/>
+          </a:fillRef>
+          <a:effectRef idx="2">
+            <a:schemeClr val="accent5"/>
+          </a:effectRef>
+          <a:fontRef idx="minor">
+            <a:schemeClr val="tx1"/>
+          </a:fontRef>
+        </p:style>
+      </p:cxnSp>
+      <p:sp>
+        <p:nvSpPr>
+          <p:cNvPr id="14" name="TextBox 13">
+            <a:extLst>
+              <a:ext uri="{FF2B5EF4-FFF2-40B4-BE49-F238E27FC236}">
+                <a16:creationId xmlns:a16="http://schemas.microsoft.com/office/drawing/2014/main" id="{AA4727A0-66F4-D347-C076-66D6DCF475F9}"/>
+              </a:ext>
+            </a:extLst>
+          </p:cNvPr>
+          <p:cNvSpPr txBox="1"/>
+          <p:nvPr/>
+        </p:nvSpPr>
+        <p:spPr>
+          <a:xfrm>
+            <a:off x="299656" y="74305"/>
+            <a:ext cx="7008329" cy="461665"/>
+          </a:xfrm>
+          <a:prstGeom prst="rect">
+            <a:avLst/>
+          </a:prstGeom>
+          <a:noFill/>
+        </p:spPr>
+        <p:txBody>
+          <a:bodyPr wrap="none" rtlCol="0">
+            <a:spAutoFit/>
+          </a:bodyPr>
+          <a:lstStyle/>
+          <a:p>
+            <a:r>
+              <a:rPr lang="en-US" sz="2400" dirty="0"/>
+              <a:t>Internal Sales Agent chaining with External Sales Agent</a:t>
+            </a:r>
+          </a:p>
+        </p:txBody>
+      </p:sp>
+      <p:sp>
+        <p:nvSpPr>
+          <p:cNvPr id="17" name="Rounded Rectangle 16">
+            <a:extLst>
+              <a:ext uri="{FF2B5EF4-FFF2-40B4-BE49-F238E27FC236}">
+                <a16:creationId xmlns:a16="http://schemas.microsoft.com/office/drawing/2014/main" id="{33CF4FE2-13AA-063A-BE8F-F032FE1F66B6}"/>
+              </a:ext>
+            </a:extLst>
+          </p:cNvPr>
+          <p:cNvSpPr/>
+          <p:nvPr/>
+        </p:nvSpPr>
+        <p:spPr>
+          <a:xfrm>
+            <a:off x="7460335" y="3489846"/>
+            <a:ext cx="4518837" cy="340241"/>
+          </a:xfrm>
+          <a:prstGeom prst="roundRect">
+            <a:avLst/>
+          </a:prstGeom>
+          <a:noFill/>
+          <a:ln w="22225">
+            <a:solidFill>
+              <a:srgbClr val="C00000"/>
+            </a:solidFill>
+          </a:ln>
+        </p:spPr>
+        <p:style>
+          <a:lnRef idx="2">
+            <a:schemeClr val="accent1">
+              <a:shade val="15000"/>
+            </a:schemeClr>
+          </a:lnRef>
+          <a:fillRef idx="1">
+            <a:schemeClr val="accent1"/>
+          </a:fillRef>
+          <a:effectRef idx="0">
+            <a:schemeClr val="accent1"/>
+          </a:effectRef>
+          <a:fontRef idx="minor">
+            <a:schemeClr val="lt1"/>
+          </a:fontRef>
+        </p:style>
+        <p:txBody>
+          <a:bodyPr rtlCol="0" anchor="ctr"/>
+          <a:lstStyle/>
+          <a:p>
+            <a:pPr algn="ctr"/>
+            <a:endParaRPr lang="en-US" dirty="0"/>
+          </a:p>
+        </p:txBody>
+      </p:sp>
+      <p:sp>
+        <p:nvSpPr>
+          <p:cNvPr id="18" name="TextBox 17">
+            <a:extLst>
+              <a:ext uri="{FF2B5EF4-FFF2-40B4-BE49-F238E27FC236}">
+                <a16:creationId xmlns:a16="http://schemas.microsoft.com/office/drawing/2014/main" id="{3DB41689-400B-90E4-1AC3-8EC2A485E1D0}"/>
+              </a:ext>
+            </a:extLst>
+          </p:cNvPr>
+          <p:cNvSpPr txBox="1"/>
+          <p:nvPr/>
+        </p:nvSpPr>
+        <p:spPr>
+          <a:xfrm>
+            <a:off x="260756" y="711374"/>
+            <a:ext cx="2495298" cy="369332"/>
+          </a:xfrm>
+          <a:prstGeom prst="rect">
+            <a:avLst/>
+          </a:prstGeom>
+          <a:noFill/>
+        </p:spPr>
+        <p:txBody>
+          <a:bodyPr wrap="none" rtlCol="0">
+            <a:spAutoFit/>
+          </a:bodyPr>
+          <a:lstStyle/>
+          <a:p>
+            <a:r>
+              <a:rPr lang="en-US" dirty="0"/>
+              <a:t>Input Prompt/Question: </a:t>
+            </a:r>
+          </a:p>
+        </p:txBody>
+      </p:sp>
+      <p:sp>
+        <p:nvSpPr>
+          <p:cNvPr id="19" name="TextBox 18">
+            <a:extLst>
+              <a:ext uri="{FF2B5EF4-FFF2-40B4-BE49-F238E27FC236}">
+                <a16:creationId xmlns:a16="http://schemas.microsoft.com/office/drawing/2014/main" id="{6B19E0A5-E0FF-FCCA-B12F-E6B8D63F5FE3}"/>
+              </a:ext>
+            </a:extLst>
+          </p:cNvPr>
+          <p:cNvSpPr txBox="1"/>
+          <p:nvPr/>
+        </p:nvSpPr>
+        <p:spPr>
+          <a:xfrm>
+            <a:off x="260756" y="1573353"/>
+            <a:ext cx="1868588" cy="369332"/>
+          </a:xfrm>
+          <a:prstGeom prst="rect">
+            <a:avLst/>
+          </a:prstGeom>
+          <a:noFill/>
+        </p:spPr>
+        <p:txBody>
+          <a:bodyPr wrap="none" rtlCol="0">
+            <a:spAutoFit/>
+          </a:bodyPr>
+          <a:lstStyle/>
+          <a:p>
+            <a:r>
+              <a:rPr lang="en-US" dirty="0"/>
+              <a:t>Output Response:</a:t>
+            </a:r>
+          </a:p>
+        </p:txBody>
+      </p:sp>
+    </p:spTree>
+    <p:extLst>
+      <p:ext uri="{BB962C8B-B14F-4D97-AF65-F5344CB8AC3E}">
+        <p14:creationId xmlns:p14="http://schemas.microsoft.com/office/powerpoint/2010/main" val="3768088343"/>
+      </p:ext>
+    </p:extLst>
+  </p:cSld>
+  <p:clrMapOvr>
+    <a:masterClrMapping/>
+  </p:clrMapOvr>
+</p:sld>
+</file>
+
+<file path=ppt/slides/slide16.xml><?xml version="1.0" encoding="utf-8"?>
+<p:sld xmlns:a="http://schemas.openxmlformats.org/drawingml/2006/main" xmlns:r="http://schemas.openxmlformats.org/officeDocument/2006/relationships" xmlns:p="http://schemas.openxmlformats.org/presentationml/2006/main">
+  <p:cSld>
+    <p:spTree>
+      <p:nvGrpSpPr>
+        <p:cNvPr id="1" name=""/>
+        <p:cNvGrpSpPr/>
+        <p:nvPr/>
+      </p:nvGrpSpPr>
+      <p:grpSpPr>
+        <a:xfrm>
+          <a:off x="0" y="0"/>
+          <a:ext cx="0" cy="0"/>
+          <a:chOff x="0" y="0"/>
+          <a:chExt cx="0" cy="0"/>
+        </a:xfrm>
+      </p:grpSpPr>
+      <p:sp>
+        <p:nvSpPr>
+          <p:cNvPr id="8" name="Rounded Rectangle 7">
+            <a:extLst>
+              <a:ext uri="{FF2B5EF4-FFF2-40B4-BE49-F238E27FC236}">
+                <a16:creationId xmlns:a16="http://schemas.microsoft.com/office/drawing/2014/main" id="{26BE541F-BCA7-42E5-CB44-AE75014591C0}"/>
+              </a:ext>
+            </a:extLst>
+          </p:cNvPr>
+          <p:cNvSpPr/>
+          <p:nvPr/>
+        </p:nvSpPr>
+        <p:spPr>
+          <a:xfrm>
+            <a:off x="299655" y="1080707"/>
+            <a:ext cx="6319380" cy="1299371"/>
+          </a:xfrm>
+          <a:prstGeom prst="roundRect">
+            <a:avLst>
+              <a:gd name="adj" fmla="val 9164"/>
+            </a:avLst>
+          </a:prstGeom>
+          <a:solidFill>
+            <a:schemeClr val="tx2"/>
+          </a:solidFill>
+          <a:ln>
+            <a:solidFill>
+              <a:schemeClr val="tx1">
+                <a:lumMod val="50000"/>
+                <a:lumOff val="50000"/>
+              </a:schemeClr>
+            </a:solidFill>
+          </a:ln>
+          <a:effectLst>
+            <a:outerShdw blurRad="50800" dist="38100" dir="2700000" algn="tl" rotWithShape="0">
+              <a:prstClr val="black">
+                <a:alpha val="40000"/>
+              </a:prstClr>
+            </a:outerShdw>
+          </a:effectLst>
+        </p:spPr>
+        <p:style>
+          <a:lnRef idx="2">
+            <a:schemeClr val="accent3">
+              <a:shade val="15000"/>
+            </a:schemeClr>
+          </a:lnRef>
+          <a:fillRef idx="1">
+            <a:schemeClr val="accent3"/>
+          </a:fillRef>
+          <a:effectRef idx="0">
+            <a:schemeClr val="accent3"/>
+          </a:effectRef>
+          <a:fontRef idx="minor">
+            <a:schemeClr val="lt1"/>
+          </a:fontRef>
+        </p:style>
+        <p:txBody>
+          <a:bodyPr lIns="0" tIns="0" rIns="0" bIns="0" rtlCol="0" anchor="ctr"/>
+          <a:lstStyle/>
+          <a:p>
+            <a:r>
+              <a:rPr lang="en-US" sz="1400" dirty="0">
+                <a:solidFill>
+                  <a:schemeClr val="bg1">
+                    <a:lumMod val="95000"/>
+                  </a:schemeClr>
+                </a:solidFill>
+              </a:rPr>
+              <a:t> </a:t>
+            </a:r>
+            <a:r>
+              <a:rPr lang="en-US" sz="1400" b="1" dirty="0">
+                <a:solidFill>
+                  <a:schemeClr val="bg1">
+                    <a:lumMod val="95000"/>
+                  </a:schemeClr>
+                </a:solidFill>
+              </a:rPr>
+              <a:t>User:&gt; </a:t>
+            </a:r>
+            <a:r>
+              <a:rPr lang="en-US" sz="1400" dirty="0"/>
+              <a:t>On a year on year basis, with 10 weeks moving average, give me the cars, trucks and service plans sales comparison for last 5 years (including 2025 to whatever month we have) with % changes YOY and how are we positioned? and send that table details in an executive email with financial analysis along with details steps to improve AND send that To vasudavesnow@gmail.com  From: AI Analyst, Finance Department </a:t>
+            </a:r>
+            <a:r>
+              <a:rPr lang="en-US" sz="1400" dirty="0">
+                <a:solidFill>
+                  <a:schemeClr val="bg1">
+                    <a:lumMod val="95000"/>
+                  </a:schemeClr>
+                </a:solidFill>
+              </a:rPr>
+              <a:t>?   </a:t>
+            </a:r>
+          </a:p>
+        </p:txBody>
+      </p:sp>
+      <p:sp>
+        <p:nvSpPr>
+          <p:cNvPr id="9" name="Rounded Rectangle 8">
+            <a:extLst>
+              <a:ext uri="{FF2B5EF4-FFF2-40B4-BE49-F238E27FC236}">
+                <a16:creationId xmlns:a16="http://schemas.microsoft.com/office/drawing/2014/main" id="{34E0A786-771C-D512-BF8D-85A7C70A52D5}"/>
+              </a:ext>
+            </a:extLst>
+          </p:cNvPr>
+          <p:cNvSpPr/>
+          <p:nvPr/>
+        </p:nvSpPr>
+        <p:spPr>
+          <a:xfrm>
+            <a:off x="299655" y="2843908"/>
+            <a:ext cx="6319380" cy="693949"/>
+          </a:xfrm>
+          <a:prstGeom prst="roundRect">
+            <a:avLst>
+              <a:gd name="adj" fmla="val 4533"/>
+            </a:avLst>
+          </a:prstGeom>
+          <a:solidFill>
+            <a:schemeClr val="bg1">
+              <a:lumMod val="85000"/>
+            </a:schemeClr>
+          </a:solidFill>
+          <a:effectLst>
+            <a:outerShdw blurRad="50800" dist="38100" dir="2700000" algn="tl" rotWithShape="0">
+              <a:prstClr val="black">
+                <a:alpha val="40000"/>
+              </a:prstClr>
+            </a:outerShdw>
+          </a:effectLst>
+        </p:spPr>
+        <p:style>
+          <a:lnRef idx="2">
+            <a:schemeClr val="accent3">
+              <a:shade val="15000"/>
+            </a:schemeClr>
+          </a:lnRef>
+          <a:fillRef idx="1">
+            <a:schemeClr val="accent3"/>
+          </a:fillRef>
+          <a:effectRef idx="0">
+            <a:schemeClr val="accent3"/>
+          </a:effectRef>
+          <a:fontRef idx="minor">
+            <a:schemeClr val="lt1"/>
+          </a:fontRef>
+        </p:style>
+        <p:txBody>
+          <a:bodyPr lIns="0" tIns="0" rIns="0" bIns="0" rtlCol="0" anchor="t"/>
+          <a:lstStyle/>
+          <a:p>
+            <a:r>
+              <a:rPr lang="en-US" sz="1400" dirty="0">
+                <a:solidFill>
+                  <a:schemeClr val="tx2"/>
+                </a:solidFill>
+              </a:rPr>
+              <a:t> </a:t>
+            </a:r>
+            <a:r>
+              <a:rPr lang="en-US" sz="1400" b="1" dirty="0">
+                <a:solidFill>
+                  <a:schemeClr val="tx2"/>
+                </a:solidFill>
+              </a:rPr>
+              <a:t>Agent:&gt; </a:t>
+            </a:r>
+            <a:r>
+              <a:rPr lang="en-US" sz="1400" dirty="0">
+                <a:solidFill>
+                  <a:schemeClr val="tx2"/>
+                </a:solidFill>
+              </a:rPr>
+              <a:t>The year-on-year sales comparison and financial insights, along with strategic improvement suggestions, have been successfully emailed to vasudavesnow@gmail.com. Let me know if there's anything else you require!</a:t>
+            </a:r>
+            <a:endParaRPr lang="en-US" sz="1400" b="1" dirty="0">
+              <a:solidFill>
+                <a:schemeClr val="tx2"/>
+              </a:solidFill>
+            </a:endParaRPr>
+          </a:p>
+        </p:txBody>
+      </p:sp>
+      <p:cxnSp>
+        <p:nvCxnSpPr>
+          <p:cNvPr id="13" name="Straight Connector 12">
+            <a:extLst>
+              <a:ext uri="{FF2B5EF4-FFF2-40B4-BE49-F238E27FC236}">
+                <a16:creationId xmlns:a16="http://schemas.microsoft.com/office/drawing/2014/main" id="{68B790C7-EA6E-97D1-B919-14896E4B603C}"/>
+              </a:ext>
+            </a:extLst>
+          </p:cNvPr>
+          <p:cNvCxnSpPr/>
+          <p:nvPr/>
+        </p:nvCxnSpPr>
+        <p:spPr>
+          <a:xfrm>
+            <a:off x="432620" y="585129"/>
+            <a:ext cx="11759381" cy="0"/>
+          </a:xfrm>
+          <a:prstGeom prst="line">
+            <a:avLst/>
+          </a:prstGeom>
+        </p:spPr>
+        <p:style>
+          <a:lnRef idx="3">
+            <a:schemeClr val="accent5"/>
+          </a:lnRef>
+          <a:fillRef idx="0">
+            <a:schemeClr val="accent5"/>
+          </a:fillRef>
+          <a:effectRef idx="2">
+            <a:schemeClr val="accent5"/>
+          </a:effectRef>
+          <a:fontRef idx="minor">
+            <a:schemeClr val="tx1"/>
+          </a:fontRef>
+        </p:style>
+      </p:cxnSp>
+      <p:sp>
+        <p:nvSpPr>
+          <p:cNvPr id="14" name="TextBox 13">
+            <a:extLst>
+              <a:ext uri="{FF2B5EF4-FFF2-40B4-BE49-F238E27FC236}">
+                <a16:creationId xmlns:a16="http://schemas.microsoft.com/office/drawing/2014/main" id="{AA4727A0-66F4-D347-C076-66D6DCF475F9}"/>
+              </a:ext>
+            </a:extLst>
+          </p:cNvPr>
+          <p:cNvSpPr txBox="1"/>
+          <p:nvPr/>
+        </p:nvSpPr>
+        <p:spPr>
+          <a:xfrm>
+            <a:off x="299656" y="74305"/>
+            <a:ext cx="11064439" cy="461665"/>
+          </a:xfrm>
+          <a:prstGeom prst="rect">
+            <a:avLst/>
+          </a:prstGeom>
+          <a:noFill/>
+        </p:spPr>
+        <p:txBody>
+          <a:bodyPr wrap="none" rtlCol="0">
+            <a:spAutoFit/>
+          </a:bodyPr>
+          <a:lstStyle/>
+          <a:p>
+            <a:r>
+              <a:rPr lang="en-US" sz="2400" dirty="0"/>
+              <a:t>Financial Analyst Agent performing computations (task) and sending an Email out (task)</a:t>
+            </a:r>
+          </a:p>
+        </p:txBody>
+      </p:sp>
+      <p:sp>
+        <p:nvSpPr>
+          <p:cNvPr id="18" name="TextBox 17">
+            <a:extLst>
+              <a:ext uri="{FF2B5EF4-FFF2-40B4-BE49-F238E27FC236}">
+                <a16:creationId xmlns:a16="http://schemas.microsoft.com/office/drawing/2014/main" id="{3DB41689-400B-90E4-1AC3-8EC2A485E1D0}"/>
+              </a:ext>
+            </a:extLst>
+          </p:cNvPr>
+          <p:cNvSpPr txBox="1"/>
+          <p:nvPr/>
+        </p:nvSpPr>
+        <p:spPr>
+          <a:xfrm>
+            <a:off x="260756" y="711374"/>
+            <a:ext cx="2495298" cy="369332"/>
+          </a:xfrm>
+          <a:prstGeom prst="rect">
+            <a:avLst/>
+          </a:prstGeom>
+          <a:noFill/>
+        </p:spPr>
+        <p:txBody>
+          <a:bodyPr wrap="none" rtlCol="0">
+            <a:spAutoFit/>
+          </a:bodyPr>
+          <a:lstStyle/>
+          <a:p>
+            <a:r>
+              <a:rPr lang="en-US" dirty="0"/>
+              <a:t>Input Prompt/Question: </a:t>
+            </a:r>
+          </a:p>
+        </p:txBody>
+      </p:sp>
+      <p:sp>
+        <p:nvSpPr>
+          <p:cNvPr id="19" name="TextBox 18">
+            <a:extLst>
+              <a:ext uri="{FF2B5EF4-FFF2-40B4-BE49-F238E27FC236}">
+                <a16:creationId xmlns:a16="http://schemas.microsoft.com/office/drawing/2014/main" id="{6B19E0A5-E0FF-FCCA-B12F-E6B8D63F5FE3}"/>
+              </a:ext>
+            </a:extLst>
+          </p:cNvPr>
+          <p:cNvSpPr txBox="1"/>
+          <p:nvPr/>
+        </p:nvSpPr>
+        <p:spPr>
+          <a:xfrm>
+            <a:off x="260756" y="2474576"/>
+            <a:ext cx="1868588" cy="369332"/>
+          </a:xfrm>
+          <a:prstGeom prst="rect">
+            <a:avLst/>
+          </a:prstGeom>
+          <a:noFill/>
+        </p:spPr>
+        <p:txBody>
+          <a:bodyPr wrap="none" rtlCol="0">
+            <a:spAutoFit/>
+          </a:bodyPr>
+          <a:lstStyle/>
+          <a:p>
+            <a:r>
+              <a:rPr lang="en-US" dirty="0"/>
+              <a:t>Output Response:</a:t>
+            </a:r>
+          </a:p>
+        </p:txBody>
+      </p:sp>
+      <p:pic>
+        <p:nvPicPr>
+          <p:cNvPr id="2" name="Picture 1">
+            <a:extLst>
+              <a:ext uri="{FF2B5EF4-FFF2-40B4-BE49-F238E27FC236}">
+                <a16:creationId xmlns:a16="http://schemas.microsoft.com/office/drawing/2014/main" id="{D4A95371-6CB9-62A9-6AF7-49CB7E7967A9}"/>
+              </a:ext>
+            </a:extLst>
+          </p:cNvPr>
+          <p:cNvPicPr>
+            <a:picLocks noChangeAspect="1"/>
+          </p:cNvPicPr>
+          <p:nvPr/>
+        </p:nvPicPr>
+        <p:blipFill>
+          <a:blip r:embed="rId2"/>
+          <a:stretch>
+            <a:fillRect/>
+          </a:stretch>
+        </p:blipFill>
+        <p:spPr>
+          <a:xfrm>
+            <a:off x="7526612" y="619510"/>
+            <a:ext cx="4197858" cy="6022086"/>
+          </a:xfrm>
+          <a:prstGeom prst="rect">
+            <a:avLst/>
+          </a:prstGeom>
+        </p:spPr>
+      </p:pic>
+      <p:cxnSp>
+        <p:nvCxnSpPr>
+          <p:cNvPr id="5" name="Straight Connector 4">
+            <a:extLst>
+              <a:ext uri="{FF2B5EF4-FFF2-40B4-BE49-F238E27FC236}">
+                <a16:creationId xmlns:a16="http://schemas.microsoft.com/office/drawing/2014/main" id="{DC6EA80C-621B-9B9C-8FE4-EFB5317E3F3D}"/>
+              </a:ext>
+            </a:extLst>
+          </p:cNvPr>
+          <p:cNvCxnSpPr>
+            <a:cxnSpLocks/>
+          </p:cNvCxnSpPr>
+          <p:nvPr/>
+        </p:nvCxnSpPr>
+        <p:spPr>
+          <a:xfrm>
+            <a:off x="7282542" y="1024934"/>
+            <a:ext cx="0" cy="5211238"/>
+          </a:xfrm>
+          <a:prstGeom prst="line">
+            <a:avLst/>
+          </a:prstGeom>
+        </p:spPr>
+        <p:style>
+          <a:lnRef idx="1">
+            <a:schemeClr val="accent1"/>
+          </a:lnRef>
+          <a:fillRef idx="0">
+            <a:schemeClr val="accent1"/>
+          </a:fillRef>
+          <a:effectRef idx="0">
+            <a:schemeClr val="accent1"/>
+          </a:effectRef>
+          <a:fontRef idx="minor">
+            <a:schemeClr val="tx1"/>
+          </a:fontRef>
+        </p:style>
+      </p:cxnSp>
+    </p:spTree>
+    <p:extLst>
+      <p:ext uri="{BB962C8B-B14F-4D97-AF65-F5344CB8AC3E}">
+        <p14:creationId xmlns:p14="http://schemas.microsoft.com/office/powerpoint/2010/main" val="635487785"/>
+      </p:ext>
+    </p:extLst>
+  </p:cSld>
+  <p:clrMapOvr>
+    <a:masterClrMapping/>
+  </p:clrMapOvr>
+</p:sld>
+</file>
+
+<file path=ppt/slides/slide17.xml><?xml version="1.0" encoding="utf-8"?>
+<p:sld xmlns:a="http://schemas.openxmlformats.org/drawingml/2006/main" xmlns:r="http://schemas.openxmlformats.org/officeDocument/2006/relationships" xmlns:p="http://schemas.openxmlformats.org/presentationml/2006/main">
+  <p:cSld>
+    <p:spTree>
+      <p:nvGrpSpPr>
+        <p:cNvPr id="1" name=""/>
+        <p:cNvGrpSpPr/>
+        <p:nvPr/>
+      </p:nvGrpSpPr>
+      <p:grpSpPr>
+        <a:xfrm>
+          <a:off x="0" y="0"/>
+          <a:ext cx="0" cy="0"/>
+          <a:chOff x="0" y="0"/>
+          <a:chExt cx="0" cy="0"/>
+        </a:xfrm>
+      </p:grpSpPr>
+      <p:pic>
+        <p:nvPicPr>
+          <p:cNvPr id="5" name="Picture 4">
+            <a:extLst>
+              <a:ext uri="{FF2B5EF4-FFF2-40B4-BE49-F238E27FC236}">
+                <a16:creationId xmlns:a16="http://schemas.microsoft.com/office/drawing/2014/main" id="{5C59AD1E-D2C4-BD7B-D8B5-CBB71D8A6CBA}"/>
+              </a:ext>
+            </a:extLst>
+          </p:cNvPr>
+          <p:cNvPicPr>
+            <a:picLocks noChangeAspect="1"/>
+          </p:cNvPicPr>
+          <p:nvPr/>
+        </p:nvPicPr>
+        <p:blipFill>
+          <a:blip r:embed="rId2"/>
+          <a:stretch>
+            <a:fillRect/>
+          </a:stretch>
+        </p:blipFill>
+        <p:spPr>
+          <a:xfrm>
+            <a:off x="2111831" y="0"/>
+            <a:ext cx="7324725" cy="2895600"/>
+          </a:xfrm>
+          <a:prstGeom prst="rect">
+            <a:avLst/>
+          </a:prstGeom>
+        </p:spPr>
+      </p:pic>
+      <p:pic>
+        <p:nvPicPr>
+          <p:cNvPr id="6" name="Picture 5">
+            <a:extLst>
+              <a:ext uri="{FF2B5EF4-FFF2-40B4-BE49-F238E27FC236}">
+                <a16:creationId xmlns:a16="http://schemas.microsoft.com/office/drawing/2014/main" id="{1C854B72-0F7C-D986-04A3-3D7F95AB7A46}"/>
+              </a:ext>
+            </a:extLst>
+          </p:cNvPr>
+          <p:cNvPicPr>
+            <a:picLocks noChangeAspect="1"/>
+          </p:cNvPicPr>
+          <p:nvPr/>
+        </p:nvPicPr>
+        <p:blipFill>
+          <a:blip r:embed="rId3"/>
+          <a:stretch>
+            <a:fillRect/>
+          </a:stretch>
+        </p:blipFill>
+        <p:spPr>
+          <a:xfrm>
+            <a:off x="2471057" y="2800343"/>
+            <a:ext cx="6877050" cy="3867150"/>
+          </a:xfrm>
+          <a:prstGeom prst="rect">
+            <a:avLst/>
+          </a:prstGeom>
+        </p:spPr>
+      </p:pic>
+    </p:spTree>
+    <p:extLst>
+      <p:ext uri="{BB962C8B-B14F-4D97-AF65-F5344CB8AC3E}">
+        <p14:creationId xmlns:p14="http://schemas.microsoft.com/office/powerpoint/2010/main" val="875988236"/>
+      </p:ext>
+    </p:extLst>
+  </p:cSld>
+  <p:clrMapOvr>
+    <a:masterClrMapping/>
+  </p:clrMapOvr>
+</p:sld>
+</file>
+
+<file path=ppt/slides/slide2.xml><?xml version="1.0" encoding="utf-8"?>
+<p:sld xmlns:a="http://schemas.openxmlformats.org/drawingml/2006/main" xmlns:r="http://schemas.openxmlformats.org/officeDocument/2006/relationships" xmlns:p="http://schemas.openxmlformats.org/presentationml/2006/main">
+  <p:cSld>
+    <p:spTree>
+      <p:nvGrpSpPr>
+        <p:cNvPr id="1" name=""/>
+        <p:cNvGrpSpPr/>
+        <p:nvPr/>
+      </p:nvGrpSpPr>
+      <p:grpSpPr>
+        <a:xfrm>
+          <a:off x="0" y="0"/>
+          <a:ext cx="0" cy="0"/>
+          <a:chOff x="0" y="0"/>
+          <a:chExt cx="0" cy="0"/>
+        </a:xfrm>
+      </p:grpSpPr>
+      <p:cxnSp>
+        <p:nvCxnSpPr>
+          <p:cNvPr id="2" name="Straight Connector 1">
+            <a:extLst>
+              <a:ext uri="{FF2B5EF4-FFF2-40B4-BE49-F238E27FC236}">
+                <a16:creationId xmlns:a16="http://schemas.microsoft.com/office/drawing/2014/main" id="{0FA0E13F-BE44-345C-22A6-FFBA25178E97}"/>
+              </a:ext>
+            </a:extLst>
+          </p:cNvPr>
+          <p:cNvCxnSpPr/>
+          <p:nvPr/>
+        </p:nvCxnSpPr>
+        <p:spPr>
+          <a:xfrm>
+            <a:off x="426118" y="531724"/>
+            <a:ext cx="11759381" cy="0"/>
+          </a:xfrm>
+          <a:prstGeom prst="line">
+            <a:avLst/>
+          </a:prstGeom>
+        </p:spPr>
+        <p:style>
+          <a:lnRef idx="3">
+            <a:schemeClr val="accent5"/>
+          </a:lnRef>
+          <a:fillRef idx="0">
+            <a:schemeClr val="accent5"/>
+          </a:fillRef>
+          <a:effectRef idx="2">
+            <a:schemeClr val="accent5"/>
+          </a:effectRef>
+          <a:fontRef idx="minor">
+            <a:schemeClr val="tx1"/>
+          </a:fontRef>
+        </p:style>
+      </p:cxnSp>
+      <p:sp>
+        <p:nvSpPr>
+          <p:cNvPr id="5" name="TextBox 4">
+            <a:extLst>
+              <a:ext uri="{FF2B5EF4-FFF2-40B4-BE49-F238E27FC236}">
+                <a16:creationId xmlns:a16="http://schemas.microsoft.com/office/drawing/2014/main" id="{1D878458-7BE8-B723-5D85-994E2F5E0118}"/>
+              </a:ext>
+            </a:extLst>
+          </p:cNvPr>
+          <p:cNvSpPr txBox="1"/>
+          <p:nvPr/>
+        </p:nvSpPr>
+        <p:spPr>
+          <a:xfrm>
+            <a:off x="293153" y="60229"/>
+            <a:ext cx="1129476" cy="461665"/>
+          </a:xfrm>
+          <a:prstGeom prst="rect">
+            <a:avLst/>
+          </a:prstGeom>
+          <a:noFill/>
+        </p:spPr>
+        <p:txBody>
+          <a:bodyPr wrap="none" rtlCol="0">
+            <a:spAutoFit/>
+          </a:bodyPr>
+          <a:lstStyle/>
+          <a:p>
+            <a:r>
+              <a:rPr lang="en-US" sz="2400" dirty="0"/>
+              <a:t>Agenda</a:t>
+            </a:r>
+          </a:p>
+        </p:txBody>
+      </p:sp>
+      <p:sp>
+        <p:nvSpPr>
+          <p:cNvPr id="6" name="TextBox 5">
+            <a:extLst>
+              <a:ext uri="{FF2B5EF4-FFF2-40B4-BE49-F238E27FC236}">
+                <a16:creationId xmlns:a16="http://schemas.microsoft.com/office/drawing/2014/main" id="{86B1C306-DD57-195B-DBB3-750E2997978A}"/>
+              </a:ext>
+            </a:extLst>
+          </p:cNvPr>
+          <p:cNvSpPr txBox="1"/>
+          <p:nvPr/>
+        </p:nvSpPr>
+        <p:spPr>
+          <a:xfrm>
+            <a:off x="772885" y="881743"/>
+            <a:ext cx="5802085" cy="4204356"/>
+          </a:xfrm>
+          <a:prstGeom prst="rect">
+            <a:avLst/>
+          </a:prstGeom>
+          <a:noFill/>
+        </p:spPr>
+        <p:txBody>
+          <a:bodyPr wrap="square" rtlCol="0">
+            <a:spAutoFit/>
+          </a:bodyPr>
+          <a:lstStyle/>
+          <a:p>
+            <a:pPr marL="285750" indent="-285750">
+              <a:lnSpc>
+                <a:spcPct val="150000"/>
+              </a:lnSpc>
+              <a:buFont typeface="Arial" panose="020B0604020202020204" pitchFamily="34" charset="0"/>
+              <a:buChar char="•"/>
+            </a:pPr>
+            <a:r>
+              <a:rPr lang="en-US" dirty="0"/>
+              <a:t>What is Agentic AI</a:t>
+            </a:r>
+          </a:p>
+          <a:p>
+            <a:pPr marL="285750" indent="-285750">
+              <a:lnSpc>
+                <a:spcPct val="150000"/>
+              </a:lnSpc>
+              <a:buFont typeface="Arial" panose="020B0604020202020204" pitchFamily="34" charset="0"/>
+              <a:buChar char="•"/>
+            </a:pPr>
+            <a:r>
+              <a:rPr lang="en-US" dirty="0"/>
+              <a:t>OpenAI Agents SDK</a:t>
+            </a:r>
+          </a:p>
+          <a:p>
+            <a:pPr marL="285750" indent="-285750">
+              <a:lnSpc>
+                <a:spcPct val="150000"/>
+              </a:lnSpc>
+              <a:buFont typeface="Arial" panose="020B0604020202020204" pitchFamily="34" charset="0"/>
+              <a:buChar char="•"/>
+            </a:pPr>
+            <a:r>
+              <a:rPr lang="en-US" dirty="0"/>
+              <a:t>Auto Ai Trader Organization</a:t>
+            </a:r>
+          </a:p>
+          <a:p>
+            <a:pPr marL="285750" indent="-285750">
+              <a:lnSpc>
+                <a:spcPct val="150000"/>
+              </a:lnSpc>
+              <a:buFont typeface="Arial" panose="020B0604020202020204" pitchFamily="34" charset="0"/>
+              <a:buChar char="•"/>
+            </a:pPr>
+            <a:r>
+              <a:rPr lang="en-US" dirty="0"/>
+              <a:t>Demo</a:t>
+            </a:r>
+          </a:p>
+          <a:p>
+            <a:pPr marL="742950" lvl="1" indent="-285750">
+              <a:lnSpc>
+                <a:spcPct val="150000"/>
+              </a:lnSpc>
+              <a:buFont typeface="Arial" panose="020B0604020202020204" pitchFamily="34" charset="0"/>
+              <a:buChar char="•"/>
+            </a:pPr>
+            <a:r>
+              <a:rPr lang="en-US" dirty="0"/>
+              <a:t>Functionality</a:t>
+            </a:r>
+          </a:p>
+          <a:p>
+            <a:pPr marL="742950" lvl="1" indent="-285750">
+              <a:lnSpc>
+                <a:spcPct val="150000"/>
+              </a:lnSpc>
+              <a:buFont typeface="Arial" panose="020B0604020202020204" pitchFamily="34" charset="0"/>
+              <a:buChar char="•"/>
+            </a:pPr>
+            <a:r>
+              <a:rPr lang="en-US" dirty="0"/>
+              <a:t>OpenAI SDK – Agent Orchestration</a:t>
+            </a:r>
+          </a:p>
+          <a:p>
+            <a:pPr marL="742950" lvl="1" indent="-285750">
+              <a:lnSpc>
+                <a:spcPct val="150000"/>
+              </a:lnSpc>
+              <a:buFont typeface="Arial" panose="020B0604020202020204" pitchFamily="34" charset="0"/>
+              <a:buChar char="•"/>
+            </a:pPr>
+            <a:r>
+              <a:rPr lang="en-US" dirty="0"/>
+              <a:t>Cost Breakdown</a:t>
+            </a:r>
+          </a:p>
+          <a:p>
+            <a:pPr marL="285750" indent="-285750">
+              <a:lnSpc>
+                <a:spcPct val="150000"/>
+              </a:lnSpc>
+              <a:buFont typeface="Arial" panose="020B0604020202020204" pitchFamily="34" charset="0"/>
+              <a:buChar char="•"/>
+            </a:pPr>
+            <a:r>
+              <a:rPr lang="en-US" dirty="0"/>
+              <a:t>Conclusion </a:t>
+            </a:r>
+          </a:p>
+          <a:p>
+            <a:pPr marL="285750" indent="-285750">
+              <a:lnSpc>
+                <a:spcPct val="150000"/>
+              </a:lnSpc>
+              <a:buFont typeface="Arial" panose="020B0604020202020204" pitchFamily="34" charset="0"/>
+              <a:buChar char="•"/>
+            </a:pPr>
+            <a:r>
+              <a:rPr lang="en-US" dirty="0"/>
+              <a:t>What’s Next</a:t>
+            </a:r>
+          </a:p>
+          <a:p>
+            <a:pPr marL="742950" lvl="1" indent="-285750">
+              <a:lnSpc>
+                <a:spcPct val="150000"/>
+              </a:lnSpc>
+              <a:buFont typeface="Arial" panose="020B0604020202020204" pitchFamily="34" charset="0"/>
+              <a:buChar char="•"/>
+            </a:pPr>
+            <a:endParaRPr lang="en-US" dirty="0"/>
+          </a:p>
+        </p:txBody>
+      </p:sp>
+    </p:spTree>
+    <p:extLst>
+      <p:ext uri="{BB962C8B-B14F-4D97-AF65-F5344CB8AC3E}">
+        <p14:creationId xmlns:p14="http://schemas.microsoft.com/office/powerpoint/2010/main" val="1294113174"/>
+      </p:ext>
+    </p:extLst>
+  </p:cSld>
+  <p:clrMapOvr>
+    <a:masterClrMapping/>
+  </p:clrMapOvr>
+</p:sld>
+</file>
+
 <file path=ppt/slides/slide3.xml><?xml version="1.0" encoding="utf-8"?>
 <p:sld xmlns:a="http://schemas.openxmlformats.org/drawingml/2006/main" xmlns:r="http://schemas.openxmlformats.org/officeDocument/2006/relationships" xmlns:p="http://schemas.openxmlformats.org/presentationml/2006/main">
   <p:cSld>
@@ -6784,7 +7187,7 @@
         </p:nvSpPr>
         <p:spPr>
           <a:xfrm>
-            <a:off x="299655" y="113632"/>
+            <a:off x="299655" y="113634"/>
             <a:ext cx="2455800" cy="461665"/>
           </a:xfrm>
           <a:prstGeom prst="rect">
@@ -6805,163 +7208,6 @@
           </a:p>
         </p:txBody>
       </p:sp>
-      <p:sp>
-        <p:nvSpPr>
-          <p:cNvPr id="7" name="TextBox 6">
-            <a:extLst>
-              <a:ext uri="{FF2B5EF4-FFF2-40B4-BE49-F238E27FC236}">
-                <a16:creationId xmlns:a16="http://schemas.microsoft.com/office/drawing/2014/main" id="{FDAED010-0171-A31C-CD7E-A7655BE25A90}"/>
-              </a:ext>
-            </a:extLst>
-          </p:cNvPr>
-          <p:cNvSpPr txBox="1"/>
-          <p:nvPr/>
-        </p:nvSpPr>
-        <p:spPr>
-          <a:xfrm>
-            <a:off x="299655" y="859545"/>
-            <a:ext cx="5511210" cy="3323987"/>
-          </a:xfrm>
-          <a:prstGeom prst="rect">
-            <a:avLst/>
-          </a:prstGeom>
-          <a:noFill/>
-        </p:spPr>
-        <p:txBody>
-          <a:bodyPr wrap="square">
-            <a:spAutoFit/>
-          </a:bodyPr>
-          <a:lstStyle/>
-          <a:p>
-            <a:r>
-              <a:rPr lang="en-US" sz="1400" dirty="0"/>
-              <a:t>Agentic AI refers to </a:t>
-            </a:r>
-            <a:r>
-              <a:rPr lang="en-US" sz="1400" b="1" dirty="0"/>
-              <a:t>AI systems that operate autonomously</a:t>
-            </a:r>
-            <a:r>
-              <a:rPr lang="en-US" sz="1400" dirty="0"/>
-              <a:t>, executing multi-step tasks, making decisions, and adapting dynamically with minimal human oversight.</a:t>
-            </a:r>
-          </a:p>
-          <a:p>
-            <a:endParaRPr lang="en-US" sz="1400" dirty="0"/>
-          </a:p>
-          <a:p>
-            <a:endParaRPr lang="en-US" sz="1400" dirty="0"/>
-          </a:p>
-          <a:p>
-            <a:r>
-              <a:rPr lang="en-US" sz="1400" b="1" dirty="0"/>
-              <a:t>How to Understand Agentic AI?</a:t>
-            </a:r>
-          </a:p>
-          <a:p>
-            <a:pPr marL="285750" indent="-285750">
-              <a:buFont typeface="Arial" panose="020B0604020202020204" pitchFamily="34" charset="0"/>
-              <a:buChar char="•"/>
-            </a:pPr>
-            <a:r>
-              <a:rPr lang="en-US" sz="1400" dirty="0"/>
-              <a:t>Moves beyond static responses to </a:t>
-            </a:r>
-            <a:r>
-              <a:rPr lang="en-US" sz="1400" b="1" dirty="0"/>
-              <a:t>goal-driven</a:t>
-            </a:r>
-            <a:r>
-              <a:rPr lang="en-US" sz="1400" dirty="0"/>
-              <a:t> behavior.</a:t>
-            </a:r>
-          </a:p>
-          <a:p>
-            <a:pPr marL="285750" indent="-285750">
-              <a:buFont typeface="Arial" panose="020B0604020202020204" pitchFamily="34" charset="0"/>
-              <a:buChar char="•"/>
-            </a:pPr>
-            <a:r>
-              <a:rPr lang="en-US" sz="1400" dirty="0"/>
-              <a:t>Uses </a:t>
-            </a:r>
-            <a:r>
-              <a:rPr lang="en-US" sz="1400" b="1" dirty="0"/>
-              <a:t>memory, planning, and reasoning</a:t>
-            </a:r>
-            <a:r>
-              <a:rPr lang="en-US" sz="1400" dirty="0"/>
-              <a:t> to complete objectives.</a:t>
-            </a:r>
-          </a:p>
-          <a:p>
-            <a:pPr marL="285750" indent="-285750">
-              <a:buFont typeface="Arial" panose="020B0604020202020204" pitchFamily="34" charset="0"/>
-              <a:buChar char="•"/>
-            </a:pPr>
-            <a:r>
-              <a:rPr lang="en-US" sz="1400" dirty="0"/>
-              <a:t>Think of it as an </a:t>
-            </a:r>
-            <a:r>
-              <a:rPr lang="en-US" sz="1400" b="1" dirty="0"/>
-              <a:t>AI assistant that can take actions</a:t>
-            </a:r>
-            <a:r>
-              <a:rPr lang="en-US" sz="1400" dirty="0"/>
-              <a:t> rather than just providing answers.</a:t>
-            </a:r>
-          </a:p>
-          <a:p>
-            <a:endParaRPr lang="en-US" sz="1400" b="1" dirty="0"/>
-          </a:p>
-          <a:p>
-            <a:endParaRPr lang="en-US" sz="1400" b="1" dirty="0"/>
-          </a:p>
-          <a:p>
-            <a:r>
-              <a:rPr lang="en-US" sz="1400" b="1" dirty="0"/>
-              <a:t>Purpose of Agentic AI</a:t>
-            </a:r>
-          </a:p>
-          <a:p>
-            <a:pPr marL="285750" indent="-285750">
-              <a:buFont typeface="Arial" panose="020B0604020202020204" pitchFamily="34" charset="0"/>
-              <a:buChar char="•"/>
-            </a:pPr>
-            <a:r>
-              <a:rPr lang="en-US" sz="1400" dirty="0"/>
-              <a:t>Enable AI to </a:t>
-            </a:r>
-            <a:r>
-              <a:rPr lang="en-US" sz="1400" b="1" dirty="0"/>
-              <a:t>act on its own</a:t>
-            </a:r>
-            <a:r>
-              <a:rPr lang="en-US" sz="1400" dirty="0"/>
-              <a:t>, reducing manual effort.</a:t>
-            </a:r>
-          </a:p>
-          <a:p>
-            <a:pPr marL="285750" indent="-285750">
-              <a:buFont typeface="Arial" panose="020B0604020202020204" pitchFamily="34" charset="0"/>
-              <a:buChar char="•"/>
-            </a:pPr>
-            <a:r>
-              <a:rPr lang="en-US" sz="1400" dirty="0"/>
-              <a:t>Allow for </a:t>
-            </a:r>
-            <a:r>
-              <a:rPr lang="en-US" sz="1400" b="1" dirty="0"/>
-              <a:t>long-term decision-making</a:t>
-            </a:r>
-            <a:r>
-              <a:rPr lang="en-US" sz="1400" dirty="0"/>
-              <a:t> and self-improvement.</a:t>
-            </a:r>
-          </a:p>
-        </p:txBody>
-      </p:sp>
       <p:cxnSp>
         <p:nvCxnSpPr>
           <p:cNvPr id="9" name="Straight Connector 8">
@@ -6976,7 +7222,7 @@
         </p:nvCxnSpPr>
         <p:spPr>
           <a:xfrm>
-            <a:off x="6076335" y="1519138"/>
+            <a:off x="6264694" y="1519138"/>
             <a:ext cx="0" cy="3819723"/>
           </a:xfrm>
           <a:prstGeom prst="line">
@@ -6998,132 +7244,6 @@
           </a:fontRef>
         </p:style>
       </p:cxnSp>
-      <p:sp>
-        <p:nvSpPr>
-          <p:cNvPr id="10" name="TextBox 9">
-            <a:extLst>
-              <a:ext uri="{FF2B5EF4-FFF2-40B4-BE49-F238E27FC236}">
-                <a16:creationId xmlns:a16="http://schemas.microsoft.com/office/drawing/2014/main" id="{7A4DFDC2-670F-0473-4550-F499A6E81444}"/>
-              </a:ext>
-            </a:extLst>
-          </p:cNvPr>
-          <p:cNvSpPr txBox="1"/>
-          <p:nvPr/>
-        </p:nvSpPr>
-        <p:spPr>
-          <a:xfrm>
-            <a:off x="10956107" y="-1086697"/>
-            <a:ext cx="4085532" cy="2862322"/>
-          </a:xfrm>
-          <a:prstGeom prst="rect">
-            <a:avLst/>
-          </a:prstGeom>
-          <a:noFill/>
-        </p:spPr>
-        <p:txBody>
-          <a:bodyPr wrap="square">
-            <a:spAutoFit/>
-          </a:bodyPr>
-          <a:lstStyle/>
-          <a:p>
-            <a:pPr algn="ctr"/>
-            <a:r>
-              <a:rPr lang="en-US" i="1" dirty="0">
-                <a:solidFill>
-                  <a:srgbClr val="0070C0"/>
-                </a:solidFill>
-              </a:rPr>
-              <a:t>“Agentic AI acts as an </a:t>
-            </a:r>
-            <a:r>
-              <a:rPr lang="en-US" b="1" i="1" dirty="0">
-                <a:solidFill>
-                  <a:srgbClr val="0070C0"/>
-                </a:solidFill>
-              </a:rPr>
-              <a:t>executor of tasks </a:t>
-            </a:r>
-            <a:r>
-              <a:rPr lang="en-US" i="1" dirty="0">
-                <a:solidFill>
-                  <a:srgbClr val="0070C0"/>
-                </a:solidFill>
-              </a:rPr>
-              <a:t>based on given instructions, capable of orchestrating multiple tasks efficiently. </a:t>
-            </a:r>
-          </a:p>
-          <a:p>
-            <a:pPr algn="ctr"/>
-            <a:endParaRPr lang="en-US" i="1" dirty="0">
-              <a:solidFill>
-                <a:srgbClr val="0070C0"/>
-              </a:solidFill>
-            </a:endParaRPr>
-          </a:p>
-          <a:p>
-            <a:pPr algn="ctr"/>
-            <a:r>
-              <a:rPr lang="en-US" i="1" dirty="0">
-                <a:solidFill>
-                  <a:srgbClr val="0070C0"/>
-                </a:solidFill>
-              </a:rPr>
-              <a:t>It serves as an </a:t>
-            </a:r>
-            <a:r>
-              <a:rPr lang="en-US" b="1" i="1" dirty="0">
-                <a:solidFill>
-                  <a:srgbClr val="0070C0"/>
-                </a:solidFill>
-              </a:rPr>
-              <a:t>accelerator</a:t>
-            </a:r>
-            <a:r>
-              <a:rPr lang="en-US" i="1" dirty="0">
-                <a:solidFill>
-                  <a:srgbClr val="0070C0"/>
-                </a:solidFill>
-              </a:rPr>
-              <a:t>, streamlining processes while </a:t>
-            </a:r>
-            <a:r>
-              <a:rPr lang="en-US" b="1" i="1" dirty="0">
-                <a:solidFill>
-                  <a:srgbClr val="0070C0"/>
-                </a:solidFill>
-              </a:rPr>
-              <a:t>still requiring human oversight </a:t>
-            </a:r>
-            <a:r>
-              <a:rPr lang="en-US" i="1" dirty="0">
-                <a:solidFill>
-                  <a:srgbClr val="0070C0"/>
-                </a:solidFill>
-              </a:rPr>
-              <a:t>for guidance and validation of outputs.”</a:t>
-            </a:r>
-          </a:p>
-          <a:p>
-            <a:pPr algn="r"/>
-            <a:endParaRPr lang="en-US" i="1" dirty="0">
-              <a:solidFill>
-                <a:srgbClr val="0070C0"/>
-              </a:solidFill>
-            </a:endParaRPr>
-          </a:p>
-          <a:p>
-            <a:pPr algn="r"/>
-            <a:r>
-              <a:rPr lang="en-US" i="1" dirty="0">
-                <a:solidFill>
-                  <a:srgbClr val="0070C0"/>
-                </a:solidFill>
-              </a:rPr>
-              <a:t>Vasudevan Seshadri</a:t>
-            </a:r>
-          </a:p>
-        </p:txBody>
-      </p:sp>
       <p:cxnSp>
         <p:nvCxnSpPr>
           <p:cNvPr id="11" name="Straight Connector 10">
@@ -7138,7 +7258,7 @@
         </p:nvCxnSpPr>
         <p:spPr>
           <a:xfrm>
-            <a:off x="432619" y="585129"/>
+            <a:off x="432620" y="585129"/>
             <a:ext cx="11759381" cy="0"/>
           </a:xfrm>
           <a:prstGeom prst="line">
@@ -7174,8 +7294,8 @@
         </p:nvSpPr>
         <p:spPr>
           <a:xfrm>
-            <a:off x="6453052" y="858599"/>
-            <a:ext cx="5405708" cy="5478423"/>
+            <a:off x="6486637" y="979024"/>
+            <a:ext cx="5405708" cy="4770537"/>
           </a:xfrm>
           <a:prstGeom prst="rect">
             <a:avLst/>
@@ -7186,196 +7306,309 @@
           <a:bodyPr wrap="square">
             <a:spAutoFit/>
           </a:bodyPr>
-          <a:lstStyle/>
-          <a:p>
-            <a:r>
-              <a:rPr lang="en-US" sz="1400" dirty="0"/>
-              <a:t>In March 2025, </a:t>
-            </a:r>
-            <a:r>
-              <a:rPr lang="en-US" sz="1400" b="1" dirty="0"/>
-              <a:t>OpenAI</a:t>
-            </a:r>
-            <a:r>
-              <a:rPr lang="en-US" sz="1400" dirty="0"/>
-              <a:t> introduced the Agents SDK, an open-source python framework designed to enhance AI agents with tools and capabilities for autonomous task execution.</a:t>
-            </a:r>
-          </a:p>
-          <a:p>
-            <a:endParaRPr lang="en-US" sz="1400" b="1" dirty="0"/>
-          </a:p>
-          <a:p>
-            <a:r>
-              <a:rPr lang="en-US" sz="1400" b="1" dirty="0"/>
-              <a:t>What are tools?</a:t>
-            </a:r>
-            <a:r>
-              <a:rPr lang="en-US" sz="1400" dirty="0"/>
-              <a:t> </a:t>
-            </a:r>
-          </a:p>
-          <a:p>
-            <a:r>
-              <a:rPr lang="en-US" sz="1400" dirty="0"/>
+          <a:lstStyle>
+            <a:defPPr>
+              <a:defRPr lang="en-US"/>
+            </a:defPPr>
+            <a:lvl1pPr>
+              <a:defRPr b="0" i="0">
+                <a:solidFill>
+                  <a:srgbClr val="242424"/>
+                </a:solidFill>
+                <a:effectLst/>
+                <a:latin typeface="source-serif-pro"/>
+              </a:defRPr>
+            </a:lvl1pPr>
+          </a:lstStyle>
+          <a:p>
+            <a:r>
+              <a:rPr lang="en-US" sz="1600" dirty="0"/>
               <a:t>In </a:t>
             </a:r>
             <a:r>
-              <a:rPr lang="en-US" sz="1400" b="1" dirty="0"/>
-              <a:t>Agentic AI</a:t>
-            </a:r>
-            <a:r>
-              <a:rPr lang="en-US" sz="1400" dirty="0"/>
-              <a:t>, a </a:t>
-            </a:r>
-            <a:r>
-              <a:rPr lang="en-US" sz="1400" b="1" dirty="0"/>
-              <a:t>tool</a:t>
-            </a:r>
-            <a:r>
-              <a:rPr lang="en-US" sz="1400" dirty="0"/>
-              <a:t> refers to an external capability or function that an AI agents can invoke to complete tasks beyond its built-in abilities.</a:t>
-            </a:r>
-          </a:p>
-          <a:p>
-            <a:endParaRPr lang="en-US" sz="1400" dirty="0"/>
-          </a:p>
-          <a:p>
-            <a:r>
-              <a:rPr lang="en-US" sz="1400" b="1" dirty="0"/>
+              <a:rPr lang="en-US" sz="1600" b="1" dirty="0"/>
+              <a:t>March 2025</a:t>
+            </a:r>
+            <a:r>
+              <a:rPr lang="en-US" sz="1600" dirty="0"/>
+              <a:t>, OpenAI introduced the Agents SDK, an open-source python framework designed to enhance AI agents with </a:t>
+            </a:r>
+            <a:r>
+              <a:rPr lang="en-US" sz="1600" b="1" dirty="0"/>
+              <a:t>tools and capabilities </a:t>
+            </a:r>
+            <a:r>
+              <a:rPr lang="en-US" sz="1600" dirty="0"/>
+              <a:t>for autonomous task execution.</a:t>
+            </a:r>
+          </a:p>
+          <a:p>
+            <a:endParaRPr lang="en-US" sz="1600" dirty="0"/>
+          </a:p>
+          <a:p>
+            <a:endParaRPr lang="en-US" sz="1600" dirty="0"/>
+          </a:p>
+          <a:p>
+            <a:r>
+              <a:rPr lang="en-US" sz="1600" b="1" dirty="0"/>
+              <a:t>What are tools? </a:t>
+            </a:r>
+          </a:p>
+          <a:p>
+            <a:r>
+              <a:rPr lang="en-US" sz="1600" dirty="0"/>
+              <a:t>In Agentic AI, a tool refers to an external capability or function that an AI agents can invoke to complete tasks beyond its built-in abilities.</a:t>
+            </a:r>
+          </a:p>
+          <a:p>
+            <a:endParaRPr lang="en-US" sz="1600" dirty="0"/>
+          </a:p>
+          <a:p>
+            <a:r>
+              <a:rPr lang="en-US" sz="1600" dirty="0"/>
               <a:t>What are the new capabilities?</a:t>
             </a:r>
           </a:p>
           <a:p>
-            <a:endParaRPr lang="en-US" sz="1400" dirty="0"/>
-          </a:p>
-          <a:p>
-            <a:pPr marL="800100" lvl="1" indent="-342900">
-              <a:buFont typeface="+mj-lt"/>
-              <a:buAutoNum type="arabicPeriod"/>
+            <a:endParaRPr lang="en-US" sz="1600" dirty="0"/>
+          </a:p>
+          <a:p>
+            <a:pPr marL="742950" lvl="1" indent="-285750">
+              <a:buFont typeface="Arial" panose="020B0604020202020204" pitchFamily="34" charset="0"/>
+              <a:buChar char="•"/>
             </a:pPr>
             <a:r>
-              <a:rPr lang="en-US" sz="1400" b="1" dirty="0"/>
+              <a:rPr lang="en-US" sz="1600" dirty="0"/>
               <a:t>Function Tools</a:t>
             </a:r>
-            <a:r>
-              <a:rPr lang="en-US" sz="1400" dirty="0"/>
-              <a:t> – Allows the agent to execute predefined functions (e.g., fetching stock prices, running calculations).</a:t>
-            </a:r>
-          </a:p>
-          <a:p>
-            <a:pPr marL="800100" lvl="1" indent="-342900">
-              <a:buFont typeface="+mj-lt"/>
-              <a:buAutoNum type="arabicPeriod"/>
+          </a:p>
+          <a:p>
+            <a:pPr marL="742950" lvl="1" indent="-285750">
+              <a:buFont typeface="Arial" panose="020B0604020202020204" pitchFamily="34" charset="0"/>
+              <a:buChar char="•"/>
             </a:pPr>
             <a:r>
-              <a:rPr lang="en-US" sz="1400" b="1" dirty="0"/>
+              <a:rPr lang="en-US" sz="1600" dirty="0"/>
               <a:t>Web Search</a:t>
             </a:r>
-            <a:r>
-              <a:rPr lang="en-US" sz="1400" dirty="0"/>
-              <a:t> – Enables agents to query the internet for real-time information.</a:t>
-            </a:r>
-          </a:p>
-          <a:p>
-            <a:pPr marL="800100" lvl="1" indent="-342900">
-              <a:buFont typeface="+mj-lt"/>
-              <a:buAutoNum type="arabicPeriod"/>
+          </a:p>
+          <a:p>
+            <a:pPr marL="742950" lvl="1" indent="-285750">
+              <a:buFont typeface="Arial" panose="020B0604020202020204" pitchFamily="34" charset="0"/>
+              <a:buChar char="•"/>
             </a:pPr>
             <a:r>
-              <a:rPr lang="en-US" sz="1400" b="1" dirty="0"/>
+              <a:rPr lang="en-US" sz="1600" dirty="0"/>
               <a:t>File Processing</a:t>
             </a:r>
-            <a:r>
-              <a:rPr lang="en-US" sz="1400" dirty="0"/>
-              <a:t> – Reads, writes, and extracts structured data from files (CSV, JSON, PDFs, etc.).</a:t>
-            </a:r>
-          </a:p>
-          <a:p>
-            <a:pPr marL="800100" lvl="1" indent="-342900">
-              <a:buFont typeface="+mj-lt"/>
-              <a:buAutoNum type="arabicPeriod"/>
+          </a:p>
+          <a:p>
+            <a:pPr marL="742950" lvl="1" indent="-285750">
+              <a:buFont typeface="Arial" panose="020B0604020202020204" pitchFamily="34" charset="0"/>
+              <a:buChar char="•"/>
             </a:pPr>
             <a:r>
-              <a:rPr lang="en-US" sz="1400" b="1" dirty="0"/>
-              <a:t>Memory &amp; State Management</a:t>
-            </a:r>
-            <a:r>
-              <a:rPr lang="en-US" sz="1400" dirty="0"/>
-              <a:t> – Maintains context across multiple interactions for continuity.</a:t>
-            </a:r>
-          </a:p>
-          <a:p>
-            <a:pPr marL="800100" lvl="1" indent="-342900">
-              <a:buFont typeface="+mj-lt"/>
-              <a:buAutoNum type="arabicPeriod"/>
+              <a:rPr lang="en-US" sz="1600" dirty="0"/>
+              <a:t>Memory &amp; State Management </a:t>
+            </a:r>
+          </a:p>
+          <a:p>
+            <a:pPr marL="742950" lvl="1" indent="-285750">
+              <a:buFont typeface="Arial" panose="020B0604020202020204" pitchFamily="34" charset="0"/>
+              <a:buChar char="•"/>
             </a:pPr>
             <a:r>
-              <a:rPr lang="en-US" sz="1400" b="1" dirty="0"/>
+              <a:rPr lang="en-US" sz="1600" dirty="0"/>
               <a:t>Data Retrieval</a:t>
             </a:r>
-            <a:r>
-              <a:rPr lang="en-US" sz="1400" dirty="0"/>
-              <a:t> – Queries structured and unstructured data sources (vector databases, SQL, etc.).</a:t>
-            </a:r>
-          </a:p>
-          <a:p>
-            <a:pPr marL="800100" lvl="1" indent="-342900">
-              <a:buFont typeface="+mj-lt"/>
-              <a:buAutoNum type="arabicPeriod"/>
+          </a:p>
+          <a:p>
+            <a:pPr marL="742950" lvl="1" indent="-285750">
+              <a:buFont typeface="Arial" panose="020B0604020202020204" pitchFamily="34" charset="0"/>
+              <a:buChar char="•"/>
             </a:pPr>
             <a:r>
-              <a:rPr lang="en-US" sz="1400" b="1" dirty="0">
+              <a:rPr lang="en-US" sz="1600" dirty="0"/>
+              <a:t>API Integration </a:t>
+            </a:r>
+          </a:p>
+          <a:p>
+            <a:pPr marL="742950" lvl="1" indent="-285750">
+              <a:buFont typeface="Arial" panose="020B0604020202020204" pitchFamily="34" charset="0"/>
+              <a:buChar char="•"/>
+            </a:pPr>
+            <a:r>
+              <a:rPr lang="en-US" sz="1600" dirty="0"/>
+              <a:t>Code Execution</a:t>
+            </a:r>
+          </a:p>
+        </p:txBody>
+      </p:sp>
+      <p:sp>
+        <p:nvSpPr>
+          <p:cNvPr id="6" name="TextBox 5">
+            <a:extLst>
+              <a:ext uri="{FF2B5EF4-FFF2-40B4-BE49-F238E27FC236}">
+                <a16:creationId xmlns:a16="http://schemas.microsoft.com/office/drawing/2014/main" id="{DACC3E74-0D5B-A7C8-3A27-92888C33A610}"/>
+              </a:ext>
+            </a:extLst>
+          </p:cNvPr>
+          <p:cNvSpPr txBox="1"/>
+          <p:nvPr/>
+        </p:nvSpPr>
+        <p:spPr>
+          <a:xfrm>
+            <a:off x="299655" y="930635"/>
+            <a:ext cx="5621243" cy="830997"/>
+          </a:xfrm>
+          <a:prstGeom prst="rect">
+            <a:avLst/>
+          </a:prstGeom>
+          <a:noFill/>
+        </p:spPr>
+        <p:txBody>
+          <a:bodyPr wrap="square">
+            <a:spAutoFit/>
+          </a:bodyPr>
+          <a:lstStyle/>
+          <a:p>
+            <a:r>
+              <a:rPr lang="en-US" sz="1600" b="0" i="0" dirty="0">
                 <a:solidFill>
-                  <a:schemeClr val="tx1">
-                    <a:lumMod val="50000"/>
-                    <a:lumOff val="50000"/>
-                  </a:schemeClr>
+                  <a:srgbClr val="242424"/>
                 </a:solidFill>
+                <a:effectLst/>
+                <a:latin typeface="source-serif-pro"/>
               </a:rPr>
-              <a:t>API Integration</a:t>
-            </a:r>
-            <a:r>
-              <a:rPr lang="en-US" sz="1400" dirty="0">
+              <a:t>Agentic AI refers to autonomous systems that execute multi-step tasks, make real-time decisions, and adapt to changing circumstances with minimal human input.</a:t>
+            </a:r>
+            <a:endParaRPr lang="en-US" sz="1600" dirty="0"/>
+          </a:p>
+        </p:txBody>
+      </p:sp>
+      <p:sp>
+        <p:nvSpPr>
+          <p:cNvPr id="12" name="TextBox 11">
+            <a:extLst>
+              <a:ext uri="{FF2B5EF4-FFF2-40B4-BE49-F238E27FC236}">
+                <a16:creationId xmlns:a16="http://schemas.microsoft.com/office/drawing/2014/main" id="{1EB2E036-5B06-DEA0-4C52-B3578845C13E}"/>
+              </a:ext>
+            </a:extLst>
+          </p:cNvPr>
+          <p:cNvSpPr txBox="1"/>
+          <p:nvPr/>
+        </p:nvSpPr>
+        <p:spPr>
+          <a:xfrm>
+            <a:off x="333240" y="2101705"/>
+            <a:ext cx="5488276" cy="1815882"/>
+          </a:xfrm>
+          <a:prstGeom prst="rect">
+            <a:avLst/>
+          </a:prstGeom>
+          <a:noFill/>
+        </p:spPr>
+        <p:txBody>
+          <a:bodyPr wrap="square">
+            <a:spAutoFit/>
+          </a:bodyPr>
+          <a:lstStyle>
+            <a:defPPr>
+              <a:defRPr lang="en-US"/>
+            </a:defPPr>
+            <a:lvl1pPr>
+              <a:defRPr b="0" i="0">
                 <a:solidFill>
-                  <a:schemeClr val="tx1">
-                    <a:lumMod val="50000"/>
-                    <a:lumOff val="50000"/>
-                  </a:schemeClr>
+                  <a:srgbClr val="242424"/>
                 </a:solidFill>
-              </a:rPr>
-              <a:t> – Connects to external services (e.g., databases, CRM systems, financial services).</a:t>
-            </a:r>
-          </a:p>
-          <a:p>
-            <a:pPr marL="800100" lvl="1" indent="-342900">
-              <a:buFont typeface="+mj-lt"/>
-              <a:buAutoNum type="arabicPeriod"/>
+                <a:effectLst/>
+                <a:latin typeface="source-serif-pro"/>
+              </a:defRPr>
+            </a:lvl1pPr>
+          </a:lstStyle>
+          <a:p>
+            <a:pPr marL="285750" indent="-285750">
+              <a:buFont typeface="Arial" panose="020B0604020202020204" pitchFamily="34" charset="0"/>
+              <a:buChar char="•"/>
             </a:pPr>
             <a:r>
-              <a:rPr lang="en-US" sz="1400" b="1" dirty="0">
-                <a:solidFill>
-                  <a:schemeClr val="tx1">
-                    <a:lumMod val="50000"/>
-                    <a:lumOff val="50000"/>
-                  </a:schemeClr>
-                </a:solidFill>
-              </a:rPr>
-              <a:t>Code Execution</a:t>
-            </a:r>
-            <a:r>
-              <a:rPr lang="en-US" sz="1400" dirty="0">
-                <a:solidFill>
-                  <a:schemeClr val="tx1">
-                    <a:lumMod val="50000"/>
-                    <a:lumOff val="50000"/>
-                  </a:schemeClr>
-                </a:solidFill>
-              </a:rPr>
-              <a:t> – Runs code snippets in Python, JavaScript, etc., to compute or transform data dynamically.</a:t>
-            </a:r>
-          </a:p>
-          <a:p>
-            <a:endParaRPr lang="en-US" sz="1400" dirty="0"/>
+              <a:rPr lang="en-US" sz="1600" dirty="0"/>
+              <a:t>Moves beyond static responses to goal-driven behavior.</a:t>
+            </a:r>
+          </a:p>
+          <a:p>
+            <a:pPr marL="285750" indent="-285750">
+              <a:buFont typeface="Arial" panose="020B0604020202020204" pitchFamily="34" charset="0"/>
+              <a:buChar char="•"/>
+            </a:pPr>
+            <a:r>
+              <a:rPr lang="en-US" sz="1600" dirty="0"/>
+              <a:t>Uses memory, planning, and reasoning to complete objectives.</a:t>
+            </a:r>
+          </a:p>
+          <a:p>
+            <a:endParaRPr lang="en-US" sz="1600" dirty="0"/>
+          </a:p>
+          <a:p>
+            <a:endParaRPr lang="en-US" sz="1600" dirty="0"/>
+          </a:p>
+          <a:p>
+            <a:r>
+              <a:rPr lang="en-US" sz="1600" dirty="0"/>
+              <a:t>Think of it as an AI assistant that </a:t>
+            </a:r>
+            <a:r>
+              <a:rPr lang="en-US" sz="1600" b="1" dirty="0"/>
+              <a:t>can take actions </a:t>
+            </a:r>
+            <a:r>
+              <a:rPr lang="en-US" sz="1600" dirty="0"/>
+              <a:t>rather than just </a:t>
+            </a:r>
+            <a:r>
+              <a:rPr lang="en-US" sz="1600" b="1" dirty="0"/>
+              <a:t>providing answers</a:t>
+            </a:r>
+            <a:r>
+              <a:rPr lang="en-US" sz="1600" dirty="0"/>
+              <a:t>.</a:t>
+            </a:r>
+          </a:p>
+        </p:txBody>
+      </p:sp>
+      <p:sp>
+        <p:nvSpPr>
+          <p:cNvPr id="13" name="TextBox 12">
+            <a:extLst>
+              <a:ext uri="{FF2B5EF4-FFF2-40B4-BE49-F238E27FC236}">
+                <a16:creationId xmlns:a16="http://schemas.microsoft.com/office/drawing/2014/main" id="{31058C87-779D-7165-F38C-D5B20143573D}"/>
+              </a:ext>
+            </a:extLst>
+          </p:cNvPr>
+          <p:cNvSpPr txBox="1"/>
+          <p:nvPr/>
+        </p:nvSpPr>
+        <p:spPr>
+          <a:xfrm>
+            <a:off x="2776067" y="6143456"/>
+            <a:ext cx="6289661" cy="369332"/>
+          </a:xfrm>
+          <a:prstGeom prst="rect">
+            <a:avLst/>
+          </a:prstGeom>
+          <a:noFill/>
+        </p:spPr>
+        <p:txBody>
+          <a:bodyPr wrap="square" rtlCol="0">
+            <a:spAutoFit/>
+          </a:bodyPr>
+          <a:lstStyle/>
+          <a:p>
+            <a:pPr algn="ctr"/>
+            <a:r>
+              <a:rPr lang="en-US" b="1" dirty="0"/>
+              <a:t>All sounds good in theory, how can we use this in practice?</a:t>
+            </a:r>
           </a:p>
         </p:txBody>
       </p:sp>
@@ -7423,7 +7656,7 @@
         </p:nvSpPr>
         <p:spPr>
           <a:xfrm>
-            <a:off x="299655" y="74303"/>
+            <a:off x="299656" y="74305"/>
             <a:ext cx="5504905" cy="461665"/>
           </a:xfrm>
           <a:prstGeom prst="rect">
@@ -7458,7 +7691,7 @@
         </p:nvSpPr>
         <p:spPr>
           <a:xfrm>
-            <a:off x="8766813" y="4472308"/>
+            <a:off x="8766813" y="4472310"/>
             <a:ext cx="2545830" cy="2031325"/>
           </a:xfrm>
           <a:prstGeom prst="rect">
@@ -7528,7 +7761,7 @@
         </p:nvCxnSpPr>
         <p:spPr>
           <a:xfrm>
-            <a:off x="432619" y="545800"/>
+            <a:off x="432620" y="545800"/>
             <a:ext cx="11759381" cy="0"/>
           </a:xfrm>
           <a:prstGeom prst="line">
@@ -7564,7 +7797,7 @@
         </p:nvSpPr>
         <p:spPr>
           <a:xfrm>
-            <a:off x="5519204" y="1376005"/>
+            <a:off x="5519204" y="1376007"/>
             <a:ext cx="1616846" cy="584617"/>
           </a:xfrm>
           <a:prstGeom prst="roundRect">
@@ -7594,7 +7827,7 @@
             <a:pPr algn="ctr"/>
             <a:r>
               <a:rPr lang="en-US" sz="1600" dirty="0"/>
-              <a:t>Auto Trader</a:t>
+              <a:t>Auto Ai Trader</a:t>
             </a:r>
           </a:p>
         </p:txBody>
@@ -7643,7 +7876,7 @@
             <a:pPr algn="ctr"/>
             <a:r>
               <a:rPr lang="en-US" sz="1400" b="1" dirty="0"/>
-              <a:t>Sales Agent</a:t>
+              <a:t>Sales</a:t>
             </a:r>
           </a:p>
         </p:txBody>
@@ -7764,7 +7997,7 @@
         </p:nvCxnSpPr>
         <p:spPr>
           <a:xfrm rot="5400000">
-            <a:off x="3752734" y="820217"/>
+            <a:off x="3752734" y="820219"/>
             <a:ext cx="1434488" cy="3715299"/>
           </a:xfrm>
           <a:prstGeom prst="bentConnector3">
@@ -7809,7 +8042,7 @@
         </p:nvCxnSpPr>
         <p:spPr>
           <a:xfrm rot="5400000">
-            <a:off x="5610383" y="2677866"/>
+            <a:off x="5610383" y="2677868"/>
             <a:ext cx="1434488" cy="1"/>
           </a:xfrm>
           <a:prstGeom prst="bentConnector3">
@@ -7854,7 +8087,7 @@
         </p:nvCxnSpPr>
         <p:spPr>
           <a:xfrm rot="16200000" flipH="1">
-            <a:off x="7466433" y="821815"/>
+            <a:off x="7466433" y="821817"/>
             <a:ext cx="1434488" cy="3712101"/>
           </a:xfrm>
           <a:prstGeom prst="bentConnector3">
@@ -7895,7 +8128,7 @@
         </p:nvSpPr>
         <p:spPr>
           <a:xfrm>
-            <a:off x="1220942" y="4472309"/>
+            <a:off x="1220943" y="4472311"/>
             <a:ext cx="2782771" cy="2031325"/>
           </a:xfrm>
           <a:prstGeom prst="rect">
@@ -8039,7 +8272,7 @@
         </p:nvSpPr>
         <p:spPr>
           <a:xfrm rot="16200000">
-            <a:off x="-278365" y="1539844"/>
+            <a:off x="225408" y="1539846"/>
             <a:ext cx="1514620" cy="276999"/>
           </a:xfrm>
           <a:prstGeom prst="rect">
@@ -8081,7 +8314,7 @@
         </p:nvSpPr>
         <p:spPr>
           <a:xfrm rot="16200000">
-            <a:off x="-367067" y="3290500"/>
+            <a:off x="136707" y="3290502"/>
             <a:ext cx="1702659" cy="276999"/>
           </a:xfrm>
           <a:prstGeom prst="rect">
@@ -8123,7 +8356,7 @@
         </p:nvSpPr>
         <p:spPr>
           <a:xfrm rot="16200000">
-            <a:off x="-536718" y="5349471"/>
+            <a:off x="-32945" y="5349473"/>
             <a:ext cx="2031326" cy="276999"/>
           </a:xfrm>
           <a:prstGeom prst="rect">
@@ -8195,7 +8428,7 @@
         </p:nvSpPr>
         <p:spPr>
           <a:xfrm>
-            <a:off x="378314" y="2719180"/>
+            <a:off x="378315" y="2719182"/>
             <a:ext cx="2860783" cy="461665"/>
           </a:xfrm>
           <a:prstGeom prst="rect">
@@ -8230,7 +8463,7 @@
         </p:nvCxnSpPr>
         <p:spPr>
           <a:xfrm>
-            <a:off x="432619" y="3156155"/>
+            <a:off x="432620" y="3156155"/>
             <a:ext cx="11759381" cy="0"/>
           </a:xfrm>
           <a:prstGeom prst="line">
@@ -8296,7 +8529,7 @@
         </p:nvSpPr>
         <p:spPr>
           <a:xfrm>
-            <a:off x="299655" y="74303"/>
+            <a:off x="299656" y="74305"/>
             <a:ext cx="5504905" cy="461665"/>
           </a:xfrm>
           <a:prstGeom prst="rect">
@@ -8331,7 +8564,7 @@
         </p:nvCxnSpPr>
         <p:spPr>
           <a:xfrm>
-            <a:off x="432619" y="545800"/>
+            <a:off x="432620" y="545800"/>
             <a:ext cx="11759381" cy="0"/>
           </a:xfrm>
           <a:prstGeom prst="line">
@@ -8367,7 +8600,7 @@
         </p:nvSpPr>
         <p:spPr>
           <a:xfrm>
-            <a:off x="659217" y="1007525"/>
+            <a:off x="659218" y="1007525"/>
             <a:ext cx="4849119" cy="5200296"/>
           </a:xfrm>
           <a:prstGeom prst="roundRect">
@@ -8434,7 +8667,7 @@
         </p:blipFill>
         <p:spPr bwMode="auto">
           <a:xfrm>
-            <a:off x="5207096" y="839829"/>
+            <a:off x="5207098" y="839831"/>
             <a:ext cx="411093" cy="411093"/>
           </a:xfrm>
           <a:prstGeom prst="rect">
@@ -8466,7 +8699,7 @@
         </p:nvSpPr>
         <p:spPr>
           <a:xfrm>
-            <a:off x="659217" y="6306033"/>
+            <a:off x="659217" y="6306035"/>
             <a:ext cx="7468648" cy="296387"/>
           </a:xfrm>
           <a:prstGeom prst="rect">
@@ -8581,7 +8814,7 @@
         </p:blipFill>
         <p:spPr bwMode="auto">
           <a:xfrm>
-            <a:off x="3470540" y="6364484"/>
+            <a:off x="3470542" y="6364486"/>
             <a:ext cx="198821" cy="201495"/>
           </a:xfrm>
           <a:prstGeom prst="rect">
@@ -8613,7 +8846,7 @@
         </p:nvSpPr>
         <p:spPr>
           <a:xfrm>
-            <a:off x="799910" y="1292662"/>
+            <a:off x="809956" y="1354227"/>
             <a:ext cx="328527" cy="4760550"/>
           </a:xfrm>
           <a:prstGeom prst="rect">
@@ -8662,7 +8895,7 @@
         </p:nvSpPr>
         <p:spPr>
           <a:xfrm>
-            <a:off x="1628682" y="1289908"/>
+            <a:off x="1628684" y="1289910"/>
             <a:ext cx="3055971" cy="395145"/>
           </a:xfrm>
           <a:prstGeom prst="rect">
@@ -8711,7 +8944,7 @@
         </p:nvSpPr>
         <p:spPr>
           <a:xfrm>
-            <a:off x="1628681" y="5819366"/>
+            <a:off x="1628681" y="5819368"/>
             <a:ext cx="3055968" cy="257763"/>
           </a:xfrm>
           <a:prstGeom prst="rect">
@@ -8760,7 +8993,7 @@
         </p:nvSpPr>
         <p:spPr>
           <a:xfrm>
-            <a:off x="1628679" y="5470510"/>
+            <a:off x="1628679" y="5470512"/>
             <a:ext cx="3055970" cy="258877"/>
           </a:xfrm>
           <a:prstGeom prst="rect">
@@ -8809,7 +9042,7 @@
         </p:nvSpPr>
         <p:spPr>
           <a:xfrm>
-            <a:off x="7006058" y="2488995"/>
+            <a:off x="7006058" y="2488997"/>
             <a:ext cx="703624" cy="424469"/>
           </a:xfrm>
           <a:prstGeom prst="flowChartInternalStorage">
@@ -8957,7 +9190,7 @@
         </p:nvSpPr>
         <p:spPr>
           <a:xfrm>
-            <a:off x="5836863" y="1001734"/>
+            <a:off x="5836863" y="1001736"/>
             <a:ext cx="1927588" cy="1171857"/>
           </a:xfrm>
           <a:prstGeom prst="roundRect">
@@ -9009,7 +9242,7 @@
         </p:nvSpPr>
         <p:spPr>
           <a:xfrm>
-            <a:off x="6917185" y="2318914"/>
+            <a:off x="6917187" y="2318914"/>
             <a:ext cx="862087" cy="2648516"/>
           </a:xfrm>
           <a:prstGeom prst="roundRect">
@@ -9076,7 +9309,7 @@
         </p:blipFill>
         <p:spPr bwMode="auto">
           <a:xfrm>
-            <a:off x="7611582" y="903345"/>
+            <a:off x="7611582" y="903347"/>
             <a:ext cx="238322" cy="241527"/>
           </a:xfrm>
           <a:prstGeom prst="rect">
@@ -9158,7 +9391,7 @@
         </p:nvCxnSpPr>
         <p:spPr>
           <a:xfrm>
-            <a:off x="1128437" y="1487481"/>
+            <a:off x="1128438" y="1487481"/>
             <a:ext cx="500245" cy="0"/>
           </a:xfrm>
           <a:prstGeom prst="straightConnector1">
@@ -9200,7 +9433,7 @@
         </p:nvCxnSpPr>
         <p:spPr>
           <a:xfrm rot="16200000" flipH="1">
-            <a:off x="2418124" y="1702124"/>
+            <a:off x="2418126" y="1702126"/>
             <a:ext cx="308843" cy="274699"/>
           </a:xfrm>
           <a:prstGeom prst="bentConnector2">
@@ -9239,7 +9472,7 @@
         </p:nvSpPr>
         <p:spPr>
           <a:xfrm>
-            <a:off x="6552143" y="893051"/>
+            <a:off x="6552145" y="893051"/>
             <a:ext cx="455253" cy="215444"/>
           </a:xfrm>
           <a:prstGeom prst="rect">
@@ -9283,7 +9516,7 @@
         </p:nvSpPr>
         <p:spPr>
           <a:xfrm rot="16200000">
-            <a:off x="-801406" y="3701452"/>
+            <a:off x="-791360" y="3763019"/>
             <a:ext cx="4259548" cy="203479"/>
           </a:xfrm>
           <a:prstGeom prst="rect">
@@ -9616,7 +9849,7 @@
         </p:nvCxnSpPr>
         <p:spPr>
           <a:xfrm>
-            <a:off x="3532612" y="2609533"/>
+            <a:off x="3532612" y="2609535"/>
             <a:ext cx="0" cy="257543"/>
           </a:xfrm>
           <a:prstGeom prst="straightConnector1">
@@ -9659,7 +9892,7 @@
         </p:nvCxnSpPr>
         <p:spPr>
           <a:xfrm>
-            <a:off x="3532612" y="3067154"/>
+            <a:off x="3532612" y="3067156"/>
             <a:ext cx="0" cy="317499"/>
           </a:xfrm>
           <a:prstGeom prst="straightConnector1">
@@ -9702,7 +9935,7 @@
         </p:nvCxnSpPr>
         <p:spPr>
           <a:xfrm>
-            <a:off x="3532612" y="3584731"/>
+            <a:off x="3532612" y="3584733"/>
             <a:ext cx="0" cy="375029"/>
           </a:xfrm>
           <a:prstGeom prst="straightConnector1">
@@ -9745,7 +9978,7 @@
         </p:nvCxnSpPr>
         <p:spPr>
           <a:xfrm flipH="1">
-            <a:off x="3526573" y="4159838"/>
+            <a:off x="3526575" y="4159840"/>
             <a:ext cx="6039" cy="392769"/>
           </a:xfrm>
           <a:prstGeom prst="straightConnector1">
@@ -9788,7 +10021,7 @@
         </p:nvCxnSpPr>
         <p:spPr>
           <a:xfrm flipH="1">
-            <a:off x="3522210" y="4752685"/>
+            <a:off x="3522212" y="4752685"/>
             <a:ext cx="4363" cy="340558"/>
           </a:xfrm>
           <a:prstGeom prst="straightConnector1">
@@ -9827,7 +10060,7 @@
         </p:nvSpPr>
         <p:spPr>
           <a:xfrm>
-            <a:off x="5949023" y="1147056"/>
+            <a:off x="5949023" y="1147058"/>
             <a:ext cx="1654626" cy="270297"/>
           </a:xfrm>
           <a:prstGeom prst="roundRect">
@@ -9878,7 +10111,7 @@
         </p:nvSpPr>
         <p:spPr>
           <a:xfrm>
-            <a:off x="5951666" y="1482236"/>
+            <a:off x="5951666" y="1482238"/>
             <a:ext cx="1658314" cy="270297"/>
           </a:xfrm>
           <a:prstGeom prst="roundRect">
@@ -9929,7 +10162,7 @@
         </p:nvSpPr>
         <p:spPr>
           <a:xfrm>
-            <a:off x="5951666" y="1817781"/>
+            <a:off x="5951666" y="1817783"/>
             <a:ext cx="1658314" cy="270297"/>
           </a:xfrm>
           <a:prstGeom prst="roundRect">
@@ -9984,7 +10217,7 @@
         </p:nvCxnSpPr>
         <p:spPr>
           <a:xfrm flipV="1">
-            <a:off x="3895336" y="1587663"/>
+            <a:off x="3895338" y="1587665"/>
             <a:ext cx="1941527" cy="921831"/>
           </a:xfrm>
           <a:prstGeom prst="bentConnector3">
@@ -10028,7 +10261,7 @@
         </p:nvCxnSpPr>
         <p:spPr>
           <a:xfrm rot="16200000" flipH="1">
-            <a:off x="3208963" y="1957591"/>
+            <a:off x="3208965" y="1957591"/>
             <a:ext cx="208803" cy="481490"/>
           </a:xfrm>
           <a:prstGeom prst="bentConnector3">
@@ -10069,7 +10302,7 @@
         </p:nvSpPr>
         <p:spPr>
           <a:xfrm>
-            <a:off x="2953274" y="2302738"/>
+            <a:off x="2953274" y="2302740"/>
             <a:ext cx="1201670" cy="3067733"/>
           </a:xfrm>
           <a:prstGeom prst="rect">
@@ -10187,7 +10420,7 @@
         </p:blipFill>
         <p:spPr bwMode="auto">
           <a:xfrm>
-            <a:off x="7184658" y="3089861"/>
+            <a:off x="7184660" y="3089861"/>
             <a:ext cx="440143" cy="498550"/>
           </a:xfrm>
           <a:prstGeom prst="rect">
@@ -10219,7 +10452,7 @@
         </p:nvSpPr>
         <p:spPr>
           <a:xfrm>
-            <a:off x="5819381" y="2322954"/>
+            <a:off x="5819383" y="2322954"/>
             <a:ext cx="876339" cy="2648516"/>
           </a:xfrm>
           <a:prstGeom prst="roundRect">
@@ -10289,8 +10522,7 @@
           <a:p>
             <a:pPr algn="ctr"/>
             <a:r>
-              <a:rPr lang="en-US" sz="1100" b="0" i="0" dirty="0">
-                <a:effectLst/>
+              <a:rPr lang="en-US" sz="1100" dirty="0">
                 <a:latin typeface="OpenAI Sans"/>
               </a:rPr>
               <a:t>Reads</a:t>
@@ -10328,7 +10560,7 @@
         </p:blipFill>
         <p:spPr bwMode="auto">
           <a:xfrm>
-            <a:off x="6061839" y="2498404"/>
+            <a:off x="6061841" y="2498404"/>
             <a:ext cx="455305" cy="529730"/>
           </a:xfrm>
           <a:prstGeom prst="rect">
@@ -10378,8 +10610,7 @@
           <a:p>
             <a:pPr algn="ctr"/>
             <a:r>
-              <a:rPr lang="en-US" sz="1100" b="0" i="0" dirty="0">
-                <a:effectLst/>
+              <a:rPr lang="en-US" sz="1100" dirty="0">
                 <a:latin typeface="OpenAI Sans"/>
               </a:rPr>
               <a:t>Tools</a:t>
@@ -10406,7 +10637,7 @@
         </p:nvCxnSpPr>
         <p:spPr>
           <a:xfrm flipV="1">
-            <a:off x="4154944" y="3647212"/>
+            <a:off x="4154946" y="3647214"/>
             <a:ext cx="1664437" cy="189393"/>
           </a:xfrm>
           <a:prstGeom prst="bentConnector3">
@@ -10450,7 +10681,7 @@
         </p:nvCxnSpPr>
         <p:spPr>
           <a:xfrm flipV="1">
-            <a:off x="6695720" y="3643172"/>
+            <a:off x="6695722" y="3643172"/>
             <a:ext cx="221465" cy="4040"/>
           </a:xfrm>
           <a:prstGeom prst="bentConnector3">
@@ -10490,7 +10721,7 @@
         </p:nvSpPr>
         <p:spPr>
           <a:xfrm>
-            <a:off x="5969268" y="3921899"/>
+            <a:off x="5969270" y="3921899"/>
             <a:ext cx="531177" cy="384884"/>
           </a:xfrm>
           <a:prstGeom prst="flowChartInternalStorage">
@@ -10559,7 +10790,7 @@
         </p:blipFill>
         <p:spPr bwMode="auto">
           <a:xfrm>
-            <a:off x="6046466" y="3250744"/>
+            <a:off x="6046466" y="3250746"/>
             <a:ext cx="486052" cy="501447"/>
           </a:xfrm>
           <a:prstGeom prst="rect">
@@ -10593,7 +10824,7 @@
         </p:nvCxnSpPr>
         <p:spPr>
           <a:xfrm>
-            <a:off x="1509823" y="3836605"/>
+            <a:off x="1509824" y="3836605"/>
             <a:ext cx="1443451" cy="0"/>
           </a:xfrm>
           <a:prstGeom prst="straightConnector1">
@@ -10633,7 +10864,7 @@
         </p:nvSpPr>
         <p:spPr>
           <a:xfrm>
-            <a:off x="8451702" y="995389"/>
+            <a:off x="8451704" y="995391"/>
             <a:ext cx="3081081" cy="5212425"/>
           </a:xfrm>
           <a:prstGeom prst="roundRect">
@@ -10771,7 +11002,7 @@
         </p:nvSpPr>
         <p:spPr>
           <a:xfrm>
-            <a:off x="7164100" y="4403298"/>
+            <a:off x="7164102" y="4403298"/>
             <a:ext cx="418991" cy="525640"/>
           </a:xfrm>
           <a:prstGeom prst="foldedCorner">
@@ -10841,7 +11072,7 @@
         </p:nvCxnSpPr>
         <p:spPr>
           <a:xfrm rot="10800000" flipV="1">
-            <a:off x="1418846" y="1685050"/>
+            <a:off x="1418846" y="1685052"/>
             <a:ext cx="763336" cy="757565"/>
           </a:xfrm>
           <a:prstGeom prst="bentConnector3">
@@ -11084,7 +11315,7 @@
         </p:nvSpPr>
         <p:spPr>
           <a:xfrm>
-            <a:off x="8599377" y="3474801"/>
+            <a:off x="8599377" y="3474803"/>
             <a:ext cx="2785730" cy="336741"/>
           </a:xfrm>
           <a:prstGeom prst="roundRect">
@@ -11395,7 +11626,7 @@
         </p:nvCxnSpPr>
         <p:spPr>
           <a:xfrm>
-            <a:off x="1141196" y="5994532"/>
+            <a:off x="1141197" y="5994532"/>
             <a:ext cx="500245" cy="0"/>
           </a:xfrm>
           <a:prstGeom prst="straightConnector1">
@@ -11434,7 +11665,7 @@
         </p:nvSpPr>
         <p:spPr>
           <a:xfrm>
-            <a:off x="5819381" y="5254358"/>
+            <a:off x="5819383" y="5254358"/>
             <a:ext cx="1959891" cy="1012712"/>
           </a:xfrm>
           <a:prstGeom prst="roundRect">
@@ -11660,10 +11891,10 @@
       </p:grpSpPr>
       <p:sp>
         <p:nvSpPr>
-          <p:cNvPr id="3" name="TextBox 2">
-            <a:extLst>
-              <a:ext uri="{FF2B5EF4-FFF2-40B4-BE49-F238E27FC236}">
-                <a16:creationId xmlns:a16="http://schemas.microsoft.com/office/drawing/2014/main" id="{61F52439-6AF5-5D38-D5D2-5AB934AE383A}"/>
+          <p:cNvPr id="4" name="TextBox 3">
+            <a:extLst>
+              <a:ext uri="{FF2B5EF4-FFF2-40B4-BE49-F238E27FC236}">
+                <a16:creationId xmlns:a16="http://schemas.microsoft.com/office/drawing/2014/main" id="{0B205ED7-CA2A-2FFE-8AF6-7C1545C8E1FC}"/>
               </a:ext>
             </a:extLst>
           </p:cNvPr>
@@ -11672,8 +11903,8 @@
         </p:nvSpPr>
         <p:spPr>
           <a:xfrm>
-            <a:off x="299655" y="74303"/>
-            <a:ext cx="729430" cy="461665"/>
+            <a:off x="378315" y="2719182"/>
+            <a:ext cx="2635017" cy="461665"/>
           </a:xfrm>
           <a:prstGeom prst="rect">
             <a:avLst/>
@@ -11688,17 +11919,17 @@
           <a:p>
             <a:r>
               <a:rPr lang="en-US" sz="2400" dirty="0"/>
-              <a:t>Cost</a:t>
+              <a:t>Agents in Action  … </a:t>
             </a:r>
           </a:p>
         </p:txBody>
       </p:sp>
       <p:cxnSp>
         <p:nvCxnSpPr>
-          <p:cNvPr id="5" name="Straight Connector 4">
-            <a:extLst>
-              <a:ext uri="{FF2B5EF4-FFF2-40B4-BE49-F238E27FC236}">
-                <a16:creationId xmlns:a16="http://schemas.microsoft.com/office/drawing/2014/main" id="{E9EF8585-FC8F-D680-0FDC-8831BAB64670}"/>
+          <p:cNvPr id="2" name="Straight Connector 1">
+            <a:extLst>
+              <a:ext uri="{FF2B5EF4-FFF2-40B4-BE49-F238E27FC236}">
+                <a16:creationId xmlns:a16="http://schemas.microsoft.com/office/drawing/2014/main" id="{89154393-A6FF-CF4B-8A1D-57D7E90FAC33}"/>
               </a:ext>
             </a:extLst>
           </p:cNvPr>
@@ -11707,7 +11938,7 @@
         </p:nvCxnSpPr>
         <p:spPr>
           <a:xfrm>
-            <a:off x="432619" y="545800"/>
+            <a:off x="432620" y="3156155"/>
             <a:ext cx="11759381" cy="0"/>
           </a:xfrm>
           <a:prstGeom prst="line">
@@ -11729,249 +11960,10 @@
           </a:fontRef>
         </p:style>
       </p:cxnSp>
-      <p:sp>
-        <p:nvSpPr>
-          <p:cNvPr id="8" name="Rectangle 7">
-            <a:extLst>
-              <a:ext uri="{FF2B5EF4-FFF2-40B4-BE49-F238E27FC236}">
-                <a16:creationId xmlns:a16="http://schemas.microsoft.com/office/drawing/2014/main" id="{B050F634-6B01-D651-D1B1-F2FADA24BA4C}"/>
-              </a:ext>
-            </a:extLst>
-          </p:cNvPr>
-          <p:cNvSpPr/>
-          <p:nvPr/>
-        </p:nvSpPr>
-        <p:spPr>
-          <a:xfrm>
-            <a:off x="178943" y="1885010"/>
-            <a:ext cx="1753444" cy="806246"/>
-          </a:xfrm>
-          <a:prstGeom prst="rect">
-            <a:avLst/>
-          </a:prstGeom>
-          <a:solidFill>
-            <a:srgbClr val="002060"/>
-          </a:solidFill>
-          <a:effectLst>
-            <a:glow rad="101600">
-              <a:schemeClr val="accent2">
-                <a:satMod val="175000"/>
-                <a:alpha val="40000"/>
-              </a:schemeClr>
-            </a:glow>
-          </a:effectLst>
-        </p:spPr>
-        <p:style>
-          <a:lnRef idx="2">
-            <a:schemeClr val="accent1">
-              <a:shade val="15000"/>
-            </a:schemeClr>
-          </a:lnRef>
-          <a:fillRef idx="1">
-            <a:schemeClr val="accent1"/>
-          </a:fillRef>
-          <a:effectRef idx="0">
-            <a:schemeClr val="accent1"/>
-          </a:effectRef>
-          <a:fontRef idx="minor">
-            <a:schemeClr val="lt1"/>
-          </a:fontRef>
-        </p:style>
-        <p:txBody>
-          <a:bodyPr rtlCol="0" anchor="ctr"/>
-          <a:lstStyle/>
-          <a:p>
-            <a:pPr algn="ctr"/>
-            <a:r>
-              <a:rPr lang="en-US" sz="2000" dirty="0"/>
-              <a:t>Total Tokens </a:t>
-            </a:r>
-          </a:p>
-          <a:p>
-            <a:pPr algn="ctr"/>
-            <a:r>
-              <a:rPr lang="en-US" sz="2000" dirty="0"/>
-              <a:t>2,562,236</a:t>
-            </a:r>
-          </a:p>
-        </p:txBody>
-      </p:sp>
-      <p:sp>
-        <p:nvSpPr>
-          <p:cNvPr id="9" name="Rectangle 8">
-            <a:extLst>
-              <a:ext uri="{FF2B5EF4-FFF2-40B4-BE49-F238E27FC236}">
-                <a16:creationId xmlns:a16="http://schemas.microsoft.com/office/drawing/2014/main" id="{B20A5704-18BF-DBC0-3A0B-B8EA205E7D2F}"/>
-              </a:ext>
-            </a:extLst>
-          </p:cNvPr>
-          <p:cNvSpPr/>
-          <p:nvPr/>
-        </p:nvSpPr>
-        <p:spPr>
-          <a:xfrm>
-            <a:off x="178943" y="3181170"/>
-            <a:ext cx="1753444" cy="806246"/>
-          </a:xfrm>
-          <a:prstGeom prst="rect">
-            <a:avLst/>
-          </a:prstGeom>
-          <a:solidFill>
-            <a:srgbClr val="002060"/>
-          </a:solidFill>
-          <a:effectLst>
-            <a:glow rad="101600">
-              <a:schemeClr val="accent2">
-                <a:satMod val="175000"/>
-                <a:alpha val="40000"/>
-              </a:schemeClr>
-            </a:glow>
-          </a:effectLst>
-        </p:spPr>
-        <p:style>
-          <a:lnRef idx="2">
-            <a:schemeClr val="accent1">
-              <a:shade val="15000"/>
-            </a:schemeClr>
-          </a:lnRef>
-          <a:fillRef idx="1">
-            <a:schemeClr val="accent1"/>
-          </a:fillRef>
-          <a:effectRef idx="0">
-            <a:schemeClr val="accent1"/>
-          </a:effectRef>
-          <a:fontRef idx="minor">
-            <a:schemeClr val="lt1"/>
-          </a:fontRef>
-        </p:style>
-        <p:txBody>
-          <a:bodyPr rtlCol="0" anchor="ctr"/>
-          <a:lstStyle/>
-          <a:p>
-            <a:pPr algn="ctr"/>
-            <a:r>
-              <a:rPr lang="en-US" sz="2000" dirty="0"/>
-              <a:t>Total Requests </a:t>
-            </a:r>
-          </a:p>
-          <a:p>
-            <a:pPr algn="ctr"/>
-            <a:r>
-              <a:rPr lang="en-US" sz="2000" dirty="0"/>
-              <a:t>777</a:t>
-            </a:r>
-          </a:p>
-        </p:txBody>
-      </p:sp>
-      <p:sp>
-        <p:nvSpPr>
-          <p:cNvPr id="10" name="Rectangle 9">
-            <a:extLst>
-              <a:ext uri="{FF2B5EF4-FFF2-40B4-BE49-F238E27FC236}">
-                <a16:creationId xmlns:a16="http://schemas.microsoft.com/office/drawing/2014/main" id="{DC5CB9B1-154A-7E14-1F77-4FEAD148634D}"/>
-              </a:ext>
-            </a:extLst>
-          </p:cNvPr>
-          <p:cNvSpPr/>
-          <p:nvPr/>
-        </p:nvSpPr>
-        <p:spPr>
-          <a:xfrm>
-            <a:off x="178943" y="4382729"/>
-            <a:ext cx="1753444" cy="806246"/>
-          </a:xfrm>
-          <a:prstGeom prst="rect">
-            <a:avLst/>
-          </a:prstGeom>
-          <a:solidFill>
-            <a:srgbClr val="002060"/>
-          </a:solidFill>
-          <a:effectLst>
-            <a:glow rad="101600">
-              <a:schemeClr val="accent2">
-                <a:satMod val="175000"/>
-                <a:alpha val="40000"/>
-              </a:schemeClr>
-            </a:glow>
-          </a:effectLst>
-        </p:spPr>
-        <p:style>
-          <a:lnRef idx="2">
-            <a:schemeClr val="accent1">
-              <a:shade val="15000"/>
-            </a:schemeClr>
-          </a:lnRef>
-          <a:fillRef idx="1">
-            <a:schemeClr val="accent1"/>
-          </a:fillRef>
-          <a:effectRef idx="0">
-            <a:schemeClr val="accent1"/>
-          </a:effectRef>
-          <a:fontRef idx="minor">
-            <a:schemeClr val="lt1"/>
-          </a:fontRef>
-        </p:style>
-        <p:txBody>
-          <a:bodyPr rtlCol="0" anchor="ctr"/>
-          <a:lstStyle/>
-          <a:p>
-            <a:pPr algn="ctr"/>
-            <a:r>
-              <a:rPr lang="en-US" sz="2000" dirty="0"/>
-              <a:t>Total Spent </a:t>
-            </a:r>
-          </a:p>
-          <a:p>
-            <a:pPr algn="ctr"/>
-            <a:r>
-              <a:rPr lang="en-US" sz="2800" dirty="0"/>
-              <a:t>$5.28</a:t>
-            </a:r>
-          </a:p>
-        </p:txBody>
-      </p:sp>
-      <p:pic>
-        <p:nvPicPr>
-          <p:cNvPr id="11" name="Picture 10">
-            <a:extLst>
-              <a:ext uri="{FF2B5EF4-FFF2-40B4-BE49-F238E27FC236}">
-                <a16:creationId xmlns:a16="http://schemas.microsoft.com/office/drawing/2014/main" id="{34E7A47E-D23F-34EC-9E1A-B226F8ABB57F}"/>
-              </a:ext>
-            </a:extLst>
-          </p:cNvPr>
-          <p:cNvPicPr>
-            <a:picLocks noChangeAspect="1"/>
-          </p:cNvPicPr>
-          <p:nvPr/>
-        </p:nvPicPr>
-        <p:blipFill>
-          <a:blip r:embed="rId2"/>
-          <a:stretch>
-            <a:fillRect/>
-          </a:stretch>
-        </p:blipFill>
-        <p:spPr>
-          <a:xfrm>
-            <a:off x="2187448" y="1340703"/>
-            <a:ext cx="9825609" cy="4877562"/>
-          </a:xfrm>
-          <a:prstGeom prst="rect">
-            <a:avLst/>
-          </a:prstGeom>
-          <a:effectLst>
-            <a:glow rad="101600">
-              <a:schemeClr val="accent5">
-                <a:satMod val="175000"/>
-                <a:alpha val="40000"/>
-              </a:schemeClr>
-            </a:glow>
-          </a:effectLst>
-        </p:spPr>
-      </p:pic>
     </p:spTree>
     <p:extLst>
       <p:ext uri="{BB962C8B-B14F-4D97-AF65-F5344CB8AC3E}">
-        <p14:creationId xmlns:p14="http://schemas.microsoft.com/office/powerpoint/2010/main" val="1347280084"/>
+        <p14:creationId xmlns:p14="http://schemas.microsoft.com/office/powerpoint/2010/main" val="1059704174"/>
       </p:ext>
     </p:extLst>
   </p:cSld>
@@ -12003,7 +11995,7 @@
           <p:cNvPr id="4" name="TextBox 3">
             <a:extLst>
               <a:ext uri="{FF2B5EF4-FFF2-40B4-BE49-F238E27FC236}">
-                <a16:creationId xmlns:a16="http://schemas.microsoft.com/office/drawing/2014/main" id="{0B205ED7-CA2A-2FFE-8AF6-7C1545C8E1FC}"/>
+                <a16:creationId xmlns:a16="http://schemas.microsoft.com/office/drawing/2014/main" id="{3DBA24FF-D225-5DDC-76CB-ACD9B9C8E8C4}"/>
               </a:ext>
             </a:extLst>
           </p:cNvPr>
@@ -12012,8 +12004,8 @@
         </p:nvSpPr>
         <p:spPr>
           <a:xfrm>
-            <a:off x="378314" y="2719180"/>
-            <a:ext cx="2204065" cy="461665"/>
+            <a:off x="293153" y="60229"/>
+            <a:ext cx="2997808" cy="461665"/>
           </a:xfrm>
           <a:prstGeom prst="rect">
             <a:avLst/>
@@ -12028,17 +12020,17 @@
           <a:p>
             <a:r>
               <a:rPr lang="en-US" sz="2400" dirty="0"/>
-              <a:t>Agent Workflow</a:t>
+              <a:t>Benefits of Agentic AI </a:t>
             </a:r>
           </a:p>
         </p:txBody>
       </p:sp>
       <p:cxnSp>
         <p:nvCxnSpPr>
-          <p:cNvPr id="2" name="Straight Connector 1">
-            <a:extLst>
-              <a:ext uri="{FF2B5EF4-FFF2-40B4-BE49-F238E27FC236}">
-                <a16:creationId xmlns:a16="http://schemas.microsoft.com/office/drawing/2014/main" id="{89154393-A6FF-CF4B-8A1D-57D7E90FAC33}"/>
+          <p:cNvPr id="5" name="Straight Connector 4">
+            <a:extLst>
+              <a:ext uri="{FF2B5EF4-FFF2-40B4-BE49-F238E27FC236}">
+                <a16:creationId xmlns:a16="http://schemas.microsoft.com/office/drawing/2014/main" id="{1A042C2A-67D4-152D-F87E-7C04940E8654}"/>
               </a:ext>
             </a:extLst>
           </p:cNvPr>
@@ -12047,7 +12039,7 @@
         </p:nvCxnSpPr>
         <p:spPr>
           <a:xfrm>
-            <a:off x="432619" y="3156155"/>
+            <a:off x="426118" y="531724"/>
             <a:ext cx="11759381" cy="0"/>
           </a:xfrm>
           <a:prstGeom prst="line">
@@ -12069,10 +12061,908 @@
           </a:fontRef>
         </p:style>
       </p:cxnSp>
+      <p:sp>
+        <p:nvSpPr>
+          <p:cNvPr id="3" name="TextBox 2">
+            <a:extLst>
+              <a:ext uri="{FF2B5EF4-FFF2-40B4-BE49-F238E27FC236}">
+                <a16:creationId xmlns:a16="http://schemas.microsoft.com/office/drawing/2014/main" id="{BEBFC7BB-8C5B-27E1-1616-17A8BB8CABD5}"/>
+              </a:ext>
+            </a:extLst>
+          </p:cNvPr>
+          <p:cNvSpPr txBox="1"/>
+          <p:nvPr/>
+        </p:nvSpPr>
+        <p:spPr>
+          <a:xfrm>
+            <a:off x="426118" y="659563"/>
+            <a:ext cx="11221595" cy="523220"/>
+          </a:xfrm>
+          <a:prstGeom prst="rect">
+            <a:avLst/>
+          </a:prstGeom>
+          <a:noFill/>
+        </p:spPr>
+        <p:txBody>
+          <a:bodyPr wrap="square">
+            <a:spAutoFit/>
+          </a:bodyPr>
+          <a:lstStyle/>
+          <a:p>
+            <a:r>
+              <a:rPr lang="en-US" sz="1400" dirty="0"/>
+              <a:t>Agentic AI offers a powerful approach to automating complex workflows, but to truly understand its value, let’s take a closer look at the core metrics around performance and efficiency.</a:t>
+            </a:r>
+          </a:p>
+        </p:txBody>
+      </p:sp>
+      <p:graphicFrame>
+        <p:nvGraphicFramePr>
+          <p:cNvPr id="9" name="Table 8">
+            <a:extLst>
+              <a:ext uri="{FF2B5EF4-FFF2-40B4-BE49-F238E27FC236}">
+                <a16:creationId xmlns:a16="http://schemas.microsoft.com/office/drawing/2014/main" id="{A8937D99-CE15-0F99-E00D-053901C27899}"/>
+              </a:ext>
+            </a:extLst>
+          </p:cNvPr>
+          <p:cNvGraphicFramePr>
+            <a:graphicFrameLocks noGrp="1"/>
+          </p:cNvGraphicFramePr>
+          <p:nvPr>
+            <p:extLst>
+              <p:ext uri="{D42A27DB-BD31-4B8C-83A1-F6EECF244321}">
+                <p14:modId xmlns:p14="http://schemas.microsoft.com/office/powerpoint/2010/main" val="1325384293"/>
+              </p:ext>
+            </p:extLst>
+          </p:nvPr>
+        </p:nvGraphicFramePr>
+        <p:xfrm>
+          <a:off x="426118" y="1310620"/>
+          <a:ext cx="11221595" cy="4643550"/>
+        </p:xfrm>
+        <a:graphic>
+          <a:graphicData uri="http://schemas.openxmlformats.org/drawingml/2006/table">
+            <a:tbl>
+              <a:tblPr firstRow="1" bandRow="1">
+                <a:tableStyleId>{7DF18680-E054-41AD-8BC1-D1AEF772440D}</a:tableStyleId>
+              </a:tblPr>
+              <a:tblGrid>
+                <a:gridCol w="2244319">
+                  <a:extLst>
+                    <a:ext uri="{9D8B030D-6E8A-4147-A177-3AD203B41FA5}">
+                      <a16:colId xmlns:a16="http://schemas.microsoft.com/office/drawing/2014/main" val="1525652296"/>
+                    </a:ext>
+                  </a:extLst>
+                </a:gridCol>
+                <a:gridCol w="2244319">
+                  <a:extLst>
+                    <a:ext uri="{9D8B030D-6E8A-4147-A177-3AD203B41FA5}">
+                      <a16:colId xmlns:a16="http://schemas.microsoft.com/office/drawing/2014/main" val="103011522"/>
+                    </a:ext>
+                  </a:extLst>
+                </a:gridCol>
+                <a:gridCol w="2244319">
+                  <a:extLst>
+                    <a:ext uri="{9D8B030D-6E8A-4147-A177-3AD203B41FA5}">
+                      <a16:colId xmlns:a16="http://schemas.microsoft.com/office/drawing/2014/main" val="2001034141"/>
+                    </a:ext>
+                  </a:extLst>
+                </a:gridCol>
+                <a:gridCol w="2244319">
+                  <a:extLst>
+                    <a:ext uri="{9D8B030D-6E8A-4147-A177-3AD203B41FA5}">
+                      <a16:colId xmlns:a16="http://schemas.microsoft.com/office/drawing/2014/main" val="695372486"/>
+                    </a:ext>
+                  </a:extLst>
+                </a:gridCol>
+                <a:gridCol w="2244319">
+                  <a:extLst>
+                    <a:ext uri="{9D8B030D-6E8A-4147-A177-3AD203B41FA5}">
+                      <a16:colId xmlns:a16="http://schemas.microsoft.com/office/drawing/2014/main" val="3712817075"/>
+                    </a:ext>
+                  </a:extLst>
+                </a:gridCol>
+              </a:tblGrid>
+              <a:tr h="518180">
+                <a:tc>
+                  <a:txBody>
+                    <a:bodyPr/>
+                    <a:lstStyle/>
+                    <a:p>
+                      <a:pPr algn="ctr"/>
+                      <a:r>
+                        <a:rPr lang="en-US" sz="1400" b="1" dirty="0"/>
+                        <a:t>Category</a:t>
+                      </a:r>
+                    </a:p>
+                  </a:txBody>
+                  <a:tcPr anchor="ctr"/>
+                </a:tc>
+                <a:tc>
+                  <a:txBody>
+                    <a:bodyPr/>
+                    <a:lstStyle/>
+                    <a:p>
+                      <a:pPr algn="ctr"/>
+                      <a:r>
+                        <a:rPr lang="en-US" sz="1400" b="1" dirty="0"/>
+                        <a:t>Metric</a:t>
+                      </a:r>
+                    </a:p>
+                  </a:txBody>
+                  <a:tcPr anchor="ctr"/>
+                </a:tc>
+                <a:tc>
+                  <a:txBody>
+                    <a:bodyPr/>
+                    <a:lstStyle/>
+                    <a:p>
+                      <a:pPr algn="ctr"/>
+                      <a:r>
+                        <a:rPr lang="en-US" sz="1400" b="1" dirty="0"/>
+                        <a:t>Traditional Approach</a:t>
+                      </a:r>
+                    </a:p>
+                  </a:txBody>
+                  <a:tcPr anchor="ctr"/>
+                </a:tc>
+                <a:tc>
+                  <a:txBody>
+                    <a:bodyPr/>
+                    <a:lstStyle/>
+                    <a:p>
+                      <a:pPr algn="ctr"/>
+                      <a:r>
+                        <a:rPr lang="en-US" sz="1400" b="1" dirty="0"/>
+                        <a:t>Agentic AI Result</a:t>
+                      </a:r>
+                    </a:p>
+                  </a:txBody>
+                  <a:tcPr anchor="ctr"/>
+                </a:tc>
+                <a:tc>
+                  <a:txBody>
+                    <a:bodyPr/>
+                    <a:lstStyle/>
+                    <a:p>
+                      <a:pPr algn="ctr"/>
+                      <a:r>
+                        <a:rPr lang="en-US" sz="1400" b="1" dirty="0"/>
+                        <a:t>Overall Impact</a:t>
+                      </a:r>
+                    </a:p>
+                  </a:txBody>
+                  <a:tcPr anchor="ctr"/>
+                </a:tc>
+                <a:extLst>
+                  <a:ext uri="{0D108BD9-81ED-4DB2-BD59-A6C34878D82A}">
+                    <a16:rowId xmlns:a16="http://schemas.microsoft.com/office/drawing/2014/main" val="3362613286"/>
+                  </a:ext>
+                </a:extLst>
+              </a:tr>
+              <a:tr h="609736">
+                <a:tc rowSpan="3">
+                  <a:txBody>
+                    <a:bodyPr/>
+                    <a:lstStyle/>
+                    <a:p>
+                      <a:pPr marL="0" marR="0" lvl="0" indent="0" algn="ctr" defTabSz="914400" rtl="0" eaLnBrk="1" fontAlgn="auto" latinLnBrk="0" hangingPunct="1">
+                        <a:lnSpc>
+                          <a:spcPct val="100000"/>
+                        </a:lnSpc>
+                        <a:spcBef>
+                          <a:spcPts val="0"/>
+                        </a:spcBef>
+                        <a:spcAft>
+                          <a:spcPts val="0"/>
+                        </a:spcAft>
+                        <a:buClrTx/>
+                        <a:buSzTx/>
+                        <a:buFontTx/>
+                        <a:buNone/>
+                        <a:tabLst/>
+                        <a:defRPr/>
+                      </a:pPr>
+                      <a:r>
+                        <a:rPr lang="en-US" sz="1400" b="1" dirty="0"/>
+                        <a:t>Performance </a:t>
+                      </a:r>
+                    </a:p>
+                    <a:p>
+                      <a:pPr marL="0" marR="0" lvl="0" indent="0" algn="ctr" defTabSz="914400" rtl="0" eaLnBrk="1" fontAlgn="auto" latinLnBrk="0" hangingPunct="1">
+                        <a:lnSpc>
+                          <a:spcPct val="100000"/>
+                        </a:lnSpc>
+                        <a:spcBef>
+                          <a:spcPts val="0"/>
+                        </a:spcBef>
+                        <a:spcAft>
+                          <a:spcPts val="0"/>
+                        </a:spcAft>
+                        <a:buClrTx/>
+                        <a:buSzTx/>
+                        <a:buFontTx/>
+                        <a:buNone/>
+                        <a:tabLst/>
+                        <a:defRPr/>
+                      </a:pPr>
+                      <a:r>
+                        <a:rPr lang="en-US" sz="1400" b="1" dirty="0"/>
+                        <a:t>(Task Completion Time)</a:t>
+                      </a:r>
+                    </a:p>
+                  </a:txBody>
+                  <a:tcPr anchor="ctr"/>
+                </a:tc>
+                <a:tc>
+                  <a:txBody>
+                    <a:bodyPr/>
+                    <a:lstStyle/>
+                    <a:p>
+                      <a:r>
+                        <a:rPr lang="en-US" sz="1400" b="0" dirty="0"/>
+                        <a:t>Sales Agent</a:t>
+                      </a:r>
+                    </a:p>
+                  </a:txBody>
+                  <a:tcPr anchor="ctr"/>
+                </a:tc>
+                <a:tc>
+                  <a:txBody>
+                    <a:bodyPr/>
+                    <a:lstStyle/>
+                    <a:p>
+                      <a:r>
+                        <a:rPr lang="en-US" sz="1400" b="0" dirty="0"/>
+                        <a:t>~:30 mins to 1 hour </a:t>
+                      </a:r>
+                      <a:r>
+                        <a:rPr lang="en-US" sz="1400" dirty="0"/>
+                        <a:t>(depending on question)</a:t>
+                      </a:r>
+                      <a:endParaRPr lang="en-US" sz="1400" b="0" dirty="0"/>
+                    </a:p>
+                  </a:txBody>
+                  <a:tcPr/>
+                </a:tc>
+                <a:tc>
+                  <a:txBody>
+                    <a:bodyPr/>
+                    <a:lstStyle/>
+                    <a:p>
+                      <a:r>
+                        <a:rPr lang="en-US" sz="1400" b="0" dirty="0"/>
+                        <a:t>~1-2 minutes</a:t>
+                      </a:r>
+                    </a:p>
+                  </a:txBody>
+                  <a:tcPr/>
+                </a:tc>
+                <a:tc rowSpan="3">
+                  <a:txBody>
+                    <a:bodyPr/>
+                    <a:lstStyle/>
+                    <a:p>
+                      <a:pPr algn="ctr"/>
+                      <a:r>
+                        <a:rPr lang="en-US" sz="1400" b="1" dirty="0"/>
+                        <a:t>Significant time savings (&gt;~50%) and </a:t>
+                      </a:r>
+                      <a:r>
+                        <a:rPr lang="en-US" sz="1400" dirty="0"/>
+                        <a:t>Accelerated decision-making with minimal delay</a:t>
+                      </a:r>
+                      <a:endParaRPr lang="en-US" sz="1400" b="1" dirty="0"/>
+                    </a:p>
+                  </a:txBody>
+                  <a:tcPr anchor="ctr"/>
+                </a:tc>
+                <a:extLst>
+                  <a:ext uri="{0D108BD9-81ED-4DB2-BD59-A6C34878D82A}">
+                    <a16:rowId xmlns:a16="http://schemas.microsoft.com/office/drawing/2014/main" val="892880392"/>
+                  </a:ext>
+                </a:extLst>
+              </a:tr>
+              <a:tr h="533623">
+                <a:tc vMerge="1">
+                  <a:txBody>
+                    <a:bodyPr/>
+                    <a:lstStyle/>
+                    <a:p>
+                      <a:endParaRPr lang="en-US" sz="1400" dirty="0"/>
+                    </a:p>
+                  </a:txBody>
+                  <a:tcPr anchor="ctr"/>
+                </a:tc>
+                <a:tc>
+                  <a:txBody>
+                    <a:bodyPr/>
+                    <a:lstStyle/>
+                    <a:p>
+                      <a:r>
+                        <a:rPr lang="en-US" sz="1400" dirty="0"/>
+                        <a:t>Financial Analyst Agent – Insights Gen</a:t>
+                      </a:r>
+                      <a:endParaRPr lang="en-US" sz="1400" b="0" dirty="0"/>
+                    </a:p>
+                  </a:txBody>
+                  <a:tcPr anchor="ctr"/>
+                </a:tc>
+                <a:tc>
+                  <a:txBody>
+                    <a:bodyPr/>
+                    <a:lstStyle/>
+                    <a:p>
+                      <a:r>
+                        <a:rPr lang="en-US" sz="1400" dirty="0"/>
+                        <a:t>~2–4 hours </a:t>
+                      </a:r>
+                    </a:p>
+                    <a:p>
+                      <a:r>
+                        <a:rPr lang="en-US" sz="1400" dirty="0"/>
+                        <a:t>(based on complexity)</a:t>
+                      </a:r>
+                      <a:endParaRPr lang="en-US" sz="1400" b="0" dirty="0"/>
+                    </a:p>
+                  </a:txBody>
+                  <a:tcPr anchor="ctr"/>
+                </a:tc>
+                <a:tc>
+                  <a:txBody>
+                    <a:bodyPr/>
+                    <a:lstStyle/>
+                    <a:p>
+                      <a:pPr marL="0" marR="0" lvl="0" indent="0" algn="l" defTabSz="914400" rtl="0" eaLnBrk="1" fontAlgn="auto" latinLnBrk="0" hangingPunct="1">
+                        <a:lnSpc>
+                          <a:spcPct val="100000"/>
+                        </a:lnSpc>
+                        <a:spcBef>
+                          <a:spcPts val="0"/>
+                        </a:spcBef>
+                        <a:spcAft>
+                          <a:spcPts val="0"/>
+                        </a:spcAft>
+                        <a:buClrTx/>
+                        <a:buSzTx/>
+                        <a:buFontTx/>
+                        <a:buNone/>
+                        <a:tabLst/>
+                        <a:defRPr/>
+                      </a:pPr>
+                      <a:r>
+                        <a:rPr lang="en-US" sz="1400" b="0" dirty="0"/>
+                        <a:t>~2-5 minutes</a:t>
+                      </a:r>
+                    </a:p>
+                    <a:p>
+                      <a:endParaRPr lang="en-US" sz="1400" b="0" dirty="0"/>
+                    </a:p>
+                  </a:txBody>
+                  <a:tcPr anchor="ctr"/>
+                </a:tc>
+                <a:tc vMerge="1">
+                  <a:txBody>
+                    <a:bodyPr/>
+                    <a:lstStyle/>
+                    <a:p>
+                      <a:endParaRPr lang="en-US" sz="1400" dirty="0"/>
+                    </a:p>
+                  </a:txBody>
+                  <a:tcPr anchor="ctr"/>
+                </a:tc>
+                <a:extLst>
+                  <a:ext uri="{0D108BD9-81ED-4DB2-BD59-A6C34878D82A}">
+                    <a16:rowId xmlns:a16="http://schemas.microsoft.com/office/drawing/2014/main" val="1593244377"/>
+                  </a:ext>
+                </a:extLst>
+              </a:tr>
+              <a:tr h="533623">
+                <a:tc vMerge="1">
+                  <a:txBody>
+                    <a:bodyPr/>
+                    <a:lstStyle/>
+                    <a:p>
+                      <a:endParaRPr lang="en-US" sz="1400" dirty="0"/>
+                    </a:p>
+                  </a:txBody>
+                  <a:tcPr anchor="ctr"/>
+                </a:tc>
+                <a:tc>
+                  <a:txBody>
+                    <a:bodyPr/>
+                    <a:lstStyle/>
+                    <a:p>
+                      <a:r>
+                        <a:rPr lang="en-US" sz="1400" b="0" dirty="0"/>
+                        <a:t>Engineering Accelerator Agent</a:t>
+                      </a:r>
+                    </a:p>
+                  </a:txBody>
+                  <a:tcPr anchor="ctr"/>
+                </a:tc>
+                <a:tc>
+                  <a:txBody>
+                    <a:bodyPr/>
+                    <a:lstStyle/>
+                    <a:p>
+                      <a:r>
+                        <a:rPr lang="en-US" sz="1400" b="0" dirty="0"/>
+                        <a:t>4–8 hours (manual effort)</a:t>
+                      </a:r>
+                    </a:p>
+                  </a:txBody>
+                  <a:tcPr anchor="ctr"/>
+                </a:tc>
+                <a:tc>
+                  <a:txBody>
+                    <a:bodyPr/>
+                    <a:lstStyle/>
+                    <a:p>
+                      <a:r>
+                        <a:rPr lang="en-US" sz="1400" b="0" dirty="0"/>
+                        <a:t>~5–10 minutes</a:t>
+                      </a:r>
+                    </a:p>
+                  </a:txBody>
+                  <a:tcPr anchor="ctr"/>
+                </a:tc>
+                <a:tc vMerge="1">
+                  <a:txBody>
+                    <a:bodyPr/>
+                    <a:lstStyle/>
+                    <a:p>
+                      <a:endParaRPr lang="en-US" sz="1400" dirty="0"/>
+                    </a:p>
+                  </a:txBody>
+                  <a:tcPr anchor="ctr"/>
+                </a:tc>
+                <a:extLst>
+                  <a:ext uri="{0D108BD9-81ED-4DB2-BD59-A6C34878D82A}">
+                    <a16:rowId xmlns:a16="http://schemas.microsoft.com/office/drawing/2014/main" val="1188330551"/>
+                  </a:ext>
+                </a:extLst>
+              </a:tr>
+              <a:tr h="313896">
+                <a:tc gridSpan="5">
+                  <a:txBody>
+                    <a:bodyPr/>
+                    <a:lstStyle/>
+                    <a:p>
+                      <a:pPr marL="0" marR="0" lvl="0" indent="0" algn="l" defTabSz="914400" rtl="0" eaLnBrk="1" fontAlgn="auto" latinLnBrk="0" hangingPunct="1">
+                        <a:lnSpc>
+                          <a:spcPct val="100000"/>
+                        </a:lnSpc>
+                        <a:spcBef>
+                          <a:spcPts val="0"/>
+                        </a:spcBef>
+                        <a:spcAft>
+                          <a:spcPts val="0"/>
+                        </a:spcAft>
+                        <a:buClrTx/>
+                        <a:buSzTx/>
+                        <a:buFontTx/>
+                        <a:buNone/>
+                        <a:tabLst/>
+                        <a:defRPr/>
+                      </a:pPr>
+                      <a:endParaRPr lang="en-US" sz="1400" b="0" dirty="0"/>
+                    </a:p>
+                  </a:txBody>
+                  <a:tcPr anchor="ctr"/>
+                </a:tc>
+                <a:tc hMerge="1">
+                  <a:txBody>
+                    <a:bodyPr/>
+                    <a:lstStyle/>
+                    <a:p>
+                      <a:endParaRPr lang="en-US" sz="1400" dirty="0"/>
+                    </a:p>
+                  </a:txBody>
+                  <a:tcPr anchor="ctr"/>
+                </a:tc>
+                <a:tc hMerge="1">
+                  <a:txBody>
+                    <a:bodyPr/>
+                    <a:lstStyle/>
+                    <a:p>
+                      <a:endParaRPr lang="en-US" sz="1400" dirty="0"/>
+                    </a:p>
+                  </a:txBody>
+                  <a:tcPr anchor="ctr"/>
+                </a:tc>
+                <a:tc hMerge="1">
+                  <a:txBody>
+                    <a:bodyPr/>
+                    <a:lstStyle/>
+                    <a:p>
+                      <a:pPr marL="0" marR="0" lvl="0" indent="0" algn="l" defTabSz="914400" rtl="0" eaLnBrk="1" fontAlgn="auto" latinLnBrk="0" hangingPunct="1">
+                        <a:lnSpc>
+                          <a:spcPct val="100000"/>
+                        </a:lnSpc>
+                        <a:spcBef>
+                          <a:spcPts val="0"/>
+                        </a:spcBef>
+                        <a:spcAft>
+                          <a:spcPts val="0"/>
+                        </a:spcAft>
+                        <a:buClrTx/>
+                        <a:buSzTx/>
+                        <a:buFontTx/>
+                        <a:buNone/>
+                        <a:tabLst/>
+                        <a:defRPr/>
+                      </a:pPr>
+                      <a:endParaRPr lang="en-US" sz="1400" dirty="0"/>
+                    </a:p>
+                  </a:txBody>
+                  <a:tcPr anchor="ctr"/>
+                </a:tc>
+                <a:tc hMerge="1">
+                  <a:txBody>
+                    <a:bodyPr/>
+                    <a:lstStyle/>
+                    <a:p>
+                      <a:endParaRPr lang="en-US" sz="1400" dirty="0"/>
+                    </a:p>
+                  </a:txBody>
+                  <a:tcPr anchor="ctr"/>
+                </a:tc>
+                <a:extLst>
+                  <a:ext uri="{0D108BD9-81ED-4DB2-BD59-A6C34878D82A}">
+                    <a16:rowId xmlns:a16="http://schemas.microsoft.com/office/drawing/2014/main" val="3616820830"/>
+                  </a:ext>
+                </a:extLst>
+              </a:tr>
+              <a:tr h="533623">
+                <a:tc rowSpan="4">
+                  <a:txBody>
+                    <a:bodyPr/>
+                    <a:lstStyle/>
+                    <a:p>
+                      <a:pPr marL="0" marR="0" lvl="0" indent="0" algn="l" defTabSz="914400" rtl="0" eaLnBrk="1" fontAlgn="auto" latinLnBrk="0" hangingPunct="1">
+                        <a:lnSpc>
+                          <a:spcPct val="100000"/>
+                        </a:lnSpc>
+                        <a:spcBef>
+                          <a:spcPts val="0"/>
+                        </a:spcBef>
+                        <a:spcAft>
+                          <a:spcPts val="0"/>
+                        </a:spcAft>
+                        <a:buClrTx/>
+                        <a:buSzTx/>
+                        <a:buFontTx/>
+                        <a:buNone/>
+                        <a:tabLst/>
+                        <a:defRPr/>
+                      </a:pPr>
+                      <a:r>
+                        <a:rPr lang="en-US" sz="1400" b="1" dirty="0"/>
+                        <a:t>Efficiency and Execution</a:t>
+                      </a:r>
+                    </a:p>
+                  </a:txBody>
+                  <a:tcPr anchor="ctr"/>
+                </a:tc>
+                <a:tc>
+                  <a:txBody>
+                    <a:bodyPr/>
+                    <a:lstStyle/>
+                    <a:p>
+                      <a:r>
+                        <a:rPr lang="en-US" sz="1400" b="0" dirty="0"/>
+                        <a:t>Complex Data Parsing </a:t>
+                      </a:r>
+                    </a:p>
+                    <a:p>
+                      <a:r>
+                        <a:rPr lang="en-US" sz="1400" b="0" dirty="0"/>
+                        <a:t>(JSON/Stored Proc)</a:t>
+                      </a:r>
+                    </a:p>
+                  </a:txBody>
+                  <a:tcPr anchor="ctr"/>
+                </a:tc>
+                <a:tc>
+                  <a:txBody>
+                    <a:bodyPr/>
+                    <a:lstStyle/>
+                    <a:p>
+                      <a:r>
+                        <a:rPr lang="en-US" sz="1400" b="0" dirty="0"/>
+                        <a:t>Manual, time-intensive</a:t>
+                      </a:r>
+                    </a:p>
+                  </a:txBody>
+                  <a:tcPr anchor="ctr"/>
+                </a:tc>
+                <a:tc>
+                  <a:txBody>
+                    <a:bodyPr/>
+                    <a:lstStyle/>
+                    <a:p>
+                      <a:pPr marL="0" marR="0" lvl="0" indent="0" algn="l" defTabSz="914400" rtl="0" eaLnBrk="1" fontAlgn="auto" latinLnBrk="0" hangingPunct="1">
+                        <a:lnSpc>
+                          <a:spcPct val="100000"/>
+                        </a:lnSpc>
+                        <a:spcBef>
+                          <a:spcPts val="0"/>
+                        </a:spcBef>
+                        <a:spcAft>
+                          <a:spcPts val="0"/>
+                        </a:spcAft>
+                        <a:buClrTx/>
+                        <a:buSzTx/>
+                        <a:buFontTx/>
+                        <a:buNone/>
+                        <a:tabLst/>
+                        <a:defRPr/>
+                      </a:pPr>
+                      <a:r>
+                        <a:rPr lang="en-US" sz="1400" b="0" dirty="0"/>
+                        <a:t>Parsed, summarized, and annotated </a:t>
+                      </a:r>
+                      <a:r>
+                        <a:rPr lang="en-US" sz="1400" dirty="0"/>
+                        <a:t>instantly</a:t>
+                      </a:r>
+                      <a:r>
+                        <a:rPr lang="en-US" sz="1400" b="0" dirty="0"/>
+                        <a:t>. </a:t>
+                      </a:r>
+                    </a:p>
+                  </a:txBody>
+                  <a:tcPr anchor="ctr"/>
+                </a:tc>
+                <a:tc rowSpan="4">
+                  <a:txBody>
+                    <a:bodyPr/>
+                    <a:lstStyle/>
+                    <a:p>
+                      <a:pPr marL="0" marR="0" lvl="0" indent="0" algn="l" defTabSz="914400" rtl="0" eaLnBrk="1" fontAlgn="auto" latinLnBrk="0" hangingPunct="1">
+                        <a:lnSpc>
+                          <a:spcPct val="100000"/>
+                        </a:lnSpc>
+                        <a:spcBef>
+                          <a:spcPts val="0"/>
+                        </a:spcBef>
+                        <a:spcAft>
+                          <a:spcPts val="0"/>
+                        </a:spcAft>
+                        <a:buClrTx/>
+                        <a:buSzTx/>
+                        <a:buFontTx/>
+                        <a:buNone/>
+                        <a:tabLst/>
+                        <a:defRPr/>
+                      </a:pPr>
+                      <a:r>
+                        <a:rPr lang="en-US" sz="1400" b="1" dirty="0"/>
+                        <a:t>High automation capability and Engineering productivity booster</a:t>
+                      </a:r>
+                    </a:p>
+                  </a:txBody>
+                  <a:tcPr anchor="ctr"/>
+                </a:tc>
+                <a:extLst>
+                  <a:ext uri="{0D108BD9-81ED-4DB2-BD59-A6C34878D82A}">
+                    <a16:rowId xmlns:a16="http://schemas.microsoft.com/office/drawing/2014/main" val="2259914768"/>
+                  </a:ext>
+                </a:extLst>
+              </a:tr>
+              <a:tr h="533623">
+                <a:tc vMerge="1">
+                  <a:txBody>
+                    <a:bodyPr/>
+                    <a:lstStyle/>
+                    <a:p>
+                      <a:endParaRPr lang="en-US" sz="1400" b="0" dirty="0"/>
+                    </a:p>
+                  </a:txBody>
+                  <a:tcPr anchor="ctr"/>
+                </a:tc>
+                <a:tc>
+                  <a:txBody>
+                    <a:bodyPr/>
+                    <a:lstStyle/>
+                    <a:p>
+                      <a:r>
+                        <a:rPr lang="en-US" sz="1400" b="0" dirty="0"/>
+                        <a:t>Code Commenting and Unit Test </a:t>
+                      </a:r>
+                      <a:r>
+                        <a:rPr lang="en-US" sz="1400" dirty="0"/>
+                        <a:t>Generation</a:t>
+                      </a:r>
+                      <a:endParaRPr lang="en-US" sz="1400" b="0" dirty="0"/>
+                    </a:p>
+                  </a:txBody>
+                  <a:tcPr anchor="ctr"/>
+                </a:tc>
+                <a:tc>
+                  <a:txBody>
+                    <a:bodyPr/>
+                    <a:lstStyle/>
+                    <a:p>
+                      <a:r>
+                        <a:rPr lang="en-US" sz="1400" b="0" dirty="0"/>
+                        <a:t>Manual, time-intensive</a:t>
+                      </a:r>
+                    </a:p>
+                  </a:txBody>
+                  <a:tcPr anchor="ctr"/>
+                </a:tc>
+                <a:tc>
+                  <a:txBody>
+                    <a:bodyPr/>
+                    <a:lstStyle/>
+                    <a:p>
+                      <a:r>
+                        <a:rPr lang="en-US" sz="1400" dirty="0"/>
+                        <a:t>Generated dynamically by the agent</a:t>
+                      </a:r>
+                      <a:endParaRPr lang="en-US" sz="1400" b="0" dirty="0"/>
+                    </a:p>
+                  </a:txBody>
+                  <a:tcPr anchor="ctr"/>
+                </a:tc>
+                <a:tc vMerge="1">
+                  <a:txBody>
+                    <a:bodyPr/>
+                    <a:lstStyle/>
+                    <a:p>
+                      <a:endParaRPr lang="en-US" sz="1400" b="0" dirty="0"/>
+                    </a:p>
+                  </a:txBody>
+                  <a:tcPr anchor="ctr"/>
+                </a:tc>
+                <a:extLst>
+                  <a:ext uri="{0D108BD9-81ED-4DB2-BD59-A6C34878D82A}">
+                    <a16:rowId xmlns:a16="http://schemas.microsoft.com/office/drawing/2014/main" val="1574979674"/>
+                  </a:ext>
+                </a:extLst>
+              </a:tr>
+              <a:tr h="533623">
+                <a:tc vMerge="1">
+                  <a:txBody>
+                    <a:bodyPr/>
+                    <a:lstStyle/>
+                    <a:p>
+                      <a:endParaRPr lang="en-US" sz="1400" b="0" dirty="0"/>
+                    </a:p>
+                  </a:txBody>
+                  <a:tcPr anchor="ctr"/>
+                </a:tc>
+                <a:tc>
+                  <a:txBody>
+                    <a:bodyPr/>
+                    <a:lstStyle/>
+                    <a:p>
+                      <a:r>
+                        <a:rPr lang="en-US" sz="1400" b="0" dirty="0"/>
+                        <a:t>Multi-Agent Orchestration</a:t>
+                      </a:r>
+                    </a:p>
+                  </a:txBody>
+                  <a:tcPr anchor="ctr"/>
+                </a:tc>
+                <a:tc>
+                  <a:txBody>
+                    <a:bodyPr/>
+                    <a:lstStyle/>
+                    <a:p>
+                      <a:r>
+                        <a:rPr lang="en-US" sz="1400" b="0"/>
+                        <a:t>Requires coordination/manual</a:t>
+                      </a:r>
+                    </a:p>
+                  </a:txBody>
+                  <a:tcPr anchor="ctr"/>
+                </a:tc>
+                <a:tc>
+                  <a:txBody>
+                    <a:bodyPr/>
+                    <a:lstStyle/>
+                    <a:p>
+                      <a:r>
+                        <a:rPr lang="en-US" sz="1400" b="0" dirty="0"/>
+                        <a:t>Seamless via Agents SDK</a:t>
+                      </a:r>
+                    </a:p>
+                  </a:txBody>
+                  <a:tcPr anchor="ctr"/>
+                </a:tc>
+                <a:tc vMerge="1">
+                  <a:txBody>
+                    <a:bodyPr/>
+                    <a:lstStyle/>
+                    <a:p>
+                      <a:endParaRPr lang="en-US" sz="1400" b="0" dirty="0"/>
+                    </a:p>
+                  </a:txBody>
+                  <a:tcPr anchor="ctr"/>
+                </a:tc>
+                <a:extLst>
+                  <a:ext uri="{0D108BD9-81ED-4DB2-BD59-A6C34878D82A}">
+                    <a16:rowId xmlns:a16="http://schemas.microsoft.com/office/drawing/2014/main" val="2836154667"/>
+                  </a:ext>
+                </a:extLst>
+              </a:tr>
+              <a:tr h="533623">
+                <a:tc vMerge="1">
+                  <a:txBody>
+                    <a:bodyPr/>
+                    <a:lstStyle/>
+                    <a:p>
+                      <a:endParaRPr lang="en-US" sz="1400" b="0" dirty="0"/>
+                    </a:p>
+                  </a:txBody>
+                  <a:tcPr anchor="ctr"/>
+                </a:tc>
+                <a:tc>
+                  <a:txBody>
+                    <a:bodyPr/>
+                    <a:lstStyle/>
+                    <a:p>
+                      <a:r>
+                        <a:rPr lang="en-US" sz="1400" b="0" dirty="0"/>
+                        <a:t>Reusability of Patterns</a:t>
+                      </a:r>
+                    </a:p>
+                  </a:txBody>
+                  <a:tcPr anchor="ctr"/>
+                </a:tc>
+                <a:tc>
+                  <a:txBody>
+                    <a:bodyPr/>
+                    <a:lstStyle/>
+                    <a:p>
+                      <a:r>
+                        <a:rPr lang="en-US" sz="1400" b="0" dirty="0"/>
+                        <a:t>Low</a:t>
+                      </a:r>
+                    </a:p>
+                  </a:txBody>
+                  <a:tcPr anchor="ctr"/>
+                </a:tc>
+                <a:tc>
+                  <a:txBody>
+                    <a:bodyPr/>
+                    <a:lstStyle/>
+                    <a:p>
+                      <a:r>
+                        <a:rPr lang="en-US" sz="1400" b="0" dirty="0"/>
+                        <a:t>High – reusable agents for multiple tasks</a:t>
+                      </a:r>
+                    </a:p>
+                  </a:txBody>
+                  <a:tcPr anchor="ctr"/>
+                </a:tc>
+                <a:tc vMerge="1">
+                  <a:txBody>
+                    <a:bodyPr/>
+                    <a:lstStyle/>
+                    <a:p>
+                      <a:endParaRPr lang="en-US" sz="1400" b="0" dirty="0"/>
+                    </a:p>
+                  </a:txBody>
+                  <a:tcPr anchor="ctr"/>
+                </a:tc>
+                <a:extLst>
+                  <a:ext uri="{0D108BD9-81ED-4DB2-BD59-A6C34878D82A}">
+                    <a16:rowId xmlns:a16="http://schemas.microsoft.com/office/drawing/2014/main" val="3168137853"/>
+                  </a:ext>
+                </a:extLst>
+              </a:tr>
+            </a:tbl>
+          </a:graphicData>
+        </a:graphic>
+      </p:graphicFrame>
     </p:spTree>
     <p:extLst>
       <p:ext uri="{BB962C8B-B14F-4D97-AF65-F5344CB8AC3E}">
-        <p14:creationId xmlns:p14="http://schemas.microsoft.com/office/powerpoint/2010/main" val="1086617000"/>
+        <p14:creationId xmlns:p14="http://schemas.microsoft.com/office/powerpoint/2010/main" val="4148832402"/>
       </p:ext>
     </p:extLst>
   </p:cSld>
@@ -12104,7 +12994,7 @@
           <p:cNvPr id="4" name="TextBox 3">
             <a:extLst>
               <a:ext uri="{FF2B5EF4-FFF2-40B4-BE49-F238E27FC236}">
-                <a16:creationId xmlns:a16="http://schemas.microsoft.com/office/drawing/2014/main" id="{0B205ED7-CA2A-2FFE-8AF6-7C1545C8E1FC}"/>
+                <a16:creationId xmlns:a16="http://schemas.microsoft.com/office/drawing/2014/main" id="{3DBA24FF-D225-5DDC-76CB-ACD9B9C8E8C4}"/>
               </a:ext>
             </a:extLst>
           </p:cNvPr>
@@ -12113,8 +13003,8 @@
         </p:nvSpPr>
         <p:spPr>
           <a:xfrm>
-            <a:off x="299655" y="74303"/>
-            <a:ext cx="2702856" cy="461665"/>
+            <a:off x="293153" y="60229"/>
+            <a:ext cx="1548822" cy="461665"/>
           </a:xfrm>
           <a:prstGeom prst="rect">
             <a:avLst/>
@@ -12129,17 +13019,17 @@
           <a:p>
             <a:r>
               <a:rPr lang="en-US" sz="2400" dirty="0"/>
-              <a:t>Agent Orchestration</a:t>
+              <a:t>Conclusion</a:t>
             </a:r>
           </a:p>
         </p:txBody>
       </p:sp>
       <p:cxnSp>
         <p:nvCxnSpPr>
-          <p:cNvPr id="2" name="Straight Connector 1">
-            <a:extLst>
-              <a:ext uri="{FF2B5EF4-FFF2-40B4-BE49-F238E27FC236}">
-                <a16:creationId xmlns:a16="http://schemas.microsoft.com/office/drawing/2014/main" id="{22E1BF60-C091-F918-A508-C0CD2544E876}"/>
+          <p:cNvPr id="5" name="Straight Connector 4">
+            <a:extLst>
+              <a:ext uri="{FF2B5EF4-FFF2-40B4-BE49-F238E27FC236}">
+                <a16:creationId xmlns:a16="http://schemas.microsoft.com/office/drawing/2014/main" id="{1A042C2A-67D4-152D-F87E-7C04940E8654}"/>
               </a:ext>
             </a:extLst>
           </p:cNvPr>
@@ -12148,7 +13038,7 @@
         </p:nvCxnSpPr>
         <p:spPr>
           <a:xfrm>
-            <a:off x="432619" y="545800"/>
+            <a:off x="426118" y="531724"/>
             <a:ext cx="11759381" cy="0"/>
           </a:xfrm>
           <a:prstGeom prst="line">
@@ -12170,86 +13060,453 @@
           </a:fontRef>
         </p:style>
       </p:cxnSp>
-      <p:pic>
-        <p:nvPicPr>
-          <p:cNvPr id="3" name="Picture 2">
-            <a:extLst>
-              <a:ext uri="{FF2B5EF4-FFF2-40B4-BE49-F238E27FC236}">
-                <a16:creationId xmlns:a16="http://schemas.microsoft.com/office/drawing/2014/main" id="{06D2A7A1-41B6-3809-CE19-54125905CBE9}"/>
-              </a:ext>
-            </a:extLst>
-          </p:cNvPr>
-          <p:cNvPicPr>
-            <a:picLocks noChangeAspect="1"/>
-          </p:cNvPicPr>
-          <p:nvPr/>
-        </p:nvPicPr>
-        <p:blipFill>
-          <a:blip r:embed="rId2"/>
-          <a:stretch>
-            <a:fillRect/>
-          </a:stretch>
-        </p:blipFill>
-        <p:spPr>
-          <a:xfrm>
-            <a:off x="1895168" y="683452"/>
-            <a:ext cx="8331200" cy="1544320"/>
+      <p:sp>
+        <p:nvSpPr>
+          <p:cNvPr id="11" name="TextBox 10">
+            <a:extLst>
+              <a:ext uri="{FF2B5EF4-FFF2-40B4-BE49-F238E27FC236}">
+                <a16:creationId xmlns:a16="http://schemas.microsoft.com/office/drawing/2014/main" id="{AD225C84-18A3-4465-7867-ADB07F6DDDE6}"/>
+              </a:ext>
+            </a:extLst>
+          </p:cNvPr>
+          <p:cNvSpPr txBox="1"/>
+          <p:nvPr/>
+        </p:nvSpPr>
+        <p:spPr>
+          <a:xfrm>
+            <a:off x="293152" y="761380"/>
+            <a:ext cx="11759381" cy="5016758"/>
           </a:xfrm>
           <a:prstGeom prst="rect">
             <a:avLst/>
           </a:prstGeom>
-          <a:effectLst>
-            <a:glow rad="63500">
-              <a:schemeClr val="accent5">
-                <a:satMod val="175000"/>
-                <a:alpha val="40000"/>
-              </a:schemeClr>
-            </a:glow>
-          </a:effectLst>
-        </p:spPr>
-      </p:pic>
-      <p:pic>
-        <p:nvPicPr>
-          <p:cNvPr id="5" name="Picture 4">
-            <a:extLst>
-              <a:ext uri="{FF2B5EF4-FFF2-40B4-BE49-F238E27FC236}">
-                <a16:creationId xmlns:a16="http://schemas.microsoft.com/office/drawing/2014/main" id="{032B032F-B08F-D8D1-3E1F-E0A14A3D7972}"/>
-              </a:ext>
-            </a:extLst>
-          </p:cNvPr>
-          <p:cNvPicPr>
-            <a:picLocks noChangeAspect="1"/>
-          </p:cNvPicPr>
-          <p:nvPr/>
-        </p:nvPicPr>
-        <p:blipFill>
-          <a:blip r:embed="rId3"/>
-          <a:stretch>
-            <a:fillRect/>
-          </a:stretch>
-        </p:blipFill>
-        <p:spPr>
-          <a:xfrm>
-            <a:off x="1910187" y="2365423"/>
-            <a:ext cx="8320278" cy="4245356"/>
-          </a:xfrm>
-          <a:prstGeom prst="rect">
-            <a:avLst/>
-          </a:prstGeom>
-          <a:effectLst>
-            <a:glow rad="101600">
-              <a:schemeClr val="accent5">
-                <a:satMod val="175000"/>
-                <a:alpha val="40000"/>
-              </a:schemeClr>
-            </a:glow>
-          </a:effectLst>
-        </p:spPr>
-      </p:pic>
+          <a:noFill/>
+        </p:spPr>
+        <p:txBody>
+          <a:bodyPr wrap="square">
+            <a:spAutoFit/>
+          </a:bodyPr>
+          <a:lstStyle/>
+          <a:p>
+            <a:pPr algn="l"/>
+            <a:r>
+              <a:rPr lang="en-US" sz="1600" b="0" i="0" dirty="0">
+                <a:solidFill>
+                  <a:srgbClr val="242424"/>
+                </a:solidFill>
+                <a:effectLst/>
+                <a:latin typeface="source-serif-pro"/>
+              </a:rPr>
+              <a:t>Agentic AI showed strong potential, especially with LLM-triggered custom functions, offering dynamic and powerful execution. </a:t>
+            </a:r>
+            <a:r>
+              <a:rPr lang="en-US" sz="1600" b="0" i="0" dirty="0" err="1">
+                <a:solidFill>
+                  <a:srgbClr val="242424"/>
+                </a:solidFill>
+                <a:effectLst/>
+                <a:latin typeface="source-serif-pro"/>
+              </a:rPr>
+              <a:t>OpenAI’s</a:t>
+            </a:r>
+            <a:r>
+              <a:rPr lang="en-US" sz="1600" b="0" i="0" dirty="0">
+                <a:solidFill>
+                  <a:srgbClr val="242424"/>
+                </a:solidFill>
+                <a:effectLst/>
+                <a:latin typeface="source-serif-pro"/>
+              </a:rPr>
+              <a:t> Agents SDK brings together tools, guardrails, hand-offs, and search features in one platform. Costs remained reasonable — likely due to model choice — and the tracing dashboard proved invaluable for deep execution insights.</a:t>
+            </a:r>
+          </a:p>
+          <a:p>
+            <a:pPr algn="l"/>
+            <a:endParaRPr lang="en-US" sz="1600" b="0" i="0" dirty="0">
+              <a:solidFill>
+                <a:srgbClr val="242424"/>
+              </a:solidFill>
+              <a:effectLst/>
+              <a:latin typeface="source-serif-pro"/>
+            </a:endParaRPr>
+          </a:p>
+          <a:p>
+            <a:pPr algn="l"/>
+            <a:r>
+              <a:rPr lang="en-US" sz="1600" b="0" i="0" dirty="0">
+                <a:solidFill>
+                  <a:srgbClr val="242424"/>
+                </a:solidFill>
+                <a:effectLst/>
+                <a:latin typeface="source-serif-pro"/>
+              </a:rPr>
+              <a:t>While many aspects were surprisingly effective, a few observations stood out:</a:t>
+            </a:r>
+          </a:p>
+          <a:p>
+            <a:pPr marL="742950" lvl="1" indent="-285750">
+              <a:buFont typeface="Arial" panose="020B0604020202020204" pitchFamily="34" charset="0"/>
+              <a:buChar char="•"/>
+            </a:pPr>
+            <a:endParaRPr lang="en-US" sz="1600" b="1" i="0" dirty="0">
+              <a:solidFill>
+                <a:srgbClr val="242424"/>
+              </a:solidFill>
+              <a:effectLst/>
+              <a:latin typeface="source-serif-pro"/>
+            </a:endParaRPr>
+          </a:p>
+          <a:p>
+            <a:pPr marL="742950" lvl="1" indent="-285750">
+              <a:buFont typeface="Arial" panose="020B0604020202020204" pitchFamily="34" charset="0"/>
+              <a:buChar char="•"/>
+            </a:pPr>
+            <a:r>
+              <a:rPr lang="en-US" sz="1600" b="1" i="0" dirty="0">
+                <a:solidFill>
+                  <a:srgbClr val="242424"/>
+                </a:solidFill>
+                <a:effectLst/>
+                <a:latin typeface="source-serif-pro"/>
+              </a:rPr>
+              <a:t>Consistency:</a:t>
+            </a:r>
+            <a:r>
+              <a:rPr lang="en-US" sz="1600" b="0" i="0" dirty="0">
+                <a:solidFill>
+                  <a:srgbClr val="242424"/>
+                </a:solidFill>
+                <a:effectLst/>
+                <a:latin typeface="source-serif-pro"/>
+              </a:rPr>
+              <a:t> The responses weren’t always consistent, with several instances where answers varied.</a:t>
+            </a:r>
+          </a:p>
+          <a:p>
+            <a:pPr marL="742950" lvl="1" indent="-285750">
+              <a:buFont typeface="Arial" panose="020B0604020202020204" pitchFamily="34" charset="0"/>
+              <a:buChar char="•"/>
+            </a:pPr>
+            <a:endParaRPr lang="en-US" sz="1600" b="1" i="0" dirty="0">
+              <a:solidFill>
+                <a:srgbClr val="242424"/>
+              </a:solidFill>
+              <a:effectLst/>
+              <a:latin typeface="source-serif-pro"/>
+            </a:endParaRPr>
+          </a:p>
+          <a:p>
+            <a:pPr marL="742950" lvl="1" indent="-285750">
+              <a:buFont typeface="Arial" panose="020B0604020202020204" pitchFamily="34" charset="0"/>
+              <a:buChar char="•"/>
+            </a:pPr>
+            <a:r>
+              <a:rPr lang="en-US" sz="1600" b="1" i="0" dirty="0">
+                <a:solidFill>
+                  <a:srgbClr val="242424"/>
+                </a:solidFill>
+                <a:effectLst/>
+                <a:latin typeface="source-serif-pro"/>
+              </a:rPr>
+              <a:t>Instructions:</a:t>
+            </a:r>
+            <a:r>
+              <a:rPr lang="en-US" sz="1600" b="0" i="0" dirty="0">
+                <a:solidFill>
+                  <a:srgbClr val="242424"/>
+                </a:solidFill>
+                <a:effectLst/>
+                <a:latin typeface="source-serif-pro"/>
+              </a:rPr>
+              <a:t> Providing detailed instructions to agents is crucial; without them, the outputs tend to be inconsistent or lack direction.</a:t>
+            </a:r>
+          </a:p>
+          <a:p>
+            <a:pPr marL="742950" lvl="1" indent="-285750">
+              <a:buFont typeface="Arial" panose="020B0604020202020204" pitchFamily="34" charset="0"/>
+              <a:buChar char="•"/>
+            </a:pPr>
+            <a:endParaRPr lang="en-US" sz="1600" b="1" i="0" dirty="0">
+              <a:solidFill>
+                <a:srgbClr val="242424"/>
+              </a:solidFill>
+              <a:effectLst/>
+              <a:latin typeface="source-serif-pro"/>
+            </a:endParaRPr>
+          </a:p>
+          <a:p>
+            <a:pPr marL="742950" lvl="1" indent="-285750">
+              <a:buFont typeface="Arial" panose="020B0604020202020204" pitchFamily="34" charset="0"/>
+              <a:buChar char="•"/>
+            </a:pPr>
+            <a:r>
+              <a:rPr lang="en-US" sz="1600" b="1" i="0" dirty="0">
+                <a:solidFill>
+                  <a:srgbClr val="242424"/>
+                </a:solidFill>
+                <a:effectLst/>
+                <a:latin typeface="source-serif-pro"/>
+              </a:rPr>
+              <a:t>Mathematical Computations:</a:t>
+            </a:r>
+            <a:r>
+              <a:rPr lang="en-US" sz="1600" b="0" i="0" dirty="0">
+                <a:solidFill>
+                  <a:srgbClr val="242424"/>
+                </a:solidFill>
+                <a:effectLst/>
+                <a:latin typeface="source-serif-pro"/>
+              </a:rPr>
+              <a:t> Some financial calculations, particularly sales comparisons, were occasionally inaccurate — highlighting the need for better math handling or more use of </a:t>
+            </a:r>
+            <a:r>
+              <a:rPr lang="en-US" sz="1600" b="0" i="0" dirty="0" err="1">
+                <a:solidFill>
+                  <a:srgbClr val="242424"/>
+                </a:solidFill>
+                <a:effectLst/>
+                <a:latin typeface="source-serif-pro"/>
+              </a:rPr>
+              <a:t>function_tools</a:t>
+            </a:r>
+            <a:r>
+              <a:rPr lang="en-US" sz="1600" b="0" i="0" dirty="0">
+                <a:solidFill>
+                  <a:srgbClr val="242424"/>
+                </a:solidFill>
+                <a:effectLst/>
+                <a:latin typeface="source-serif-pro"/>
+              </a:rPr>
+              <a:t>.</a:t>
+            </a:r>
+          </a:p>
+          <a:p>
+            <a:pPr marL="742950" lvl="1" indent="-285750">
+              <a:buFont typeface="Arial" panose="020B0604020202020204" pitchFamily="34" charset="0"/>
+              <a:buChar char="•"/>
+            </a:pPr>
+            <a:endParaRPr lang="en-US" sz="1600" b="1" i="0" dirty="0">
+              <a:solidFill>
+                <a:srgbClr val="242424"/>
+              </a:solidFill>
+              <a:effectLst/>
+              <a:latin typeface="source-serif-pro"/>
+            </a:endParaRPr>
+          </a:p>
+          <a:p>
+            <a:pPr marL="742950" lvl="1" indent="-285750">
+              <a:buFont typeface="Arial" panose="020B0604020202020204" pitchFamily="34" charset="0"/>
+              <a:buChar char="•"/>
+            </a:pPr>
+            <a:r>
+              <a:rPr lang="en-US" sz="1600" b="1" i="0" dirty="0">
+                <a:solidFill>
+                  <a:srgbClr val="242424"/>
+                </a:solidFill>
+                <a:effectLst/>
+                <a:latin typeface="source-serif-pro"/>
+              </a:rPr>
+              <a:t>Performance:</a:t>
+            </a:r>
+            <a:r>
+              <a:rPr lang="en-US" sz="1600" b="0" i="0" dirty="0">
+                <a:solidFill>
+                  <a:srgbClr val="242424"/>
+                </a:solidFill>
+                <a:effectLst/>
+                <a:latin typeface="source-serif-pro"/>
+              </a:rPr>
+              <a:t> The overall performance was somewhat slower than </a:t>
+            </a:r>
+            <a:r>
+              <a:rPr lang="en-US" sz="1600" b="0" i="0" dirty="0" err="1">
+                <a:solidFill>
+                  <a:srgbClr val="242424"/>
+                </a:solidFill>
+                <a:effectLst/>
+                <a:latin typeface="source-serif-pro"/>
+              </a:rPr>
+              <a:t>ChatGPT</a:t>
+            </a:r>
+            <a:r>
+              <a:rPr lang="en-US" sz="1600" b="0" i="0" dirty="0">
+                <a:solidFill>
+                  <a:srgbClr val="242424"/>
+                </a:solidFill>
+                <a:effectLst/>
+                <a:latin typeface="source-serif-pro"/>
+              </a:rPr>
+              <a:t> or other </a:t>
+            </a:r>
+            <a:r>
+              <a:rPr lang="en-US" sz="1600" b="0" i="0" dirty="0" err="1">
+                <a:solidFill>
+                  <a:srgbClr val="242424"/>
+                </a:solidFill>
+                <a:effectLst/>
+                <a:latin typeface="source-serif-pro"/>
+              </a:rPr>
+              <a:t>GenAI</a:t>
+            </a:r>
+            <a:r>
+              <a:rPr lang="en-US" sz="1600" b="0" i="0" dirty="0">
+                <a:solidFill>
+                  <a:srgbClr val="242424"/>
+                </a:solidFill>
+                <a:effectLst/>
+                <a:latin typeface="source-serif-pro"/>
+              </a:rPr>
+              <a:t> UI-based tools, likely due to the model choice or inconsistent use of caching/memory.</a:t>
+            </a:r>
+          </a:p>
+          <a:p>
+            <a:pPr algn="l"/>
+            <a:endParaRPr lang="en-US" sz="1600" b="1" i="1" dirty="0">
+              <a:solidFill>
+                <a:srgbClr val="242424"/>
+              </a:solidFill>
+              <a:effectLst/>
+              <a:latin typeface="source-serif-pro"/>
+            </a:endParaRPr>
+          </a:p>
+          <a:p>
+            <a:pPr algn="ctr"/>
+            <a:endParaRPr lang="en-US" sz="1600" b="1" i="1" dirty="0">
+              <a:solidFill>
+                <a:srgbClr val="242424"/>
+              </a:solidFill>
+              <a:effectLst/>
+              <a:latin typeface="source-serif-pro"/>
+            </a:endParaRPr>
+          </a:p>
+          <a:p>
+            <a:pPr algn="ctr"/>
+            <a:r>
+              <a:rPr lang="en-US" sz="1600" b="1" i="1" dirty="0">
+                <a:solidFill>
+                  <a:srgbClr val="242424"/>
+                </a:solidFill>
+                <a:effectLst/>
+                <a:latin typeface="source-serif-pro"/>
+              </a:rPr>
+              <a:t>Overall: </a:t>
+            </a:r>
+            <a:r>
+              <a:rPr lang="en-US" sz="1600" b="0" i="1" dirty="0">
+                <a:solidFill>
+                  <a:srgbClr val="242424"/>
+                </a:solidFill>
+                <a:effectLst/>
+                <a:latin typeface="source-serif-pro"/>
+              </a:rPr>
+              <a:t>“Agentic AI acts as an </a:t>
+            </a:r>
+            <a:r>
+              <a:rPr lang="en-US" sz="1600" b="1" i="1" dirty="0">
+                <a:solidFill>
+                  <a:srgbClr val="242424"/>
+                </a:solidFill>
+                <a:effectLst/>
+                <a:latin typeface="source-serif-pro"/>
+              </a:rPr>
+              <a:t>executor of tasks </a:t>
+            </a:r>
+            <a:r>
+              <a:rPr lang="en-US" sz="1600" b="0" i="1" dirty="0">
+                <a:solidFill>
+                  <a:srgbClr val="242424"/>
+                </a:solidFill>
+                <a:effectLst/>
+                <a:latin typeface="source-serif-pro"/>
+              </a:rPr>
+              <a:t>based on given instructions, capable of orchestrating multiple tasks efficiently.</a:t>
+            </a:r>
+            <a:endParaRPr lang="en-US" sz="1600" b="0" i="0" dirty="0">
+              <a:solidFill>
+                <a:srgbClr val="242424"/>
+              </a:solidFill>
+              <a:effectLst/>
+              <a:latin typeface="source-serif-pro"/>
+            </a:endParaRPr>
+          </a:p>
+          <a:p>
+            <a:pPr algn="ctr"/>
+            <a:r>
+              <a:rPr lang="en-US" sz="1600" b="0" i="1" dirty="0">
+                <a:solidFill>
+                  <a:srgbClr val="242424"/>
+                </a:solidFill>
+                <a:effectLst/>
+                <a:latin typeface="source-serif-pro"/>
+              </a:rPr>
+              <a:t>It serves as an </a:t>
+            </a:r>
+            <a:r>
+              <a:rPr lang="en-US" sz="1600" b="1" i="1" dirty="0">
+                <a:solidFill>
+                  <a:srgbClr val="242424"/>
+                </a:solidFill>
+                <a:effectLst/>
+                <a:latin typeface="source-serif-pro"/>
+              </a:rPr>
+              <a:t>accelerator</a:t>
+            </a:r>
+            <a:r>
+              <a:rPr lang="en-US" sz="1600" b="0" i="1" dirty="0">
+                <a:solidFill>
+                  <a:srgbClr val="242424"/>
+                </a:solidFill>
+                <a:effectLst/>
+                <a:latin typeface="source-serif-pro"/>
+              </a:rPr>
+              <a:t>, streamlining processes while </a:t>
+            </a:r>
+            <a:r>
+              <a:rPr lang="en-US" sz="1600" b="1" i="1" dirty="0">
+                <a:solidFill>
+                  <a:srgbClr val="242424"/>
+                </a:solidFill>
+                <a:effectLst/>
+                <a:latin typeface="source-serif-pro"/>
+              </a:rPr>
+              <a:t>still requiring human oversight </a:t>
+            </a:r>
+            <a:r>
+              <a:rPr lang="en-US" sz="1600" b="0" i="1" dirty="0">
+                <a:solidFill>
+                  <a:srgbClr val="242424"/>
+                </a:solidFill>
+                <a:effectLst/>
+                <a:latin typeface="source-serif-pro"/>
+              </a:rPr>
+              <a:t>for guidance and validation of output.”</a:t>
+            </a:r>
+          </a:p>
+          <a:p>
+            <a:pPr algn="r"/>
+            <a:r>
+              <a:rPr lang="en-US" sz="1600" i="1" dirty="0">
+                <a:solidFill>
+                  <a:srgbClr val="242424"/>
+                </a:solidFill>
+                <a:latin typeface="source-serif-pro"/>
+              </a:rPr>
+              <a:t>~ Vasudevan Seshadri</a:t>
+            </a:r>
+            <a:endParaRPr lang="en-US" sz="1600" b="0" i="0" dirty="0">
+              <a:solidFill>
+                <a:srgbClr val="242424"/>
+              </a:solidFill>
+              <a:effectLst/>
+              <a:latin typeface="source-serif-pro"/>
+            </a:endParaRPr>
+          </a:p>
+        </p:txBody>
+      </p:sp>
     </p:spTree>
     <p:extLst>
       <p:ext uri="{BB962C8B-B14F-4D97-AF65-F5344CB8AC3E}">
-        <p14:creationId xmlns:p14="http://schemas.microsoft.com/office/powerpoint/2010/main" val="2777634583"/>
+        <p14:creationId xmlns:p14="http://schemas.microsoft.com/office/powerpoint/2010/main" val="3324275414"/>
       </p:ext>
     </p:extLst>
   </p:cSld>
@@ -12262,7 +13519,7 @@
 <file path=ppt/theme/theme1.xml><?xml version="1.0" encoding="utf-8"?>
 <a:theme xmlns:a="http://schemas.openxmlformats.org/drawingml/2006/main" name="Office Theme">
   <a:themeElements>
-    <a:clrScheme name="Office">
+    <a:clrScheme name="Office Theme">
       <a:dk1>
         <a:sysClr val="windowText" lastClr="000000"/>
       </a:dk1>
@@ -12300,7 +13557,7 @@
         <a:srgbClr val="954F72"/>
       </a:folHlink>
     </a:clrScheme>
-    <a:fontScheme name="Office">
+    <a:fontScheme name="Office Theme">
       <a:majorFont>
         <a:latin typeface="Calibri Light" panose="020F0302020204030204"/>
         <a:ea typeface=""/>
@@ -12335,23 +13592,6 @@
         <a:font script="Viet" typeface="Times New Roman"/>
         <a:font script="Uigh" typeface="Microsoft Uighur"/>
         <a:font script="Geor" typeface="Sylfaen"/>
-        <a:font script="Armn" typeface="Arial"/>
-        <a:font script="Bugi" typeface="Leelawadee UI"/>
-        <a:font script="Bopo" typeface="Microsoft JhengHei"/>
-        <a:font script="Java" typeface="Javanese Text"/>
-        <a:font script="Lisu" typeface="Segoe UI"/>
-        <a:font script="Mymr" typeface="Myanmar Text"/>
-        <a:font script="Nkoo" typeface="Ebrima"/>
-        <a:font script="Olck" typeface="Nirmala UI"/>
-        <a:font script="Osma" typeface="Ebrima"/>
-        <a:font script="Phag" typeface="Phagspa"/>
-        <a:font script="Syrn" typeface="Estrangelo Edessa"/>
-        <a:font script="Syrj" typeface="Estrangelo Edessa"/>
-        <a:font script="Syre" typeface="Estrangelo Edessa"/>
-        <a:font script="Sora" typeface="Nirmala UI"/>
-        <a:font script="Tale" typeface="Microsoft Tai Le"/>
-        <a:font script="Talu" typeface="Microsoft New Tai Lue"/>
-        <a:font script="Tfng" typeface="Ebrima"/>
       </a:majorFont>
       <a:minorFont>
         <a:latin typeface="Calibri" panose="020F0502020204030204"/>
@@ -12387,26 +13627,9 @@
         <a:font script="Viet" typeface="Arial"/>
         <a:font script="Uigh" typeface="Microsoft Uighur"/>
         <a:font script="Geor" typeface="Sylfaen"/>
-        <a:font script="Armn" typeface="Arial"/>
-        <a:font script="Bugi" typeface="Leelawadee UI"/>
-        <a:font script="Bopo" typeface="Microsoft JhengHei"/>
-        <a:font script="Java" typeface="Javanese Text"/>
-        <a:font script="Lisu" typeface="Segoe UI"/>
-        <a:font script="Mymr" typeface="Myanmar Text"/>
-        <a:font script="Nkoo" typeface="Ebrima"/>
-        <a:font script="Olck" typeface="Nirmala UI"/>
-        <a:font script="Osma" typeface="Ebrima"/>
-        <a:font script="Phag" typeface="Phagspa"/>
-        <a:font script="Syrn" typeface="Estrangelo Edessa"/>
-        <a:font script="Syrj" typeface="Estrangelo Edessa"/>
-        <a:font script="Syre" typeface="Estrangelo Edessa"/>
-        <a:font script="Sora" typeface="Nirmala UI"/>
-        <a:font script="Tale" typeface="Microsoft Tai Le"/>
-        <a:font script="Talu" typeface="Microsoft New Tai Lue"/>
-        <a:font script="Tfng" typeface="Ebrima"/>
       </a:minorFont>
     </a:fontScheme>
-    <a:fmtScheme name="Office">
+    <a:fmtScheme name="Office Theme">
       <a:fillStyleLst>
         <a:solidFill>
           <a:schemeClr val="phClr"/>
@@ -12548,7 +13771,7 @@
   <a:extraClrSchemeLst/>
   <a:extLst>
     <a:ext uri="{05A4C25C-085E-4340-85A3-A5531E510DB2}">
-      <thm15:themeFamily xmlns:thm15="http://schemas.microsoft.com/office/thememl/2012/main" name="Office Theme" id="{62F939B6-93AF-4DB8-9C6B-D6C7DFDC589F}" vid="{4A3C46E8-61CC-4603-A589-7422A47A8E4A}"/>
+      <thm15:themeFamily xmlns:thm15="http://schemas.microsoft.com/office/thememl/2012/main" name="Office 2013 - 2022 Theme" id="{62F939B6-93AF-4DB8-9C6B-D6C7DFDC589F}" vid="{4A3C46E8-61CC-4603-A589-7422A47A8E4A}"/>
     </a:ext>
   </a:extLst>
 </a:theme>
